--- a/Lectures/0. Course Introduction/--for-editing--Course Introduction.pptx
+++ b/Lectures/0. Course Introduction/--for-editing--Course Introduction.pptx
@@ -23,19 +23,19 @@
     <p:sldId id="349" r:id="rId11"/>
     <p:sldId id="328" r:id="rId12"/>
     <p:sldId id="329" r:id="rId13"/>
-    <p:sldId id="352" r:id="rId14"/>
-    <p:sldId id="332" r:id="rId15"/>
-    <p:sldId id="353" r:id="rId16"/>
-    <p:sldId id="354" r:id="rId17"/>
-    <p:sldId id="355" r:id="rId18"/>
-    <p:sldId id="356" r:id="rId19"/>
-    <p:sldId id="357" r:id="rId20"/>
-    <p:sldId id="339" r:id="rId21"/>
-    <p:sldId id="340" r:id="rId22"/>
-    <p:sldId id="350" r:id="rId23"/>
-    <p:sldId id="343" r:id="rId24"/>
-    <p:sldId id="344" r:id="rId25"/>
-    <p:sldId id="345" r:id="rId26"/>
+    <p:sldId id="362" r:id="rId14"/>
+    <p:sldId id="363" r:id="rId15"/>
+    <p:sldId id="364" r:id="rId16"/>
+    <p:sldId id="365" r:id="rId17"/>
+    <p:sldId id="366" r:id="rId18"/>
+    <p:sldId id="339" r:id="rId19"/>
+    <p:sldId id="340" r:id="rId20"/>
+    <p:sldId id="367" r:id="rId21"/>
+    <p:sldId id="350" r:id="rId22"/>
+    <p:sldId id="343" r:id="rId23"/>
+    <p:sldId id="344" r:id="rId24"/>
+    <p:sldId id="345" r:id="rId25"/>
+    <p:sldId id="359" r:id="rId26"/>
     <p:sldId id="346" r:id="rId27"/>
   </p:sldIdLst>
   <p:sldSz cx="9144000" cy="6858000" type="screen4x3"/>
@@ -283,7 +283,7 @@
             <a:fld id="{3BF7C7B5-275F-4D1F-9AB4-9255447DBC73}" type="datetimeFigureOut">
               <a:rPr lang="en-US"/>
               <a:pPr/>
-              <a:t>7/29/2011</a:t>
+              <a:t>05-Oct-11</a:t>
             </a:fld>
             <a:endParaRPr lang="en-US" dirty="0"/>
           </a:p>
@@ -514,7 +514,7 @@
             <a:fld id="{9B46F231-FB2B-4655-A644-E2477325E686}" type="datetimeFigureOut">
               <a:rPr lang="en-US"/>
               <a:pPr/>
-              <a:t>7/29/2011</a:t>
+              <a:t>05-Oct-11</a:t>
             </a:fld>
             <a:endParaRPr lang="en-US" dirty="0"/>
           </a:p>
@@ -5558,8 +5558,8 @@
         </p:nvSpPr>
         <p:spPr>
           <a:xfrm>
-            <a:off x="381000" y="914400"/>
-            <a:ext cx="8305800" cy="2209800"/>
+            <a:off x="381000" y="1371600"/>
+            <a:ext cx="8305800" cy="1524000"/>
           </a:xfrm>
         </p:spPr>
         <p:txBody>
@@ -5568,11 +5568,15 @@
           <a:p>
             <a:r>
               <a:rPr lang="en-US" sz="4800" dirty="0" smtClean="0"/>
-              <a:t>Web Applications Development with .NET Framework and </a:t>
+              <a:t>Web Applications </a:t>
             </a:r>
             <a:r>
               <a:rPr lang="en-US" sz="4800" dirty="0" smtClean="0"/>
-              <a:t>ASP.NET MVC</a:t>
+              <a:t>with ASP.NET </a:t>
+            </a:r>
+            <a:r>
+              <a:rPr lang="en-US" sz="4800" dirty="0" smtClean="0"/>
+              <a:t>MVC</a:t>
             </a:r>
             <a:endParaRPr lang="en-US" sz="4800" dirty="0"/>
           </a:p>
@@ -5590,7 +5594,7 @@
         </p:nvSpPr>
         <p:spPr>
           <a:xfrm>
-            <a:off x="361950" y="3317080"/>
+            <a:off x="361950" y="3200400"/>
             <a:ext cx="8229600" cy="569120"/>
           </a:xfrm>
         </p:spPr>
@@ -5804,8 +5808,13 @@
             </a:pPr>
             <a:r>
               <a:rPr lang="en-US" sz="3000" dirty="0"/>
-              <a:t>ASP.NET Advanced Topics</a:t>
-            </a:r>
+              <a:t>ASP.NET MVC part </a:t>
+            </a:r>
+            <a:r>
+              <a:rPr lang="en-US" sz="3000" dirty="0" smtClean="0"/>
+              <a:t>2</a:t>
+            </a:r>
+            <a:endParaRPr lang="en-US" sz="3000" dirty="0" smtClean="0"/>
           </a:p>
           <a:p>
             <a:pPr marL="457200" lvl="1" indent="-228600">
@@ -5814,16 +5823,28 @@
               </a:lnSpc>
             </a:pPr>
             <a:r>
-              <a:rPr lang="en-US" sz="2800" dirty="0"/>
-              <a:t>Master Pages, User Controls, Site Maps, Localization, Validation Controls, </a:t>
-            </a:r>
-            <a:r>
-              <a:rPr lang="en-US" sz="2800" noProof="1"/>
-              <a:t>Web.config</a:t>
-            </a:r>
-            <a:r>
-              <a:rPr lang="en-US" sz="2800" dirty="0"/>
-              <a:t>, IIS and Deployment</a:t>
+              <a:rPr lang="en-US" sz="2800" dirty="0" smtClean="0"/>
+              <a:t>Unit testing, test-driven development, </a:t>
+            </a:r>
+            <a:r>
+              <a:rPr lang="en-US" sz="2800" dirty="0" err="1" smtClean="0"/>
+              <a:t>NuGet</a:t>
+            </a:r>
+            <a:r>
+              <a:rPr lang="en-US" sz="2800" dirty="0" smtClean="0"/>
+              <a:t> package management, Deployment</a:t>
+            </a:r>
+            <a:r>
+              <a:rPr lang="bg-BG" sz="2800" dirty="0"/>
+              <a:t> </a:t>
+            </a:r>
+            <a:r>
+              <a:rPr lang="en-US" sz="2800" dirty="0" smtClean="0"/>
+              <a:t>and</a:t>
+            </a:r>
+            <a:r>
+              <a:rPr lang="en-US" sz="2800" dirty="0" smtClean="0"/>
+              <a:t> Security</a:t>
             </a:r>
           </a:p>
           <a:p>
@@ -5837,8 +5858,13 @@
             </a:pPr>
             <a:r>
               <a:rPr lang="en-US" sz="3000" dirty="0"/>
-              <a:t>ASP.NET Membership</a:t>
-            </a:r>
+              <a:t>ASP.NET MVC part </a:t>
+            </a:r>
+            <a:r>
+              <a:rPr lang="en-US" sz="3000" dirty="0" smtClean="0"/>
+              <a:t>3</a:t>
+            </a:r>
+            <a:endParaRPr lang="en-US" sz="3000" dirty="0"/>
           </a:p>
           <a:p>
             <a:pPr marL="457200" lvl="1" indent="-228600">
@@ -5848,9 +5874,32 @@
             </a:pPr>
             <a:r>
               <a:rPr lang="en-US" sz="2800" dirty="0"/>
-              <a:t>Authentication and Authorization, Windows and Forms Authentication, Users, Roles, Membership and Providers, Login Controls</a:t>
-            </a:r>
-            <a:endParaRPr lang="en-US" sz="2800" noProof="1"/>
+              <a:t>MVC </a:t>
+            </a:r>
+            <a:r>
+              <a:rPr lang="en-US" sz="2800" dirty="0"/>
+              <a:t>Scaffolding, </a:t>
+            </a:r>
+            <a:r>
+              <a:rPr lang="en-US" sz="2800" dirty="0"/>
+              <a:t>AJAX </a:t>
+            </a:r>
+            <a:r>
+              <a:rPr lang="en-US" sz="2800" dirty="0"/>
+              <a:t>with</a:t>
+            </a:r>
+            <a:r>
+              <a:rPr lang="bg-BG" sz="2800" dirty="0"/>
+              <a:t> </a:t>
+            </a:r>
+            <a:r>
+              <a:rPr lang="en-US" sz="2800" dirty="0"/>
+              <a:t>ASP.NET </a:t>
+            </a:r>
+            <a:r>
+              <a:rPr lang="en-US" sz="2800" dirty="0"/>
+              <a:t>MVC, Best practices, Monitoring</a:t>
+            </a:r>
           </a:p>
           <a:p>
             <a:pPr marL="457200" lvl="1" indent="-228600">
@@ -5860,30 +5909,15 @@
             </a:pPr>
             <a:r>
               <a:rPr lang="en-US" sz="2800" dirty="0"/>
-              <a:t>ASP.NET AJAX</a:t>
-            </a:r>
-          </a:p>
-          <a:p>
-            <a:pPr marL="457200" lvl="1" indent="-228600">
-              <a:lnSpc>
-                <a:spcPct val="90000"/>
-              </a:lnSpc>
-            </a:pPr>
-            <a:r>
-              <a:rPr lang="en-US" sz="2800" noProof="1"/>
-              <a:t>ScriptManager</a:t>
+              <a:t>Some other advanced </a:t>
             </a:r>
             <a:r>
               <a:rPr lang="en-US" sz="2800" dirty="0"/>
-              <a:t>, </a:t>
-            </a:r>
-            <a:r>
-              <a:rPr lang="en-US" sz="2800" noProof="1"/>
-              <a:t>UpdatePanel</a:t>
+              <a:t>t</a:t>
             </a:r>
             <a:r>
               <a:rPr lang="en-US" sz="2800" dirty="0"/>
-              <a:t>, AJAX Control Toolkit</a:t>
+              <a:t>opics</a:t>
             </a:r>
           </a:p>
           <a:p>
@@ -5896,8 +5930,8 @@
               <a:tabLst/>
             </a:pPr>
             <a:r>
-              <a:rPr lang="en-US" sz="3000" dirty="0"/>
-              <a:t>Practical Project Live Demo – Blog System</a:t>
+              <a:rPr lang="en-US" sz="3000" dirty="0" smtClean="0"/>
+              <a:t>Practical Project Live Demo</a:t>
             </a:r>
           </a:p>
           <a:p>
@@ -5910,8 +5944,12 @@
               <a:tabLst/>
             </a:pPr>
             <a:r>
+              <a:rPr lang="en-US" sz="3000" dirty="0" smtClean="0"/>
+              <a:t>Practical </a:t>
+            </a:r>
+            <a:r>
               <a:rPr lang="en-US" sz="3000" dirty="0"/>
-              <a:t>Practical Projects Defense (Certification </a:t>
+              <a:t>Projects Defense (Certification </a:t>
             </a:r>
             <a:r>
               <a:rPr lang="en-US" sz="3000" dirty="0" smtClean="0"/>
@@ -6151,7 +6189,37 @@
             </a:pPr>
             <a:r>
               <a:rPr lang="en-US" dirty="0" smtClean="0"/>
-              <a:t>Manager Technical Training,	 Telerik Corporation,		 Telerik Academy</a:t>
+              <a:t>Manager Technical </a:t>
+            </a:r>
+            <a:r>
+              <a:rPr lang="en-US" dirty="0" smtClean="0"/>
+              <a:t>Training</a:t>
+            </a:r>
+          </a:p>
+          <a:p>
+            <a:pPr lvl="2">
+              <a:lnSpc>
+                <a:spcPct val="100000"/>
+              </a:lnSpc>
+            </a:pPr>
+            <a:r>
+              <a:rPr lang="en-US" dirty="0" smtClean="0"/>
+              <a:t>Telerik Corporation</a:t>
+            </a:r>
+          </a:p>
+          <a:p>
+            <a:pPr lvl="2">
+              <a:lnSpc>
+                <a:spcPct val="100000"/>
+              </a:lnSpc>
+            </a:pPr>
+            <a:r>
+              <a:rPr lang="en-US" dirty="0" smtClean="0"/>
+              <a:t>Telerik </a:t>
+            </a:r>
+            <a:r>
+              <a:rPr lang="en-US" dirty="0" smtClean="0"/>
+              <a:t>Academy</a:t>
             </a:r>
           </a:p>
           <a:p>
@@ -6162,7 +6230,15 @@
             </a:pPr>
             <a:r>
               <a:rPr lang="en-US" dirty="0" smtClean="0"/>
-              <a:t>15 years software development experience</a:t>
+              <a:t>20</a:t>
+            </a:r>
+            <a:r>
+              <a:rPr lang="en-US" dirty="0" smtClean="0"/>
+              <a:t> </a:t>
+            </a:r>
+            <a:r>
+              <a:rPr lang="en-US" dirty="0" smtClean="0"/>
+              <a:t>years software development experience</a:t>
             </a:r>
           </a:p>
         </p:txBody>
@@ -6219,17 +6295,16 @@
           <a:prstGeom prst="rect">
             <a:avLst/>
           </a:prstGeom>
-          <a:noFill/>
-          <a:ln w="3175">
-            <a:solidFill>
-              <a:schemeClr val="accent5">
-                <a:lumMod val="75000"/>
-              </a:schemeClr>
-            </a:solidFill>
-            <a:miter lim="800000"/>
-            <a:headEnd/>
-            <a:tailEnd/>
+          <a:ln>
+            <a:noFill/>
           </a:ln>
+          <a:effectLst>
+            <a:outerShdw blurRad="190500" algn="tl" rotWithShape="0">
+              <a:srgbClr val="000000">
+                <a:alpha val="70000"/>
+              </a:srgbClr>
+            </a:outerShdw>
+          </a:effectLst>
         </p:spPr>
       </p:pic>
       <p:sp>
@@ -6240,8 +6315,8 @@
         </p:nvSpPr>
         <p:spPr>
           <a:xfrm>
-            <a:off x="228600" y="4419600"/>
-            <a:ext cx="8610600" cy="1785104"/>
+            <a:off x="228600" y="4545449"/>
+            <a:ext cx="8610600" cy="1169551"/>
           </a:xfrm>
           <a:prstGeom prst="rect">
             <a:avLst/>
@@ -6395,76 +6470,6 @@
                 <a:hlinkClick r:id="rId3"/>
               </a:rPr>
               <a:t>www.nakov.com</a:t>
-            </a:r>
-            <a:endParaRPr lang="en-US" sz="3000" b="1" dirty="0" smtClean="0">
-              <a:solidFill>
-                <a:srgbClr val="CCFF66">
-                  <a:lumMod val="40000"/>
-                  <a:lumOff val="60000"/>
-                </a:srgbClr>
-              </a:solidFill>
-              <a:effectLst>
-                <a:outerShdw blurRad="38100" dist="38100" dir="2700000" algn="tl">
-                  <a:srgbClr val="000000">
-                    <a:alpha val="43137"/>
-                  </a:srgbClr>
-                </a:outerShdw>
-              </a:effectLst>
-              <a:latin typeface="Corbel"/>
-            </a:endParaRPr>
-          </a:p>
-          <a:p>
-            <a:pPr marL="630238" lvl="1" indent="-273050">
-              <a:spcBef>
-                <a:spcPts val="600"/>
-              </a:spcBef>
-              <a:spcAft>
-                <a:spcPts val="600"/>
-              </a:spcAft>
-              <a:buClr>
-                <a:srgbClr val="8FD600"/>
-              </a:buClr>
-              <a:buFont typeface="Wingdings 2" pitchFamily="18" charset="2"/>
-              <a:buChar char=""/>
-            </a:pPr>
-            <a:r>
-              <a:rPr lang="en-US" sz="3000" b="1" noProof="1" smtClean="0">
-                <a:solidFill>
-                  <a:srgbClr val="CCFF66">
-                    <a:lumMod val="40000"/>
-                    <a:lumOff val="60000"/>
-                  </a:srgbClr>
-                </a:solidFill>
-                <a:effectLst>
-                  <a:outerShdw blurRad="38100" dist="38100" dir="2700000" algn="tl">
-                    <a:srgbClr val="000000">
-                      <a:alpha val="43137"/>
-                    </a:srgbClr>
-                  </a:outerShdw>
-                </a:effectLst>
-                <a:latin typeface="Corbel"/>
-              </a:rPr>
-              <a:t>Blog: </a:t>
-            </a:r>
-            <a:r>
-              <a:rPr lang="en-US" sz="3000" b="1" noProof="1" smtClean="0">
-                <a:solidFill>
-                  <a:srgbClr val="CCFF66">
-                    <a:lumMod val="40000"/>
-                    <a:lumOff val="60000"/>
-                  </a:srgbClr>
-                </a:solidFill>
-                <a:effectLst>
-                  <a:outerShdw blurRad="38100" dist="38100" dir="2700000" algn="tl">
-                    <a:srgbClr val="000000">
-                      <a:alpha val="43137"/>
-                    </a:srgbClr>
-                  </a:outerShdw>
-                </a:effectLst>
-                <a:latin typeface="Corbel"/>
-                <a:hlinkClick r:id="rId4"/>
-              </a:rPr>
-              <a:t>http://nakov.com/blog/</a:t>
             </a:r>
             <a:endParaRPr lang="en-US" sz="3000" b="1" dirty="0">
               <a:solidFill>
@@ -6517,6 +6522,75 @@
           <a:chExt cx="0" cy="0"/>
         </a:xfrm>
       </p:grpSpPr>
+      <p:pic>
+        <p:nvPicPr>
+          <p:cNvPr id="11" name="Picture 2"/>
+          <p:cNvPicPr>
+            <a:picLocks noChangeAspect="1" noChangeArrowheads="1"/>
+          </p:cNvPicPr>
+          <p:nvPr/>
+        </p:nvPicPr>
+        <p:blipFill>
+          <a:blip r:embed="rId2">
+            <a:extLst>
+              <a:ext uri="{28A0092B-C50C-407E-A947-70E740481C1C}">
+                <a14:useLocalDpi xmlns:a14="http://schemas.microsoft.com/office/drawing/2010/main" val="0"/>
+              </a:ext>
+            </a:extLst>
+          </a:blip>
+          <a:srcRect/>
+          <a:stretch>
+            <a:fillRect/>
+          </a:stretch>
+        </p:blipFill>
+        <p:spPr bwMode="auto">
+          <a:xfrm>
+            <a:off x="6629399" y="1063841"/>
+            <a:ext cx="2006839" cy="2449412"/>
+          </a:xfrm>
+          <a:prstGeom prst="rect">
+            <a:avLst/>
+          </a:prstGeom>
+          <a:ln>
+            <a:noFill/>
+          </a:ln>
+          <a:effectLst>
+            <a:outerShdw blurRad="190500" algn="tl" rotWithShape="0">
+              <a:srgbClr val="000000">
+                <a:alpha val="70000"/>
+              </a:srgbClr>
+            </a:outerShdw>
+          </a:effectLst>
+          <a:extLst>
+            <a:ext uri="{909E8E84-426E-40DD-AFC4-6F175D3DCCD1}">
+              <a14:hiddenFill xmlns:a14="http://schemas.microsoft.com/office/drawing/2010/main">
+                <a:solidFill>
+                  <a:schemeClr val="accent1"/>
+                </a:solidFill>
+              </a14:hiddenFill>
+            </a:ext>
+            <a:ext uri="{91240B29-F687-4F45-9708-019B960494DF}">
+              <a14:hiddenLine xmlns:a14="http://schemas.microsoft.com/office/drawing/2010/main" w="9525">
+                <a:solidFill>
+                  <a:schemeClr val="tx1"/>
+                </a:solidFill>
+                <a:miter lim="800000"/>
+                <a:headEnd/>
+                <a:tailEnd/>
+              </a14:hiddenLine>
+            </a:ext>
+            <a:ext uri="{AF507438-7753-43E0-B8FC-AC1667EBCBE1}">
+              <a14:hiddenEffects xmlns:a14="http://schemas.microsoft.com/office/drawing/2010/main">
+                <a:effectLst>
+                  <a:outerShdw dist="35921" dir="2700000" algn="ctr" rotWithShape="0">
+                    <a:schemeClr val="bg2"/>
+                  </a:outerShdw>
+                </a:effectLst>
+              </a14:hiddenEffects>
+            </a:ext>
+          </a:extLst>
+        </p:spPr>
+      </p:pic>
       <p:sp>
         <p:nvSpPr>
           <p:cNvPr id="4" name="Title 3"/>
@@ -6534,7 +6608,11 @@
           <a:p>
             <a:r>
               <a:rPr lang="en-US" dirty="0" smtClean="0"/>
-              <a:t>Trainers Team (2)</a:t>
+              <a:t>Trainers </a:t>
+            </a:r>
+            <a:r>
+              <a:rPr lang="en-US" dirty="0" smtClean="0"/>
+              <a:t>Team (2)</a:t>
             </a:r>
             <a:endParaRPr lang="en-US" dirty="0"/>
           </a:p>
@@ -6567,8 +6645,9 @@
             </a:pPr>
             <a:r>
               <a:rPr lang="en-US" dirty="0" smtClean="0"/>
-              <a:t>Vesko Kolev</a:t>
-            </a:r>
+              <a:t>Nikolay Kostov</a:t>
+            </a:r>
+            <a:endParaRPr lang="en-US" dirty="0" smtClean="0"/>
           </a:p>
           <a:p>
             <a:pPr lvl="1">
@@ -6577,34 +6656,51 @@
               </a:lnSpc>
             </a:pPr>
             <a:r>
-              <a:rPr lang="en-US" dirty="0"/>
-              <a:t>Senior Software Engineer</a:t>
-            </a:r>
-            <a:r>
-              <a:rPr lang="bg-BG" dirty="0" smtClean="0"/>
-              <a:t>,</a:t>
-            </a:r>
-            <a:r>
               <a:rPr lang="en-US" dirty="0" smtClean="0"/>
-              <a:t>    </a:t>
-            </a:r>
-            <a:r>
-              <a:rPr lang="bg-BG" dirty="0" smtClean="0"/>
-              <a:t> </a:t>
-            </a:r>
-            <a:r>
-              <a:rPr lang="en-US" dirty="0">
-                <a:hlinkClick r:id="rId2"/>
-              </a:rPr>
-              <a:t>Telerik </a:t>
-            </a:r>
-            <a:r>
-              <a:rPr lang="en-US" dirty="0" smtClean="0">
-                <a:hlinkClick r:id="rId2"/>
-              </a:rPr>
-              <a:t>Corporation</a:t>
-            </a:r>
-            <a:endParaRPr lang="en-US" dirty="0"/>
+              <a:t>Technical Trainer</a:t>
+            </a:r>
+          </a:p>
+          <a:p>
+            <a:pPr lvl="2">
+              <a:lnSpc>
+                <a:spcPct val="100000"/>
+              </a:lnSpc>
+            </a:pPr>
+            <a:r>
+              <a:rPr lang="en-US" dirty="0" smtClean="0"/>
+              <a:t>Telerik Corporation</a:t>
+            </a:r>
+          </a:p>
+          <a:p>
+            <a:pPr lvl="2">
+              <a:lnSpc>
+                <a:spcPct val="100000"/>
+              </a:lnSpc>
+            </a:pPr>
+            <a:r>
+              <a:rPr lang="en-US" dirty="0" smtClean="0"/>
+              <a:t>Telerik Academy</a:t>
+            </a:r>
+          </a:p>
+          <a:p>
+            <a:pPr lvl="1">
+              <a:lnSpc>
+                <a:spcPct val="100000"/>
+              </a:lnSpc>
+            </a:pPr>
+            <a:r>
+              <a:rPr lang="en-US" dirty="0" smtClean="0"/>
+              <a:t>3</a:t>
+            </a:r>
+            <a:r>
+              <a:rPr lang="en-US" baseline="30000" dirty="0" smtClean="0"/>
+              <a:t>rd</a:t>
+            </a:r>
+            <a:r>
+              <a:rPr lang="en-US" dirty="0" smtClean="0"/>
+              <a:t> year student in FMI</a:t>
+            </a:r>
+            <a:endParaRPr lang="en-US" dirty="0" smtClean="0"/>
           </a:p>
         </p:txBody>
       </p:sp>
@@ -6645,8 +6741,8 @@
         </p:nvSpPr>
         <p:spPr>
           <a:xfrm>
-            <a:off x="228600" y="2819400"/>
-            <a:ext cx="7010400" cy="1169551"/>
+            <a:off x="228600" y="4088249"/>
+            <a:ext cx="8610600" cy="1169551"/>
           </a:xfrm>
           <a:prstGeom prst="rect">
             <a:avLst/>
@@ -6672,7 +6768,13 @@
               <a:buChar char=""/>
             </a:pPr>
             <a:r>
-              <a:rPr lang="en-US" sz="3000" b="1" dirty="0">
+              <a:rPr lang="en-US" sz="3000" b="1" dirty="0" smtClean="0">
+                <a:solidFill>
+                  <a:srgbClr val="CCFF66">
+                    <a:lumMod val="40000"/>
+                    <a:lumOff val="60000"/>
+                  </a:srgbClr>
+                </a:solidFill>
                 <a:effectLst>
                   <a:outerShdw blurRad="38100" dist="38100" dir="2700000" algn="tl">
                     <a:srgbClr val="000000">
@@ -6680,11 +6782,18 @@
                     </a:srgbClr>
                   </a:outerShdw>
                 </a:effectLst>
+                <a:latin typeface="Corbel"/>
               </a:rPr>
-              <a:t>Email: </a:t>
-            </a:r>
-            <a:r>
-              <a:rPr lang="en-US" sz="3000" b="1" dirty="0" smtClean="0">
+              <a:t>E-mail: </a:t>
+            </a:r>
+            <a:r>
+              <a:rPr lang="en-US" sz="3000" b="1" noProof="1" smtClean="0">
+                <a:solidFill>
+                  <a:srgbClr val="CCFF66">
+                    <a:lumMod val="40000"/>
+                    <a:lumOff val="60000"/>
+                  </a:srgbClr>
+                </a:solidFill>
                 <a:effectLst>
                   <a:outerShdw blurRad="38100" dist="38100" dir="2700000" algn="tl">
                     <a:srgbClr val="000000">
@@ -6692,8 +6801,47 @@
                     </a:srgbClr>
                   </a:outerShdw>
                 </a:effectLst>
+                <a:latin typeface="Corbel"/>
               </a:rPr>
-              <a:t>vesko.kolev [at] telerik.com</a:t>
+              <a:t>nikolay.kostov</a:t>
+            </a:r>
+            <a:r>
+              <a:rPr lang="en-US" sz="3000" b="1" dirty="0" smtClean="0">
+                <a:solidFill>
+                  <a:srgbClr val="CCFF66">
+                    <a:lumMod val="40000"/>
+                    <a:lumOff val="60000"/>
+                  </a:srgbClr>
+                </a:solidFill>
+                <a:effectLst>
+                  <a:outerShdw blurRad="38100" dist="38100" dir="2700000" algn="tl">
+                    <a:srgbClr val="000000">
+                      <a:alpha val="43137"/>
+                    </a:srgbClr>
+                  </a:outerShdw>
+                </a:effectLst>
+                <a:latin typeface="Corbel"/>
+              </a:rPr>
+              <a:t> </a:t>
+            </a:r>
+            <a:r>
+              <a:rPr lang="en-US" sz="3000" b="1" dirty="0" smtClean="0">
+                <a:solidFill>
+                  <a:srgbClr val="CCFF66">
+                    <a:lumMod val="40000"/>
+                    <a:lumOff val="60000"/>
+                  </a:srgbClr>
+                </a:solidFill>
+                <a:effectLst>
+                  <a:outerShdw blurRad="38100" dist="38100" dir="2700000" algn="tl">
+                    <a:srgbClr val="000000">
+                      <a:alpha val="43137"/>
+                    </a:srgbClr>
+                  </a:outerShdw>
+                </a:effectLst>
+                <a:latin typeface="Corbel"/>
+              </a:rPr>
+              <a:t>[at] telerik.com</a:t>
             </a:r>
           </a:p>
           <a:p>
@@ -6712,6 +6860,12 @@
             </a:pPr>
             <a:r>
               <a:rPr lang="en-US" sz="3000" b="1" dirty="0" smtClean="0">
+                <a:solidFill>
+                  <a:srgbClr val="CCFF66">
+                    <a:lumMod val="40000"/>
+                    <a:lumOff val="60000"/>
+                  </a:srgbClr>
+                </a:solidFill>
                 <a:effectLst>
                   <a:outerShdw blurRad="38100" dist="38100" dir="2700000" algn="tl">
                     <a:srgbClr val="000000">
@@ -6719,11 +6873,18 @@
                     </a:srgbClr>
                   </a:outerShdw>
                 </a:effectLst>
+                <a:latin typeface="Corbel"/>
               </a:rPr>
-              <a:t>Blog</a:t>
-            </a:r>
-            <a:r>
-              <a:rPr lang="en-US" sz="3000" b="1" dirty="0">
+              <a:t>Web site</a:t>
+            </a:r>
+            <a:r>
+              <a:rPr lang="ru-RU" sz="3000" b="1" dirty="0" smtClean="0">
+                <a:solidFill>
+                  <a:srgbClr val="CCFF66">
+                    <a:lumMod val="40000"/>
+                    <a:lumOff val="60000"/>
+                  </a:srgbClr>
+                </a:solidFill>
                 <a:effectLst>
                   <a:outerShdw blurRad="38100" dist="38100" dir="2700000" algn="tl">
                     <a:srgbClr val="000000">
@@ -6731,11 +6892,18 @@
                     </a:srgbClr>
                   </a:outerShdw>
                 </a:effectLst>
+                <a:latin typeface="Corbel"/>
               </a:rPr>
               <a:t>: </a:t>
             </a:r>
             <a:r>
-              <a:rPr lang="en-US" sz="3000" b="1" dirty="0">
+              <a:rPr lang="en-US" sz="3000" b="1" dirty="0" smtClean="0">
+                <a:solidFill>
+                  <a:srgbClr val="CCFF66">
+                    <a:lumMod val="40000"/>
+                    <a:lumOff val="60000"/>
+                  </a:srgbClr>
+                </a:solidFill>
                 <a:effectLst>
                   <a:outerShdw blurRad="38100" dist="38100" dir="2700000" algn="tl">
                     <a:srgbClr val="000000">
@@ -6743,9 +6911,10 @@
                     </a:srgbClr>
                   </a:outerShdw>
                 </a:effectLst>
+                <a:latin typeface="Corbel"/>
                 <a:hlinkClick r:id="rId3"/>
               </a:rPr>
-              <a:t>http://veskokolev.blogspot.com</a:t>
+              <a:t>www.nikolay.it</a:t>
             </a:r>
             <a:endParaRPr lang="en-US" sz="3000" b="1" dirty="0">
               <a:solidFill>
@@ -6766,70 +6935,10 @@
           </a:p>
         </p:txBody>
       </p:sp>
-      <p:pic>
-        <p:nvPicPr>
-          <p:cNvPr id="1026" name="Picture 2" descr="C:\Telerik Academy\ASP.NET Cource\2010\lectures\lecturers-photos\Vesko Kolev.png"/>
-          <p:cNvPicPr>
-            <a:picLocks noChangeAspect="1" noChangeArrowheads="1"/>
-          </p:cNvPicPr>
-          <p:nvPr/>
-        </p:nvPicPr>
-        <p:blipFill>
-          <a:blip r:embed="rId4">
-            <a:extLst>
-              <a:ext uri="{BEBA8EAE-BF5A-486C-A8C5-ECC9F3942E4B}">
-                <a14:imgProps xmlns:a14="http://schemas.microsoft.com/office/drawing/2010/main">
-                  <a14:imgLayer r:embed="rId5">
-                    <a14:imgEffect>
-                      <a14:brightnessContrast bright="20000"/>
-                    </a14:imgEffect>
-                  </a14:imgLayer>
-                </a14:imgProps>
-              </a:ext>
-              <a:ext uri="{28A0092B-C50C-407E-A947-70E740481C1C}">
-                <a14:useLocalDpi xmlns:a14="http://schemas.microsoft.com/office/drawing/2010/main"/>
-              </a:ext>
-            </a:extLst>
-          </a:blip>
-          <a:srcRect/>
-          <a:stretch>
-            <a:fillRect/>
-          </a:stretch>
-        </p:blipFill>
-        <p:spPr bwMode="auto">
-          <a:xfrm>
-            <a:off x="6858000" y="990600"/>
-            <a:ext cx="1714500" cy="2286000"/>
-          </a:xfrm>
-          <a:prstGeom prst="rect">
-            <a:avLst/>
-          </a:prstGeom>
-          <a:noFill/>
-          <a:ln w="3175">
-            <a:solidFill>
-              <a:schemeClr val="accent5">
-                <a:lumMod val="75000"/>
-              </a:schemeClr>
-            </a:solidFill>
-            <a:miter lim="800000"/>
-            <a:headEnd/>
-            <a:tailEnd/>
-          </a:ln>
-          <a:extLst>
-            <a:ext uri="{909E8E84-426E-40DD-AFC4-6F175D3DCCD1}">
-              <a14:hiddenFill xmlns:a14="http://schemas.microsoft.com/office/drawing/2010/main">
-                <a:solidFill>
-                  <a:srgbClr val="FFFFFF"/>
-                </a:solidFill>
-              </a14:hiddenFill>
-            </a:ext>
-          </a:extLst>
-        </p:spPr>
-      </p:pic>
     </p:spTree>
     <p:extLst>
       <p:ext uri="{BB962C8B-B14F-4D97-AF65-F5344CB8AC3E}">
-        <p14:creationId xmlns:p14="http://schemas.microsoft.com/office/powerpoint/2010/main" val="3089033343"/>
+        <p14:creationId xmlns:p14="http://schemas.microsoft.com/office/powerpoint/2010/main" val="2132941897"/>
       </p:ext>
     </p:extLst>
   </p:cSld>
@@ -6863,6 +6972,75 @@
           <a:chExt cx="0" cy="0"/>
         </a:xfrm>
       </p:grpSpPr>
+      <p:pic>
+        <p:nvPicPr>
+          <p:cNvPr id="1027" name="Picture 3"/>
+          <p:cNvPicPr>
+            <a:picLocks noChangeAspect="1" noChangeArrowheads="1"/>
+          </p:cNvPicPr>
+          <p:nvPr/>
+        </p:nvPicPr>
+        <p:blipFill>
+          <a:blip r:embed="rId2">
+            <a:extLst>
+              <a:ext uri="{28A0092B-C50C-407E-A947-70E740481C1C}">
+                <a14:useLocalDpi xmlns:a14="http://schemas.microsoft.com/office/drawing/2010/main" val="0"/>
+              </a:ext>
+            </a:extLst>
+          </a:blip>
+          <a:srcRect/>
+          <a:stretch>
+            <a:fillRect/>
+          </a:stretch>
+        </p:blipFill>
+        <p:spPr bwMode="auto">
+          <a:xfrm>
+            <a:off x="6629400" y="1063842"/>
+            <a:ext cx="1997985" cy="2449412"/>
+          </a:xfrm>
+          <a:prstGeom prst="rect">
+            <a:avLst/>
+          </a:prstGeom>
+          <a:ln>
+            <a:noFill/>
+          </a:ln>
+          <a:effectLst>
+            <a:outerShdw blurRad="190500" algn="tl" rotWithShape="0">
+              <a:srgbClr val="000000">
+                <a:alpha val="70000"/>
+              </a:srgbClr>
+            </a:outerShdw>
+          </a:effectLst>
+          <a:extLst>
+            <a:ext uri="{909E8E84-426E-40DD-AFC4-6F175D3DCCD1}">
+              <a14:hiddenFill xmlns:a14="http://schemas.microsoft.com/office/drawing/2010/main">
+                <a:solidFill>
+                  <a:schemeClr val="accent1"/>
+                </a:solidFill>
+              </a14:hiddenFill>
+            </a:ext>
+            <a:ext uri="{91240B29-F687-4F45-9708-019B960494DF}">
+              <a14:hiddenLine xmlns:a14="http://schemas.microsoft.com/office/drawing/2010/main" w="9525">
+                <a:solidFill>
+                  <a:schemeClr val="tx1"/>
+                </a:solidFill>
+                <a:miter lim="800000"/>
+                <a:headEnd/>
+                <a:tailEnd/>
+              </a14:hiddenLine>
+            </a:ext>
+            <a:ext uri="{AF507438-7753-43E0-B8FC-AC1667EBCBE1}">
+              <a14:hiddenEffects xmlns:a14="http://schemas.microsoft.com/office/drawing/2010/main">
+                <a:effectLst>
+                  <a:outerShdw dist="35921" dir="2700000" algn="ctr" rotWithShape="0">
+                    <a:schemeClr val="bg2"/>
+                  </a:outerShdw>
+                </a:effectLst>
+              </a14:hiddenEffects>
+            </a:ext>
+          </a:extLst>
+        </p:spPr>
+      </p:pic>
       <p:sp>
         <p:nvSpPr>
           <p:cNvPr id="4" name="Title 3"/>
@@ -6880,7 +7058,11 @@
           <a:p>
             <a:r>
               <a:rPr lang="en-US" dirty="0" smtClean="0"/>
-              <a:t>Trainers Team (3)</a:t>
+              <a:t>Trainers </a:t>
+            </a:r>
+            <a:r>
+              <a:rPr lang="en-US" dirty="0" smtClean="0"/>
+              <a:t>Team (3)</a:t>
             </a:r>
             <a:endParaRPr lang="en-US" dirty="0"/>
           </a:p>
@@ -6899,7 +7081,7 @@
         <p:spPr>
           <a:xfrm>
             <a:off x="228600" y="1066800"/>
-            <a:ext cx="6477000" cy="2438400"/>
+            <a:ext cx="6477000" cy="3505200"/>
           </a:xfrm>
         </p:spPr>
         <p:txBody>
@@ -6913,8 +7095,9 @@
             </a:pPr>
             <a:r>
               <a:rPr lang="en-US" dirty="0" smtClean="0"/>
-              <a:t>Ventsislav Popov</a:t>
-            </a:r>
+              <a:t>Doncho Minkov</a:t>
+            </a:r>
+            <a:endParaRPr lang="en-US" dirty="0" smtClean="0"/>
           </a:p>
           <a:p>
             <a:pPr lvl="1">
@@ -6924,13 +7107,48 @@
             </a:pPr>
             <a:r>
               <a:rPr lang="en-US" dirty="0" smtClean="0"/>
-              <a:t>Developer,		 	         Crossroad,		 </a:t>
-            </a:r>
-            <a:r>
-              <a:rPr lang="en-US" dirty="0" smtClean="0">
-                <a:hlinkClick r:id="rId2"/>
-              </a:rPr>
-              <a:t>www.crossroad.bg</a:t>
+              <a:t>Technical Trainer</a:t>
+            </a:r>
+          </a:p>
+          <a:p>
+            <a:pPr lvl="2">
+              <a:lnSpc>
+                <a:spcPct val="100000"/>
+              </a:lnSpc>
+            </a:pPr>
+            <a:r>
+              <a:rPr lang="en-US" dirty="0" smtClean="0"/>
+              <a:t>Telerik Corporation</a:t>
+            </a:r>
+          </a:p>
+          <a:p>
+            <a:pPr lvl="2">
+              <a:lnSpc>
+                <a:spcPct val="100000"/>
+              </a:lnSpc>
+            </a:pPr>
+            <a:r>
+              <a:rPr lang="en-US" dirty="0" smtClean="0"/>
+              <a:t>Telerik Academy</a:t>
+            </a:r>
+          </a:p>
+          <a:p>
+            <a:pPr lvl="1">
+              <a:lnSpc>
+                <a:spcPct val="100000"/>
+              </a:lnSpc>
+            </a:pPr>
+            <a:r>
+              <a:rPr lang="en-US" dirty="0" smtClean="0"/>
+              <a:t>4</a:t>
+            </a:r>
+            <a:r>
+              <a:rPr lang="en-US" baseline="30000" dirty="0" smtClean="0"/>
+              <a:t>th</a:t>
+            </a:r>
+            <a:r>
+              <a:rPr lang="en-US" dirty="0" smtClean="0"/>
+              <a:t> year student in FMI</a:t>
             </a:r>
             <a:endParaRPr lang="en-US" dirty="0" smtClean="0"/>
           </a:p>
@@ -6973,8 +7191,8 @@
         </p:nvSpPr>
         <p:spPr>
           <a:xfrm>
-            <a:off x="228600" y="3429000"/>
-            <a:ext cx="8610600" cy="553998"/>
+            <a:off x="228600" y="4088249"/>
+            <a:ext cx="8610600" cy="1169551"/>
           </a:xfrm>
           <a:prstGeom prst="rect">
             <a:avLst/>
@@ -7035,7 +7253,7 @@
                 </a:effectLst>
                 <a:latin typeface="Corbel"/>
               </a:rPr>
-              <a:t>ventsy.popov </a:t>
+              <a:t>doncho.minkov</a:t>
             </a:r>
             <a:r>
               <a:rPr lang="en-US" sz="3000" b="1" dirty="0" smtClean="0">
@@ -7054,70 +7272,125 @@
                 </a:effectLst>
                 <a:latin typeface="Corbel"/>
               </a:rPr>
-              <a:t>[at] gmail.com</a:t>
-            </a:r>
+              <a:t> </a:t>
+            </a:r>
+            <a:r>
+              <a:rPr lang="en-US" sz="3000" b="1" dirty="0" smtClean="0">
+                <a:solidFill>
+                  <a:srgbClr val="CCFF66">
+                    <a:lumMod val="40000"/>
+                    <a:lumOff val="60000"/>
+                  </a:srgbClr>
+                </a:solidFill>
+                <a:effectLst>
+                  <a:outerShdw blurRad="38100" dist="38100" dir="2700000" algn="tl">
+                    <a:srgbClr val="000000">
+                      <a:alpha val="43137"/>
+                    </a:srgbClr>
+                  </a:outerShdw>
+                </a:effectLst>
+                <a:latin typeface="Corbel"/>
+              </a:rPr>
+              <a:t>[at] telerik.com</a:t>
+            </a:r>
+          </a:p>
+          <a:p>
+            <a:pPr marL="630238" lvl="1" indent="-273050">
+              <a:spcBef>
+                <a:spcPts val="600"/>
+              </a:spcBef>
+              <a:spcAft>
+                <a:spcPts val="600"/>
+              </a:spcAft>
+              <a:buClr>
+                <a:srgbClr val="8FD600"/>
+              </a:buClr>
+              <a:buFont typeface="Wingdings 2" pitchFamily="18" charset="2"/>
+              <a:buChar char=""/>
+            </a:pPr>
+            <a:r>
+              <a:rPr lang="en-US" sz="3000" b="1" dirty="0" smtClean="0">
+                <a:solidFill>
+                  <a:srgbClr val="CCFF66">
+                    <a:lumMod val="40000"/>
+                    <a:lumOff val="60000"/>
+                  </a:srgbClr>
+                </a:solidFill>
+                <a:effectLst>
+                  <a:outerShdw blurRad="38100" dist="38100" dir="2700000" algn="tl">
+                    <a:srgbClr val="000000">
+                      <a:alpha val="43137"/>
+                    </a:srgbClr>
+                  </a:outerShdw>
+                </a:effectLst>
+                <a:latin typeface="Corbel"/>
+              </a:rPr>
+              <a:t>Web site</a:t>
+            </a:r>
+            <a:r>
+              <a:rPr lang="ru-RU" sz="3000" b="1" dirty="0" smtClean="0">
+                <a:solidFill>
+                  <a:srgbClr val="CCFF66">
+                    <a:lumMod val="40000"/>
+                    <a:lumOff val="60000"/>
+                  </a:srgbClr>
+                </a:solidFill>
+                <a:effectLst>
+                  <a:outerShdw blurRad="38100" dist="38100" dir="2700000" algn="tl">
+                    <a:srgbClr val="000000">
+                      <a:alpha val="43137"/>
+                    </a:srgbClr>
+                  </a:outerShdw>
+                </a:effectLst>
+                <a:latin typeface="Corbel"/>
+              </a:rPr>
+              <a:t>: </a:t>
+            </a:r>
+            <a:r>
+              <a:rPr lang="en-US" sz="3000" b="1" dirty="0" smtClean="0">
+                <a:solidFill>
+                  <a:srgbClr val="CCFF66">
+                    <a:lumMod val="40000"/>
+                    <a:lumOff val="60000"/>
+                  </a:srgbClr>
+                </a:solidFill>
+                <a:effectLst>
+                  <a:outerShdw blurRad="38100" dist="38100" dir="2700000" algn="tl">
+                    <a:srgbClr val="000000">
+                      <a:alpha val="43137"/>
+                    </a:srgbClr>
+                  </a:outerShdw>
+                </a:effectLst>
+                <a:latin typeface="Corbel"/>
+                <a:hlinkClick r:id="rId3"/>
+              </a:rPr>
+              <a:t>donchominkov.blogspot.com</a:t>
+            </a:r>
+            <a:endParaRPr lang="en-US" sz="3000" b="1" dirty="0" smtClean="0">
+              <a:solidFill>
+                <a:srgbClr val="CCFF66">
+                  <a:lumMod val="40000"/>
+                  <a:lumOff val="60000"/>
+                </a:srgbClr>
+              </a:solidFill>
+              <a:effectLst>
+                <a:outerShdw blurRad="38100" dist="38100" dir="2700000" algn="tl">
+                  <a:srgbClr val="000000">
+                    <a:alpha val="43137"/>
+                  </a:srgbClr>
+                </a:outerShdw>
+              </a:effectLst>
+              <a:latin typeface="Corbel"/>
+            </a:endParaRPr>
           </a:p>
         </p:txBody>
       </p:sp>
-      <p:pic>
-        <p:nvPicPr>
-          <p:cNvPr id="4098" name="Picture 2" descr="C:\Telerik Academy\ASP.NET Cource\2010\lectures\lecturers-photos\venci.jpg"/>
-          <p:cNvPicPr>
-            <a:picLocks noChangeAspect="1" noChangeArrowheads="1"/>
-          </p:cNvPicPr>
-          <p:nvPr/>
-        </p:nvPicPr>
-        <p:blipFill rotWithShape="1">
-          <a:blip r:embed="rId3" cstate="screen">
-            <a:extLst>
-              <a:ext uri="{BEBA8EAE-BF5A-486C-A8C5-ECC9F3942E4B}">
-                <a14:imgProps xmlns:a14="http://schemas.microsoft.com/office/drawing/2010/main">
-                  <a14:imgLayer r:embed="rId4">
-                    <a14:imgEffect>
-                      <a14:brightnessContrast bright="20000" contrast="-20000"/>
-                    </a14:imgEffect>
-                  </a14:imgLayer>
-                </a14:imgProps>
-              </a:ext>
-              <a:ext uri="{28A0092B-C50C-407E-A947-70E740481C1C}">
-                <a14:useLocalDpi xmlns:a14="http://schemas.microsoft.com/office/drawing/2010/main"/>
-              </a:ext>
-            </a:extLst>
-          </a:blip>
-          <a:srcRect/>
-          <a:stretch/>
-        </p:blipFill>
-        <p:spPr bwMode="auto">
-          <a:xfrm>
-            <a:off x="6850677" y="1143000"/>
-            <a:ext cx="1607523" cy="2190749"/>
-          </a:xfrm>
-          <a:prstGeom prst="rect">
-            <a:avLst/>
-          </a:prstGeom>
-          <a:noFill/>
-          <a:ln w="3175">
-            <a:solidFill>
-              <a:schemeClr val="accent5">
-                <a:lumMod val="75000"/>
-              </a:schemeClr>
-            </a:solidFill>
-            <a:miter lim="800000"/>
-            <a:headEnd/>
-            <a:tailEnd/>
-          </a:ln>
-          <a:extLst>
-            <a:ext uri="{909E8E84-426E-40DD-AFC4-6F175D3DCCD1}">
-              <a14:hiddenFill xmlns:a14="http://schemas.microsoft.com/office/drawing/2010/main">
-                <a:solidFill>
-                  <a:srgbClr val="FFFFFF"/>
-                </a:solidFill>
-              </a14:hiddenFill>
-            </a:ext>
-          </a:extLst>
-        </p:spPr>
-      </p:pic>
     </p:spTree>
+    <p:extLst>
+      <p:ext uri="{BB962C8B-B14F-4D97-AF65-F5344CB8AC3E}">
+        <p14:creationId xmlns:p14="http://schemas.microsoft.com/office/powerpoint/2010/main" val="3732237125"/>
+      </p:ext>
+    </p:extLst>
   </p:cSld>
   <p:clrMapOvr>
     <a:masterClrMapping/>
@@ -7166,7 +7439,11 @@
           <a:p>
             <a:r>
               <a:rPr lang="en-US" dirty="0" smtClean="0"/>
-              <a:t>Trainers Team (4)</a:t>
+              <a:t>Trainers </a:t>
+            </a:r>
+            <a:r>
+              <a:rPr lang="en-US" dirty="0" smtClean="0"/>
+              <a:t>Team (4)</a:t>
             </a:r>
             <a:endParaRPr lang="en-US" dirty="0"/>
           </a:p>
@@ -7184,8 +7461,8 @@
         </p:nvSpPr>
         <p:spPr>
           <a:xfrm>
-            <a:off x="228600" y="1274802"/>
-            <a:ext cx="5486400" cy="2438400"/>
+            <a:off x="228600" y="1066800"/>
+            <a:ext cx="6477000" cy="3505200"/>
           </a:xfrm>
         </p:spPr>
         <p:txBody>
@@ -7199,8 +7476,9 @@
             </a:pPr>
             <a:r>
               <a:rPr lang="en-US" dirty="0" smtClean="0"/>
-              <a:t>Doncho Minkov</a:t>
-            </a:r>
+              <a:t>Ivan Zhekov</a:t>
+            </a:r>
+            <a:endParaRPr lang="en-US" dirty="0" smtClean="0"/>
           </a:p>
           <a:p>
             <a:pPr lvl="1">
@@ -7209,48 +7487,36 @@
               </a:lnSpc>
             </a:pPr>
             <a:r>
+              <a:rPr lang="en-US" dirty="0"/>
+              <a:t>Front-End </a:t>
+            </a:r>
+            <a:r>
               <a:rPr lang="en-US" dirty="0" smtClean="0"/>
-              <a:t>Junior </a:t>
-            </a:r>
-            <a:r>
-              <a:rPr lang="en-US" dirty="0"/>
-              <a:t>Technical Trainer</a:t>
-            </a:r>
-            <a:r>
-              <a:rPr lang="bg-BG" dirty="0"/>
-              <a:t>, </a:t>
-            </a:r>
+              <a:t>Developer</a:t>
+            </a:r>
+          </a:p>
+          <a:p>
+            <a:pPr lvl="2">
+              <a:lnSpc>
+                <a:spcPct val="100000"/>
+              </a:lnSpc>
+            </a:pPr>
             <a:r>
               <a:rPr lang="en-US" dirty="0" smtClean="0"/>
-              <a:t>             </a:t>
-            </a:r>
-            <a:r>
-              <a:rPr lang="en-US" dirty="0" smtClean="0">
-                <a:hlinkClick r:id="rId2"/>
-              </a:rPr>
-              <a:t>Telerik </a:t>
-            </a:r>
-            <a:r>
-              <a:rPr lang="en-US" dirty="0">
-                <a:hlinkClick r:id="rId2"/>
-              </a:rPr>
-              <a:t>Corporation</a:t>
-            </a:r>
-            <a:r>
-              <a:rPr lang="bg-BG" dirty="0"/>
-              <a:t>, </a:t>
-            </a:r>
+              <a:t>Telerik Corporation</a:t>
+            </a:r>
+          </a:p>
+          <a:p>
+            <a:pPr lvl="2">
+              <a:lnSpc>
+                <a:spcPct val="100000"/>
+              </a:lnSpc>
+            </a:pPr>
             <a:r>
               <a:rPr lang="en-US" dirty="0" smtClean="0"/>
-              <a:t>               </a:t>
-            </a:r>
-            <a:r>
-              <a:rPr lang="bg-BG" dirty="0" smtClean="0">
-                <a:hlinkClick r:id="rId3"/>
-              </a:rPr>
-              <a:t>Telerik Academy</a:t>
-            </a:r>
-            <a:endParaRPr lang="en-US" dirty="0"/>
+              <a:t>ASP.NET Team</a:t>
+            </a:r>
+            <a:endParaRPr lang="en-US" dirty="0" smtClean="0"/>
           </a:p>
         </p:txBody>
       </p:sp>
@@ -7291,8 +7557,8 @@
         </p:nvSpPr>
         <p:spPr>
           <a:xfrm>
-            <a:off x="609600" y="3408402"/>
-            <a:ext cx="7086600" cy="553998"/>
+            <a:off x="228600" y="3478649"/>
+            <a:ext cx="8610600" cy="1169551"/>
           </a:xfrm>
           <a:prstGeom prst="rect">
             <a:avLst/>
@@ -7304,7 +7570,7 @@
           </a:bodyPr>
           <a:lstStyle/>
           <a:p>
-            <a:pPr marL="173038" indent="-273050">
+            <a:pPr marL="630238" lvl="1" indent="-273050">
               <a:spcBef>
                 <a:spcPts val="600"/>
               </a:spcBef>
@@ -7320,10 +7586,10 @@
             <a:r>
               <a:rPr lang="en-US" sz="3000" b="1" dirty="0">
                 <a:solidFill>
-                  <a:schemeClr val="tx1">
+                  <a:srgbClr val="CCFF66">
                     <a:lumMod val="40000"/>
                     <a:lumOff val="60000"/>
-                  </a:schemeClr>
+                  </a:srgbClr>
                 </a:solidFill>
                 <a:effectLst>
                   <a:outerShdw blurRad="38100" dist="38100" dir="2700000" algn="tl">
@@ -7332,58 +7598,271 @@
                     </a:srgbClr>
                   </a:outerShdw>
                 </a:effectLst>
-                <a:latin typeface="+mn-lt"/>
+                <a:latin typeface="Corbel"/>
               </a:rPr>
-              <a:t>Email: doncho.minkov [at] telerik.com</a:t>
-            </a:r>
+              <a:t>Web site</a:t>
+            </a:r>
+            <a:r>
+              <a:rPr lang="ru-RU" sz="3000" b="1" dirty="0">
+                <a:solidFill>
+                  <a:srgbClr val="CCFF66">
+                    <a:lumMod val="40000"/>
+                    <a:lumOff val="60000"/>
+                  </a:srgbClr>
+                </a:solidFill>
+                <a:effectLst>
+                  <a:outerShdw blurRad="38100" dist="38100" dir="2700000" algn="tl">
+                    <a:srgbClr val="000000">
+                      <a:alpha val="43137"/>
+                    </a:srgbClr>
+                  </a:outerShdw>
+                </a:effectLst>
+                <a:latin typeface="Corbel"/>
+              </a:rPr>
+              <a:t>: </a:t>
+            </a:r>
+            <a:r>
+              <a:rPr lang="en-US" sz="3000" b="1" dirty="0">
+                <a:solidFill>
+                  <a:srgbClr val="CCFF66">
+                    <a:lumMod val="40000"/>
+                    <a:lumOff val="60000"/>
+                  </a:srgbClr>
+                </a:solidFill>
+                <a:effectLst>
+                  <a:outerShdw blurRad="38100" dist="38100" dir="2700000" algn="tl">
+                    <a:srgbClr val="000000">
+                      <a:alpha val="43137"/>
+                    </a:srgbClr>
+                  </a:outerShdw>
+                </a:effectLst>
+                <a:latin typeface="Corbel"/>
+                <a:hlinkClick r:id="rId2"/>
+              </a:rPr>
+              <a:t>joneff.info</a:t>
+            </a:r>
+            <a:endParaRPr lang="en-US" sz="3000" b="1" dirty="0">
+              <a:solidFill>
+                <a:srgbClr val="CCFF66">
+                  <a:lumMod val="40000"/>
+                  <a:lumOff val="60000"/>
+                </a:srgbClr>
+              </a:solidFill>
+              <a:effectLst>
+                <a:outerShdw blurRad="38100" dist="38100" dir="2700000" algn="tl">
+                  <a:srgbClr val="000000">
+                    <a:alpha val="43137"/>
+                  </a:srgbClr>
+                </a:outerShdw>
+              </a:effectLst>
+              <a:latin typeface="Corbel"/>
+            </a:endParaRPr>
+          </a:p>
+          <a:p>
+            <a:pPr marL="630238" lvl="1" indent="-273050">
+              <a:spcBef>
+                <a:spcPts val="600"/>
+              </a:spcBef>
+              <a:spcAft>
+                <a:spcPts val="600"/>
+              </a:spcAft>
+              <a:buClr>
+                <a:srgbClr val="8FD600"/>
+              </a:buClr>
+              <a:buFont typeface="Wingdings 2" pitchFamily="18" charset="2"/>
+              <a:buChar char=""/>
+            </a:pPr>
+            <a:r>
+              <a:rPr lang="en-US" sz="3000" b="1" dirty="0" smtClean="0">
+                <a:solidFill>
+                  <a:srgbClr val="CCFF66">
+                    <a:lumMod val="40000"/>
+                    <a:lumOff val="60000"/>
+                  </a:srgbClr>
+                </a:solidFill>
+                <a:effectLst>
+                  <a:outerShdw blurRad="38100" dist="38100" dir="2700000" algn="tl">
+                    <a:srgbClr val="000000">
+                      <a:alpha val="43137"/>
+                    </a:srgbClr>
+                  </a:outerShdw>
+                </a:effectLst>
+                <a:latin typeface="Corbel"/>
+              </a:rPr>
+              <a:t>E-mail</a:t>
+            </a:r>
+            <a:r>
+              <a:rPr lang="en-US" sz="3000" b="1" dirty="0" smtClean="0">
+                <a:solidFill>
+                  <a:srgbClr val="CCFF66">
+                    <a:lumMod val="40000"/>
+                    <a:lumOff val="60000"/>
+                  </a:srgbClr>
+                </a:solidFill>
+                <a:effectLst>
+                  <a:outerShdw blurRad="38100" dist="38100" dir="2700000" algn="tl">
+                    <a:srgbClr val="000000">
+                      <a:alpha val="43137"/>
+                    </a:srgbClr>
+                  </a:outerShdw>
+                </a:effectLst>
+                <a:latin typeface="Corbel"/>
+              </a:rPr>
+              <a:t>: </a:t>
+            </a:r>
+            <a:r>
+              <a:rPr lang="en-US" sz="3000" b="1" dirty="0" smtClean="0">
+                <a:solidFill>
+                  <a:srgbClr val="CCFF66">
+                    <a:lumMod val="40000"/>
+                    <a:lumOff val="60000"/>
+                  </a:srgbClr>
+                </a:solidFill>
+                <a:effectLst>
+                  <a:outerShdw blurRad="38100" dist="38100" dir="2700000" algn="tl">
+                    <a:srgbClr val="000000">
+                      <a:alpha val="43137"/>
+                    </a:srgbClr>
+                  </a:outerShdw>
+                </a:effectLst>
+                <a:latin typeface="Corbel"/>
+              </a:rPr>
+              <a:t>i</a:t>
+            </a:r>
+            <a:r>
+              <a:rPr lang="en-US" sz="3000" b="1" noProof="1" smtClean="0">
+                <a:solidFill>
+                  <a:srgbClr val="CCFF66">
+                    <a:lumMod val="40000"/>
+                    <a:lumOff val="60000"/>
+                  </a:srgbClr>
+                </a:solidFill>
+                <a:effectLst>
+                  <a:outerShdw blurRad="38100" dist="38100" dir="2700000" algn="tl">
+                    <a:srgbClr val="000000">
+                      <a:alpha val="43137"/>
+                    </a:srgbClr>
+                  </a:outerShdw>
+                </a:effectLst>
+                <a:latin typeface="Corbel"/>
+              </a:rPr>
+              <a:t>van.zhekov </a:t>
+            </a:r>
+            <a:r>
+              <a:rPr lang="en-US" sz="3000" b="1" dirty="0" smtClean="0">
+                <a:solidFill>
+                  <a:srgbClr val="CCFF66">
+                    <a:lumMod val="40000"/>
+                    <a:lumOff val="60000"/>
+                  </a:srgbClr>
+                </a:solidFill>
+                <a:effectLst>
+                  <a:outerShdw blurRad="38100" dist="38100" dir="2700000" algn="tl">
+                    <a:srgbClr val="000000">
+                      <a:alpha val="43137"/>
+                    </a:srgbClr>
+                  </a:outerShdw>
+                </a:effectLst>
+                <a:latin typeface="Corbel"/>
+              </a:rPr>
+              <a:t>[at</a:t>
+            </a:r>
+            <a:r>
+              <a:rPr lang="en-US" sz="3000" b="1" dirty="0" smtClean="0">
+                <a:solidFill>
+                  <a:srgbClr val="CCFF66">
+                    <a:lumMod val="40000"/>
+                    <a:lumOff val="60000"/>
+                  </a:srgbClr>
+                </a:solidFill>
+                <a:effectLst>
+                  <a:outerShdw blurRad="38100" dist="38100" dir="2700000" algn="tl">
+                    <a:srgbClr val="000000">
+                      <a:alpha val="43137"/>
+                    </a:srgbClr>
+                  </a:outerShdw>
+                </a:effectLst>
+                <a:latin typeface="Corbel"/>
+              </a:rPr>
+              <a:t>] </a:t>
+            </a:r>
+            <a:r>
+              <a:rPr lang="en-US" sz="3000" b="1" dirty="0" smtClean="0">
+                <a:solidFill>
+                  <a:srgbClr val="CCFF66">
+                    <a:lumMod val="40000"/>
+                    <a:lumOff val="60000"/>
+                  </a:srgbClr>
+                </a:solidFill>
+                <a:effectLst>
+                  <a:outerShdw blurRad="38100" dist="38100" dir="2700000" algn="tl">
+                    <a:srgbClr val="000000">
+                      <a:alpha val="43137"/>
+                    </a:srgbClr>
+                  </a:outerShdw>
+                </a:effectLst>
+                <a:latin typeface="Corbel"/>
+              </a:rPr>
+              <a:t>telerik.com</a:t>
+            </a:r>
+            <a:endParaRPr lang="en-US" sz="3000" b="1" dirty="0" smtClean="0">
+              <a:solidFill>
+                <a:srgbClr val="CCFF66">
+                  <a:lumMod val="40000"/>
+                  <a:lumOff val="60000"/>
+                </a:srgbClr>
+              </a:solidFill>
+              <a:effectLst>
+                <a:outerShdw blurRad="38100" dist="38100" dir="2700000" algn="tl">
+                  <a:srgbClr val="000000">
+                    <a:alpha val="43137"/>
+                  </a:srgbClr>
+                </a:outerShdw>
+              </a:effectLst>
+              <a:latin typeface="Corbel"/>
+            </a:endParaRPr>
           </a:p>
         </p:txBody>
       </p:sp>
       <p:pic>
         <p:nvPicPr>
-          <p:cNvPr id="1026" name="Picture 2" descr="C:\NAKOV\Web-Application-Development-with-DotNet-Framework-and-ASP.NET\2010\lectures\lecturers-photos\Doncho.jpg"/>
+          <p:cNvPr id="9" name="Picture 2" descr="C:\Users\nkostov\AppData\Local\Microsoft\Windows\Temporary Internet Files\Content.Outlook\QVC0E4AP\IvanZhekov.jpg"/>
           <p:cNvPicPr>
             <a:picLocks noChangeAspect="1" noChangeArrowheads="1"/>
           </p:cNvPicPr>
           <p:nvPr/>
         </p:nvPicPr>
-        <p:blipFill rotWithShape="1">
-          <a:blip r:embed="rId4" cstate="screen">
+        <p:blipFill>
+          <a:blip r:embed="rId3">
             <a:extLst>
-              <a:ext uri="{BEBA8EAE-BF5A-486C-A8C5-ECC9F3942E4B}">
-                <a14:imgProps xmlns:a14="http://schemas.microsoft.com/office/drawing/2010/main">
-                  <a14:imgLayer r:embed="rId5">
-                    <a14:imgEffect>
-                      <a14:brightnessContrast bright="20000" contrast="-20000"/>
-                    </a14:imgEffect>
-                  </a14:imgLayer>
-                </a14:imgProps>
-              </a:ext>
               <a:ext uri="{28A0092B-C50C-407E-A947-70E740481C1C}">
-                <a14:useLocalDpi xmlns:a14="http://schemas.microsoft.com/office/drawing/2010/main"/>
+                <a14:useLocalDpi xmlns:a14="http://schemas.microsoft.com/office/drawing/2010/main" val="0"/>
               </a:ext>
             </a:extLst>
           </a:blip>
           <a:srcRect/>
-          <a:stretch/>
+          <a:stretch>
+            <a:fillRect/>
+          </a:stretch>
         </p:blipFill>
         <p:spPr bwMode="auto">
           <a:xfrm>
-            <a:off x="6858000" y="1136650"/>
-            <a:ext cx="1651000" cy="2063750"/>
+            <a:off x="6629400" y="1056443"/>
+            <a:ext cx="1839157" cy="1839157"/>
           </a:xfrm>
           <a:prstGeom prst="rect">
             <a:avLst/>
           </a:prstGeom>
-          <a:noFill/>
           <a:ln>
-            <a:solidFill>
-              <a:schemeClr val="accent5">
-                <a:lumMod val="20000"/>
-                <a:lumOff val="80000"/>
-              </a:schemeClr>
-            </a:solidFill>
+            <a:noFill/>
           </a:ln>
+          <a:effectLst>
+            <a:outerShdw blurRad="190500" algn="tl" rotWithShape="0">
+              <a:srgbClr val="000000">
+                <a:alpha val="70000"/>
+              </a:srgbClr>
+            </a:outerShdw>
+          </a:effectLst>
           <a:extLst>
             <a:ext uri="{909E8E84-426E-40DD-AFC4-6F175D3DCCD1}">
               <a14:hiddenFill xmlns:a14="http://schemas.microsoft.com/office/drawing/2010/main">
@@ -7398,7 +7877,7 @@
     </p:spTree>
     <p:extLst>
       <p:ext uri="{BB962C8B-B14F-4D97-AF65-F5344CB8AC3E}">
-        <p14:creationId xmlns:p14="http://schemas.microsoft.com/office/powerpoint/2010/main" val="4028452447"/>
+        <p14:creationId xmlns:p14="http://schemas.microsoft.com/office/powerpoint/2010/main" val="1388483124"/>
       </p:ext>
     </p:extLst>
   </p:cSld>
@@ -7432,6 +7911,65 @@
           <a:chExt cx="0" cy="0"/>
         </a:xfrm>
       </p:grpSpPr>
+      <p:pic>
+        <p:nvPicPr>
+          <p:cNvPr id="9" name="Picture 2" descr="C:\Telerik Academy\ASP.NET Cource\2010\lectures\lecturers-photos\Vesko Kolev.png"/>
+          <p:cNvPicPr>
+            <a:picLocks noChangeAspect="1" noChangeArrowheads="1"/>
+          </p:cNvPicPr>
+          <p:nvPr/>
+        </p:nvPicPr>
+        <p:blipFill>
+          <a:blip r:embed="rId2">
+            <a:extLst>
+              <a:ext uri="{BEBA8EAE-BF5A-486C-A8C5-ECC9F3942E4B}">
+                <a14:imgProps xmlns:a14="http://schemas.microsoft.com/office/drawing/2010/main">
+                  <a14:imgLayer r:embed="rId3">
+                    <a14:imgEffect>
+                      <a14:brightnessContrast bright="20000"/>
+                    </a14:imgEffect>
+                  </a14:imgLayer>
+                </a14:imgProps>
+              </a:ext>
+              <a:ext uri="{28A0092B-C50C-407E-A947-70E740481C1C}">
+                <a14:useLocalDpi xmlns:a14="http://schemas.microsoft.com/office/drawing/2010/main"/>
+              </a:ext>
+            </a:extLst>
+          </a:blip>
+          <a:srcRect/>
+          <a:stretch>
+            <a:fillRect/>
+          </a:stretch>
+        </p:blipFill>
+        <p:spPr bwMode="auto">
+          <a:xfrm>
+            <a:off x="6629400" y="1054223"/>
+            <a:ext cx="1844272" cy="2459029"/>
+          </a:xfrm>
+          <a:prstGeom prst="rect">
+            <a:avLst/>
+          </a:prstGeom>
+          <a:ln>
+            <a:noFill/>
+          </a:ln>
+          <a:effectLst>
+            <a:outerShdw blurRad="190500" algn="tl" rotWithShape="0">
+              <a:srgbClr val="000000">
+                <a:alpha val="70000"/>
+              </a:srgbClr>
+            </a:outerShdw>
+          </a:effectLst>
+          <a:extLst>
+            <a:ext uri="{909E8E84-426E-40DD-AFC4-6F175D3DCCD1}">
+              <a14:hiddenFill xmlns:a14="http://schemas.microsoft.com/office/drawing/2010/main">
+                <a:solidFill>
+                  <a:srgbClr val="FFFFFF"/>
+                </a:solidFill>
+              </a14:hiddenFill>
+            </a:ext>
+          </a:extLst>
+        </p:spPr>
+      </p:pic>
       <p:sp>
         <p:nvSpPr>
           <p:cNvPr id="4" name="Title 3"/>
@@ -7449,7 +7987,11 @@
           <a:p>
             <a:r>
               <a:rPr lang="en-US" dirty="0" smtClean="0"/>
-              <a:t>Trainers Team (5)</a:t>
+              <a:t>Trainers </a:t>
+            </a:r>
+            <a:r>
+              <a:rPr lang="en-US" dirty="0" smtClean="0"/>
+              <a:t>Team (5)</a:t>
             </a:r>
             <a:endParaRPr lang="en-US" dirty="0"/>
           </a:p>
@@ -7467,8 +8009,8 @@
         </p:nvSpPr>
         <p:spPr>
           <a:xfrm>
-            <a:off x="228600" y="1447800"/>
-            <a:ext cx="5181600" cy="1828800"/>
+            <a:off x="228600" y="1066800"/>
+            <a:ext cx="6477000" cy="3505200"/>
           </a:xfrm>
         </p:spPr>
         <p:txBody>
@@ -7481,8 +8023,8 @@
               </a:lnSpc>
             </a:pPr>
             <a:r>
-              <a:rPr lang="en-US" dirty="0"/>
-              <a:t>Momchil Mitev </a:t>
+              <a:rPr lang="en-US" dirty="0" smtClean="0"/>
+              <a:t>Vesko Kolev</a:t>
             </a:r>
             <a:endParaRPr lang="en-US" dirty="0" smtClean="0"/>
           </a:p>
@@ -7493,30 +8035,33 @@
               </a:lnSpc>
             </a:pPr>
             <a:r>
+              <a:rPr lang="en-US" dirty="0"/>
+              <a:t>Senior Software Engineer</a:t>
+            </a:r>
+            <a:endParaRPr lang="en-US" dirty="0" smtClean="0"/>
+          </a:p>
+          <a:p>
+            <a:pPr lvl="2">
+              <a:lnSpc>
+                <a:spcPct val="100000"/>
+              </a:lnSpc>
+            </a:pPr>
+            <a:r>
               <a:rPr lang="en-US" dirty="0" smtClean="0"/>
-              <a:t>Software </a:t>
-            </a:r>
-            <a:r>
-              <a:rPr lang="en-US" dirty="0"/>
-              <a:t>Developer</a:t>
-            </a:r>
-            <a:r>
-              <a:rPr lang="bg-BG" dirty="0"/>
-              <a:t>, </a:t>
-            </a:r>
-            <a:r>
-              <a:rPr lang="en-US" dirty="0">
-                <a:hlinkClick r:id="rId2"/>
-              </a:rPr>
-              <a:t>Telerik </a:t>
-            </a:r>
-            <a:r>
-              <a:rPr lang="en-US" dirty="0" smtClean="0">
-                <a:hlinkClick r:id="rId2"/>
-              </a:rPr>
-              <a:t>Corporation</a:t>
-            </a:r>
-            <a:endParaRPr lang="en-US" dirty="0"/>
+              <a:t>Telerik Corporation</a:t>
+            </a:r>
+          </a:p>
+          <a:p>
+            <a:pPr lvl="2">
+              <a:lnSpc>
+                <a:spcPct val="100000"/>
+              </a:lnSpc>
+            </a:pPr>
+            <a:r>
+              <a:rPr lang="en-US" dirty="0" smtClean="0"/>
+              <a:t>Centaur Team</a:t>
+            </a:r>
+            <a:endParaRPr lang="en-US" dirty="0" smtClean="0"/>
           </a:p>
         </p:txBody>
       </p:sp>
@@ -7551,14 +8096,14 @@
       </p:sp>
       <p:sp>
         <p:nvSpPr>
-          <p:cNvPr id="8" name="Rectangle 7"/>
+          <p:cNvPr id="10" name="Rectangle 9"/>
           <p:cNvSpPr/>
           <p:nvPr/>
         </p:nvSpPr>
         <p:spPr>
           <a:xfrm>
-            <a:off x="228600" y="3179802"/>
-            <a:ext cx="8610600" cy="553998"/>
+            <a:off x="228600" y="3505200"/>
+            <a:ext cx="7010400" cy="1169551"/>
           </a:xfrm>
           <a:prstGeom prst="rect">
             <a:avLst/>
@@ -7605,7 +8150,34 @@
                   </a:outerShdw>
                 </a:effectLst>
               </a:rPr>
-              <a:t>momchil.mitev [at] </a:t>
+              <a:t>vesko.kolev [at] telerik.com</a:t>
+            </a:r>
+          </a:p>
+          <a:p>
+            <a:pPr marL="630238" lvl="1" indent="-273050">
+              <a:spcBef>
+                <a:spcPts val="600"/>
+              </a:spcBef>
+              <a:spcAft>
+                <a:spcPts val="600"/>
+              </a:spcAft>
+              <a:buClr>
+                <a:srgbClr val="8FD600"/>
+              </a:buClr>
+              <a:buFont typeface="Wingdings 2" pitchFamily="18" charset="2"/>
+              <a:buChar char=""/>
+            </a:pPr>
+            <a:r>
+              <a:rPr lang="en-US" sz="3000" b="1" dirty="0" smtClean="0">
+                <a:effectLst>
+                  <a:outerShdw blurRad="38100" dist="38100" dir="2700000" algn="tl">
+                    <a:srgbClr val="000000">
+                      <a:alpha val="43137"/>
+                    </a:srgbClr>
+                  </a:outerShdw>
+                </a:effectLst>
+              </a:rPr>
+              <a:t>Blog</a:t>
             </a:r>
             <a:r>
               <a:rPr lang="en-US" sz="3000" b="1" dirty="0">
@@ -7617,73 +8189,44 @@
                   </a:outerShdw>
                 </a:effectLst>
               </a:rPr>
-              <a:t>telerik.com</a:t>
-            </a:r>
+              <a:t>: </a:t>
+            </a:r>
+            <a:r>
+              <a:rPr lang="en-US" sz="3000" b="1" dirty="0" smtClean="0">
+                <a:effectLst>
+                  <a:outerShdw blurRad="38100" dist="38100" dir="2700000" algn="tl">
+                    <a:srgbClr val="000000">
+                      <a:alpha val="43137"/>
+                    </a:srgbClr>
+                  </a:outerShdw>
+                </a:effectLst>
+                <a:hlinkClick r:id="rId4"/>
+              </a:rPr>
+              <a:t>veskokolev.blogspot.com</a:t>
+            </a:r>
+            <a:endParaRPr lang="en-US" sz="3000" b="1" dirty="0">
+              <a:solidFill>
+                <a:srgbClr val="CCFF66">
+                  <a:lumMod val="40000"/>
+                  <a:lumOff val="60000"/>
+                </a:srgbClr>
+              </a:solidFill>
+              <a:effectLst>
+                <a:outerShdw blurRad="38100" dist="38100" dir="2700000" algn="tl">
+                  <a:srgbClr val="000000">
+                    <a:alpha val="43137"/>
+                  </a:srgbClr>
+                </a:outerShdw>
+              </a:effectLst>
+              <a:latin typeface="Corbel"/>
+            </a:endParaRPr>
           </a:p>
         </p:txBody>
       </p:sp>
-      <p:pic>
-        <p:nvPicPr>
-          <p:cNvPr id="2050" name="Picture 2" descr="C:\Telerik Academy\ASP.NET Cource\2010\lectures\lecturers-photos\MomchilMitev.jpg"/>
-          <p:cNvPicPr>
-            <a:picLocks noChangeAspect="1" noChangeArrowheads="1"/>
-          </p:cNvPicPr>
-          <p:nvPr/>
-        </p:nvPicPr>
-        <p:blipFill rotWithShape="1">
-          <a:blip r:embed="rId3" cstate="screen">
-            <a:extLst>
-              <a:ext uri="{BEBA8EAE-BF5A-486C-A8C5-ECC9F3942E4B}">
-                <a14:imgProps xmlns:a14="http://schemas.microsoft.com/office/drawing/2010/main">
-                  <a14:imgLayer r:embed="rId4">
-                    <a14:imgEffect>
-                      <a14:brightnessContrast bright="40000" contrast="-20000"/>
-                    </a14:imgEffect>
-                  </a14:imgLayer>
-                </a14:imgProps>
-              </a:ext>
-              <a:ext uri="{28A0092B-C50C-407E-A947-70E740481C1C}">
-                <a14:useLocalDpi xmlns:a14="http://schemas.microsoft.com/office/drawing/2010/main"/>
-              </a:ext>
-            </a:extLst>
-          </a:blip>
-          <a:srcRect/>
-          <a:stretch/>
-        </p:blipFill>
-        <p:spPr bwMode="auto">
-          <a:xfrm>
-            <a:off x="7067549" y="1143000"/>
-            <a:ext cx="1390651" cy="1790700"/>
-          </a:xfrm>
-          <a:prstGeom prst="rect">
-            <a:avLst/>
-          </a:prstGeom>
-          <a:noFill/>
-          <a:ln w="3175">
-            <a:solidFill>
-              <a:schemeClr val="accent5">
-                <a:lumMod val="75000"/>
-              </a:schemeClr>
-            </a:solidFill>
-            <a:miter lim="800000"/>
-            <a:headEnd/>
-            <a:tailEnd/>
-          </a:ln>
-          <a:extLst>
-            <a:ext uri="{909E8E84-426E-40DD-AFC4-6F175D3DCCD1}">
-              <a14:hiddenFill xmlns:a14="http://schemas.microsoft.com/office/drawing/2010/main">
-                <a:solidFill>
-                  <a:srgbClr val="FFFFFF"/>
-                </a:solidFill>
-              </a14:hiddenFill>
-            </a:ext>
-          </a:extLst>
-        </p:spPr>
-      </p:pic>
     </p:spTree>
     <p:extLst>
       <p:ext uri="{BB962C8B-B14F-4D97-AF65-F5344CB8AC3E}">
-        <p14:creationId xmlns:p14="http://schemas.microsoft.com/office/powerpoint/2010/main" val="3089033343"/>
+        <p14:creationId xmlns:p14="http://schemas.microsoft.com/office/powerpoint/2010/main" val="6025023"/>
       </p:ext>
     </p:extLst>
   </p:cSld>
@@ -7734,7 +8277,11 @@
           <a:p>
             <a:r>
               <a:rPr lang="en-US" dirty="0" smtClean="0"/>
-              <a:t>Trainers Team (6)</a:t>
+              <a:t>Trainers </a:t>
+            </a:r>
+            <a:r>
+              <a:rPr lang="en-US" dirty="0" smtClean="0"/>
+              <a:t>Team (6)</a:t>
             </a:r>
             <a:endParaRPr lang="en-US" dirty="0"/>
           </a:p>
@@ -7752,8 +8299,8 @@
         </p:nvSpPr>
         <p:spPr>
           <a:xfrm>
-            <a:off x="228600" y="1447800"/>
-            <a:ext cx="5562600" cy="2438400"/>
+            <a:off x="228600" y="1066800"/>
+            <a:ext cx="6477000" cy="3505200"/>
           </a:xfrm>
         </p:spPr>
         <p:txBody>
@@ -7767,12 +8314,9 @@
             </a:pPr>
             <a:r>
               <a:rPr lang="en-US" dirty="0"/>
-              <a:t>Veronica </a:t>
-            </a:r>
-            <a:r>
-              <a:rPr lang="en-US" dirty="0" smtClean="0"/>
-              <a:t>Milcheva </a:t>
-            </a:r>
+              <a:t>Alexander Vakrilov</a:t>
+            </a:r>
+            <a:endParaRPr lang="en-US" dirty="0" smtClean="0"/>
           </a:p>
           <a:p>
             <a:pPr lvl="1">
@@ -7781,32 +8325,37 @@
               </a:lnSpc>
             </a:pPr>
             <a:r>
-              <a:rPr lang="en-US" dirty="0"/>
-              <a:t>Junior Software Developer</a:t>
-            </a:r>
-            <a:r>
-              <a:rPr lang="bg-BG" dirty="0"/>
-              <a:t>, </a:t>
-            </a:r>
-            <a:r>
-              <a:rPr lang="en-US" dirty="0">
-                <a:hlinkClick r:id="rId2"/>
-              </a:rPr>
-              <a:t>Telerik</a:t>
-            </a:r>
-            <a:r>
-              <a:rPr lang="en-US" u="sng" dirty="0">
-                <a:hlinkClick r:id="rId2"/>
-              </a:rPr>
-              <a:t> </a:t>
-            </a:r>
-            <a:r>
-              <a:rPr lang="en-US" dirty="0" smtClean="0">
-                <a:hlinkClick r:id="rId2"/>
-              </a:rPr>
+              <a:rPr lang="en-US" dirty="0" smtClean="0"/>
+              <a:t>Software Engineer</a:t>
+            </a:r>
+            <a:endParaRPr lang="bg-BG" dirty="0" smtClean="0"/>
+          </a:p>
+          <a:p>
+            <a:pPr lvl="2">
+              <a:lnSpc>
+                <a:spcPct val="100000"/>
+              </a:lnSpc>
+            </a:pPr>
+            <a:r>
+              <a:rPr lang="en-US" dirty="0" smtClean="0"/>
+              <a:t>Telerik </a:t>
+            </a:r>
+            <a:r>
+              <a:rPr lang="en-US" dirty="0" smtClean="0"/>
               <a:t>Corporation</a:t>
             </a:r>
-            <a:endParaRPr lang="en-US" dirty="0"/>
+          </a:p>
+          <a:p>
+            <a:pPr lvl="2">
+              <a:lnSpc>
+                <a:spcPct val="100000"/>
+              </a:lnSpc>
+            </a:pPr>
+            <a:r>
+              <a:rPr lang="en-US" dirty="0" smtClean="0"/>
+              <a:t>Centaur Team</a:t>
+            </a:r>
+            <a:endParaRPr lang="en-US" dirty="0" smtClean="0"/>
           </a:p>
         </p:txBody>
       </p:sp>
@@ -7841,14 +8390,14 @@
       </p:sp>
       <p:sp>
         <p:nvSpPr>
-          <p:cNvPr id="8" name="Rectangle 7"/>
+          <p:cNvPr id="10" name="Rectangle 9"/>
           <p:cNvSpPr/>
           <p:nvPr/>
         </p:nvSpPr>
         <p:spPr>
           <a:xfrm>
-            <a:off x="228600" y="3319502"/>
-            <a:ext cx="8610600" cy="553998"/>
+            <a:off x="228600" y="3505200"/>
+            <a:ext cx="8245072" cy="553998"/>
           </a:xfrm>
           <a:prstGeom prst="rect">
             <a:avLst/>
@@ -7886,6 +8435,54 @@
               <a:t>Email: </a:t>
             </a:r>
             <a:r>
+              <a:rPr lang="bg-BG" sz="3000" b="1" dirty="0" smtClean="0">
+                <a:effectLst>
+                  <a:outerShdw blurRad="38100" dist="38100" dir="2700000" algn="tl">
+                    <a:srgbClr val="000000">
+                      <a:alpha val="43137"/>
+                    </a:srgbClr>
+                  </a:outerShdw>
+                </a:effectLst>
+              </a:rPr>
+              <a:t>а</a:t>
+            </a:r>
+            <a:r>
+              <a:rPr lang="en-US" sz="3000" b="1" dirty="0" err="1" smtClean="0">
+                <a:effectLst>
+                  <a:outerShdw blurRad="38100" dist="38100" dir="2700000" algn="tl">
+                    <a:srgbClr val="000000">
+                      <a:alpha val="43137"/>
+                    </a:srgbClr>
+                  </a:outerShdw>
+                </a:effectLst>
+              </a:rPr>
+              <a:t>lexander.</a:t>
+            </a:r>
+            <a:r>
+              <a:rPr lang="en-US" sz="3000" b="1" dirty="0" err="1">
+                <a:effectLst>
+                  <a:outerShdw blurRad="38100" dist="38100" dir="2700000" algn="tl">
+                    <a:srgbClr val="000000">
+                      <a:alpha val="43137"/>
+                    </a:srgbClr>
+                  </a:outerShdw>
+                </a:effectLst>
+              </a:rPr>
+              <a:t>v</a:t>
+            </a:r>
+            <a:r>
+              <a:rPr lang="en-US" sz="3000" b="1" dirty="0" err="1" smtClean="0">
+                <a:effectLst>
+                  <a:outerShdw blurRad="38100" dist="38100" dir="2700000" algn="tl">
+                    <a:srgbClr val="000000">
+                      <a:alpha val="43137"/>
+                    </a:srgbClr>
+                  </a:outerShdw>
+                </a:effectLst>
+              </a:rPr>
+              <a:t>akrilov</a:t>
+            </a:r>
+            <a:r>
               <a:rPr lang="en-US" sz="3000" b="1" dirty="0" smtClean="0">
                 <a:effectLst>
                   <a:outerShdw blurRad="38100" dist="38100" dir="2700000" algn="tl">
@@ -7895,10 +8492,22 @@
                   </a:outerShdw>
                 </a:effectLst>
               </a:rPr>
-              <a:t>veronica.milcheva [at] </a:t>
-            </a:r>
-            <a:r>
-              <a:rPr lang="en-US" sz="3000" b="1" dirty="0">
+              <a:t> </a:t>
+            </a:r>
+            <a:r>
+              <a:rPr lang="en-US" sz="3000" b="1" dirty="0" smtClean="0">
+                <a:effectLst>
+                  <a:outerShdw blurRad="38100" dist="38100" dir="2700000" algn="tl">
+                    <a:srgbClr val="000000">
+                      <a:alpha val="43137"/>
+                    </a:srgbClr>
+                  </a:outerShdw>
+                </a:effectLst>
+              </a:rPr>
+              <a:t>[at] </a:t>
+            </a:r>
+            <a:r>
+              <a:rPr lang="en-US" sz="3000" b="1" dirty="0" smtClean="0">
                 <a:effectLst>
                   <a:outerShdw blurRad="38100" dist="38100" dir="2700000" algn="tl">
                     <a:srgbClr val="000000">
@@ -7910,12 +8519,6 @@
               <a:t>telerik.com</a:t>
             </a:r>
             <a:endParaRPr lang="en-US" sz="3000" b="1" dirty="0" smtClean="0">
-              <a:solidFill>
-                <a:srgbClr val="CCFF66">
-                  <a:lumMod val="40000"/>
-                  <a:lumOff val="60000"/>
-                </a:srgbClr>
-              </a:solidFill>
               <a:effectLst>
                 <a:outerShdw blurRad="38100" dist="38100" dir="2700000" algn="tl">
                   <a:srgbClr val="000000">
@@ -7923,22 +8526,20 @@
                   </a:srgbClr>
                 </a:outerShdw>
               </a:effectLst>
-              <a:latin typeface="Corbel"/>
             </a:endParaRPr>
           </a:p>
         </p:txBody>
       </p:sp>
       <p:pic>
         <p:nvPicPr>
-          <p:cNvPr id="3074" name="Picture 2" descr="C:\Telerik Academy\ASP.NET Cource\2010\lectures\lecturers-photos\veronica.jpg"/>
+          <p:cNvPr id="8" name="Picture 2" descr="C:\NAKOV\Web-Application-Development-with-DotNet-Framework-and-ASP.NET\2010\lectures\lecturers-photos\Alexander_vakrilov.jpg"/>
           <p:cNvPicPr>
             <a:picLocks noChangeAspect="1" noChangeArrowheads="1"/>
           </p:cNvPicPr>
           <p:nvPr/>
         </p:nvPicPr>
         <p:blipFill>
-          <a:blip r:embed="rId3">
-            <a:lum/>
+          <a:blip r:embed="rId2">
             <a:extLst>
               <a:ext uri="{28A0092B-C50C-407E-A947-70E740481C1C}">
                 <a14:useLocalDpi xmlns:a14="http://schemas.microsoft.com/office/drawing/2010/main"/>
@@ -7952,23 +8553,22 @@
         </p:blipFill>
         <p:spPr bwMode="auto">
           <a:xfrm>
-            <a:off x="6705942" y="1143000"/>
-            <a:ext cx="1625524" cy="1905000"/>
+            <a:off x="6629400" y="1054223"/>
+            <a:ext cx="1844272" cy="2176045"/>
           </a:xfrm>
           <a:prstGeom prst="rect">
             <a:avLst/>
           </a:prstGeom>
-          <a:noFill/>
-          <a:ln w="3175">
-            <a:solidFill>
-              <a:schemeClr val="accent5">
-                <a:lumMod val="75000"/>
-              </a:schemeClr>
-            </a:solidFill>
-            <a:miter lim="800000"/>
-            <a:headEnd/>
-            <a:tailEnd/>
+          <a:ln>
+            <a:noFill/>
           </a:ln>
+          <a:effectLst>
+            <a:outerShdw blurRad="190500" algn="tl" rotWithShape="0">
+              <a:srgbClr val="000000">
+                <a:alpha val="70000"/>
+              </a:srgbClr>
+            </a:outerShdw>
+          </a:effectLst>
           <a:extLst>
             <a:ext uri="{909E8E84-426E-40DD-AFC4-6F175D3DCCD1}">
               <a14:hiddenFill xmlns:a14="http://schemas.microsoft.com/office/drawing/2010/main">
@@ -7983,7 +8583,7 @@
     </p:spTree>
     <p:extLst>
       <p:ext uri="{BB962C8B-B14F-4D97-AF65-F5344CB8AC3E}">
-        <p14:creationId xmlns:p14="http://schemas.microsoft.com/office/powerpoint/2010/main" val="4028452447"/>
+        <p14:creationId xmlns:p14="http://schemas.microsoft.com/office/powerpoint/2010/main" val="2496990021"/>
       </p:ext>
     </p:extLst>
   </p:cSld>
@@ -8001,821 +8601,6 @@
 </file>
 
 <file path=ppt/slides/slide18.xml><?xml version="1.0" encoding="utf-8"?>
-<p:sld xmlns:a="http://schemas.openxmlformats.org/drawingml/2006/main" xmlns:r="http://schemas.openxmlformats.org/officeDocument/2006/relationships" xmlns:p="http://schemas.openxmlformats.org/presentationml/2006/main">
-  <p:cSld>
-    <p:spTree>
-      <p:nvGrpSpPr>
-        <p:cNvPr id="1" name=""/>
-        <p:cNvGrpSpPr/>
-        <p:nvPr/>
-      </p:nvGrpSpPr>
-      <p:grpSpPr>
-        <a:xfrm>
-          <a:off x="0" y="0"/>
-          <a:ext cx="0" cy="0"/>
-          <a:chOff x="0" y="0"/>
-          <a:chExt cx="0" cy="0"/>
-        </a:xfrm>
-      </p:grpSpPr>
-      <p:sp>
-        <p:nvSpPr>
-          <p:cNvPr id="4" name="Title 3"/>
-          <p:cNvSpPr>
-            <a:spLocks noGrp="1"/>
-          </p:cNvSpPr>
-          <p:nvPr>
-            <p:ph type="title"/>
-          </p:nvPr>
-        </p:nvSpPr>
-        <p:spPr/>
-        <p:txBody>
-          <a:bodyPr/>
-          <a:lstStyle/>
-          <a:p>
-            <a:r>
-              <a:rPr lang="en-US" dirty="0" smtClean="0"/>
-              <a:t>Trainers Team (7)</a:t>
-            </a:r>
-            <a:endParaRPr lang="en-US" dirty="0"/>
-          </a:p>
-        </p:txBody>
-      </p:sp>
-      <p:sp>
-        <p:nvSpPr>
-          <p:cNvPr id="5" name="Content Placeholder 4"/>
-          <p:cNvSpPr>
-            <a:spLocks noGrp="1"/>
-          </p:cNvSpPr>
-          <p:nvPr>
-            <p:ph idx="1"/>
-          </p:nvPr>
-        </p:nvSpPr>
-        <p:spPr>
-          <a:xfrm>
-            <a:off x="228600" y="1555419"/>
-            <a:ext cx="5486400" cy="2286000"/>
-          </a:xfrm>
-        </p:spPr>
-        <p:txBody>
-          <a:bodyPr/>
-          <a:lstStyle/>
-          <a:p>
-            <a:pPr>
-              <a:lnSpc>
-                <a:spcPct val="100000"/>
-              </a:lnSpc>
-            </a:pPr>
-            <a:r>
-              <a:rPr lang="en-US" dirty="0"/>
-              <a:t>Alexander Vakrilov</a:t>
-            </a:r>
-            <a:r>
-              <a:rPr lang="bg-BG" dirty="0"/>
-              <a:t> </a:t>
-            </a:r>
-            <a:endParaRPr lang="en-US" dirty="0" smtClean="0"/>
-          </a:p>
-          <a:p>
-            <a:pPr lvl="1">
-              <a:lnSpc>
-                <a:spcPct val="100000"/>
-              </a:lnSpc>
-            </a:pPr>
-            <a:r>
-              <a:rPr lang="en-US" dirty="0" smtClean="0"/>
-              <a:t>Junior </a:t>
-            </a:r>
-            <a:r>
-              <a:rPr lang="en-US" dirty="0"/>
-              <a:t>Software Engineer</a:t>
-            </a:r>
-            <a:r>
-              <a:rPr lang="bg-BG" dirty="0"/>
-              <a:t>, </a:t>
-            </a:r>
-            <a:r>
-              <a:rPr lang="en-US" u="sng" dirty="0">
-                <a:hlinkClick r:id="rId2"/>
-              </a:rPr>
-              <a:t>Telerik </a:t>
-            </a:r>
-            <a:r>
-              <a:rPr lang="en-US" u="sng" dirty="0" smtClean="0">
-                <a:hlinkClick r:id="rId2"/>
-              </a:rPr>
-              <a:t>Corporation</a:t>
-            </a:r>
-            <a:endParaRPr lang="en-US" dirty="0"/>
-          </a:p>
-        </p:txBody>
-      </p:sp>
-      <p:sp>
-        <p:nvSpPr>
-          <p:cNvPr id="7" name="Slide Number Placeholder 3"/>
-          <p:cNvSpPr>
-            <a:spLocks noGrp="1"/>
-          </p:cNvSpPr>
-          <p:nvPr>
-            <p:ph type="sldNum" sz="quarter" idx="10"/>
-          </p:nvPr>
-        </p:nvSpPr>
-        <p:spPr/>
-        <p:txBody>
-          <a:bodyPr/>
-          <a:lstStyle/>
-          <a:p>
-            <a:pPr>
-              <a:defRPr/>
-            </a:pPr>
-            <a:fld id="{58452FF4-89E3-4D1B-9927-2DBDC00E58D7}" type="slidenum">
-              <a:rPr lang="en-US" smtClean="0"/>
-              <a:pPr>
-                <a:defRPr/>
-              </a:pPr>
-              <a:t>18</a:t>
-            </a:fld>
-            <a:endParaRPr lang="en-US" dirty="0"/>
-          </a:p>
-        </p:txBody>
-      </p:sp>
-      <p:sp>
-        <p:nvSpPr>
-          <p:cNvPr id="8" name="Rectangle 7"/>
-          <p:cNvSpPr/>
-          <p:nvPr/>
-        </p:nvSpPr>
-        <p:spPr>
-          <a:xfrm>
-            <a:off x="228600" y="3332202"/>
-            <a:ext cx="8610600" cy="553998"/>
-          </a:xfrm>
-          <a:prstGeom prst="rect">
-            <a:avLst/>
-          </a:prstGeom>
-        </p:spPr>
-        <p:txBody>
-          <a:bodyPr wrap="square">
-            <a:spAutoFit/>
-          </a:bodyPr>
-          <a:lstStyle/>
-          <a:p>
-            <a:pPr marL="630238" lvl="1" indent="-273050">
-              <a:spcBef>
-                <a:spcPts val="600"/>
-              </a:spcBef>
-              <a:spcAft>
-                <a:spcPts val="600"/>
-              </a:spcAft>
-              <a:buClr>
-                <a:srgbClr val="8FD600"/>
-              </a:buClr>
-              <a:buFont typeface="Wingdings 2" pitchFamily="18" charset="2"/>
-              <a:buChar char=""/>
-            </a:pPr>
-            <a:r>
-              <a:rPr lang="en-US" sz="3000" b="1" dirty="0" smtClean="0">
-                <a:effectLst>
-                  <a:outerShdw blurRad="38100" dist="38100" dir="2700000" algn="tl">
-                    <a:srgbClr val="000000">
-                      <a:alpha val="43137"/>
-                    </a:srgbClr>
-                  </a:outerShdw>
-                </a:effectLst>
-              </a:rPr>
-              <a:t>Email</a:t>
-            </a:r>
-            <a:r>
-              <a:rPr lang="en-US" sz="3000" b="1" dirty="0">
-                <a:effectLst>
-                  <a:outerShdw blurRad="38100" dist="38100" dir="2700000" algn="tl">
-                    <a:srgbClr val="000000">
-                      <a:alpha val="43137"/>
-                    </a:srgbClr>
-                  </a:outerShdw>
-                </a:effectLst>
-              </a:rPr>
-              <a:t>: </a:t>
-            </a:r>
-            <a:r>
-              <a:rPr lang="en-US" sz="3000" b="1" dirty="0" smtClean="0">
-                <a:effectLst>
-                  <a:outerShdw blurRad="38100" dist="38100" dir="2700000" algn="tl">
-                    <a:srgbClr val="000000">
-                      <a:alpha val="43137"/>
-                    </a:srgbClr>
-                  </a:outerShdw>
-                </a:effectLst>
-              </a:rPr>
-              <a:t>alexander.vakrilov [at] telerik.com</a:t>
-            </a:r>
-            <a:endParaRPr lang="en-US" sz="3000" b="1" dirty="0">
-              <a:solidFill>
-                <a:srgbClr val="CCFF66">
-                  <a:lumMod val="40000"/>
-                  <a:lumOff val="60000"/>
-                </a:srgbClr>
-              </a:solidFill>
-              <a:effectLst>
-                <a:outerShdw blurRad="38100" dist="38100" dir="2700000" algn="tl">
-                  <a:srgbClr val="000000">
-                    <a:alpha val="43137"/>
-                  </a:srgbClr>
-                </a:outerShdw>
-              </a:effectLst>
-              <a:latin typeface="Corbel"/>
-            </a:endParaRPr>
-          </a:p>
-        </p:txBody>
-      </p:sp>
-      <p:pic>
-        <p:nvPicPr>
-          <p:cNvPr id="2050" name="Picture 2" descr="C:\NAKOV\Web-Application-Development-with-DotNet-Framework-and-ASP.NET\2010\lectures\lecturers-photos\Alexander_vakrilov.jpg"/>
-          <p:cNvPicPr>
-            <a:picLocks noChangeAspect="1" noChangeArrowheads="1"/>
-          </p:cNvPicPr>
-          <p:nvPr/>
-        </p:nvPicPr>
-        <p:blipFill>
-          <a:blip r:embed="rId3">
-            <a:extLst>
-              <a:ext uri="{28A0092B-C50C-407E-A947-70E740481C1C}">
-                <a14:useLocalDpi xmlns:a14="http://schemas.microsoft.com/office/drawing/2010/main"/>
-              </a:ext>
-            </a:extLst>
-          </a:blip>
-          <a:srcRect/>
-          <a:stretch>
-            <a:fillRect/>
-          </a:stretch>
-        </p:blipFill>
-        <p:spPr bwMode="auto">
-          <a:xfrm>
-            <a:off x="6858000" y="1208957"/>
-            <a:ext cx="1494069" cy="1762843"/>
-          </a:xfrm>
-          <a:prstGeom prst="rect">
-            <a:avLst/>
-          </a:prstGeom>
-          <a:noFill/>
-          <a:ln w="3175">
-            <a:solidFill>
-              <a:schemeClr val="accent5">
-                <a:lumMod val="75000"/>
-              </a:schemeClr>
-            </a:solidFill>
-            <a:miter lim="800000"/>
-            <a:headEnd/>
-            <a:tailEnd/>
-          </a:ln>
-          <a:extLst>
-            <a:ext uri="{909E8E84-426E-40DD-AFC4-6F175D3DCCD1}">
-              <a14:hiddenFill xmlns:a14="http://schemas.microsoft.com/office/drawing/2010/main">
-                <a:solidFill>
-                  <a:srgbClr val="FFFFFF"/>
-                </a:solidFill>
-              </a14:hiddenFill>
-            </a:ext>
-          </a:extLst>
-        </p:spPr>
-      </p:pic>
-    </p:spTree>
-    <p:extLst>
-      <p:ext uri="{BB962C8B-B14F-4D97-AF65-F5344CB8AC3E}">
-        <p14:creationId xmlns:p14="http://schemas.microsoft.com/office/powerpoint/2010/main" val="3089033343"/>
-      </p:ext>
-    </p:extLst>
-  </p:cSld>
-  <p:clrMapOvr>
-    <a:masterClrMapping/>
-  </p:clrMapOvr>
-  <p:timing>
-    <p:tnLst>
-      <p:par>
-        <p:cTn id="1" dur="indefinite" restart="never" nodeType="tmRoot"/>
-      </p:par>
-    </p:tnLst>
-  </p:timing>
-</p:sld>
-</file>
-
-<file path=ppt/slides/slide19.xml><?xml version="1.0" encoding="utf-8"?>
-<p:sld xmlns:a="http://schemas.openxmlformats.org/drawingml/2006/main" xmlns:r="http://schemas.openxmlformats.org/officeDocument/2006/relationships" xmlns:p="http://schemas.openxmlformats.org/presentationml/2006/main">
-  <p:cSld>
-    <p:spTree>
-      <p:nvGrpSpPr>
-        <p:cNvPr id="1" name=""/>
-        <p:cNvGrpSpPr/>
-        <p:nvPr/>
-      </p:nvGrpSpPr>
-      <p:grpSpPr>
-        <a:xfrm>
-          <a:off x="0" y="0"/>
-          <a:ext cx="0" cy="0"/>
-          <a:chOff x="0" y="0"/>
-          <a:chExt cx="0" cy="0"/>
-        </a:xfrm>
-      </p:grpSpPr>
-      <p:sp>
-        <p:nvSpPr>
-          <p:cNvPr id="4" name="Title 3"/>
-          <p:cNvSpPr>
-            <a:spLocks noGrp="1"/>
-          </p:cNvSpPr>
-          <p:nvPr>
-            <p:ph type="title"/>
-          </p:nvPr>
-        </p:nvSpPr>
-        <p:spPr/>
-        <p:txBody>
-          <a:bodyPr/>
-          <a:lstStyle/>
-          <a:p>
-            <a:r>
-              <a:rPr lang="en-US" dirty="0" smtClean="0"/>
-              <a:t>Trainers Team (8)</a:t>
-            </a:r>
-            <a:endParaRPr lang="en-US" dirty="0"/>
-          </a:p>
-        </p:txBody>
-      </p:sp>
-      <p:sp>
-        <p:nvSpPr>
-          <p:cNvPr id="5" name="Content Placeholder 4"/>
-          <p:cNvSpPr>
-            <a:spLocks noGrp="1"/>
-          </p:cNvSpPr>
-          <p:nvPr>
-            <p:ph idx="1"/>
-          </p:nvPr>
-        </p:nvSpPr>
-        <p:spPr>
-          <a:xfrm>
-            <a:off x="228600" y="1828800"/>
-            <a:ext cx="5943600" cy="2438400"/>
-          </a:xfrm>
-        </p:spPr>
-        <p:txBody>
-          <a:bodyPr/>
-          <a:lstStyle/>
-          <a:p>
-            <a:pPr>
-              <a:lnSpc>
-                <a:spcPct val="100000"/>
-              </a:lnSpc>
-            </a:pPr>
-            <a:r>
-              <a:rPr lang="en-US" dirty="0"/>
-              <a:t>Bonny Bonev</a:t>
-            </a:r>
-            <a:r>
-              <a:rPr lang="bg-BG" dirty="0"/>
-              <a:t> </a:t>
-            </a:r>
-            <a:endParaRPr lang="en-US" dirty="0" smtClean="0"/>
-          </a:p>
-          <a:p>
-            <a:pPr lvl="1">
-              <a:lnSpc>
-                <a:spcPct val="100000"/>
-              </a:lnSpc>
-            </a:pPr>
-            <a:r>
-              <a:rPr lang="en-US" dirty="0" smtClean="0"/>
-              <a:t>Junior </a:t>
-            </a:r>
-            <a:r>
-              <a:rPr lang="en-US" dirty="0"/>
-              <a:t>Software Developer</a:t>
-            </a:r>
-            <a:r>
-              <a:rPr lang="bg-BG" dirty="0"/>
-              <a:t>, </a:t>
-            </a:r>
-            <a:r>
-              <a:rPr lang="en-US" u="sng" dirty="0">
-                <a:hlinkClick r:id="rId2"/>
-              </a:rPr>
-              <a:t>Telerik </a:t>
-            </a:r>
-            <a:r>
-              <a:rPr lang="en-US" dirty="0" smtClean="0">
-                <a:hlinkClick r:id="rId2"/>
-              </a:rPr>
-              <a:t>Corporation</a:t>
-            </a:r>
-            <a:endParaRPr lang="en-US" dirty="0"/>
-          </a:p>
-        </p:txBody>
-      </p:sp>
-      <p:sp>
-        <p:nvSpPr>
-          <p:cNvPr id="7" name="Slide Number Placeholder 3"/>
-          <p:cNvSpPr>
-            <a:spLocks noGrp="1"/>
-          </p:cNvSpPr>
-          <p:nvPr>
-            <p:ph type="sldNum" sz="quarter" idx="10"/>
-          </p:nvPr>
-        </p:nvSpPr>
-        <p:spPr/>
-        <p:txBody>
-          <a:bodyPr/>
-          <a:lstStyle/>
-          <a:p>
-            <a:pPr>
-              <a:defRPr/>
-            </a:pPr>
-            <a:fld id="{58452FF4-89E3-4D1B-9927-2DBDC00E58D7}" type="slidenum">
-              <a:rPr lang="en-US" smtClean="0"/>
-              <a:pPr>
-                <a:defRPr/>
-              </a:pPr>
-              <a:t>19</a:t>
-            </a:fld>
-            <a:endParaRPr lang="en-US" dirty="0"/>
-          </a:p>
-        </p:txBody>
-      </p:sp>
-      <p:sp>
-        <p:nvSpPr>
-          <p:cNvPr id="8" name="Rectangle 7"/>
-          <p:cNvSpPr/>
-          <p:nvPr/>
-        </p:nvSpPr>
-        <p:spPr>
-          <a:xfrm>
-            <a:off x="228600" y="3505200"/>
-            <a:ext cx="8610600" cy="553998"/>
-          </a:xfrm>
-          <a:prstGeom prst="rect">
-            <a:avLst/>
-          </a:prstGeom>
-        </p:spPr>
-        <p:txBody>
-          <a:bodyPr wrap="square">
-            <a:spAutoFit/>
-          </a:bodyPr>
-          <a:lstStyle/>
-          <a:p>
-            <a:pPr marL="630238" lvl="1" indent="-273050">
-              <a:spcBef>
-                <a:spcPts val="600"/>
-              </a:spcBef>
-              <a:spcAft>
-                <a:spcPts val="600"/>
-              </a:spcAft>
-              <a:buClr>
-                <a:srgbClr val="8FD600"/>
-              </a:buClr>
-              <a:buFont typeface="Wingdings 2" pitchFamily="18" charset="2"/>
-              <a:buChar char=""/>
-            </a:pPr>
-            <a:r>
-              <a:rPr lang="en-US" sz="3000" b="1" dirty="0" smtClean="0">
-                <a:effectLst>
-                  <a:outerShdw blurRad="38100" dist="38100" dir="2700000" algn="tl">
-                    <a:srgbClr val="000000">
-                      <a:alpha val="43137"/>
-                    </a:srgbClr>
-                  </a:outerShdw>
-                </a:effectLst>
-              </a:rPr>
-              <a:t>Email</a:t>
-            </a:r>
-            <a:r>
-              <a:rPr lang="en-US" sz="3000" b="1" dirty="0">
-                <a:effectLst>
-                  <a:outerShdw blurRad="38100" dist="38100" dir="2700000" algn="tl">
-                    <a:srgbClr val="000000">
-                      <a:alpha val="43137"/>
-                    </a:srgbClr>
-                  </a:outerShdw>
-                </a:effectLst>
-              </a:rPr>
-              <a:t>: </a:t>
-            </a:r>
-            <a:r>
-              <a:rPr lang="en-US" sz="3000" b="1" dirty="0" smtClean="0">
-                <a:effectLst>
-                  <a:outerShdw blurRad="38100" dist="38100" dir="2700000" algn="tl">
-                    <a:srgbClr val="000000">
-                      <a:alpha val="43137"/>
-                    </a:srgbClr>
-                  </a:outerShdw>
-                </a:effectLst>
-              </a:rPr>
-              <a:t>bonny.bonev [at] telerik.com</a:t>
-            </a:r>
-            <a:endParaRPr lang="en-US" sz="3000" b="1" dirty="0">
-              <a:effectLst>
-                <a:outerShdw blurRad="38100" dist="38100" dir="2700000" algn="tl">
-                  <a:srgbClr val="000000">
-                    <a:alpha val="43137"/>
-                  </a:srgbClr>
-                </a:outerShdw>
-              </a:effectLst>
-            </a:endParaRPr>
-          </a:p>
-        </p:txBody>
-      </p:sp>
-      <p:pic>
-        <p:nvPicPr>
-          <p:cNvPr id="6146" name="Picture 2" descr="C:\Telerik Academy\ASP.NET Cource\2010\lectures\lecturers-photos\BonnyBonev.jpg"/>
-          <p:cNvPicPr>
-            <a:picLocks noChangeAspect="1" noChangeArrowheads="1"/>
-          </p:cNvPicPr>
-          <p:nvPr/>
-        </p:nvPicPr>
-        <p:blipFill rotWithShape="1">
-          <a:blip r:embed="rId3" cstate="screen">
-            <a:extLst>
-              <a:ext uri="{BEBA8EAE-BF5A-486C-A8C5-ECC9F3942E4B}">
-                <a14:imgProps xmlns:a14="http://schemas.microsoft.com/office/drawing/2010/main">
-                  <a14:imgLayer r:embed="rId4">
-                    <a14:imgEffect>
-                      <a14:brightnessContrast bright="20000" contrast="-20000"/>
-                    </a14:imgEffect>
-                  </a14:imgLayer>
-                </a14:imgProps>
-              </a:ext>
-              <a:ext uri="{28A0092B-C50C-407E-A947-70E740481C1C}">
-                <a14:useLocalDpi xmlns:a14="http://schemas.microsoft.com/office/drawing/2010/main"/>
-              </a:ext>
-            </a:extLst>
-          </a:blip>
-          <a:srcRect/>
-          <a:stretch/>
-        </p:blipFill>
-        <p:spPr bwMode="auto">
-          <a:xfrm>
-            <a:off x="6663732" y="1219200"/>
-            <a:ext cx="1809775" cy="2057400"/>
-          </a:xfrm>
-          <a:prstGeom prst="rect">
-            <a:avLst/>
-          </a:prstGeom>
-          <a:noFill/>
-          <a:ln w="3175">
-            <a:solidFill>
-              <a:schemeClr val="accent5">
-                <a:lumMod val="75000"/>
-              </a:schemeClr>
-            </a:solidFill>
-            <a:miter lim="800000"/>
-            <a:headEnd/>
-            <a:tailEnd/>
-          </a:ln>
-          <a:extLst>
-            <a:ext uri="{909E8E84-426E-40DD-AFC4-6F175D3DCCD1}">
-              <a14:hiddenFill xmlns:a14="http://schemas.microsoft.com/office/drawing/2010/main">
-                <a:solidFill>
-                  <a:srgbClr val="FFFFFF"/>
-                </a:solidFill>
-              </a14:hiddenFill>
-            </a:ext>
-          </a:extLst>
-        </p:spPr>
-      </p:pic>
-    </p:spTree>
-    <p:extLst>
-      <p:ext uri="{BB962C8B-B14F-4D97-AF65-F5344CB8AC3E}">
-        <p14:creationId xmlns:p14="http://schemas.microsoft.com/office/powerpoint/2010/main" val="4028452447"/>
-      </p:ext>
-    </p:extLst>
-  </p:cSld>
-  <p:clrMapOvr>
-    <a:masterClrMapping/>
-  </p:clrMapOvr>
-  <p:timing>
-    <p:tnLst>
-      <p:par>
-        <p:cTn id="1" dur="indefinite" restart="never" nodeType="tmRoot"/>
-      </p:par>
-    </p:tnLst>
-  </p:timing>
-</p:sld>
-</file>
-
-<file path=ppt/slides/slide2.xml><?xml version="1.0" encoding="utf-8"?>
-<p:sld xmlns:a="http://schemas.openxmlformats.org/drawingml/2006/main" xmlns:r="http://schemas.openxmlformats.org/officeDocument/2006/relationships" xmlns:p="http://schemas.openxmlformats.org/presentationml/2006/main">
-  <p:cSld>
-    <p:spTree>
-      <p:nvGrpSpPr>
-        <p:cNvPr id="1" name=""/>
-        <p:cNvGrpSpPr/>
-        <p:nvPr/>
-      </p:nvGrpSpPr>
-      <p:grpSpPr>
-        <a:xfrm>
-          <a:off x="0" y="0"/>
-          <a:ext cx="0" cy="0"/>
-          <a:chOff x="0" y="0"/>
-          <a:chExt cx="0" cy="0"/>
-        </a:xfrm>
-      </p:grpSpPr>
-      <p:sp>
-        <p:nvSpPr>
-          <p:cNvPr id="2" name="Title 1"/>
-          <p:cNvSpPr>
-            <a:spLocks noGrp="1"/>
-          </p:cNvSpPr>
-          <p:nvPr>
-            <p:ph type="title"/>
-          </p:nvPr>
-        </p:nvSpPr>
-        <p:spPr/>
-        <p:txBody>
-          <a:bodyPr/>
-          <a:lstStyle/>
-          <a:p>
-            <a:r>
-              <a:rPr lang="en-US" dirty="0" smtClean="0"/>
-              <a:t>About the Course</a:t>
-            </a:r>
-            <a:endParaRPr lang="en-US" dirty="0"/>
-          </a:p>
-        </p:txBody>
-      </p:sp>
-      <p:sp>
-        <p:nvSpPr>
-          <p:cNvPr id="3" name="Content Placeholder 2"/>
-          <p:cNvSpPr>
-            <a:spLocks noGrp="1"/>
-          </p:cNvSpPr>
-          <p:nvPr>
-            <p:ph idx="1"/>
-          </p:nvPr>
-        </p:nvSpPr>
-        <p:spPr>
-          <a:xfrm>
-            <a:off x="228600" y="1066800"/>
-            <a:ext cx="8686800" cy="5638800"/>
-          </a:xfrm>
-        </p:spPr>
-        <p:txBody>
-          <a:bodyPr/>
-          <a:lstStyle/>
-          <a:p>
-            <a:pPr>
-              <a:lnSpc>
-                <a:spcPct val="100000"/>
-              </a:lnSpc>
-            </a:pPr>
-            <a:r>
-              <a:rPr lang="en-US" dirty="0" smtClean="0"/>
-              <a:t>Web Applications Development with .NET Framework and </a:t>
-            </a:r>
-            <a:r>
-              <a:rPr lang="en-US" dirty="0" smtClean="0"/>
-              <a:t>ASP.NET MVC objectives</a:t>
-            </a:r>
-            <a:endParaRPr lang="en-US" dirty="0" smtClean="0"/>
-          </a:p>
-          <a:p>
-            <a:pPr lvl="1">
-              <a:lnSpc>
-                <a:spcPct val="100000"/>
-              </a:lnSpc>
-            </a:pPr>
-            <a:r>
-              <a:rPr lang="en-US" dirty="0" smtClean="0"/>
-              <a:t>Provides basic skills for development of dynamic data-driven </a:t>
-            </a:r>
-            <a:r>
-              <a:rPr lang="en-US" dirty="0" smtClean="0"/>
-              <a:t>ASP.NET MVC </a:t>
-            </a:r>
-            <a:r>
-              <a:rPr lang="en-US" dirty="0" smtClean="0"/>
-              <a:t>Web applications</a:t>
-            </a:r>
-          </a:p>
-          <a:p>
-            <a:pPr lvl="1">
-              <a:lnSpc>
-                <a:spcPct val="100000"/>
-              </a:lnSpc>
-            </a:pPr>
-            <a:r>
-              <a:rPr lang="en-US" dirty="0" smtClean="0"/>
-              <a:t>C# language fundamentals</a:t>
-            </a:r>
-          </a:p>
-          <a:p>
-            <a:pPr lvl="1">
-              <a:lnSpc>
-                <a:spcPct val="100000"/>
-              </a:lnSpc>
-            </a:pPr>
-            <a:r>
-              <a:rPr lang="en-US" dirty="0" smtClean="0"/>
-              <a:t>Databases and SQL Server</a:t>
-            </a:r>
-          </a:p>
-          <a:p>
-            <a:pPr lvl="1">
-              <a:lnSpc>
-                <a:spcPct val="100000"/>
-              </a:lnSpc>
-            </a:pPr>
-            <a:r>
-              <a:rPr lang="en-US" dirty="0" smtClean="0"/>
-              <a:t>LINQ and Entity Framework</a:t>
-            </a:r>
-          </a:p>
-          <a:p>
-            <a:pPr lvl="1">
-              <a:lnSpc>
-                <a:spcPct val="100000"/>
-              </a:lnSpc>
-            </a:pPr>
-            <a:r>
-              <a:rPr lang="en-US" dirty="0" smtClean="0"/>
-              <a:t>ASP.NET MVC</a:t>
-            </a:r>
-            <a:endParaRPr lang="en-US" dirty="0" smtClean="0"/>
-          </a:p>
-        </p:txBody>
-      </p:sp>
-      <p:sp>
-        <p:nvSpPr>
-          <p:cNvPr id="4" name="Slide Number Placeholder 3"/>
-          <p:cNvSpPr>
-            <a:spLocks noGrp="1"/>
-          </p:cNvSpPr>
-          <p:nvPr>
-            <p:ph type="sldNum" sz="quarter" idx="10"/>
-          </p:nvPr>
-        </p:nvSpPr>
-        <p:spPr/>
-        <p:txBody>
-          <a:bodyPr/>
-          <a:lstStyle/>
-          <a:p>
-            <a:pPr>
-              <a:defRPr/>
-            </a:pPr>
-            <a:fld id="{58452FF4-89E3-4D1B-9927-2DBDC00E58D7}" type="slidenum">
-              <a:rPr lang="en-US" smtClean="0"/>
-              <a:pPr>
-                <a:defRPr/>
-              </a:pPr>
-              <a:t>2</a:t>
-            </a:fld>
-            <a:endParaRPr lang="en-US" dirty="0"/>
-          </a:p>
-        </p:txBody>
-      </p:sp>
-      <p:pic>
-        <p:nvPicPr>
-          <p:cNvPr id="25604" name="Picture 4" descr="http://www.artegraficas.com.br/img/web_sites/web_sites.jpg"/>
-          <p:cNvPicPr>
-            <a:picLocks noChangeAspect="1" noChangeArrowheads="1"/>
-          </p:cNvPicPr>
-          <p:nvPr/>
-        </p:nvPicPr>
-        <p:blipFill>
-          <a:blip r:embed="rId2" cstate="screen">
-            <a:extLst>
-              <a:ext uri="{28A0092B-C50C-407E-A947-70E740481C1C}">
-                <a14:useLocalDpi xmlns:a14="http://schemas.microsoft.com/office/drawing/2010/main"/>
-              </a:ext>
-            </a:extLst>
-          </a:blip>
-          <a:srcRect/>
-          <a:stretch>
-            <a:fillRect/>
-          </a:stretch>
-        </p:blipFill>
-        <p:spPr bwMode="auto">
-          <a:xfrm>
-            <a:off x="5736615" y="3733800"/>
-            <a:ext cx="2950185" cy="2362200"/>
-          </a:xfrm>
-          <a:prstGeom prst="roundRect">
-            <a:avLst>
-              <a:gd name="adj" fmla="val 8046"/>
-            </a:avLst>
-          </a:prstGeom>
-          <a:noFill/>
-        </p:spPr>
-      </p:pic>
-    </p:spTree>
-  </p:cSld>
-  <p:clrMapOvr>
-    <a:masterClrMapping/>
-  </p:clrMapOvr>
-  <p:timing>
-    <p:tnLst>
-      <p:par>
-        <p:cTn id="1" dur="indefinite" restart="never" nodeType="tmRoot"/>
-      </p:par>
-    </p:tnLst>
-  </p:timing>
-</p:sld>
-</file>
-
-<file path=ppt/slides/slide20.xml><?xml version="1.0" encoding="utf-8"?>
 <p:sld xmlns:a="http://schemas.openxmlformats.org/drawingml/2006/main" xmlns:r="http://schemas.openxmlformats.org/officeDocument/2006/relationships" xmlns:p="http://schemas.openxmlformats.org/presentationml/2006/main">
   <p:cSld>
     <p:spTree>
@@ -8969,7 +8754,7 @@
 </p:sld>
 </file>
 
-<file path=ppt/slides/slide21.xml><?xml version="1.0" encoding="utf-8"?>
+<file path=ppt/slides/slide19.xml><?xml version="1.0" encoding="utf-8"?>
 <p:sld xmlns:a="http://schemas.openxmlformats.org/drawingml/2006/main" xmlns:r="http://schemas.openxmlformats.org/officeDocument/2006/relationships" xmlns:p="http://schemas.openxmlformats.org/presentationml/2006/main">
   <p:cSld>
     <p:spTree>
@@ -9084,7 +8869,15 @@
             </a:pPr>
             <a:r>
               <a:rPr lang="en-US" dirty="0" smtClean="0"/>
-              <a:t>Based on .NET Framework, ASP.NET Web Forms, SQL Server and Entity Framework</a:t>
+              <a:t>Based on .NET Framework, ASP.NET </a:t>
+            </a:r>
+            <a:r>
+              <a:rPr lang="en-US" dirty="0" smtClean="0"/>
+              <a:t>MVC, </a:t>
+            </a:r>
+            <a:r>
+              <a:rPr lang="en-US" dirty="0" smtClean="0"/>
+              <a:t>SQL Server and Entity Framework</a:t>
             </a:r>
           </a:p>
           <a:p>
@@ -9156,7 +8949,7 @@
               <a:pPr>
                 <a:defRPr/>
               </a:pPr>
-              <a:t>21</a:t>
+              <a:t>19</a:t>
             </a:fld>
             <a:endParaRPr lang="en-US" dirty="0"/>
           </a:p>
@@ -9213,7 +9006,7 @@
 </p:sld>
 </file>
 
-<file path=ppt/slides/slide22.xml><?xml version="1.0" encoding="utf-8"?>
+<file path=ppt/slides/slide2.xml><?xml version="1.0" encoding="utf-8"?>
 <p:sld xmlns:a="http://schemas.openxmlformats.org/drawingml/2006/main" xmlns:r="http://schemas.openxmlformats.org/officeDocument/2006/relationships" xmlns:p="http://schemas.openxmlformats.org/presentationml/2006/main">
   <p:cSld>
     <p:spTree>
@@ -9247,7 +9040,529 @@
           <a:p>
             <a:r>
               <a:rPr lang="en-US" dirty="0" smtClean="0"/>
+              <a:t>About the Course</a:t>
+            </a:r>
+            <a:endParaRPr lang="en-US" dirty="0"/>
+          </a:p>
+        </p:txBody>
+      </p:sp>
+      <p:sp>
+        <p:nvSpPr>
+          <p:cNvPr id="3" name="Content Placeholder 2"/>
+          <p:cNvSpPr>
+            <a:spLocks noGrp="1"/>
+          </p:cNvSpPr>
+          <p:nvPr>
+            <p:ph idx="1"/>
+          </p:nvPr>
+        </p:nvSpPr>
+        <p:spPr>
+          <a:xfrm>
+            <a:off x="228600" y="1066800"/>
+            <a:ext cx="8686800" cy="5638800"/>
+          </a:xfrm>
+        </p:spPr>
+        <p:txBody>
+          <a:bodyPr/>
+          <a:lstStyle/>
+          <a:p>
+            <a:pPr>
+              <a:lnSpc>
+                <a:spcPts val="3400"/>
+              </a:lnSpc>
+            </a:pPr>
+            <a:r>
+              <a:rPr lang="en-US" dirty="0"/>
+              <a:t>Web Applications with </a:t>
+            </a:r>
+            <a:r>
+              <a:rPr lang="en-US" dirty="0" smtClean="0"/>
+              <a:t>ASP.NET MVC objectives</a:t>
+            </a:r>
+            <a:endParaRPr lang="en-US" dirty="0" smtClean="0"/>
+          </a:p>
+          <a:p>
+            <a:pPr lvl="1">
+              <a:lnSpc>
+                <a:spcPts val="3400"/>
+              </a:lnSpc>
+            </a:pPr>
+            <a:r>
+              <a:rPr lang="en-US" dirty="0" smtClean="0"/>
+              <a:t>Provides basic skills for development of dynamic ASP.NET MVC Web applications</a:t>
+            </a:r>
+          </a:p>
+          <a:p>
+            <a:pPr lvl="1">
+              <a:lnSpc>
+                <a:spcPts val="3400"/>
+              </a:lnSpc>
+            </a:pPr>
+            <a:r>
+              <a:rPr lang="en-US" dirty="0" smtClean="0"/>
+              <a:t>C</a:t>
+            </a:r>
+            <a:r>
+              <a:rPr lang="en-US" dirty="0" smtClean="0"/>
+              <a:t># language fundamentals</a:t>
+            </a:r>
+          </a:p>
+          <a:p>
+            <a:pPr lvl="1">
+              <a:lnSpc>
+                <a:spcPts val="3400"/>
+              </a:lnSpc>
+            </a:pPr>
+            <a:r>
+              <a:rPr lang="en-US" dirty="0" smtClean="0"/>
+              <a:t>Databases and SQL Server</a:t>
+            </a:r>
+          </a:p>
+          <a:p>
+            <a:pPr lvl="1">
+              <a:lnSpc>
+                <a:spcPts val="3400"/>
+              </a:lnSpc>
+            </a:pPr>
+            <a:r>
+              <a:rPr lang="en-US" dirty="0" smtClean="0"/>
+              <a:t>LINQ and Entity Framework</a:t>
+            </a:r>
+          </a:p>
+          <a:p>
+            <a:pPr lvl="1">
+              <a:lnSpc>
+                <a:spcPts val="3400"/>
+              </a:lnSpc>
+            </a:pPr>
+            <a:r>
+              <a:rPr lang="en-US" dirty="0" smtClean="0"/>
+              <a:t>WWW, HTTP, HTML5, CSS3</a:t>
+            </a:r>
+          </a:p>
+          <a:p>
+            <a:pPr lvl="1">
+              <a:lnSpc>
+                <a:spcPts val="3400"/>
+              </a:lnSpc>
+            </a:pPr>
+            <a:r>
+              <a:rPr lang="en-US" dirty="0" smtClean="0"/>
+              <a:t>JavaScript, </a:t>
+            </a:r>
+            <a:r>
+              <a:rPr lang="en-US" dirty="0" err="1" smtClean="0"/>
+              <a:t>jQuery</a:t>
+            </a:r>
+            <a:endParaRPr lang="en-US" dirty="0"/>
+          </a:p>
+          <a:p>
+            <a:pPr lvl="1">
+              <a:lnSpc>
+                <a:spcPts val="3400"/>
+              </a:lnSpc>
+            </a:pPr>
+            <a:r>
+              <a:rPr lang="en-US" dirty="0" smtClean="0"/>
+              <a:t>ASP.NET MVC</a:t>
+            </a:r>
+            <a:endParaRPr lang="en-US" dirty="0" smtClean="0"/>
+          </a:p>
+        </p:txBody>
+      </p:sp>
+      <p:sp>
+        <p:nvSpPr>
+          <p:cNvPr id="4" name="Slide Number Placeholder 3"/>
+          <p:cNvSpPr>
+            <a:spLocks noGrp="1"/>
+          </p:cNvSpPr>
+          <p:nvPr>
+            <p:ph type="sldNum" sz="quarter" idx="10"/>
+          </p:nvPr>
+        </p:nvSpPr>
+        <p:spPr/>
+        <p:txBody>
+          <a:bodyPr/>
+          <a:lstStyle/>
+          <a:p>
+            <a:pPr>
+              <a:defRPr/>
+            </a:pPr>
+            <a:fld id="{58452FF4-89E3-4D1B-9927-2DBDC00E58D7}" type="slidenum">
+              <a:rPr lang="en-US" smtClean="0"/>
+              <a:pPr>
+                <a:defRPr/>
+              </a:pPr>
+              <a:t>2</a:t>
+            </a:fld>
+            <a:endParaRPr lang="en-US" dirty="0"/>
+          </a:p>
+        </p:txBody>
+      </p:sp>
+      <p:pic>
+        <p:nvPicPr>
+          <p:cNvPr id="25604" name="Picture 4" descr="http://www.artegraficas.com.br/img/web_sites/web_sites.jpg"/>
+          <p:cNvPicPr>
+            <a:picLocks noChangeAspect="1" noChangeArrowheads="1"/>
+          </p:cNvPicPr>
+          <p:nvPr/>
+        </p:nvPicPr>
+        <p:blipFill>
+          <a:blip r:embed="rId2" cstate="screen">
+            <a:extLst>
+              <a:ext uri="{28A0092B-C50C-407E-A947-70E740481C1C}">
+                <a14:useLocalDpi xmlns:a14="http://schemas.microsoft.com/office/drawing/2010/main"/>
+              </a:ext>
+            </a:extLst>
+          </a:blip>
+          <a:srcRect/>
+          <a:stretch>
+            <a:fillRect/>
+          </a:stretch>
+        </p:blipFill>
+        <p:spPr bwMode="auto">
+          <a:xfrm>
+            <a:off x="5736615" y="3581400"/>
+            <a:ext cx="2950185" cy="2362200"/>
+          </a:xfrm>
+          <a:prstGeom prst="roundRect">
+            <a:avLst>
+              <a:gd name="adj" fmla="val 8046"/>
+            </a:avLst>
+          </a:prstGeom>
+          <a:noFill/>
+        </p:spPr>
+      </p:pic>
+    </p:spTree>
+  </p:cSld>
+  <p:clrMapOvr>
+    <a:masterClrMapping/>
+  </p:clrMapOvr>
+  <p:timing>
+    <p:tnLst>
+      <p:par>
+        <p:cTn id="1" dur="indefinite" restart="never" nodeType="tmRoot"/>
+      </p:par>
+    </p:tnLst>
+  </p:timing>
+</p:sld>
+</file>
+
+<file path=ppt/slides/slide20.xml><?xml version="1.0" encoding="utf-8"?>
+<p:sld xmlns:a="http://schemas.openxmlformats.org/drawingml/2006/main" xmlns:r="http://schemas.openxmlformats.org/officeDocument/2006/relationships" xmlns:p="http://schemas.openxmlformats.org/presentationml/2006/main">
+  <p:cSld>
+    <p:spTree>
+      <p:nvGrpSpPr>
+        <p:cNvPr id="1" name=""/>
+        <p:cNvGrpSpPr/>
+        <p:nvPr/>
+      </p:nvGrpSpPr>
+      <p:grpSpPr>
+        <a:xfrm>
+          <a:off x="0" y="0"/>
+          <a:ext cx="0" cy="0"/>
+          <a:chOff x="0" y="0"/>
+          <a:chExt cx="0" cy="0"/>
+        </a:xfrm>
+      </p:grpSpPr>
+      <p:sp>
+        <p:nvSpPr>
+          <p:cNvPr id="2" name="Title 1"/>
+          <p:cNvSpPr>
+            <a:spLocks noGrp="1"/>
+          </p:cNvSpPr>
+          <p:nvPr>
+            <p:ph type="title"/>
+          </p:nvPr>
+        </p:nvSpPr>
+        <p:spPr/>
+        <p:txBody>
+          <a:bodyPr/>
+          <a:lstStyle/>
+          <a:p>
+            <a:r>
+              <a:rPr lang="en-US" dirty="0" smtClean="0"/>
               <a:t>Assessment (2)</a:t>
+            </a:r>
+            <a:endParaRPr lang="en-US" dirty="0"/>
+          </a:p>
+        </p:txBody>
+      </p:sp>
+      <p:sp>
+        <p:nvSpPr>
+          <p:cNvPr id="3" name="Content Placeholder 2"/>
+          <p:cNvSpPr>
+            <a:spLocks noGrp="1"/>
+          </p:cNvSpPr>
+          <p:nvPr>
+            <p:ph idx="1"/>
+          </p:nvPr>
+        </p:nvSpPr>
+        <p:spPr>
+          <a:xfrm>
+            <a:off x="152400" y="762000"/>
+            <a:ext cx="8915400" cy="5943600"/>
+          </a:xfrm>
+        </p:spPr>
+        <p:txBody>
+          <a:bodyPr/>
+          <a:lstStyle/>
+          <a:p>
+            <a:pPr>
+              <a:lnSpc>
+                <a:spcPct val="100000"/>
+              </a:lnSpc>
+              <a:spcBef>
+                <a:spcPts val="400"/>
+              </a:spcBef>
+            </a:pPr>
+            <a:r>
+              <a:rPr lang="en-US" dirty="0"/>
+              <a:t>Defending the projects</a:t>
+            </a:r>
+          </a:p>
+          <a:p>
+            <a:pPr lvl="1">
+              <a:lnSpc>
+                <a:spcPct val="100000"/>
+              </a:lnSpc>
+              <a:spcBef>
+                <a:spcPts val="400"/>
+              </a:spcBef>
+            </a:pPr>
+            <a:r>
+              <a:rPr lang="en-US" sz="2800" dirty="0"/>
+              <a:t>Students should defend their projects in class</a:t>
+            </a:r>
+          </a:p>
+          <a:p>
+            <a:pPr lvl="1">
+              <a:lnSpc>
+                <a:spcPct val="100000"/>
+              </a:lnSpc>
+              <a:spcBef>
+                <a:spcPts val="400"/>
+              </a:spcBef>
+            </a:pPr>
+            <a:r>
+              <a:rPr lang="en-US" sz="2800" dirty="0"/>
+              <a:t>Will be asked to extend the existing functionality</a:t>
+            </a:r>
+          </a:p>
+          <a:p>
+            <a:pPr lvl="1">
+              <a:lnSpc>
+                <a:spcPct val="100000"/>
+              </a:lnSpc>
+              <a:spcBef>
+                <a:spcPts val="400"/>
+              </a:spcBef>
+            </a:pPr>
+            <a:r>
+              <a:rPr lang="en-US" sz="2800" dirty="0"/>
+              <a:t>Using own laptop is recommended</a:t>
+            </a:r>
+          </a:p>
+          <a:p>
+            <a:pPr lvl="1">
+              <a:lnSpc>
+                <a:spcPct val="100000"/>
+              </a:lnSpc>
+              <a:spcBef>
+                <a:spcPts val="400"/>
+              </a:spcBef>
+            </a:pPr>
+            <a:r>
+              <a:rPr lang="en-US" sz="2800" dirty="0"/>
+              <a:t>The whole project will be evaluated including functionality, front-end, </a:t>
+            </a:r>
+            <a:r>
+              <a:rPr lang="en-US" sz="2800" dirty="0" smtClean="0"/>
+              <a:t>database</a:t>
+            </a:r>
+          </a:p>
+          <a:p>
+            <a:pPr>
+              <a:lnSpc>
+                <a:spcPct val="100000"/>
+              </a:lnSpc>
+              <a:spcBef>
+                <a:spcPts val="400"/>
+              </a:spcBef>
+            </a:pPr>
+            <a:r>
+              <a:rPr lang="en-US" dirty="0" smtClean="0"/>
+              <a:t>Homework</a:t>
+            </a:r>
+          </a:p>
+          <a:p>
+            <a:pPr lvl="1">
+              <a:lnSpc>
+                <a:spcPct val="100000"/>
+              </a:lnSpc>
+              <a:spcBef>
+                <a:spcPts val="400"/>
+              </a:spcBef>
+            </a:pPr>
+            <a:r>
+              <a:rPr lang="en-US" sz="2800" dirty="0"/>
+              <a:t>After every topic students</a:t>
+            </a:r>
+            <a:br>
+              <a:rPr lang="en-US" sz="2800" dirty="0"/>
+            </a:br>
+            <a:r>
+              <a:rPr lang="en-US" sz="2800" dirty="0"/>
+              <a:t>will have a homework</a:t>
+            </a:r>
+          </a:p>
+          <a:p>
+            <a:pPr lvl="1">
+              <a:lnSpc>
+                <a:spcPct val="100000"/>
+              </a:lnSpc>
+              <a:spcBef>
+                <a:spcPts val="400"/>
+              </a:spcBef>
+            </a:pPr>
+            <a:r>
+              <a:rPr lang="en-US" sz="2800" dirty="0"/>
+              <a:t>Homework will be part of</a:t>
+            </a:r>
+            <a:br>
+              <a:rPr lang="en-US" sz="2800" dirty="0"/>
+            </a:br>
+            <a:r>
+              <a:rPr lang="en-US" sz="2800" dirty="0"/>
+              <a:t>the final score</a:t>
+            </a:r>
+          </a:p>
+        </p:txBody>
+      </p:sp>
+      <p:sp>
+        <p:nvSpPr>
+          <p:cNvPr id="4" name="Slide Number Placeholder 3"/>
+          <p:cNvSpPr>
+            <a:spLocks noGrp="1"/>
+          </p:cNvSpPr>
+          <p:nvPr>
+            <p:ph type="sldNum" sz="quarter" idx="10"/>
+          </p:nvPr>
+        </p:nvSpPr>
+        <p:spPr/>
+        <p:txBody>
+          <a:bodyPr/>
+          <a:lstStyle/>
+          <a:p>
+            <a:pPr>
+              <a:defRPr/>
+            </a:pPr>
+            <a:fld id="{58452FF4-89E3-4D1B-9927-2DBDC00E58D7}" type="slidenum">
+              <a:rPr lang="en-US" smtClean="0"/>
+              <a:pPr>
+                <a:defRPr/>
+              </a:pPr>
+              <a:t>20</a:t>
+            </a:fld>
+            <a:endParaRPr lang="en-US" dirty="0"/>
+          </a:p>
+        </p:txBody>
+      </p:sp>
+      <p:pic>
+        <p:nvPicPr>
+          <p:cNvPr id="2050" name="Picture 2" descr="http://www.healthyalberta.com/Images/HS_Exam_Stress_PHOTO.jpg"/>
+          <p:cNvPicPr>
+            <a:picLocks noChangeAspect="1" noChangeArrowheads="1"/>
+          </p:cNvPicPr>
+          <p:nvPr/>
+        </p:nvPicPr>
+        <p:blipFill>
+          <a:blip r:embed="rId2" cstate="print"/>
+          <a:srcRect/>
+          <a:stretch>
+            <a:fillRect/>
+          </a:stretch>
+        </p:blipFill>
+        <p:spPr bwMode="auto">
+          <a:xfrm>
+            <a:off x="5334000" y="4357966"/>
+            <a:ext cx="3216310" cy="2138846"/>
+          </a:xfrm>
+          <a:prstGeom prst="roundRect">
+            <a:avLst>
+              <a:gd name="adj" fmla="val 8594"/>
+            </a:avLst>
+          </a:prstGeom>
+          <a:solidFill>
+            <a:srgbClr val="FFFFFF">
+              <a:shade val="85000"/>
+            </a:srgbClr>
+          </a:solidFill>
+          <a:ln>
+            <a:noFill/>
+          </a:ln>
+          <a:effectLst/>
+        </p:spPr>
+      </p:pic>
+    </p:spTree>
+    <p:extLst>
+      <p:ext uri="{BB962C8B-B14F-4D97-AF65-F5344CB8AC3E}">
+        <p14:creationId xmlns:p14="http://schemas.microsoft.com/office/powerpoint/2010/main" val="1631630555"/>
+      </p:ext>
+    </p:extLst>
+  </p:cSld>
+  <p:clrMapOvr>
+    <a:masterClrMapping/>
+  </p:clrMapOvr>
+  <p:timing>
+    <p:tnLst>
+      <p:par>
+        <p:cTn id="1" dur="indefinite" restart="never" nodeType="tmRoot"/>
+      </p:par>
+    </p:tnLst>
+  </p:timing>
+</p:sld>
+</file>
+
+<file path=ppt/slides/slide21.xml><?xml version="1.0" encoding="utf-8"?>
+<p:sld xmlns:a="http://schemas.openxmlformats.org/drawingml/2006/main" xmlns:r="http://schemas.openxmlformats.org/officeDocument/2006/relationships" xmlns:p="http://schemas.openxmlformats.org/presentationml/2006/main">
+  <p:cSld>
+    <p:spTree>
+      <p:nvGrpSpPr>
+        <p:cNvPr id="1" name=""/>
+        <p:cNvGrpSpPr/>
+        <p:nvPr/>
+      </p:nvGrpSpPr>
+      <p:grpSpPr>
+        <a:xfrm>
+          <a:off x="0" y="0"/>
+          <a:ext cx="0" cy="0"/>
+          <a:chOff x="0" y="0"/>
+          <a:chExt cx="0" cy="0"/>
+        </a:xfrm>
+      </p:grpSpPr>
+      <p:sp>
+        <p:nvSpPr>
+          <p:cNvPr id="2" name="Title 1"/>
+          <p:cNvSpPr>
+            <a:spLocks noGrp="1"/>
+          </p:cNvSpPr>
+          <p:nvPr>
+            <p:ph type="title"/>
+          </p:nvPr>
+        </p:nvSpPr>
+        <p:spPr/>
+        <p:txBody>
+          <a:bodyPr/>
+          <a:lstStyle/>
+          <a:p>
+            <a:r>
+              <a:rPr lang="en-US" dirty="0" smtClean="0"/>
+              <a:t>Assessment </a:t>
+            </a:r>
+            <a:r>
+              <a:rPr lang="en-US" dirty="0" smtClean="0"/>
+              <a:t>(3)</a:t>
             </a:r>
             <a:endParaRPr lang="en-US" dirty="0"/>
           </a:p>
@@ -9282,8 +9597,8 @@
               </a:spcBef>
             </a:pPr>
             <a:r>
-              <a:rPr lang="en-US" sz="3000" dirty="0" smtClean="0"/>
-              <a:t>Defending the projects</a:t>
+              <a:rPr lang="en-US" sz="2800" dirty="0" smtClean="0"/>
+              <a:t>Homework submission form</a:t>
             </a:r>
           </a:p>
           <a:p>
@@ -9296,8 +9611,31 @@
               </a:spcBef>
             </a:pPr>
             <a:r>
+              <a:rPr lang="en-US" sz="2600" dirty="0">
+                <a:hlinkClick r:id="rId2"/>
+              </a:rPr>
+              <a:t>http://</a:t>
+            </a:r>
+            <a:r>
+              <a:rPr lang="en-US" sz="2600" dirty="0" smtClean="0">
+                <a:hlinkClick r:id="rId2"/>
+              </a:rPr>
+              <a:t>nakov.devbg.org/mvc-uploads</a:t>
+            </a:r>
+            <a:endParaRPr lang="en-US" sz="2600" dirty="0"/>
+          </a:p>
+          <a:p>
+            <a:pPr>
+              <a:lnSpc>
+                <a:spcPct val="100000"/>
+              </a:lnSpc>
+              <a:spcBef>
+                <a:spcPts val="400"/>
+              </a:spcBef>
+            </a:pPr>
+            <a:r>
               <a:rPr lang="en-US" sz="2800" dirty="0" smtClean="0"/>
-              <a:t>Students should defend their projects in class</a:t>
+              <a:t>Evaluation criteria</a:t>
             </a:r>
           </a:p>
           <a:p>
@@ -9310,8 +9648,8 @@
               </a:spcBef>
             </a:pPr>
             <a:r>
-              <a:rPr lang="en-US" sz="2800" dirty="0" smtClean="0"/>
-              <a:t>Will be asked to extend the existing functionality</a:t>
+              <a:rPr lang="en-US" sz="2600" dirty="0" smtClean="0"/>
+              <a:t>75% of the final score will be your project score</a:t>
             </a:r>
           </a:p>
           <a:p>
@@ -9324,12 +9662,12 @@
               </a:spcBef>
             </a:pPr>
             <a:r>
-              <a:rPr lang="en-US" sz="2800" dirty="0" smtClean="0"/>
-              <a:t>Using own laptop is recommended</a:t>
-            </a:r>
-          </a:p>
-          <a:p>
-            <a:pPr lvl="1">
+              <a:rPr lang="en-US" sz="2600" dirty="0" smtClean="0"/>
+              <a:t>25% of the final score will be from homework</a:t>
+            </a:r>
+          </a:p>
+          <a:p>
+            <a:pPr>
               <a:lnSpc>
                 <a:spcPct val="100000"/>
               </a:lnSpc>
@@ -9337,32 +9675,29 @@
                 <a:spcPts val="400"/>
               </a:spcBef>
             </a:pPr>
-            <a:r>
-              <a:rPr lang="en-US" sz="2800" dirty="0" smtClean="0"/>
-              <a:t>The first project gives </a:t>
-            </a:r>
-            <a:r>
-              <a:rPr lang="en-US" sz="2800" dirty="0" smtClean="0">
-                <a:latin typeface="Consolas" pitchFamily="49" charset="0"/>
-                <a:cs typeface="Consolas" pitchFamily="49" charset="0"/>
-              </a:rPr>
-              <a:t>0…20</a:t>
-            </a:r>
-            <a:r>
-              <a:rPr lang="en-US" sz="2800" dirty="0" smtClean="0"/>
-              <a:t> scores,</a:t>
-            </a:r>
-            <a:br>
-              <a:rPr lang="en-US" sz="2800" dirty="0" smtClean="0"/>
-            </a:br>
-            <a:r>
-              <a:rPr lang="en-US" sz="2800" dirty="0" smtClean="0"/>
-              <a:t>the second – 0..40 scores</a:t>
-            </a:r>
-            <a:endParaRPr lang="en-US" sz="3000" dirty="0" smtClean="0">
-              <a:latin typeface="Consolas" pitchFamily="49" charset="0"/>
-              <a:cs typeface="Consolas" pitchFamily="49" charset="0"/>
-            </a:endParaRPr>
+            <a:endParaRPr lang="en-US" sz="2800" dirty="0" smtClean="0"/>
+          </a:p>
+          <a:p>
+            <a:pPr>
+              <a:lnSpc>
+                <a:spcPct val="100000"/>
+              </a:lnSpc>
+              <a:spcBef>
+                <a:spcPts val="400"/>
+              </a:spcBef>
+            </a:pPr>
+            <a:endParaRPr lang="en-US" sz="2800" dirty="0" smtClean="0"/>
+          </a:p>
+          <a:p>
+            <a:pPr>
+              <a:lnSpc>
+                <a:spcPct val="100000"/>
+              </a:lnSpc>
+              <a:spcBef>
+                <a:spcPts val="400"/>
+              </a:spcBef>
+            </a:pPr>
+            <a:endParaRPr lang="en-US" sz="2800" dirty="0" smtClean="0"/>
           </a:p>
         </p:txBody>
       </p:sp>
@@ -9389,7 +9724,7 @@
               <a:pPr>
                 <a:defRPr/>
               </a:pPr>
-              <a:t>22</a:t>
+              <a:t>21</a:t>
             </a:fld>
             <a:endParaRPr lang="en-US" dirty="0"/>
           </a:p>
@@ -9404,13 +9739,13 @@
           <p:nvPr>
             <p:extLst>
               <p:ext uri="{D42A27DB-BD31-4B8C-83A1-F6EECF244321}">
-                <p14:modId xmlns:p14="http://schemas.microsoft.com/office/powerpoint/2010/main" val="1921737319"/>
+                <p14:modId xmlns:p14="http://schemas.microsoft.com/office/powerpoint/2010/main" val="3723335148"/>
               </p:ext>
             </p:extLst>
           </p:nvPr>
         </p:nvGraphicFramePr>
         <p:xfrm>
-          <a:off x="2362200" y="4282440"/>
+          <a:off x="1371600" y="3962400"/>
           <a:ext cx="4191000" cy="2194560"/>
         </p:xfrm>
         <a:graphic>
@@ -9705,8 +10040,28 @@
                           <a:ea typeface="+mn-ea"/>
                           <a:cs typeface="Consolas" pitchFamily="49" charset="0"/>
                         </a:rPr>
-                        <a:t>51-60</a:t>
+                        <a:t>85-100</a:t>
                       </a:r>
+                      <a:endParaRPr kumimoji="0" lang="en-US" sz="2400" b="1" i="0" u="none" strike="noStrike" kern="1200" cap="none" spc="0" normalizeH="0" baseline="0" noProof="0" dirty="0" smtClean="0">
+                        <a:ln>
+                          <a:noFill/>
+                        </a:ln>
+                        <a:solidFill>
+                          <a:srgbClr val="EBFFD2"/>
+                        </a:solidFill>
+                        <a:effectLst>
+                          <a:outerShdw blurRad="38100" dist="38100" dir="2700000" algn="tl">
+                            <a:srgbClr val="000000">
+                              <a:alpha val="43137"/>
+                            </a:srgbClr>
+                          </a:outerShdw>
+                        </a:effectLst>
+                        <a:uLnTx/>
+                        <a:uFillTx/>
+                        <a:latin typeface="Consolas" pitchFamily="49" charset="0"/>
+                        <a:ea typeface="+mn-ea"/>
+                        <a:cs typeface="Consolas" pitchFamily="49" charset="0"/>
+                      </a:endParaRPr>
                     </a:p>
                   </a:txBody>
                   <a:tcPr anchor="ctr" horzOverflow="overflow">
@@ -9967,7 +10322,7 @@
                           <a:ea typeface="+mn-ea"/>
                           <a:cs typeface="Consolas" pitchFamily="49" charset="0"/>
                         </a:rPr>
-                        <a:t>41-50</a:t>
+                        <a:t>70-85</a:t>
                       </a:r>
                       <a:endParaRPr kumimoji="0" lang="bg-BG" sz="2400" b="1" i="0" u="none" strike="noStrike" kern="1200" cap="none" spc="0" normalizeH="0" baseline="0" noProof="0" dirty="0" smtClean="0">
                         <a:ln>
@@ -10249,7 +10604,7 @@
                           <a:ea typeface="+mn-ea"/>
                           <a:cs typeface="Consolas" pitchFamily="49" charset="0"/>
                         </a:rPr>
-                        <a:t>31-40</a:t>
+                        <a:t>55-70</a:t>
                       </a:r>
                       <a:endParaRPr kumimoji="0" lang="bg-BG" sz="2400" b="1" i="0" u="none" strike="noStrike" kern="1200" cap="none" spc="0" normalizeH="0" baseline="0" noProof="0" dirty="0" smtClean="0">
                         <a:ln>
@@ -10531,7 +10886,7 @@
                           <a:ea typeface="+mn-ea"/>
                           <a:cs typeface="Consolas" pitchFamily="49" charset="0"/>
                         </a:rPr>
-                        <a:t>21-30</a:t>
+                        <a:t>40-55</a:t>
                       </a:r>
                       <a:endParaRPr kumimoji="0" lang="bg-BG" sz="2400" b="1" i="0" u="none" strike="noStrike" kern="1200" cap="none" spc="0" normalizeH="0" baseline="0" noProof="0" dirty="0" smtClean="0">
                         <a:ln>
@@ -10780,7 +11135,7 @@
           <p:nvPr/>
         </p:nvPicPr>
         <p:blipFill>
-          <a:blip r:embed="rId2" cstate="screen">
+          <a:blip r:embed="rId3" cstate="screen">
             <a:extLst>
               <a:ext uri="{28A0092B-C50C-407E-A947-70E740481C1C}">
                 <a14:useLocalDpi xmlns:a14="http://schemas.microsoft.com/office/drawing/2010/main"/>
@@ -10794,7 +11149,7 @@
         </p:blipFill>
         <p:spPr bwMode="auto">
           <a:xfrm rot="21149242">
-            <a:off x="7254692" y="3121034"/>
+            <a:off x="6645093" y="4187834"/>
             <a:ext cx="1214719" cy="1485427"/>
           </a:xfrm>
           <a:prstGeom prst="rect">
@@ -10845,7 +11200,7 @@
 </p:sld>
 </file>
 
-<file path=ppt/slides/slide23.xml><?xml version="1.0" encoding="utf-8"?>
+<file path=ppt/slides/slide22.xml><?xml version="1.0" encoding="utf-8"?>
 <p:sld xmlns:a="http://schemas.openxmlformats.org/drawingml/2006/main" xmlns:r="http://schemas.openxmlformats.org/officeDocument/2006/relationships" xmlns:p="http://schemas.openxmlformats.org/presentationml/2006/main">
   <p:cSld>
     <p:spTree>
@@ -11045,7 +11400,7 @@
               <a:pPr>
                 <a:defRPr/>
               </a:pPr>
-              <a:t>23</a:t>
+              <a:t>22</a:t>
             </a:fld>
             <a:endParaRPr lang="en-US" dirty="0"/>
           </a:p>
@@ -11207,7 +11562,7 @@
 </p:sld>
 </file>
 
-<file path=ppt/slides/slide24.xml><?xml version="1.0" encoding="utf-8"?>
+<file path=ppt/slides/slide23.xml><?xml version="1.0" encoding="utf-8"?>
 <p:sld xmlns:a="http://schemas.openxmlformats.org/drawingml/2006/main" xmlns:r="http://schemas.openxmlformats.org/officeDocument/2006/relationships" xmlns:p="http://schemas.openxmlformats.org/presentationml/2006/main">
   <p:cSld>
     <p:spTree>
@@ -11307,7 +11662,7 @@
 </p:sld>
 </file>
 
-<file path=ppt/slides/slide25.xml><?xml version="1.0" encoding="utf-8"?>
+<file path=ppt/slides/slide24.xml><?xml version="1.0" encoding="utf-8"?>
 <p:sld xmlns:a="http://schemas.openxmlformats.org/drawingml/2006/main" xmlns:r="http://schemas.openxmlformats.org/officeDocument/2006/relationships" xmlns:p="http://schemas.openxmlformats.org/presentationml/2006/main">
   <p:cSld>
     <p:spTree>
@@ -11522,7 +11877,7 @@
               <a:pPr>
                 <a:defRPr/>
               </a:pPr>
-              <a:t>25</a:t>
+              <a:t>24</a:t>
             </a:fld>
             <a:endParaRPr lang="en-US" dirty="0"/>
           </a:p>
@@ -11683,6 +12038,387 @@
 </p:sld>
 </file>
 
+<file path=ppt/slides/slide25.xml><?xml version="1.0" encoding="utf-8"?>
+<p:sld xmlns:a="http://schemas.openxmlformats.org/drawingml/2006/main" xmlns:r="http://schemas.openxmlformats.org/officeDocument/2006/relationships" xmlns:p="http://schemas.openxmlformats.org/presentationml/2006/main">
+  <p:cSld>
+    <p:spTree>
+      <p:nvGrpSpPr>
+        <p:cNvPr id="1" name=""/>
+        <p:cNvGrpSpPr/>
+        <p:nvPr/>
+      </p:nvGrpSpPr>
+      <p:grpSpPr>
+        <a:xfrm>
+          <a:off x="0" y="0"/>
+          <a:ext cx="0" cy="0"/>
+          <a:chOff x="0" y="0"/>
+          <a:chExt cx="0" cy="0"/>
+        </a:xfrm>
+      </p:grpSpPr>
+      <p:sp>
+        <p:nvSpPr>
+          <p:cNvPr id="2" name="Title 1"/>
+          <p:cNvSpPr>
+            <a:spLocks noGrp="1"/>
+          </p:cNvSpPr>
+          <p:nvPr>
+            <p:ph type="title"/>
+          </p:nvPr>
+        </p:nvSpPr>
+        <p:spPr/>
+        <p:txBody>
+          <a:bodyPr/>
+          <a:lstStyle/>
+          <a:p>
+            <a:r>
+              <a:rPr lang="en-US" dirty="0" smtClean="0"/>
+              <a:t>Recommended Books</a:t>
+            </a:r>
+            <a:endParaRPr lang="en-US" dirty="0"/>
+          </a:p>
+        </p:txBody>
+      </p:sp>
+      <p:sp>
+        <p:nvSpPr>
+          <p:cNvPr id="3" name="Content Placeholder 2"/>
+          <p:cNvSpPr>
+            <a:spLocks noGrp="1"/>
+          </p:cNvSpPr>
+          <p:nvPr>
+            <p:ph idx="1"/>
+          </p:nvPr>
+        </p:nvSpPr>
+        <p:spPr>
+          <a:xfrm>
+            <a:off x="1752600" y="914400"/>
+            <a:ext cx="7086600" cy="5638800"/>
+          </a:xfrm>
+        </p:spPr>
+        <p:txBody>
+          <a:bodyPr/>
+          <a:lstStyle/>
+          <a:p>
+            <a:pPr marL="0" indent="0">
+              <a:spcBef>
+                <a:spcPts val="1800"/>
+              </a:spcBef>
+              <a:buNone/>
+              <a:tabLst/>
+            </a:pPr>
+            <a:r>
+              <a:rPr lang="en-US" sz="3000" dirty="0">
+                <a:effectLst/>
+              </a:rPr>
+              <a:t>MacDonald M., Beginning ASP.NET 4 in C# 2010, 981 pages, Apress, Inc., 2010, ISBN 978-1-4302-2608-6 – </a:t>
+            </a:r>
+            <a:r>
+              <a:rPr lang="en-US" sz="3000" u="sng" dirty="0">
+                <a:effectLst/>
+                <a:hlinkClick r:id="rId2"/>
+              </a:rPr>
+              <a:t>http://apress.com/book/view/1430226080</a:t>
+            </a:r>
+            <a:endParaRPr lang="en-US" sz="3000" dirty="0">
+              <a:effectLst/>
+            </a:endParaRPr>
+          </a:p>
+          <a:p>
+            <a:pPr marL="0" lvl="0" indent="0">
+              <a:spcBef>
+                <a:spcPts val="1800"/>
+              </a:spcBef>
+              <a:buNone/>
+              <a:tabLst/>
+            </a:pPr>
+            <a:r>
+              <a:rPr lang="en-US" sz="3000" dirty="0" smtClean="0">
+                <a:effectLst/>
+              </a:rPr>
+              <a:t>Nakov S. &amp; Co., Programming for .NET Framework, Volume </a:t>
+            </a:r>
+            <a:r>
+              <a:rPr lang="en-US" sz="3000" dirty="0" smtClean="0">
+                <a:effectLst/>
+                <a:latin typeface="Consolas" pitchFamily="49" charset="0"/>
+                <a:cs typeface="Consolas" pitchFamily="49" charset="0"/>
+              </a:rPr>
+              <a:t>1</a:t>
+            </a:r>
+            <a:r>
+              <a:rPr lang="en-US" sz="3000" dirty="0" smtClean="0">
+                <a:effectLst/>
+              </a:rPr>
+              <a:t>, ISBN </a:t>
+            </a:r>
+            <a:r>
+              <a:rPr lang="en-US" sz="3000" dirty="0" smtClean="0">
+                <a:effectLst/>
+                <a:latin typeface="Consolas" pitchFamily="49" charset="0"/>
+                <a:cs typeface="Consolas" pitchFamily="49" charset="0"/>
+              </a:rPr>
+              <a:t>954-775-505-6</a:t>
+            </a:r>
+            <a:r>
+              <a:rPr lang="en-US" sz="3000" dirty="0" smtClean="0">
+                <a:effectLst/>
+              </a:rPr>
+              <a:t>, </a:t>
+            </a:r>
+            <a:r>
+              <a:rPr lang="en-US" sz="3000" u="sng" dirty="0" smtClean="0">
+                <a:effectLst/>
+                <a:hlinkClick r:id="rId3"/>
+              </a:rPr>
+              <a:t>www.devbg.org/dotnetbook/</a:t>
+            </a:r>
+            <a:endParaRPr lang="en-US" sz="3000" dirty="0" smtClean="0">
+              <a:effectLst/>
+            </a:endParaRPr>
+          </a:p>
+          <a:p>
+            <a:pPr marL="0" indent="0">
+              <a:spcBef>
+                <a:spcPts val="1800"/>
+              </a:spcBef>
+              <a:buNone/>
+              <a:tabLst/>
+            </a:pPr>
+            <a:r>
+              <a:rPr lang="en-US" sz="3000" dirty="0" smtClean="0">
+                <a:effectLst/>
+              </a:rPr>
+              <a:t>Nakov S. &amp; Co., Programming for .NET Framework, Volume </a:t>
+            </a:r>
+            <a:r>
+              <a:rPr lang="en-US" sz="3000" dirty="0" smtClean="0">
+                <a:effectLst/>
+                <a:latin typeface="Consolas" pitchFamily="49" charset="0"/>
+                <a:cs typeface="Consolas" pitchFamily="49" charset="0"/>
+              </a:rPr>
+              <a:t>2</a:t>
+            </a:r>
+            <a:r>
+              <a:rPr lang="en-US" sz="3000" dirty="0" smtClean="0">
+                <a:effectLst/>
+              </a:rPr>
+              <a:t>, ISBN </a:t>
+            </a:r>
+            <a:r>
+              <a:rPr lang="en-US" sz="3000" dirty="0" smtClean="0">
+                <a:effectLst/>
+                <a:latin typeface="Consolas" pitchFamily="49" charset="0"/>
+                <a:cs typeface="Consolas" pitchFamily="49" charset="0"/>
+              </a:rPr>
+              <a:t>954-775-672-9</a:t>
+            </a:r>
+            <a:r>
+              <a:rPr lang="en-US" sz="3000" dirty="0" smtClean="0">
+                <a:effectLst/>
+              </a:rPr>
+              <a:t>, </a:t>
+            </a:r>
+            <a:r>
+              <a:rPr lang="en-US" sz="3000" u="sng" dirty="0" smtClean="0">
+                <a:effectLst/>
+                <a:hlinkClick r:id="rId3"/>
+              </a:rPr>
+              <a:t>www.devbg.org/dotnetbook/</a:t>
+            </a:r>
+            <a:endParaRPr lang="en-US" sz="3000" dirty="0" smtClean="0">
+              <a:effectLst/>
+            </a:endParaRPr>
+          </a:p>
+        </p:txBody>
+      </p:sp>
+      <p:sp>
+        <p:nvSpPr>
+          <p:cNvPr id="4" name="Slide Number Placeholder 3"/>
+          <p:cNvSpPr>
+            <a:spLocks noGrp="1"/>
+          </p:cNvSpPr>
+          <p:nvPr>
+            <p:ph type="sldNum" sz="quarter" idx="10"/>
+          </p:nvPr>
+        </p:nvSpPr>
+        <p:spPr/>
+        <p:txBody>
+          <a:bodyPr/>
+          <a:lstStyle/>
+          <a:p>
+            <a:pPr>
+              <a:defRPr/>
+            </a:pPr>
+            <a:fld id="{58452FF4-89E3-4D1B-9927-2DBDC00E58D7}" type="slidenum">
+              <a:rPr lang="en-US" smtClean="0"/>
+              <a:pPr>
+                <a:defRPr/>
+              </a:pPr>
+              <a:t>25</a:t>
+            </a:fld>
+            <a:endParaRPr lang="en-US" dirty="0"/>
+          </a:p>
+        </p:txBody>
+      </p:sp>
+      <p:pic>
+        <p:nvPicPr>
+          <p:cNvPr id="2051" name="Picture 3"/>
+          <p:cNvPicPr>
+            <a:picLocks noChangeAspect="1" noChangeArrowheads="1"/>
+          </p:cNvPicPr>
+          <p:nvPr/>
+        </p:nvPicPr>
+        <p:blipFill>
+          <a:blip r:embed="rId4" cstate="print">
+            <a:lum contrast="10000"/>
+          </a:blip>
+          <a:srcRect/>
+          <a:stretch>
+            <a:fillRect/>
+          </a:stretch>
+        </p:blipFill>
+        <p:spPr bwMode="auto">
+          <a:xfrm>
+            <a:off x="304800" y="3001944"/>
+            <a:ext cx="1234225" cy="1676400"/>
+          </a:xfrm>
+          <a:prstGeom prst="rect">
+            <a:avLst/>
+          </a:prstGeom>
+          <a:noFill/>
+          <a:ln w="3175">
+            <a:solidFill>
+              <a:schemeClr val="accent5">
+                <a:lumMod val="75000"/>
+              </a:schemeClr>
+            </a:solidFill>
+            <a:miter lim="800000"/>
+            <a:headEnd/>
+            <a:tailEnd/>
+          </a:ln>
+          <a:effectLst>
+            <a:outerShdw blurRad="50800" dist="38100" dir="2700000" algn="tl" rotWithShape="0">
+              <a:schemeClr val="bg1">
+                <a:lumMod val="95000"/>
+                <a:lumOff val="5000"/>
+                <a:alpha val="40000"/>
+              </a:schemeClr>
+            </a:outerShdw>
+          </a:effectLst>
+        </p:spPr>
+      </p:pic>
+      <p:pic>
+        <p:nvPicPr>
+          <p:cNvPr id="2052" name="Picture 4"/>
+          <p:cNvPicPr>
+            <a:picLocks noChangeAspect="1" noChangeArrowheads="1"/>
+          </p:cNvPicPr>
+          <p:nvPr/>
+        </p:nvPicPr>
+        <p:blipFill>
+          <a:blip r:embed="rId5" cstate="print">
+            <a:lum contrast="10000"/>
+          </a:blip>
+          <a:srcRect/>
+          <a:stretch>
+            <a:fillRect/>
+          </a:stretch>
+        </p:blipFill>
+        <p:spPr bwMode="auto">
+          <a:xfrm>
+            <a:off x="304800" y="4876800"/>
+            <a:ext cx="1234225" cy="1676400"/>
+          </a:xfrm>
+          <a:prstGeom prst="rect">
+            <a:avLst/>
+          </a:prstGeom>
+          <a:noFill/>
+          <a:ln w="3175">
+            <a:solidFill>
+              <a:schemeClr val="accent5">
+                <a:lumMod val="75000"/>
+              </a:schemeClr>
+            </a:solidFill>
+            <a:miter lim="800000"/>
+            <a:headEnd/>
+            <a:tailEnd/>
+          </a:ln>
+          <a:effectLst>
+            <a:outerShdw blurRad="50800" dist="38100" dir="2700000" algn="tl" rotWithShape="0">
+              <a:schemeClr val="bg1">
+                <a:lumMod val="95000"/>
+                <a:lumOff val="5000"/>
+                <a:alpha val="40000"/>
+              </a:schemeClr>
+            </a:outerShdw>
+          </a:effectLst>
+        </p:spPr>
+      </p:pic>
+      <p:pic>
+        <p:nvPicPr>
+          <p:cNvPr id="7170" name="Picture 2" descr="C:\Users\dminkov\Desktop\untitled.bmp"/>
+          <p:cNvPicPr>
+            <a:picLocks noChangeAspect="1" noChangeArrowheads="1"/>
+          </p:cNvPicPr>
+          <p:nvPr/>
+        </p:nvPicPr>
+        <p:blipFill>
+          <a:blip r:embed="rId6">
+            <a:extLst>
+              <a:ext uri="{28A0092B-C50C-407E-A947-70E740481C1C}">
+                <a14:useLocalDpi xmlns:a14="http://schemas.microsoft.com/office/drawing/2010/main"/>
+              </a:ext>
+            </a:extLst>
+          </a:blip>
+          <a:srcRect/>
+          <a:stretch>
+            <a:fillRect/>
+          </a:stretch>
+        </p:blipFill>
+        <p:spPr bwMode="auto">
+          <a:xfrm>
+            <a:off x="304800" y="1066801"/>
+            <a:ext cx="1234226" cy="1676400"/>
+          </a:xfrm>
+          <a:prstGeom prst="rect">
+            <a:avLst/>
+          </a:prstGeom>
+          <a:noFill/>
+          <a:ln>
+            <a:solidFill>
+              <a:srgbClr val="FFFFFF"/>
+            </a:solidFill>
+          </a:ln>
+          <a:extLst>
+            <a:ext uri="{909E8E84-426E-40DD-AFC4-6F175D3DCCD1}">
+              <a14:hiddenFill xmlns:a14="http://schemas.microsoft.com/office/drawing/2010/main">
+                <a:solidFill>
+                  <a:srgbClr val="FFFFFF"/>
+                </a:solidFill>
+              </a14:hiddenFill>
+            </a:ext>
+          </a:extLst>
+        </p:spPr>
+      </p:pic>
+    </p:spTree>
+    <p:extLst>
+      <p:ext uri="{BB962C8B-B14F-4D97-AF65-F5344CB8AC3E}">
+        <p14:creationId xmlns:p14="http://schemas.microsoft.com/office/powerpoint/2010/main" val="1944511121"/>
+      </p:ext>
+    </p:extLst>
+  </p:cSld>
+  <p:clrMapOvr>
+    <a:masterClrMapping/>
+  </p:clrMapOvr>
+  <p:timing>
+    <p:tnLst>
+      <p:par>
+        <p:cTn id="1" dur="indefinite" restart="never" nodeType="tmRoot"/>
+      </p:par>
+    </p:tnLst>
+  </p:timing>
+</p:sld>
+</file>
+
 <file path=ppt/slides/slide26.xml><?xml version="1.0" encoding="utf-8"?>
 <p:sld xmlns:a="http://schemas.openxmlformats.org/drawingml/2006/main" xmlns:r="http://schemas.openxmlformats.org/officeDocument/2006/relationships" xmlns:p="http://schemas.openxmlformats.org/presentationml/2006/main">
   <p:cSld>
@@ -12792,7 +13528,13 @@
               <a:rPr lang="en-US" sz="4400" dirty="0" smtClean="0">
                 <a:hlinkClick r:id="rId2"/>
               </a:rPr>
-              <a:t>http://aspnetcourse.telerik.com</a:t>
+              <a:t>http</a:t>
+            </a:r>
+            <a:r>
+              <a:rPr lang="en-US" sz="4400" dirty="0" smtClean="0">
+                <a:hlinkClick r:id="rId2"/>
+              </a:rPr>
+              <a:t>://mvccourse.telerik.com</a:t>
             </a:r>
             <a:endParaRPr lang="en-US" sz="4400" dirty="0" smtClean="0"/>
           </a:p>
@@ -12885,6 +13627,13 @@
   <p:clrMapOvr>
     <a:masterClrMapping/>
   </p:clrMapOvr>
+  <p:timing>
+    <p:tnLst>
+      <p:par>
+        <p:cTn id="1" dur="indefinite" restart="never" nodeType="tmRoot"/>
+      </p:par>
+    </p:tnLst>
+  </p:timing>
 </p:sld>
 </file>
 
@@ -12950,7 +13699,7 @@
             </a:pPr>
             <a:r>
               <a:rPr lang="en-US" dirty="0" smtClean="0"/>
-              <a:t>TODO: Sofia </a:t>
+              <a:t>Sofia </a:t>
             </a:r>
             <a:r>
               <a:rPr lang="en-US" dirty="0" smtClean="0"/>
@@ -12965,7 +13714,15 @@
             </a:pPr>
             <a:r>
               <a:rPr lang="en-US" dirty="0" smtClean="0"/>
-              <a:t>Every Wednesday, 18:00-21:00, lab 229</a:t>
+              <a:t>Every </a:t>
+            </a:r>
+            <a:r>
+              <a:rPr lang="en-US" dirty="0" smtClean="0"/>
+              <a:t>Monday, </a:t>
+            </a:r>
+            <a:r>
+              <a:rPr lang="en-US" dirty="0" smtClean="0"/>
+              <a:t>18:00-21:00, lab 229</a:t>
             </a:r>
           </a:p>
           <a:p>
@@ -12976,8 +13733,29 @@
             </a:pPr>
             <a:r>
               <a:rPr lang="en-US" dirty="0" smtClean="0"/>
-              <a:t>Start: 6 October 2010</a:t>
-            </a:r>
+              <a:t>Start: </a:t>
+            </a:r>
+            <a:r>
+              <a:rPr lang="en-US" dirty="0" smtClean="0"/>
+              <a:t>10</a:t>
+            </a:r>
+            <a:r>
+              <a:rPr lang="en-US" baseline="30000" dirty="0" smtClean="0"/>
+              <a:t>th</a:t>
+            </a:r>
+            <a:r>
+              <a:rPr lang="en-US" dirty="0" smtClean="0"/>
+              <a:t> </a:t>
+            </a:r>
+            <a:r>
+              <a:rPr lang="en-US" dirty="0" smtClean="0"/>
+              <a:t>October </a:t>
+            </a:r>
+            <a:r>
+              <a:rPr lang="en-US" dirty="0" smtClean="0"/>
+              <a:t>2011</a:t>
+            </a:r>
+            <a:endParaRPr lang="en-US" dirty="0" smtClean="0"/>
           </a:p>
           <a:p>
             <a:pPr lvl="0">
@@ -12986,13 +13764,10 @@
               </a:lnSpc>
             </a:pPr>
             <a:r>
-              <a:rPr lang="en-US" dirty="0"/>
-              <a:t>TODO: Technical </a:t>
-            </a:r>
-            <a:r>
               <a:rPr lang="en-US" dirty="0" smtClean="0"/>
-              <a:t>University – Sofia</a:t>
-            </a:r>
+              <a:t>Telerik Academy</a:t>
+            </a:r>
+            <a:endParaRPr lang="en-US" dirty="0" smtClean="0"/>
           </a:p>
           <a:p>
             <a:pPr lvl="1">
@@ -13002,8 +13777,29 @@
             </a:pPr>
             <a:r>
               <a:rPr lang="en-US" dirty="0" smtClean="0"/>
-              <a:t>Every Monday, 18:00-21:00, lab ???</a:t>
-            </a:r>
+              <a:t>Every </a:t>
+            </a:r>
+            <a:r>
+              <a:rPr lang="en-US" dirty="0" smtClean="0"/>
+              <a:t>Thursday, </a:t>
+            </a:r>
+            <a:r>
+              <a:rPr lang="en-US" dirty="0" smtClean="0"/>
+              <a:t>18:00-21:00, </a:t>
+            </a:r>
+            <a:r>
+              <a:rPr lang="en-US" dirty="0" smtClean="0"/>
+              <a:t>New Training </a:t>
+            </a:r>
+            <a:r>
+              <a:rPr lang="en-US" dirty="0" smtClean="0"/>
+              <a:t>H</a:t>
+            </a:r>
+            <a:r>
+              <a:rPr lang="en-US" dirty="0" smtClean="0"/>
+              <a:t>all</a:t>
+            </a:r>
+            <a:endParaRPr lang="en-US" dirty="0" smtClean="0"/>
           </a:p>
           <a:p>
             <a:pPr lvl="1">
@@ -13013,8 +13809,21 @@
             </a:pPr>
             <a:r>
               <a:rPr lang="en-US" dirty="0" smtClean="0"/>
-              <a:t>Start: ???</a:t>
-            </a:r>
+              <a:t>Start: </a:t>
+            </a:r>
+            <a:r>
+              <a:rPr lang="en-US" dirty="0" smtClean="0"/>
+              <a:t>20</a:t>
+            </a:r>
+            <a:r>
+              <a:rPr lang="en-US" baseline="30000" dirty="0" smtClean="0"/>
+              <a:t>th</a:t>
+            </a:r>
+            <a:r>
+              <a:rPr lang="en-US" dirty="0" smtClean="0"/>
+              <a:t> October 2011</a:t>
+            </a:r>
+            <a:endParaRPr lang="en-US" dirty="0" smtClean="0"/>
           </a:p>
         </p:txBody>
       </p:sp>
@@ -13519,7 +14328,11 @@
             </a:pPr>
             <a:r>
               <a:rPr lang="en-US" sz="2800" dirty="0" smtClean="0"/>
-              <a:t>LINQ Operators and Expressions, Projections, Conversions, Aggregations, ADO.NET Entity Framework: Read / Create / Update / Delete Data</a:t>
+              <a:t>LINQ Operators and Expressions, Projections, Conversions, Aggregations, ADO.NET Entity Framework: Read / Create / Update / Delete </a:t>
+            </a:r>
+            <a:r>
+              <a:rPr lang="en-US" sz="2800" dirty="0" smtClean="0"/>
+              <a:t>Data</a:t>
             </a:r>
           </a:p>
           <a:p>
@@ -13533,7 +14346,7 @@
             </a:pPr>
             <a:r>
               <a:rPr lang="en-US" sz="3000" dirty="0" smtClean="0"/>
-              <a:t>Web Technologies Basics</a:t>
+              <a:t>Web Technologies Basics and HTML</a:t>
             </a:r>
           </a:p>
           <a:p>
@@ -13544,8 +14357,9 @@
             </a:pPr>
             <a:r>
               <a:rPr lang="en-US" sz="2800" dirty="0" smtClean="0"/>
-              <a:t>HTTP, HTML, Text, Images, Tables, Forms, CSS, JavaScript</a:t>
-            </a:r>
+              <a:t>WWW, HTTP, Request-Response, HTML Fundamentals, Tags, Tables, Forms, etc.</a:t>
+            </a:r>
+            <a:endParaRPr lang="en-US" sz="2800" dirty="0" smtClean="0"/>
           </a:p>
         </p:txBody>
       </p:sp>
@@ -13662,9 +14476,10 @@
               <a:tabLst/>
             </a:pPr>
             <a:r>
-              <a:rPr lang="en-US" sz="3000" dirty="0"/>
-              <a:t>ASP.NET Basics</a:t>
-            </a:r>
+              <a:rPr lang="en-US" sz="3000" dirty="0" smtClean="0"/>
+              <a:t>CSS and CSS3</a:t>
+            </a:r>
+            <a:endParaRPr lang="en-US" sz="3000" dirty="0"/>
           </a:p>
           <a:p>
             <a:pPr marL="457200" lvl="1" indent="-228600">
@@ -13673,9 +14488,22 @@
               </a:lnSpc>
             </a:pPr>
             <a:r>
+              <a:rPr lang="en-US" sz="2800" dirty="0" smtClean="0">
+                <a:solidFill>
+                  <a:srgbClr val="FAF7C8"/>
+                </a:solidFill>
+              </a:rPr>
+              <a:t>Selectors and style definitions, Fonts, Backgrounds, Borders, The Box Model, </a:t>
+            </a:r>
+            <a:r>
               <a:rPr lang="en-US" sz="2800" dirty="0"/>
-              <a:t>ASP.NET Web Forms, Web Server Controls, HTML Server Controls, Creating Simple Web Applications</a:t>
-            </a:r>
+              <a:t>Alignment, Margin, Padding, Visibility, Display, </a:t>
+            </a:r>
+            <a:r>
+              <a:rPr lang="en-US" sz="2800" dirty="0" smtClean="0"/>
+              <a:t>Overflow, etc.</a:t>
+            </a:r>
+            <a:endParaRPr lang="en-US" sz="2800" dirty="0" smtClean="0"/>
           </a:p>
           <a:p>
             <a:pPr marL="514350" indent="-514350">
@@ -13687,9 +14515,10 @@
               <a:tabLst/>
             </a:pPr>
             <a:r>
-              <a:rPr lang="en-US" sz="3000" dirty="0"/>
-              <a:t>ASP.NET Data Binding</a:t>
-            </a:r>
+              <a:rPr lang="en-US" sz="3000" dirty="0" smtClean="0"/>
+              <a:t>JavaScript</a:t>
+            </a:r>
+            <a:endParaRPr lang="en-US" sz="3000" dirty="0"/>
           </a:p>
           <a:p>
             <a:pPr marL="457200" lvl="1" indent="-228600">
@@ -13698,13 +14527,28 @@
               </a:lnSpc>
             </a:pPr>
             <a:r>
-              <a:rPr lang="en-US" sz="2800" dirty="0"/>
-              <a:t>Data-Bound Controls: Data Sources, </a:t>
-            </a:r>
-            <a:r>
-              <a:rPr lang="en-US" sz="2800" noProof="1"/>
-              <a:t>GridView, FormView, DetailsView, DataList, Repeater, ListView</a:t>
-            </a:r>
+              <a:rPr lang="en-US" sz="2800" dirty="0" smtClean="0">
+                <a:cs typeface="Times New Roman" pitchFamily="18" charset="0"/>
+              </a:rPr>
+              <a:t>Operators, </a:t>
+            </a:r>
+            <a:r>
+              <a:rPr lang="en-US" sz="2800" dirty="0">
+                <a:cs typeface="Times New Roman" pitchFamily="18" charset="0"/>
+              </a:rPr>
+              <a:t>Data </a:t>
+            </a:r>
+            <a:r>
+              <a:rPr lang="en-US" sz="2800" dirty="0" smtClean="0">
+                <a:cs typeface="Times New Roman" pitchFamily="18" charset="0"/>
+              </a:rPr>
+              <a:t>Types, </a:t>
+            </a:r>
+            <a:r>
+              <a:rPr lang="en-US" sz="2800" dirty="0" smtClean="0"/>
+              <a:t>Statements, Loops, etc.</a:t>
+            </a:r>
+            <a:endParaRPr lang="en-US" sz="2800" noProof="1"/>
           </a:p>
           <a:p>
             <a:pPr marL="514350" indent="-514350">
@@ -13716,9 +14560,18 @@
               <a:tabLst/>
             </a:pPr>
             <a:r>
+              <a:rPr lang="en-US" sz="3000" dirty="0" err="1" smtClean="0"/>
+              <a:t>jQuery</a:t>
+            </a:r>
+            <a:r>
               <a:rPr lang="en-US" sz="3000" dirty="0"/>
-              <a:t>ASP.NET and Databases</a:t>
-            </a:r>
+              <a:t> </a:t>
+            </a:r>
+            <a:r>
+              <a:rPr lang="en-US" sz="3000" dirty="0" smtClean="0"/>
+              <a:t>and HTML5</a:t>
+            </a:r>
+            <a:endParaRPr lang="en-US" sz="3000" dirty="0"/>
           </a:p>
           <a:p>
             <a:pPr marL="457200" lvl="1" indent="-228600">
@@ -13727,41 +14580,30 @@
               </a:lnSpc>
             </a:pPr>
             <a:r>
+              <a:rPr lang="en-US" sz="2800" dirty="0" err="1"/>
+              <a:t>jQuery</a:t>
+            </a:r>
+            <a:r>
               <a:rPr lang="en-US" sz="2800" dirty="0"/>
-              <a:t>Integrating </a:t>
+              <a:t> </a:t>
             </a:r>
             <a:r>
               <a:rPr lang="en-US" sz="2800" dirty="0" smtClean="0"/>
-              <a:t>Entity Framework </a:t>
+              <a:t>Fundamentals, AJAX, </a:t>
+            </a:r>
+            <a:r>
+              <a:rPr lang="en-US" sz="2800" dirty="0" err="1"/>
+              <a:t>jQuery</a:t>
             </a:r>
             <a:r>
               <a:rPr lang="en-US" sz="2800" dirty="0"/>
-              <a:t>with ASP.NET, </a:t>
+              <a:t> </a:t>
             </a:r>
             <a:r>
               <a:rPr lang="en-US" sz="2800" dirty="0" smtClean="0"/>
-              <a:t>Data </a:t>
-            </a:r>
-            <a:r>
-              <a:rPr lang="en-US" sz="2800" dirty="0"/>
-              <a:t>Sources (</a:t>
-            </a:r>
-            <a:r>
-              <a:rPr lang="en-US" sz="2800" noProof="1"/>
-              <a:t>LinqDataSource</a:t>
-            </a:r>
-            <a:r>
-              <a:rPr lang="en-US" sz="2800" dirty="0"/>
-              <a:t> and </a:t>
-            </a:r>
-            <a:r>
-              <a:rPr lang="en-US" sz="2800" noProof="1"/>
-              <a:t>ObjectDataSource</a:t>
-            </a:r>
-            <a:r>
-              <a:rPr lang="en-US" sz="2800" dirty="0"/>
-              <a:t>)</a:t>
-            </a:r>
+              <a:t>UI, HTML5</a:t>
+            </a:r>
+            <a:endParaRPr lang="en-US" sz="2800" dirty="0"/>
           </a:p>
           <a:p>
             <a:pPr marL="514350" indent="-514350">
@@ -13773,9 +14615,10 @@
               <a:tabLst/>
             </a:pPr>
             <a:r>
-              <a:rPr lang="en-US" sz="3000" dirty="0"/>
-              <a:t>ASP.NET State Management</a:t>
-            </a:r>
+              <a:rPr lang="en-US" sz="3000" dirty="0" smtClean="0"/>
+              <a:t>ASP.NET MVC part 1</a:t>
+            </a:r>
+            <a:endParaRPr lang="en-US" sz="3000" dirty="0"/>
           </a:p>
           <a:p>
             <a:pPr marL="457200" lvl="1" indent="-228600">
@@ -13784,9 +14627,18 @@
               </a:lnSpc>
             </a:pPr>
             <a:r>
-              <a:rPr lang="en-US" sz="2800" dirty="0"/>
-              <a:t>View State, Application State, Session State</a:t>
-            </a:r>
+              <a:rPr lang="en-US" sz="2800" dirty="0" smtClean="0"/>
+              <a:t>MVC, Simple Project, Conventions, Routes, Controllers, Models, Views, </a:t>
+            </a:r>
+            <a:r>
+              <a:rPr lang="en-US" sz="2800" dirty="0" err="1" smtClean="0"/>
+              <a:t>elpers</a:t>
+            </a:r>
+            <a:r>
+              <a:rPr lang="en-US" sz="2800" dirty="0" smtClean="0"/>
+              <a:t>, Typed views</a:t>
+            </a:r>
+            <a:endParaRPr lang="en-US" sz="2800" dirty="0"/>
           </a:p>
         </p:txBody>
       </p:sp>

--- a/Lectures/0. Course Introduction/--for-editing--Course Introduction.pptx
+++ b/Lectures/0. Course Introduction/--for-editing--Course Introduction.pptx
@@ -5,38 +5,44 @@
     <p:sldMasterId id="2147483704" r:id="rId1"/>
   </p:sldMasterIdLst>
   <p:notesMasterIdLst>
-    <p:notesMasterId r:id="rId28"/>
+    <p:notesMasterId r:id="rId34"/>
   </p:notesMasterIdLst>
   <p:handoutMasterIdLst>
-    <p:handoutMasterId r:id="rId29"/>
+    <p:handoutMasterId r:id="rId35"/>
   </p:handoutMasterIdLst>
   <p:sldIdLst>
     <p:sldId id="320" r:id="rId2"/>
-    <p:sldId id="322" r:id="rId3"/>
-    <p:sldId id="323" r:id="rId4"/>
-    <p:sldId id="358" r:id="rId5"/>
-    <p:sldId id="351" r:id="rId6"/>
-    <p:sldId id="324" r:id="rId7"/>
-    <p:sldId id="325" r:id="rId8"/>
-    <p:sldId id="347" r:id="rId9"/>
-    <p:sldId id="348" r:id="rId10"/>
-    <p:sldId id="349" r:id="rId11"/>
-    <p:sldId id="328" r:id="rId12"/>
-    <p:sldId id="329" r:id="rId13"/>
-    <p:sldId id="362" r:id="rId14"/>
-    <p:sldId id="363" r:id="rId15"/>
-    <p:sldId id="364" r:id="rId16"/>
-    <p:sldId id="365" r:id="rId17"/>
-    <p:sldId id="366" r:id="rId18"/>
-    <p:sldId id="339" r:id="rId19"/>
-    <p:sldId id="340" r:id="rId20"/>
-    <p:sldId id="367" r:id="rId21"/>
-    <p:sldId id="350" r:id="rId22"/>
-    <p:sldId id="343" r:id="rId23"/>
-    <p:sldId id="344" r:id="rId24"/>
-    <p:sldId id="345" r:id="rId25"/>
-    <p:sldId id="359" r:id="rId26"/>
-    <p:sldId id="346" r:id="rId27"/>
+    <p:sldId id="372" r:id="rId3"/>
+    <p:sldId id="368" r:id="rId4"/>
+    <p:sldId id="369" r:id="rId5"/>
+    <p:sldId id="370" r:id="rId6"/>
+    <p:sldId id="371" r:id="rId7"/>
+    <p:sldId id="322" r:id="rId8"/>
+    <p:sldId id="323" r:id="rId9"/>
+    <p:sldId id="358" r:id="rId10"/>
+    <p:sldId id="351" r:id="rId11"/>
+    <p:sldId id="324" r:id="rId12"/>
+    <p:sldId id="325" r:id="rId13"/>
+    <p:sldId id="347" r:id="rId14"/>
+    <p:sldId id="348" r:id="rId15"/>
+    <p:sldId id="349" r:id="rId16"/>
+    <p:sldId id="328" r:id="rId17"/>
+    <p:sldId id="329" r:id="rId18"/>
+    <p:sldId id="362" r:id="rId19"/>
+    <p:sldId id="363" r:id="rId20"/>
+    <p:sldId id="364" r:id="rId21"/>
+    <p:sldId id="365" r:id="rId22"/>
+    <p:sldId id="373" r:id="rId23"/>
+    <p:sldId id="366" r:id="rId24"/>
+    <p:sldId id="339" r:id="rId25"/>
+    <p:sldId id="340" r:id="rId26"/>
+    <p:sldId id="367" r:id="rId27"/>
+    <p:sldId id="350" r:id="rId28"/>
+    <p:sldId id="343" r:id="rId29"/>
+    <p:sldId id="344" r:id="rId30"/>
+    <p:sldId id="345" r:id="rId31"/>
+    <p:sldId id="359" r:id="rId32"/>
+    <p:sldId id="346" r:id="rId33"/>
   </p:sldIdLst>
   <p:sldSz cx="9144000" cy="6858000" type="screen4x3"/>
   <p:notesSz cx="6881813" cy="9296400"/>
@@ -5757,6 +5763,1063 @@
       </p:grpSpPr>
       <p:sp>
         <p:nvSpPr>
+          <p:cNvPr id="4" name="Title 3"/>
+          <p:cNvSpPr>
+            <a:spLocks noGrp="1"/>
+          </p:cNvSpPr>
+          <p:nvPr>
+            <p:ph type="title"/>
+          </p:nvPr>
+        </p:nvSpPr>
+        <p:spPr/>
+        <p:txBody>
+          <a:bodyPr/>
+          <a:lstStyle/>
+          <a:p>
+            <a:r>
+              <a:rPr lang="en-US" dirty="0" smtClean="0"/>
+              <a:t>Course Schedule</a:t>
+            </a:r>
+            <a:endParaRPr lang="en-US" dirty="0"/>
+          </a:p>
+        </p:txBody>
+      </p:sp>
+      <p:sp>
+        <p:nvSpPr>
+          <p:cNvPr id="5" name="Content Placeholder 4"/>
+          <p:cNvSpPr>
+            <a:spLocks noGrp="1"/>
+          </p:cNvSpPr>
+          <p:nvPr>
+            <p:ph idx="1"/>
+          </p:nvPr>
+        </p:nvSpPr>
+        <p:spPr/>
+        <p:txBody>
+          <a:bodyPr/>
+          <a:lstStyle/>
+          <a:p>
+            <a:pPr lvl="0">
+              <a:lnSpc>
+                <a:spcPct val="100000"/>
+              </a:lnSpc>
+            </a:pPr>
+            <a:r>
+              <a:rPr lang="en-US" dirty="0" smtClean="0"/>
+              <a:t>Sofia </a:t>
+            </a:r>
+            <a:r>
+              <a:rPr lang="en-US" dirty="0" smtClean="0"/>
+              <a:t>University – FMI</a:t>
+            </a:r>
+          </a:p>
+          <a:p>
+            <a:pPr lvl="1">
+              <a:lnSpc>
+                <a:spcPct val="100000"/>
+              </a:lnSpc>
+            </a:pPr>
+            <a:r>
+              <a:rPr lang="en-US" dirty="0" smtClean="0"/>
+              <a:t>Every </a:t>
+            </a:r>
+            <a:r>
+              <a:rPr lang="en-US" dirty="0" smtClean="0"/>
+              <a:t>Monday, </a:t>
+            </a:r>
+            <a:r>
+              <a:rPr lang="en-US" dirty="0" smtClean="0"/>
+              <a:t>18:00-21:00, </a:t>
+            </a:r>
+            <a:r>
+              <a:rPr lang="en-US" dirty="0" smtClean="0"/>
+              <a:t>Lab </a:t>
+            </a:r>
+            <a:r>
+              <a:rPr lang="en-US" dirty="0" smtClean="0"/>
+              <a:t>229</a:t>
+            </a:r>
+          </a:p>
+          <a:p>
+            <a:pPr lvl="1">
+              <a:lnSpc>
+                <a:spcPct val="100000"/>
+              </a:lnSpc>
+            </a:pPr>
+            <a:r>
+              <a:rPr lang="en-US" dirty="0" smtClean="0"/>
+              <a:t>Start: </a:t>
+            </a:r>
+            <a:r>
+              <a:rPr lang="en-US" dirty="0" smtClean="0"/>
+              <a:t>10</a:t>
+            </a:r>
+            <a:r>
+              <a:rPr lang="en-US" baseline="30000" dirty="0" smtClean="0"/>
+              <a:t>th</a:t>
+            </a:r>
+            <a:r>
+              <a:rPr lang="en-US" dirty="0" smtClean="0"/>
+              <a:t> </a:t>
+            </a:r>
+            <a:r>
+              <a:rPr lang="en-US" dirty="0" smtClean="0"/>
+              <a:t>October </a:t>
+            </a:r>
+            <a:r>
+              <a:rPr lang="en-US" dirty="0" smtClean="0"/>
+              <a:t>2011</a:t>
+            </a:r>
+            <a:endParaRPr lang="en-US" dirty="0" smtClean="0"/>
+          </a:p>
+          <a:p>
+            <a:pPr lvl="0">
+              <a:lnSpc>
+                <a:spcPct val="100000"/>
+              </a:lnSpc>
+            </a:pPr>
+            <a:r>
+              <a:rPr lang="en-US" dirty="0" smtClean="0"/>
+              <a:t>Telerik Academy</a:t>
+            </a:r>
+            <a:endParaRPr lang="en-US" dirty="0" smtClean="0"/>
+          </a:p>
+          <a:p>
+            <a:pPr lvl="1">
+              <a:lnSpc>
+                <a:spcPct val="100000"/>
+              </a:lnSpc>
+            </a:pPr>
+            <a:r>
+              <a:rPr lang="en-US" dirty="0" smtClean="0"/>
+              <a:t>Every </a:t>
+            </a:r>
+            <a:r>
+              <a:rPr lang="en-US" dirty="0" smtClean="0"/>
+              <a:t>Thursday, </a:t>
+            </a:r>
+            <a:r>
+              <a:rPr lang="en-US" dirty="0" smtClean="0"/>
+              <a:t>18:00-21:00, </a:t>
+            </a:r>
+            <a:r>
+              <a:rPr lang="en-US" dirty="0" smtClean="0"/>
+              <a:t>New Training </a:t>
+            </a:r>
+            <a:r>
+              <a:rPr lang="en-US" dirty="0" smtClean="0"/>
+              <a:t>H</a:t>
+            </a:r>
+            <a:r>
+              <a:rPr lang="en-US" dirty="0" smtClean="0"/>
+              <a:t>all</a:t>
+            </a:r>
+            <a:endParaRPr lang="en-US" dirty="0" smtClean="0"/>
+          </a:p>
+          <a:p>
+            <a:pPr lvl="1">
+              <a:lnSpc>
+                <a:spcPct val="100000"/>
+              </a:lnSpc>
+            </a:pPr>
+            <a:r>
+              <a:rPr lang="en-US" dirty="0" smtClean="0"/>
+              <a:t>Start: </a:t>
+            </a:r>
+            <a:r>
+              <a:rPr lang="en-US" dirty="0" smtClean="0"/>
+              <a:t>20</a:t>
+            </a:r>
+            <a:r>
+              <a:rPr lang="en-US" baseline="30000" dirty="0" smtClean="0"/>
+              <a:t>th</a:t>
+            </a:r>
+            <a:r>
+              <a:rPr lang="en-US" dirty="0" smtClean="0"/>
+              <a:t> October 2011</a:t>
+            </a:r>
+            <a:endParaRPr lang="en-US" dirty="0" smtClean="0"/>
+          </a:p>
+        </p:txBody>
+      </p:sp>
+      <p:sp>
+        <p:nvSpPr>
+          <p:cNvPr id="7" name="Slide Number Placeholder 3"/>
+          <p:cNvSpPr>
+            <a:spLocks noGrp="1"/>
+          </p:cNvSpPr>
+          <p:nvPr>
+            <p:ph type="sldNum" sz="quarter" idx="10"/>
+          </p:nvPr>
+        </p:nvSpPr>
+        <p:spPr/>
+        <p:txBody>
+          <a:bodyPr/>
+          <a:lstStyle/>
+          <a:p>
+            <a:pPr>
+              <a:defRPr/>
+            </a:pPr>
+            <a:fld id="{58452FF4-89E3-4D1B-9927-2DBDC00E58D7}" type="slidenum">
+              <a:rPr lang="en-US" smtClean="0"/>
+              <a:pPr>
+                <a:defRPr/>
+              </a:pPr>
+              <a:t>10</a:t>
+            </a:fld>
+            <a:endParaRPr lang="en-US" dirty="0"/>
+          </a:p>
+        </p:txBody>
+      </p:sp>
+      <p:pic>
+        <p:nvPicPr>
+          <p:cNvPr id="6" name="Picture 2" descr="http://www.vivantehoa.com/schedule_book.jpg"/>
+          <p:cNvPicPr>
+            <a:picLocks noChangeAspect="1" noChangeArrowheads="1"/>
+          </p:cNvPicPr>
+          <p:nvPr/>
+        </p:nvPicPr>
+        <p:blipFill>
+          <a:blip r:embed="rId2" cstate="screen">
+            <a:extLst>
+              <a:ext uri="{28A0092B-C50C-407E-A947-70E740481C1C}">
+                <a14:useLocalDpi xmlns:a14="http://schemas.microsoft.com/office/drawing/2010/main"/>
+              </a:ext>
+            </a:extLst>
+          </a:blip>
+          <a:srcRect/>
+          <a:stretch>
+            <a:fillRect/>
+          </a:stretch>
+        </p:blipFill>
+        <p:spPr bwMode="auto">
+          <a:xfrm>
+            <a:off x="5334000" y="4343400"/>
+            <a:ext cx="3124200" cy="1844506"/>
+          </a:xfrm>
+          <a:prstGeom prst="roundRect">
+            <a:avLst>
+              <a:gd name="adj" fmla="val 8594"/>
+            </a:avLst>
+          </a:prstGeom>
+          <a:solidFill>
+            <a:srgbClr val="FFFFFF">
+              <a:shade val="85000"/>
+            </a:srgbClr>
+          </a:solidFill>
+          <a:ln>
+            <a:solidFill>
+              <a:schemeClr val="accent5">
+                <a:lumMod val="60000"/>
+                <a:lumOff val="40000"/>
+              </a:schemeClr>
+            </a:solidFill>
+          </a:ln>
+          <a:effectLst/>
+        </p:spPr>
+      </p:pic>
+    </p:spTree>
+  </p:cSld>
+  <p:clrMapOvr>
+    <a:masterClrMapping/>
+  </p:clrMapOvr>
+  <p:timing>
+    <p:tnLst>
+      <p:par>
+        <p:cTn id="1" dur="indefinite" restart="never" nodeType="tmRoot"/>
+      </p:par>
+    </p:tnLst>
+  </p:timing>
+</p:sld>
+</file>
+
+<file path=ppt/slides/slide11.xml><?xml version="1.0" encoding="utf-8"?>
+<p:sld xmlns:a="http://schemas.openxmlformats.org/drawingml/2006/main" xmlns:r="http://schemas.openxmlformats.org/officeDocument/2006/relationships" xmlns:p="http://schemas.openxmlformats.org/presentationml/2006/main">
+  <p:cSld>
+    <p:spTree>
+      <p:nvGrpSpPr>
+        <p:cNvPr id="1" name=""/>
+        <p:cNvGrpSpPr/>
+        <p:nvPr/>
+      </p:nvGrpSpPr>
+      <p:grpSpPr>
+        <a:xfrm>
+          <a:off x="0" y="0"/>
+          <a:ext cx="0" cy="0"/>
+          <a:chOff x="0" y="0"/>
+          <a:chExt cx="0" cy="0"/>
+        </a:xfrm>
+      </p:grpSpPr>
+      <p:pic>
+        <p:nvPicPr>
+          <p:cNvPr id="18434" name="Picture 2" descr="http://headrush.typepad.com/photos/uncategorized/books.jpg"/>
+          <p:cNvPicPr>
+            <a:picLocks noChangeAspect="1" noChangeArrowheads="1"/>
+          </p:cNvPicPr>
+          <p:nvPr/>
+        </p:nvPicPr>
+        <p:blipFill>
+          <a:blip r:embed="rId2" cstate="print"/>
+          <a:srcRect/>
+          <a:stretch>
+            <a:fillRect/>
+          </a:stretch>
+        </p:blipFill>
+        <p:spPr bwMode="auto">
+          <a:xfrm>
+            <a:off x="2362200" y="1334037"/>
+            <a:ext cx="4391026" cy="2913576"/>
+          </a:xfrm>
+          <a:prstGeom prst="roundRect">
+            <a:avLst>
+              <a:gd name="adj" fmla="val 6046"/>
+            </a:avLst>
+          </a:prstGeom>
+          <a:solidFill>
+            <a:srgbClr val="FFFFFF">
+              <a:shade val="85000"/>
+            </a:srgbClr>
+          </a:solidFill>
+          <a:ln>
+            <a:noFill/>
+          </a:ln>
+          <a:effectLst>
+            <a:reflection blurRad="12700" stA="38000" endPos="28000" dist="5000" dir="5400000" sy="-100000" algn="bl" rotWithShape="0"/>
+            <a:softEdge rad="31750"/>
+          </a:effectLst>
+        </p:spPr>
+      </p:pic>
+      <p:sp>
+        <p:nvSpPr>
+          <p:cNvPr id="5" name="Title 4"/>
+          <p:cNvSpPr>
+            <a:spLocks noGrp="1"/>
+          </p:cNvSpPr>
+          <p:nvPr>
+            <p:ph type="ctrTitle"/>
+          </p:nvPr>
+        </p:nvSpPr>
+        <p:spPr>
+          <a:xfrm>
+            <a:off x="457200" y="5181600"/>
+            <a:ext cx="8229600" cy="685800"/>
+          </a:xfrm>
+        </p:spPr>
+        <p:txBody>
+          <a:bodyPr/>
+          <a:lstStyle/>
+          <a:p>
+            <a:r>
+              <a:rPr lang="en-US" dirty="0" smtClean="0"/>
+              <a:t>Course Curriculum</a:t>
+            </a:r>
+            <a:endParaRPr lang="en-US" dirty="0"/>
+          </a:p>
+        </p:txBody>
+      </p:sp>
+    </p:spTree>
+  </p:cSld>
+  <p:clrMapOvr>
+    <a:masterClrMapping/>
+  </p:clrMapOvr>
+  <p:timing>
+    <p:tnLst>
+      <p:par>
+        <p:cTn id="1" dur="indefinite" restart="never" nodeType="tmRoot"/>
+      </p:par>
+    </p:tnLst>
+  </p:timing>
+</p:sld>
+</file>
+
+<file path=ppt/slides/slide12.xml><?xml version="1.0" encoding="utf-8"?>
+<p:sld xmlns:a="http://schemas.openxmlformats.org/drawingml/2006/main" xmlns:r="http://schemas.openxmlformats.org/officeDocument/2006/relationships" xmlns:p="http://schemas.openxmlformats.org/presentationml/2006/main">
+  <p:cSld>
+    <p:spTree>
+      <p:nvGrpSpPr>
+        <p:cNvPr id="1" name=""/>
+        <p:cNvGrpSpPr/>
+        <p:nvPr/>
+      </p:nvGrpSpPr>
+      <p:grpSpPr>
+        <a:xfrm>
+          <a:off x="0" y="0"/>
+          <a:ext cx="0" cy="0"/>
+          <a:chOff x="0" y="0"/>
+          <a:chExt cx="0" cy="0"/>
+        </a:xfrm>
+      </p:grpSpPr>
+      <p:sp>
+        <p:nvSpPr>
+          <p:cNvPr id="2" name="Title 1"/>
+          <p:cNvSpPr>
+            <a:spLocks noGrp="1"/>
+          </p:cNvSpPr>
+          <p:nvPr>
+            <p:ph type="title"/>
+          </p:nvPr>
+        </p:nvSpPr>
+        <p:spPr/>
+        <p:txBody>
+          <a:bodyPr/>
+          <a:lstStyle/>
+          <a:p>
+            <a:r>
+              <a:rPr lang="en-US" dirty="0" smtClean="0"/>
+              <a:t>Curriculum</a:t>
+            </a:r>
+            <a:endParaRPr lang="en-US" dirty="0"/>
+          </a:p>
+        </p:txBody>
+      </p:sp>
+      <p:sp>
+        <p:nvSpPr>
+          <p:cNvPr id="3" name="Content Placeholder 2"/>
+          <p:cNvSpPr>
+            <a:spLocks noGrp="1"/>
+          </p:cNvSpPr>
+          <p:nvPr>
+            <p:ph idx="1"/>
+          </p:nvPr>
+        </p:nvSpPr>
+        <p:spPr>
+          <a:xfrm>
+            <a:off x="76200" y="838200"/>
+            <a:ext cx="8991600" cy="5791200"/>
+          </a:xfrm>
+        </p:spPr>
+        <p:txBody>
+          <a:bodyPr/>
+          <a:lstStyle/>
+          <a:p>
+            <a:pPr marL="361950" lvl="0" indent="-361950">
+              <a:lnSpc>
+                <a:spcPct val="95000"/>
+              </a:lnSpc>
+              <a:buFont typeface="+mj-lt"/>
+              <a:buAutoNum type="arabicPeriod"/>
+              <a:tabLst/>
+            </a:pPr>
+            <a:r>
+              <a:rPr lang="en-US" sz="3000" dirty="0" smtClean="0"/>
+              <a:t>.NET Framework Overview</a:t>
+            </a:r>
+          </a:p>
+          <a:p>
+            <a:pPr marL="520700" lvl="1" indent="-228600">
+              <a:lnSpc>
+                <a:spcPct val="95000"/>
+              </a:lnSpc>
+            </a:pPr>
+            <a:r>
+              <a:rPr lang="en-US" sz="2800" dirty="0" smtClean="0"/>
+              <a:t>.NET, CLR, MSIL, Assemblies, CTS, .NET languages </a:t>
+            </a:r>
+          </a:p>
+          <a:p>
+            <a:pPr marL="361950" lvl="0" indent="-361950">
+              <a:lnSpc>
+                <a:spcPct val="95000"/>
+              </a:lnSpc>
+              <a:buFont typeface="+mj-lt"/>
+              <a:buAutoNum type="arabicPeriod"/>
+              <a:tabLst/>
+            </a:pPr>
+            <a:r>
+              <a:rPr lang="en-US" sz="3000" dirty="0" smtClean="0"/>
+              <a:t>C# Language Overview – Part I</a:t>
+            </a:r>
+          </a:p>
+          <a:p>
+            <a:pPr marL="520700" lvl="1" indent="-228600">
+              <a:lnSpc>
+                <a:spcPct val="95000"/>
+              </a:lnSpc>
+            </a:pPr>
+            <a:r>
+              <a:rPr lang="en-US" sz="2800" dirty="0" smtClean="0"/>
+              <a:t>Data Types, Operators, Expressions, Statements, Console I/O, if / switch / case, Loops, Arrays, Methods</a:t>
+            </a:r>
+          </a:p>
+          <a:p>
+            <a:pPr marL="361950" lvl="0" indent="-361950">
+              <a:lnSpc>
+                <a:spcPct val="95000"/>
+              </a:lnSpc>
+              <a:buFont typeface="+mj-lt"/>
+              <a:buAutoNum type="arabicPeriod"/>
+              <a:tabLst/>
+            </a:pPr>
+            <a:r>
+              <a:rPr lang="en-US" sz="3000" dirty="0" smtClean="0"/>
+              <a:t>C# Language Overview – Part II</a:t>
+            </a:r>
+          </a:p>
+          <a:p>
+            <a:pPr marL="520700" lvl="1" indent="-228600">
+              <a:lnSpc>
+                <a:spcPct val="95000"/>
+              </a:lnSpc>
+            </a:pPr>
+            <a:r>
+              <a:rPr lang="en-US" sz="2800" dirty="0" smtClean="0"/>
+              <a:t>Creating and Using Objects, Exceptions, Strings, Generics, Collections, Attributes</a:t>
+            </a:r>
+          </a:p>
+          <a:p>
+            <a:pPr marL="361950" lvl="0" indent="-361950">
+              <a:lnSpc>
+                <a:spcPct val="95000"/>
+              </a:lnSpc>
+              <a:buFont typeface="+mj-lt"/>
+              <a:buAutoNum type="arabicPeriod"/>
+              <a:tabLst/>
+            </a:pPr>
+            <a:r>
+              <a:rPr lang="en-US" sz="3000" dirty="0" smtClean="0"/>
+              <a:t>Object-Oriented Programming with C#</a:t>
+            </a:r>
+          </a:p>
+          <a:p>
+            <a:pPr marL="520700" lvl="1" indent="-228600">
+              <a:lnSpc>
+                <a:spcPct val="95000"/>
+              </a:lnSpc>
+            </a:pPr>
+            <a:r>
+              <a:rPr lang="en-US" sz="2800" dirty="0" smtClean="0"/>
+              <a:t>Defining Classes, Constructors, Properties, Methods, Events, Interfaces, Inheritance, Polymorphism</a:t>
+            </a:r>
+          </a:p>
+        </p:txBody>
+      </p:sp>
+      <p:sp>
+        <p:nvSpPr>
+          <p:cNvPr id="4" name="Slide Number Placeholder 3"/>
+          <p:cNvSpPr>
+            <a:spLocks noGrp="1"/>
+          </p:cNvSpPr>
+          <p:nvPr>
+            <p:ph type="sldNum" sz="quarter" idx="10"/>
+          </p:nvPr>
+        </p:nvSpPr>
+        <p:spPr/>
+        <p:txBody>
+          <a:bodyPr/>
+          <a:lstStyle/>
+          <a:p>
+            <a:pPr>
+              <a:defRPr/>
+            </a:pPr>
+            <a:fld id="{58452FF4-89E3-4D1B-9927-2DBDC00E58D7}" type="slidenum">
+              <a:rPr lang="en-US" smtClean="0"/>
+              <a:pPr>
+                <a:defRPr/>
+              </a:pPr>
+              <a:t>12</a:t>
+            </a:fld>
+            <a:endParaRPr lang="en-US" dirty="0"/>
+          </a:p>
+        </p:txBody>
+      </p:sp>
+    </p:spTree>
+  </p:cSld>
+  <p:clrMapOvr>
+    <a:masterClrMapping/>
+  </p:clrMapOvr>
+  <p:timing>
+    <p:tnLst>
+      <p:par>
+        <p:cTn id="1" dur="indefinite" restart="never" nodeType="tmRoot"/>
+      </p:par>
+    </p:tnLst>
+  </p:timing>
+</p:sld>
+</file>
+
+<file path=ppt/slides/slide13.xml><?xml version="1.0" encoding="utf-8"?>
+<p:sld xmlns:a="http://schemas.openxmlformats.org/drawingml/2006/main" xmlns:r="http://schemas.openxmlformats.org/officeDocument/2006/relationships" xmlns:p="http://schemas.openxmlformats.org/presentationml/2006/main">
+  <p:cSld>
+    <p:spTree>
+      <p:nvGrpSpPr>
+        <p:cNvPr id="1" name=""/>
+        <p:cNvGrpSpPr/>
+        <p:nvPr/>
+      </p:nvGrpSpPr>
+      <p:grpSpPr>
+        <a:xfrm>
+          <a:off x="0" y="0"/>
+          <a:ext cx="0" cy="0"/>
+          <a:chOff x="0" y="0"/>
+          <a:chExt cx="0" cy="0"/>
+        </a:xfrm>
+      </p:grpSpPr>
+      <p:sp>
+        <p:nvSpPr>
+          <p:cNvPr id="2" name="Title 1"/>
+          <p:cNvSpPr>
+            <a:spLocks noGrp="1"/>
+          </p:cNvSpPr>
+          <p:nvPr>
+            <p:ph type="title"/>
+          </p:nvPr>
+        </p:nvSpPr>
+        <p:spPr/>
+        <p:txBody>
+          <a:bodyPr/>
+          <a:lstStyle/>
+          <a:p>
+            <a:r>
+              <a:rPr lang="en-US" dirty="0" smtClean="0"/>
+              <a:t>Curriculum (2)</a:t>
+            </a:r>
+            <a:endParaRPr lang="en-US" dirty="0"/>
+          </a:p>
+        </p:txBody>
+      </p:sp>
+      <p:sp>
+        <p:nvSpPr>
+          <p:cNvPr id="3" name="Content Placeholder 2"/>
+          <p:cNvSpPr>
+            <a:spLocks noGrp="1"/>
+          </p:cNvSpPr>
+          <p:nvPr>
+            <p:ph idx="1"/>
+          </p:nvPr>
+        </p:nvSpPr>
+        <p:spPr>
+          <a:xfrm>
+            <a:off x="228600" y="990600"/>
+            <a:ext cx="8686800" cy="5715000"/>
+          </a:xfrm>
+        </p:spPr>
+        <p:txBody>
+          <a:bodyPr/>
+          <a:lstStyle/>
+          <a:p>
+            <a:pPr marL="360363" lvl="0" indent="-360363">
+              <a:lnSpc>
+                <a:spcPct val="95000"/>
+              </a:lnSpc>
+              <a:buFont typeface="+mj-lt"/>
+              <a:buAutoNum type="arabicPeriod" startAt="5"/>
+              <a:tabLst/>
+            </a:pPr>
+            <a:r>
+              <a:rPr lang="en-US" sz="3000" dirty="0" smtClean="0"/>
+              <a:t>Databases, SQL and MS SQL Server</a:t>
+            </a:r>
+          </a:p>
+          <a:p>
+            <a:pPr marL="457200" lvl="1" indent="-228600">
+              <a:lnSpc>
+                <a:spcPct val="95000"/>
+              </a:lnSpc>
+            </a:pPr>
+            <a:r>
+              <a:rPr lang="en-US" sz="2800" dirty="0" smtClean="0"/>
+              <a:t>RDBMS, SQL Language, SQL SELECT, Joins, Grouping, SQL INSERT, SQL UPDATE, SQL DELETE, MS SQL Server, SQL Server Management Studio </a:t>
+            </a:r>
+          </a:p>
+          <a:p>
+            <a:pPr marL="361950" lvl="0" indent="-361950">
+              <a:lnSpc>
+                <a:spcPct val="95000"/>
+              </a:lnSpc>
+              <a:buFont typeface="+mj-lt"/>
+              <a:buAutoNum type="arabicPeriod" startAt="5"/>
+              <a:tabLst/>
+            </a:pPr>
+            <a:r>
+              <a:rPr lang="en-US" sz="3000" dirty="0" smtClean="0"/>
+              <a:t>LINQ and ADO.NET Entity Framework</a:t>
+            </a:r>
+          </a:p>
+          <a:p>
+            <a:pPr marL="457200" lvl="1" indent="-228600">
+              <a:lnSpc>
+                <a:spcPct val="95000"/>
+              </a:lnSpc>
+            </a:pPr>
+            <a:r>
+              <a:rPr lang="en-US" sz="2800" dirty="0" smtClean="0"/>
+              <a:t>LINQ Operators and Expressions, Projections, Conversions, Aggregations, ADO.NET Entity Framework: Read / Create / Update / Delete </a:t>
+            </a:r>
+            <a:r>
+              <a:rPr lang="en-US" sz="2800" dirty="0" smtClean="0"/>
+              <a:t>Data</a:t>
+            </a:r>
+          </a:p>
+          <a:p>
+            <a:pPr marL="361950" lvl="0" indent="-361950">
+              <a:lnSpc>
+                <a:spcPct val="95000"/>
+              </a:lnSpc>
+              <a:buFont typeface="+mj-lt"/>
+              <a:buAutoNum type="arabicPeriod" startAt="5"/>
+              <a:tabLst/>
+            </a:pPr>
+            <a:r>
+              <a:rPr lang="en-US" sz="3000" dirty="0" smtClean="0"/>
+              <a:t>Web Technologies Basics and HTML</a:t>
+            </a:r>
+          </a:p>
+          <a:p>
+            <a:pPr marL="457200" lvl="1" indent="-228600">
+              <a:lnSpc>
+                <a:spcPct val="95000"/>
+              </a:lnSpc>
+            </a:pPr>
+            <a:r>
+              <a:rPr lang="en-US" sz="2800" dirty="0" smtClean="0"/>
+              <a:t>WWW, HTTP, Request-Response, HTML Fundamentals, Tags, Tables, Forms, etc.</a:t>
+            </a:r>
+            <a:endParaRPr lang="en-US" sz="2800" dirty="0" smtClean="0"/>
+          </a:p>
+        </p:txBody>
+      </p:sp>
+      <p:sp>
+        <p:nvSpPr>
+          <p:cNvPr id="4" name="Slide Number Placeholder 3"/>
+          <p:cNvSpPr>
+            <a:spLocks noGrp="1"/>
+          </p:cNvSpPr>
+          <p:nvPr>
+            <p:ph type="sldNum" sz="quarter" idx="10"/>
+          </p:nvPr>
+        </p:nvSpPr>
+        <p:spPr/>
+        <p:txBody>
+          <a:bodyPr/>
+          <a:lstStyle/>
+          <a:p>
+            <a:pPr>
+              <a:defRPr/>
+            </a:pPr>
+            <a:fld id="{58452FF4-89E3-4D1B-9927-2DBDC00E58D7}" type="slidenum">
+              <a:rPr lang="en-US" smtClean="0"/>
+              <a:pPr>
+                <a:defRPr/>
+              </a:pPr>
+              <a:t>13</a:t>
+            </a:fld>
+            <a:endParaRPr lang="en-US" dirty="0"/>
+          </a:p>
+        </p:txBody>
+      </p:sp>
+    </p:spTree>
+  </p:cSld>
+  <p:clrMapOvr>
+    <a:masterClrMapping/>
+  </p:clrMapOvr>
+  <p:timing>
+    <p:tnLst>
+      <p:par>
+        <p:cTn id="1" dur="indefinite" restart="never" nodeType="tmRoot"/>
+      </p:par>
+    </p:tnLst>
+  </p:timing>
+</p:sld>
+</file>
+
+<file path=ppt/slides/slide14.xml><?xml version="1.0" encoding="utf-8"?>
+<p:sld xmlns:a="http://schemas.openxmlformats.org/drawingml/2006/main" xmlns:r="http://schemas.openxmlformats.org/officeDocument/2006/relationships" xmlns:p="http://schemas.openxmlformats.org/presentationml/2006/main">
+  <p:cSld>
+    <p:spTree>
+      <p:nvGrpSpPr>
+        <p:cNvPr id="1" name=""/>
+        <p:cNvGrpSpPr/>
+        <p:nvPr/>
+      </p:nvGrpSpPr>
+      <p:grpSpPr>
+        <a:xfrm>
+          <a:off x="0" y="0"/>
+          <a:ext cx="0" cy="0"/>
+          <a:chOff x="0" y="0"/>
+          <a:chExt cx="0" cy="0"/>
+        </a:xfrm>
+      </p:grpSpPr>
+      <p:sp>
+        <p:nvSpPr>
+          <p:cNvPr id="2" name="Title 1"/>
+          <p:cNvSpPr>
+            <a:spLocks noGrp="1"/>
+          </p:cNvSpPr>
+          <p:nvPr>
+            <p:ph type="title"/>
+          </p:nvPr>
+        </p:nvSpPr>
+        <p:spPr/>
+        <p:txBody>
+          <a:bodyPr/>
+          <a:lstStyle/>
+          <a:p>
+            <a:r>
+              <a:rPr lang="en-US" dirty="0" smtClean="0"/>
+              <a:t>Curriculum (3)</a:t>
+            </a:r>
+            <a:endParaRPr lang="en-US" dirty="0"/>
+          </a:p>
+        </p:txBody>
+      </p:sp>
+      <p:sp>
+        <p:nvSpPr>
+          <p:cNvPr id="3" name="Content Placeholder 2"/>
+          <p:cNvSpPr>
+            <a:spLocks noGrp="1"/>
+          </p:cNvSpPr>
+          <p:nvPr>
+            <p:ph idx="1"/>
+          </p:nvPr>
+        </p:nvSpPr>
+        <p:spPr>
+          <a:xfrm>
+            <a:off x="152400" y="838200"/>
+            <a:ext cx="8839200" cy="5715000"/>
+          </a:xfrm>
+        </p:spPr>
+        <p:txBody>
+          <a:bodyPr/>
+          <a:lstStyle/>
+          <a:p>
+            <a:pPr marL="514350" indent="-514350">
+              <a:lnSpc>
+                <a:spcPct val="95000"/>
+              </a:lnSpc>
+              <a:buFont typeface="+mj-lt"/>
+              <a:buAutoNum type="arabicPeriod" startAt="8"/>
+              <a:tabLst/>
+            </a:pPr>
+            <a:r>
+              <a:rPr lang="en-US" sz="3000" dirty="0" smtClean="0"/>
+              <a:t>CSS and CSS3</a:t>
+            </a:r>
+            <a:endParaRPr lang="en-US" sz="3000" dirty="0"/>
+          </a:p>
+          <a:p>
+            <a:pPr marL="457200" lvl="1" indent="-228600">
+              <a:lnSpc>
+                <a:spcPct val="95000"/>
+              </a:lnSpc>
+            </a:pPr>
+            <a:r>
+              <a:rPr lang="en-US" sz="2800" dirty="0" smtClean="0">
+                <a:solidFill>
+                  <a:srgbClr val="FAF7C8"/>
+                </a:solidFill>
+              </a:rPr>
+              <a:t>Selectors and style definitions, Fonts, Backgrounds, Borders, The Box Model, </a:t>
+            </a:r>
+            <a:r>
+              <a:rPr lang="en-US" sz="2800" dirty="0"/>
+              <a:t>Alignment, Margin, Padding, Visibility, Display, </a:t>
+            </a:r>
+            <a:r>
+              <a:rPr lang="en-US" sz="2800" dirty="0" smtClean="0"/>
+              <a:t>Overflow, etc.</a:t>
+            </a:r>
+            <a:endParaRPr lang="en-US" sz="2800" dirty="0" smtClean="0"/>
+          </a:p>
+          <a:p>
+            <a:pPr marL="514350" indent="-514350">
+              <a:lnSpc>
+                <a:spcPct val="95000"/>
+              </a:lnSpc>
+              <a:buFont typeface="+mj-lt"/>
+              <a:buAutoNum type="arabicPeriod" startAt="8"/>
+              <a:tabLst/>
+            </a:pPr>
+            <a:r>
+              <a:rPr lang="en-US" sz="3000" dirty="0" smtClean="0"/>
+              <a:t>JavaScript</a:t>
+            </a:r>
+            <a:endParaRPr lang="en-US" sz="3000" dirty="0"/>
+          </a:p>
+          <a:p>
+            <a:pPr marL="457200" lvl="1" indent="-228600">
+              <a:lnSpc>
+                <a:spcPct val="95000"/>
+              </a:lnSpc>
+            </a:pPr>
+            <a:r>
+              <a:rPr lang="en-US" sz="2800" dirty="0" smtClean="0">
+                <a:cs typeface="Times New Roman" pitchFamily="18" charset="0"/>
+              </a:rPr>
+              <a:t>Operators, </a:t>
+            </a:r>
+            <a:r>
+              <a:rPr lang="en-US" sz="2800" dirty="0">
+                <a:cs typeface="Times New Roman" pitchFamily="18" charset="0"/>
+              </a:rPr>
+              <a:t>Data </a:t>
+            </a:r>
+            <a:r>
+              <a:rPr lang="en-US" sz="2800" dirty="0" smtClean="0">
+                <a:cs typeface="Times New Roman" pitchFamily="18" charset="0"/>
+              </a:rPr>
+              <a:t>Types, </a:t>
+            </a:r>
+            <a:r>
+              <a:rPr lang="en-US" sz="2800" dirty="0" smtClean="0"/>
+              <a:t>Statements, Loops, etc.</a:t>
+            </a:r>
+            <a:endParaRPr lang="en-US" sz="2800" noProof="1"/>
+          </a:p>
+          <a:p>
+            <a:pPr marL="514350" indent="-514350">
+              <a:lnSpc>
+                <a:spcPct val="95000"/>
+              </a:lnSpc>
+              <a:buFont typeface="+mj-lt"/>
+              <a:buAutoNum type="arabicPeriod" startAt="8"/>
+              <a:tabLst/>
+            </a:pPr>
+            <a:r>
+              <a:rPr lang="en-US" sz="3000" dirty="0" err="1" smtClean="0"/>
+              <a:t>jQuery</a:t>
+            </a:r>
+            <a:r>
+              <a:rPr lang="en-US" sz="3000" dirty="0"/>
+              <a:t> </a:t>
+            </a:r>
+            <a:r>
+              <a:rPr lang="en-US" sz="3000" dirty="0" smtClean="0"/>
+              <a:t>and HTML5</a:t>
+            </a:r>
+            <a:endParaRPr lang="en-US" sz="3000" dirty="0"/>
+          </a:p>
+          <a:p>
+            <a:pPr marL="457200" lvl="1" indent="-228600">
+              <a:lnSpc>
+                <a:spcPct val="95000"/>
+              </a:lnSpc>
+            </a:pPr>
+            <a:r>
+              <a:rPr lang="en-US" sz="2800" dirty="0" err="1"/>
+              <a:t>jQuery</a:t>
+            </a:r>
+            <a:r>
+              <a:rPr lang="en-US" sz="2800" dirty="0"/>
+              <a:t> </a:t>
+            </a:r>
+            <a:r>
+              <a:rPr lang="en-US" sz="2800" dirty="0" smtClean="0"/>
+              <a:t>Fundamentals, AJAX, </a:t>
+            </a:r>
+            <a:r>
+              <a:rPr lang="en-US" sz="2800" dirty="0" err="1"/>
+              <a:t>jQuery</a:t>
+            </a:r>
+            <a:r>
+              <a:rPr lang="en-US" sz="2800" dirty="0"/>
+              <a:t> </a:t>
+            </a:r>
+            <a:r>
+              <a:rPr lang="en-US" sz="2800" dirty="0" smtClean="0"/>
+              <a:t>UI, HTML5</a:t>
+            </a:r>
+            <a:endParaRPr lang="en-US" sz="2800" dirty="0"/>
+          </a:p>
+          <a:p>
+            <a:pPr marL="514350" indent="-514350">
+              <a:lnSpc>
+                <a:spcPct val="95000"/>
+              </a:lnSpc>
+              <a:buFont typeface="+mj-lt"/>
+              <a:buAutoNum type="arabicPeriod" startAt="8"/>
+              <a:tabLst/>
+            </a:pPr>
+            <a:r>
+              <a:rPr lang="en-US" sz="3000" dirty="0" smtClean="0"/>
+              <a:t>ASP.NET MVC part 1</a:t>
+            </a:r>
+            <a:endParaRPr lang="en-US" sz="3000" dirty="0"/>
+          </a:p>
+          <a:p>
+            <a:pPr marL="457200" lvl="1" indent="-228600">
+              <a:lnSpc>
+                <a:spcPct val="95000"/>
+              </a:lnSpc>
+            </a:pPr>
+            <a:r>
+              <a:rPr lang="en-US" sz="2800" dirty="0" smtClean="0"/>
+              <a:t>MVC, Simple Project, Conventions, Routes, Controllers, Models, Views, </a:t>
+            </a:r>
+            <a:r>
+              <a:rPr lang="en-US" sz="2800" dirty="0" err="1" smtClean="0"/>
+              <a:t>elpers</a:t>
+            </a:r>
+            <a:r>
+              <a:rPr lang="en-US" sz="2800" dirty="0" smtClean="0"/>
+              <a:t>, Typed views</a:t>
+            </a:r>
+            <a:endParaRPr lang="en-US" sz="2800" dirty="0"/>
+          </a:p>
+        </p:txBody>
+      </p:sp>
+      <p:sp>
+        <p:nvSpPr>
+          <p:cNvPr id="4" name="Slide Number Placeholder 3"/>
+          <p:cNvSpPr>
+            <a:spLocks noGrp="1"/>
+          </p:cNvSpPr>
+          <p:nvPr>
+            <p:ph type="sldNum" sz="quarter" idx="10"/>
+          </p:nvPr>
+        </p:nvSpPr>
+        <p:spPr/>
+        <p:txBody>
+          <a:bodyPr/>
+          <a:lstStyle/>
+          <a:p>
+            <a:pPr>
+              <a:defRPr/>
+            </a:pPr>
+            <a:fld id="{58452FF4-89E3-4D1B-9927-2DBDC00E58D7}" type="slidenum">
+              <a:rPr lang="en-US" smtClean="0"/>
+              <a:pPr>
+                <a:defRPr/>
+              </a:pPr>
+              <a:t>14</a:t>
+            </a:fld>
+            <a:endParaRPr lang="en-US" dirty="0"/>
+          </a:p>
+        </p:txBody>
+      </p:sp>
+    </p:spTree>
+  </p:cSld>
+  <p:clrMapOvr>
+    <a:masterClrMapping/>
+  </p:clrMapOvr>
+  <p:timing>
+    <p:tnLst>
+      <p:par>
+        <p:cTn id="1" dur="indefinite" restart="never" nodeType="tmRoot"/>
+      </p:par>
+    </p:tnLst>
+  </p:timing>
+</p:sld>
+</file>
+
+<file path=ppt/slides/slide15.xml><?xml version="1.0" encoding="utf-8"?>
+<p:sld xmlns:a="http://schemas.openxmlformats.org/drawingml/2006/main" xmlns:r="http://schemas.openxmlformats.org/officeDocument/2006/relationships" xmlns:p="http://schemas.openxmlformats.org/presentationml/2006/main">
+  <p:cSld>
+    <p:spTree>
+      <p:nvGrpSpPr>
+        <p:cNvPr id="1" name=""/>
+        <p:cNvGrpSpPr/>
+        <p:nvPr/>
+      </p:nvGrpSpPr>
+      <p:grpSpPr>
+        <a:xfrm>
+          <a:off x="0" y="0"/>
+          <a:ext cx="0" cy="0"/>
+          <a:chOff x="0" y="0"/>
+          <a:chExt cx="0" cy="0"/>
+        </a:xfrm>
+      </p:grpSpPr>
+      <p:sp>
+        <p:nvSpPr>
           <p:cNvPr id="2" name="Title 1"/>
           <p:cNvSpPr>
             <a:spLocks noGrp="1"/>
@@ -5982,7 +7045,7 @@
               <a:pPr>
                 <a:defRPr/>
               </a:pPr>
-              <a:t>10</a:t>
+              <a:t>15</a:t>
             </a:fld>
             <a:endParaRPr lang="en-US" dirty="0"/>
           </a:p>
@@ -6003,7 +7066,7 @@
 </p:sld>
 </file>
 
-<file path=ppt/slides/slide11.xml><?xml version="1.0" encoding="utf-8"?>
+<file path=ppt/slides/slide16.xml><?xml version="1.0" encoding="utf-8"?>
 <p:sld xmlns:a="http://schemas.openxmlformats.org/drawingml/2006/main" xmlns:r="http://schemas.openxmlformats.org/officeDocument/2006/relationships" xmlns:p="http://schemas.openxmlformats.org/presentationml/2006/main">
   <p:cSld>
     <p:spTree>
@@ -6111,7 +7174,7 @@
 </p:sld>
 </file>
 
-<file path=ppt/slides/slide12.xml><?xml version="1.0" encoding="utf-8"?>
+<file path=ppt/slides/slide17.xml><?xml version="1.0" encoding="utf-8"?>
 <p:sld xmlns:a="http://schemas.openxmlformats.org/drawingml/2006/main" xmlns:r="http://schemas.openxmlformats.org/officeDocument/2006/relationships" xmlns:p="http://schemas.openxmlformats.org/presentationml/2006/main">
   <p:cSld>
     <p:spTree>
@@ -6266,7 +7329,7 @@
               <a:pPr>
                 <a:defRPr/>
               </a:pPr>
-              <a:t>12</a:t>
+              <a:t>17</a:t>
             </a:fld>
             <a:endParaRPr lang="en-US" dirty="0"/>
           </a:p>
@@ -6505,7 +7568,7 @@
 </p:sld>
 </file>
 
-<file path=ppt/slides/slide13.xml><?xml version="1.0" encoding="utf-8"?>
+<file path=ppt/slides/slide18.xml><?xml version="1.0" encoding="utf-8"?>
 <p:sld xmlns:a="http://schemas.openxmlformats.org/drawingml/2006/main" xmlns:r="http://schemas.openxmlformats.org/officeDocument/2006/relationships" xmlns:p="http://schemas.openxmlformats.org/presentationml/2006/main">
   <p:cSld>
     <p:spTree>
@@ -6727,7 +7790,7 @@
               <a:pPr>
                 <a:defRPr/>
               </a:pPr>
-              <a:t>13</a:t>
+              <a:t>18</a:t>
             </a:fld>
             <a:endParaRPr lang="en-US" dirty="0"/>
           </a:p>
@@ -6955,7 +8018,7 @@
 </p:sld>
 </file>
 
-<file path=ppt/slides/slide14.xml><?xml version="1.0" encoding="utf-8"?>
+<file path=ppt/slides/slide19.xml><?xml version="1.0" encoding="utf-8"?>
 <p:sld xmlns:a="http://schemas.openxmlformats.org/drawingml/2006/main" xmlns:r="http://schemas.openxmlformats.org/officeDocument/2006/relationships" xmlns:p="http://schemas.openxmlformats.org/presentationml/2006/main">
   <p:cSld>
     <p:spTree>
@@ -7177,7 +8240,7 @@
               <a:pPr>
                 <a:defRPr/>
               </a:pPr>
-              <a:t>14</a:t>
+              <a:t>19</a:t>
             </a:fld>
             <a:endParaRPr lang="en-US" dirty="0"/>
           </a:p>
@@ -7405,7 +8468,229 @@
 </p:sld>
 </file>
 
-<file path=ppt/slides/slide15.xml><?xml version="1.0" encoding="utf-8"?>
+<file path=ppt/slides/slide2.xml><?xml version="1.0" encoding="utf-8"?>
+<p:sld xmlns:a="http://schemas.openxmlformats.org/drawingml/2006/main" xmlns:r="http://schemas.openxmlformats.org/officeDocument/2006/relationships" xmlns:p="http://schemas.openxmlformats.org/presentationml/2006/main">
+  <p:cSld>
+    <p:spTree>
+      <p:nvGrpSpPr>
+        <p:cNvPr id="1" name=""/>
+        <p:cNvGrpSpPr/>
+        <p:nvPr/>
+      </p:nvGrpSpPr>
+      <p:grpSpPr>
+        <a:xfrm>
+          <a:off x="0" y="0"/>
+          <a:ext cx="0" cy="0"/>
+          <a:chOff x="0" y="0"/>
+          <a:chExt cx="0" cy="0"/>
+        </a:xfrm>
+      </p:grpSpPr>
+      <p:sp>
+        <p:nvSpPr>
+          <p:cNvPr id="2" name="Title 1"/>
+          <p:cNvSpPr>
+            <a:spLocks noGrp="1"/>
+          </p:cNvSpPr>
+          <p:nvPr>
+            <p:ph type="title"/>
+          </p:nvPr>
+        </p:nvSpPr>
+        <p:spPr/>
+        <p:txBody>
+          <a:bodyPr/>
+          <a:lstStyle/>
+          <a:p>
+            <a:r>
+              <a:rPr lang="en-US" dirty="0" smtClean="0"/>
+              <a:t>Table of Contents</a:t>
+            </a:r>
+            <a:endParaRPr lang="bg-BG" dirty="0"/>
+          </a:p>
+        </p:txBody>
+      </p:sp>
+      <p:sp>
+        <p:nvSpPr>
+          <p:cNvPr id="3" name="Content Placeholder 2"/>
+          <p:cNvSpPr>
+            <a:spLocks noGrp="1"/>
+          </p:cNvSpPr>
+          <p:nvPr>
+            <p:ph idx="1"/>
+          </p:nvPr>
+        </p:nvSpPr>
+        <p:spPr>
+          <a:xfrm>
+            <a:off x="228600" y="914400"/>
+            <a:ext cx="8686800" cy="5638800"/>
+          </a:xfrm>
+        </p:spPr>
+        <p:txBody>
+          <a:bodyPr/>
+          <a:lstStyle/>
+          <a:p>
+            <a:r>
+              <a:rPr lang="en-US" dirty="0" smtClean="0"/>
+              <a:t>About Telerik</a:t>
+            </a:r>
+          </a:p>
+          <a:p>
+            <a:r>
+              <a:rPr lang="en-US" dirty="0" smtClean="0"/>
+              <a:t>About Telerik Academy</a:t>
+            </a:r>
+          </a:p>
+          <a:p>
+            <a:r>
+              <a:rPr lang="en-US" dirty="0" smtClean="0"/>
+              <a:t>About the Course</a:t>
+            </a:r>
+          </a:p>
+          <a:p>
+            <a:r>
+              <a:rPr lang="en-US" dirty="0" smtClean="0"/>
+              <a:t>Requirements</a:t>
+            </a:r>
+          </a:p>
+          <a:p>
+            <a:r>
+              <a:rPr lang="en-US" dirty="0" smtClean="0"/>
+              <a:t>Course Schedule</a:t>
+            </a:r>
+          </a:p>
+          <a:p>
+            <a:r>
+              <a:rPr lang="en-US" dirty="0" smtClean="0"/>
+              <a:t>Course Curriculum</a:t>
+            </a:r>
+          </a:p>
+          <a:p>
+            <a:r>
+              <a:rPr lang="en-US" dirty="0" smtClean="0"/>
+              <a:t>The Trainers Team</a:t>
+            </a:r>
+          </a:p>
+          <a:p>
+            <a:r>
+              <a:rPr lang="en-US" dirty="0" smtClean="0"/>
+              <a:t>Assessments</a:t>
+            </a:r>
+          </a:p>
+          <a:p>
+            <a:r>
+              <a:rPr lang="en-US" dirty="0" smtClean="0"/>
+              <a:t>Recommended Books</a:t>
+            </a:r>
+          </a:p>
+          <a:p>
+            <a:endParaRPr lang="en-US" dirty="0" smtClean="0"/>
+          </a:p>
+          <a:p>
+            <a:endParaRPr lang="en-US" dirty="0" smtClean="0"/>
+          </a:p>
+          <a:p>
+            <a:endParaRPr lang="en-US" dirty="0" smtClean="0"/>
+          </a:p>
+          <a:p>
+            <a:endParaRPr lang="bg-BG" dirty="0"/>
+          </a:p>
+        </p:txBody>
+      </p:sp>
+      <p:sp>
+        <p:nvSpPr>
+          <p:cNvPr id="4" name="Slide Number Placeholder 3"/>
+          <p:cNvSpPr>
+            <a:spLocks noGrp="1"/>
+          </p:cNvSpPr>
+          <p:nvPr>
+            <p:ph type="sldNum" sz="quarter" idx="10"/>
+          </p:nvPr>
+        </p:nvSpPr>
+        <p:spPr/>
+        <p:txBody>
+          <a:bodyPr/>
+          <a:lstStyle/>
+          <a:p>
+            <a:pPr>
+              <a:defRPr/>
+            </a:pPr>
+            <a:fld id="{58452FF4-89E3-4D1B-9927-2DBDC00E58D7}" type="slidenum">
+              <a:rPr lang="en-US" smtClean="0"/>
+              <a:pPr>
+                <a:defRPr/>
+              </a:pPr>
+              <a:t>2</a:t>
+            </a:fld>
+            <a:endParaRPr lang="en-US" dirty="0"/>
+          </a:p>
+        </p:txBody>
+      </p:sp>
+      <p:pic>
+        <p:nvPicPr>
+          <p:cNvPr id="5" name="Picture 5" descr="C:\Users\nkostov\Desktop\Untitled.png"/>
+          <p:cNvPicPr>
+            <a:picLocks noChangeAspect="1" noChangeArrowheads="1"/>
+          </p:cNvPicPr>
+          <p:nvPr/>
+        </p:nvPicPr>
+        <p:blipFill>
+          <a:blip r:embed="rId2">
+            <a:extLst>
+              <a:ext uri="{28A0092B-C50C-407E-A947-70E740481C1C}">
+                <a14:useLocalDpi xmlns:a14="http://schemas.microsoft.com/office/drawing/2010/main"/>
+              </a:ext>
+            </a:extLst>
+          </a:blip>
+          <a:srcRect/>
+          <a:stretch>
+            <a:fillRect/>
+          </a:stretch>
+        </p:blipFill>
+        <p:spPr bwMode="auto">
+          <a:xfrm rot="1502284">
+            <a:off x="4212049" y="2110784"/>
+            <a:ext cx="4286250" cy="3571875"/>
+          </a:xfrm>
+          <a:prstGeom prst="rect">
+            <a:avLst/>
+          </a:prstGeom>
+          <a:ln>
+            <a:noFill/>
+          </a:ln>
+          <a:effectLst>
+            <a:softEdge rad="112500"/>
+          </a:effectLst>
+          <a:extLst>
+            <a:ext uri="{909E8E84-426E-40DD-AFC4-6F175D3DCCD1}">
+              <a14:hiddenFill xmlns:a14="http://schemas.microsoft.com/office/drawing/2010/main">
+                <a:solidFill>
+                  <a:srgbClr val="FFFFFF"/>
+                </a:solidFill>
+              </a14:hiddenFill>
+            </a:ext>
+          </a:extLst>
+        </p:spPr>
+      </p:pic>
+    </p:spTree>
+    <p:extLst>
+      <p:ext uri="{BB962C8B-B14F-4D97-AF65-F5344CB8AC3E}">
+        <p14:creationId xmlns:p14="http://schemas.microsoft.com/office/powerpoint/2010/main" val="309184487"/>
+      </p:ext>
+    </p:extLst>
+  </p:cSld>
+  <p:clrMapOvr>
+    <a:masterClrMapping/>
+  </p:clrMapOvr>
+  <p:timing>
+    <p:tnLst>
+      <p:par>
+        <p:cTn id="1" dur="indefinite" restart="never" nodeType="tmRoot"/>
+      </p:par>
+    </p:tnLst>
+  </p:timing>
+</p:sld>
+</file>
+
+<file path=ppt/slides/slide20.xml><?xml version="1.0" encoding="utf-8"?>
 <p:sld xmlns:a="http://schemas.openxmlformats.org/drawingml/2006/main" xmlns:r="http://schemas.openxmlformats.org/officeDocument/2006/relationships" xmlns:p="http://schemas.openxmlformats.org/presentationml/2006/main">
   <p:cSld>
     <p:spTree>
@@ -7543,7 +8828,7 @@
               <a:pPr>
                 <a:defRPr/>
               </a:pPr>
-              <a:t>15</a:t>
+              <a:t>20</a:t>
             </a:fld>
             <a:endParaRPr lang="en-US" dirty="0"/>
           </a:p>
@@ -7894,7 +9179,7 @@
 </p:sld>
 </file>
 
-<file path=ppt/slides/slide16.xml><?xml version="1.0" encoding="utf-8"?>
+<file path=ppt/slides/slide21.xml><?xml version="1.0" encoding="utf-8"?>
 <p:sld xmlns:a="http://schemas.openxmlformats.org/drawingml/2006/main" xmlns:r="http://schemas.openxmlformats.org/officeDocument/2006/relationships" xmlns:p="http://schemas.openxmlformats.org/presentationml/2006/main">
   <p:cSld>
     <p:spTree>
@@ -8088,7 +9373,7 @@
               <a:pPr>
                 <a:defRPr/>
               </a:pPr>
-              <a:t>16</a:t>
+              <a:t>21</a:t>
             </a:fld>
             <a:endParaRPr lang="en-US" dirty="0"/>
           </a:p>
@@ -8243,7 +9528,7 @@
 </p:sld>
 </file>
 
-<file path=ppt/slides/slide17.xml><?xml version="1.0" encoding="utf-8"?>
+<file path=ppt/slides/slide22.xml><?xml version="1.0" encoding="utf-8"?>
 <p:sld xmlns:a="http://schemas.openxmlformats.org/drawingml/2006/main" xmlns:r="http://schemas.openxmlformats.org/officeDocument/2006/relationships" xmlns:p="http://schemas.openxmlformats.org/presentationml/2006/main">
   <p:cSld>
     <p:spTree>
@@ -8314,9 +9599,12 @@
             </a:pPr>
             <a:r>
               <a:rPr lang="en-US" dirty="0"/>
-              <a:t>Alexander Vakrilov</a:t>
-            </a:r>
-            <a:endParaRPr lang="en-US" dirty="0" smtClean="0"/>
+              <a:t>Ventsy </a:t>
+            </a:r>
+            <a:r>
+              <a:rPr lang="en-US" dirty="0" smtClean="0"/>
+              <a:t>Popov</a:t>
+            </a:r>
           </a:p>
           <a:p>
             <a:pPr lvl="1">
@@ -8325,37 +9613,58 @@
               </a:lnSpc>
             </a:pPr>
             <a:r>
+              <a:rPr lang="en-US" dirty="0"/>
+              <a:t>Microsoft Certified </a:t>
+            </a:r>
+            <a:r>
               <a:rPr lang="en-US" dirty="0" smtClean="0"/>
-              <a:t>Software Engineer</a:t>
-            </a:r>
-            <a:endParaRPr lang="bg-BG" dirty="0" smtClean="0"/>
-          </a:p>
-          <a:p>
-            <a:pPr lvl="2">
+              <a:t>Trainer</a:t>
+            </a:r>
+          </a:p>
+          <a:p>
+            <a:pPr lvl="1">
               <a:lnSpc>
                 <a:spcPct val="100000"/>
               </a:lnSpc>
             </a:pPr>
             <a:r>
               <a:rPr lang="en-US" dirty="0" smtClean="0"/>
-              <a:t>Telerik </a:t>
+              <a:t>Microsoft </a:t>
+            </a:r>
+            <a:r>
+              <a:rPr lang="en-US" dirty="0"/>
+              <a:t>Certified </a:t>
             </a:r>
             <a:r>
               <a:rPr lang="en-US" dirty="0" smtClean="0"/>
-              <a:t>Corporation</a:t>
-            </a:r>
-          </a:p>
-          <a:p>
-            <a:pPr lvl="2">
+              <a:t>Professional</a:t>
+            </a:r>
+          </a:p>
+          <a:p>
+            <a:pPr lvl="1">
               <a:lnSpc>
                 <a:spcPct val="100000"/>
               </a:lnSpc>
             </a:pPr>
             <a:r>
-              <a:rPr lang="en-US" dirty="0" smtClean="0"/>
-              <a:t>Centaur Team</a:t>
-            </a:r>
-            <a:endParaRPr lang="en-US" dirty="0" smtClean="0"/>
+              <a:rPr lang="en-US" dirty="0"/>
+              <a:t>Blog: </a:t>
+            </a:r>
+            <a:r>
+              <a:rPr lang="en-US" dirty="0">
+                <a:hlinkClick r:id="rId2"/>
+              </a:rPr>
+              <a:t>ventsypopov.com</a:t>
+            </a:r>
+            <a:endParaRPr lang="en-US" dirty="0"/>
+          </a:p>
+          <a:p>
+            <a:pPr lvl="1">
+              <a:lnSpc>
+                <a:spcPct val="100000"/>
+              </a:lnSpc>
+            </a:pPr>
+            <a:endParaRPr lang="bg-BG" dirty="0" smtClean="0"/>
           </a:p>
         </p:txBody>
       </p:sp>
@@ -8382,7 +9691,304 @@
               <a:pPr>
                 <a:defRPr/>
               </a:pPr>
-              <a:t>17</a:t>
+              <a:t>22</a:t>
+            </a:fld>
+            <a:endParaRPr lang="en-US" dirty="0"/>
+          </a:p>
+        </p:txBody>
+      </p:sp>
+      <p:sp>
+        <p:nvSpPr>
+          <p:cNvPr id="10" name="Rectangle 9"/>
+          <p:cNvSpPr/>
+          <p:nvPr/>
+        </p:nvSpPr>
+        <p:spPr>
+          <a:xfrm>
+            <a:off x="228600" y="3505200"/>
+            <a:ext cx="8245072" cy="553998"/>
+          </a:xfrm>
+          <a:prstGeom prst="rect">
+            <a:avLst/>
+          </a:prstGeom>
+        </p:spPr>
+        <p:txBody>
+          <a:bodyPr wrap="square">
+            <a:spAutoFit/>
+          </a:bodyPr>
+          <a:lstStyle/>
+          <a:p>
+            <a:pPr marL="630238" lvl="1" indent="-273050">
+              <a:spcBef>
+                <a:spcPts val="600"/>
+              </a:spcBef>
+              <a:spcAft>
+                <a:spcPts val="600"/>
+              </a:spcAft>
+              <a:buClr>
+                <a:srgbClr val="8FD600"/>
+              </a:buClr>
+              <a:buFont typeface="Wingdings 2" pitchFamily="18" charset="2"/>
+              <a:buChar char=""/>
+            </a:pPr>
+            <a:r>
+              <a:rPr lang="en-US" sz="3000" b="1" dirty="0">
+                <a:effectLst>
+                  <a:outerShdw blurRad="38100" dist="38100" dir="2700000" algn="tl">
+                    <a:srgbClr val="000000">
+                      <a:alpha val="43137"/>
+                    </a:srgbClr>
+                  </a:outerShdw>
+                </a:effectLst>
+              </a:rPr>
+              <a:t>Email: </a:t>
+            </a:r>
+            <a:r>
+              <a:rPr lang="en-US" sz="3000" b="1" dirty="0" err="1" smtClean="0">
+                <a:effectLst>
+                  <a:outerShdw blurRad="38100" dist="38100" dir="2700000" algn="tl">
+                    <a:srgbClr val="000000">
+                      <a:alpha val="43137"/>
+                    </a:srgbClr>
+                  </a:outerShdw>
+                </a:effectLst>
+              </a:rPr>
+              <a:t>ventsy.popov</a:t>
+            </a:r>
+            <a:r>
+              <a:rPr lang="en-US" sz="3000" b="1" dirty="0" smtClean="0">
+                <a:effectLst>
+                  <a:outerShdw blurRad="38100" dist="38100" dir="2700000" algn="tl">
+                    <a:srgbClr val="000000">
+                      <a:alpha val="43137"/>
+                    </a:srgbClr>
+                  </a:outerShdw>
+                </a:effectLst>
+              </a:rPr>
+              <a:t> [at] gmail.com</a:t>
+            </a:r>
+            <a:endParaRPr lang="en-US" sz="3000" b="1" dirty="0" smtClean="0">
+              <a:effectLst>
+                <a:outerShdw blurRad="38100" dist="38100" dir="2700000" algn="tl">
+                  <a:srgbClr val="000000">
+                    <a:alpha val="43137"/>
+                  </a:srgbClr>
+                </a:outerShdw>
+              </a:effectLst>
+            </a:endParaRPr>
+          </a:p>
+        </p:txBody>
+      </p:sp>
+      <p:pic>
+        <p:nvPicPr>
+          <p:cNvPr id="4098" name="Picture 2" descr="C:\Users\nkostov\AppData\Local\Microsoft\Windows\Temporary Internet Files\Content.Outlook\QVC0E4AP\VentsyPopov_3.jpg"/>
+          <p:cNvPicPr>
+            <a:picLocks noChangeAspect="1" noChangeArrowheads="1"/>
+          </p:cNvPicPr>
+          <p:nvPr/>
+        </p:nvPicPr>
+        <p:blipFill>
+          <a:blip r:embed="rId3" cstate="print">
+            <a:extLst>
+              <a:ext uri="{28A0092B-C50C-407E-A947-70E740481C1C}">
+                <a14:useLocalDpi xmlns:a14="http://schemas.microsoft.com/office/drawing/2010/main" val="0"/>
+              </a:ext>
+            </a:extLst>
+          </a:blip>
+          <a:srcRect/>
+          <a:stretch>
+            <a:fillRect/>
+          </a:stretch>
+        </p:blipFill>
+        <p:spPr bwMode="auto">
+          <a:xfrm>
+            <a:off x="6629400" y="1054223"/>
+            <a:ext cx="1450697" cy="2176045"/>
+          </a:xfrm>
+          <a:prstGeom prst="rect">
+            <a:avLst/>
+          </a:prstGeom>
+          <a:ln>
+            <a:noFill/>
+          </a:ln>
+          <a:effectLst>
+            <a:outerShdw blurRad="190500" algn="tl" rotWithShape="0">
+              <a:srgbClr val="000000">
+                <a:alpha val="70000"/>
+              </a:srgbClr>
+            </a:outerShdw>
+          </a:effectLst>
+          <a:extLst>
+            <a:ext uri="{909E8E84-426E-40DD-AFC4-6F175D3DCCD1}">
+              <a14:hiddenFill xmlns:a14="http://schemas.microsoft.com/office/drawing/2010/main">
+                <a:solidFill>
+                  <a:srgbClr val="FFFFFF"/>
+                </a:solidFill>
+              </a14:hiddenFill>
+            </a:ext>
+          </a:extLst>
+        </p:spPr>
+      </p:pic>
+    </p:spTree>
+    <p:extLst>
+      <p:ext uri="{BB962C8B-B14F-4D97-AF65-F5344CB8AC3E}">
+        <p14:creationId xmlns:p14="http://schemas.microsoft.com/office/powerpoint/2010/main" val="1626509446"/>
+      </p:ext>
+    </p:extLst>
+  </p:cSld>
+  <p:clrMapOvr>
+    <a:masterClrMapping/>
+  </p:clrMapOvr>
+  <p:timing>
+    <p:tnLst>
+      <p:par>
+        <p:cTn id="1" dur="indefinite" restart="never" nodeType="tmRoot"/>
+      </p:par>
+    </p:tnLst>
+  </p:timing>
+</p:sld>
+</file>
+
+<file path=ppt/slides/slide23.xml><?xml version="1.0" encoding="utf-8"?>
+<p:sld xmlns:a="http://schemas.openxmlformats.org/drawingml/2006/main" xmlns:r="http://schemas.openxmlformats.org/officeDocument/2006/relationships" xmlns:p="http://schemas.openxmlformats.org/presentationml/2006/main">
+  <p:cSld>
+    <p:spTree>
+      <p:nvGrpSpPr>
+        <p:cNvPr id="1" name=""/>
+        <p:cNvGrpSpPr/>
+        <p:nvPr/>
+      </p:nvGrpSpPr>
+      <p:grpSpPr>
+        <a:xfrm>
+          <a:off x="0" y="0"/>
+          <a:ext cx="0" cy="0"/>
+          <a:chOff x="0" y="0"/>
+          <a:chExt cx="0" cy="0"/>
+        </a:xfrm>
+      </p:grpSpPr>
+      <p:sp>
+        <p:nvSpPr>
+          <p:cNvPr id="4" name="Title 3"/>
+          <p:cNvSpPr>
+            <a:spLocks noGrp="1"/>
+          </p:cNvSpPr>
+          <p:nvPr>
+            <p:ph type="title"/>
+          </p:nvPr>
+        </p:nvSpPr>
+        <p:spPr/>
+        <p:txBody>
+          <a:bodyPr/>
+          <a:lstStyle/>
+          <a:p>
+            <a:r>
+              <a:rPr lang="en-US" dirty="0" smtClean="0"/>
+              <a:t>Trainers </a:t>
+            </a:r>
+            <a:r>
+              <a:rPr lang="en-US" dirty="0" smtClean="0"/>
+              <a:t>Team (7)</a:t>
+            </a:r>
+            <a:endParaRPr lang="en-US" dirty="0"/>
+          </a:p>
+        </p:txBody>
+      </p:sp>
+      <p:sp>
+        <p:nvSpPr>
+          <p:cNvPr id="5" name="Content Placeholder 4"/>
+          <p:cNvSpPr>
+            <a:spLocks noGrp="1"/>
+          </p:cNvSpPr>
+          <p:nvPr>
+            <p:ph idx="1"/>
+          </p:nvPr>
+        </p:nvSpPr>
+        <p:spPr>
+          <a:xfrm>
+            <a:off x="228600" y="1066800"/>
+            <a:ext cx="6477000" cy="3505200"/>
+          </a:xfrm>
+        </p:spPr>
+        <p:txBody>
+          <a:bodyPr/>
+          <a:lstStyle/>
+          <a:p>
+            <a:pPr>
+              <a:lnSpc>
+                <a:spcPct val="100000"/>
+              </a:lnSpc>
+            </a:pPr>
+            <a:r>
+              <a:rPr lang="en-US" dirty="0"/>
+              <a:t>Alexander Vakrilov</a:t>
+            </a:r>
+            <a:endParaRPr lang="en-US" dirty="0" smtClean="0"/>
+          </a:p>
+          <a:p>
+            <a:pPr lvl="1">
+              <a:lnSpc>
+                <a:spcPct val="100000"/>
+              </a:lnSpc>
+            </a:pPr>
+            <a:r>
+              <a:rPr lang="en-US" dirty="0" smtClean="0"/>
+              <a:t>Software Engineer</a:t>
+            </a:r>
+            <a:endParaRPr lang="bg-BG" dirty="0" smtClean="0"/>
+          </a:p>
+          <a:p>
+            <a:pPr lvl="2">
+              <a:lnSpc>
+                <a:spcPct val="100000"/>
+              </a:lnSpc>
+            </a:pPr>
+            <a:r>
+              <a:rPr lang="en-US" dirty="0" smtClean="0"/>
+              <a:t>Telerik </a:t>
+            </a:r>
+            <a:r>
+              <a:rPr lang="en-US" dirty="0" smtClean="0"/>
+              <a:t>Corporation</a:t>
+            </a:r>
+          </a:p>
+          <a:p>
+            <a:pPr lvl="2">
+              <a:lnSpc>
+                <a:spcPct val="100000"/>
+              </a:lnSpc>
+            </a:pPr>
+            <a:r>
+              <a:rPr lang="en-US" dirty="0" smtClean="0"/>
+              <a:t>Centaur Team</a:t>
+            </a:r>
+            <a:endParaRPr lang="en-US" dirty="0" smtClean="0"/>
+          </a:p>
+        </p:txBody>
+      </p:sp>
+      <p:sp>
+        <p:nvSpPr>
+          <p:cNvPr id="7" name="Slide Number Placeholder 3"/>
+          <p:cNvSpPr>
+            <a:spLocks noGrp="1"/>
+          </p:cNvSpPr>
+          <p:nvPr>
+            <p:ph type="sldNum" sz="quarter" idx="10"/>
+          </p:nvPr>
+        </p:nvSpPr>
+        <p:spPr/>
+        <p:txBody>
+          <a:bodyPr/>
+          <a:lstStyle/>
+          <a:p>
+            <a:pPr>
+              <a:defRPr/>
+            </a:pPr>
+            <a:fld id="{58452FF4-89E3-4D1B-9927-2DBDC00E58D7}" type="slidenum">
+              <a:rPr lang="en-US" smtClean="0"/>
+              <a:pPr>
+                <a:defRPr/>
+              </a:pPr>
+              <a:t>23</a:t>
             </a:fld>
             <a:endParaRPr lang="en-US" dirty="0"/>
           </a:p>
@@ -8600,7 +10206,7 @@
 </p:sld>
 </file>
 
-<file path=ppt/slides/slide18.xml><?xml version="1.0" encoding="utf-8"?>
+<file path=ppt/slides/slide24.xml><?xml version="1.0" encoding="utf-8"?>
 <p:sld xmlns:a="http://schemas.openxmlformats.org/drawingml/2006/main" xmlns:r="http://schemas.openxmlformats.org/officeDocument/2006/relationships" xmlns:p="http://schemas.openxmlformats.org/presentationml/2006/main">
   <p:cSld>
     <p:spTree>
@@ -8754,7 +10360,7 @@
 </p:sld>
 </file>
 
-<file path=ppt/slides/slide19.xml><?xml version="1.0" encoding="utf-8"?>
+<file path=ppt/slides/slide25.xml><?xml version="1.0" encoding="utf-8"?>
 <p:sld xmlns:a="http://schemas.openxmlformats.org/drawingml/2006/main" xmlns:r="http://schemas.openxmlformats.org/officeDocument/2006/relationships" xmlns:p="http://schemas.openxmlformats.org/presentationml/2006/main">
   <p:cSld>
     <p:spTree>
@@ -8949,7 +10555,7 @@
               <a:pPr>
                 <a:defRPr/>
               </a:pPr>
-              <a:t>19</a:t>
+              <a:t>25</a:t>
             </a:fld>
             <a:endParaRPr lang="en-US" dirty="0"/>
           </a:p>
@@ -9006,7 +10612,7 @@
 </p:sld>
 </file>
 
-<file path=ppt/slides/slide2.xml><?xml version="1.0" encoding="utf-8"?>
+<file path=ppt/slides/slide26.xml><?xml version="1.0" encoding="utf-8"?>
 <p:sld xmlns:a="http://schemas.openxmlformats.org/drawingml/2006/main" xmlns:r="http://schemas.openxmlformats.org/officeDocument/2006/relationships" xmlns:p="http://schemas.openxmlformats.org/presentationml/2006/main">
   <p:cSld>
     <p:spTree>
@@ -9040,248 +10646,6 @@
           <a:p>
             <a:r>
               <a:rPr lang="en-US" dirty="0" smtClean="0"/>
-              <a:t>About the Course</a:t>
-            </a:r>
-            <a:endParaRPr lang="en-US" dirty="0"/>
-          </a:p>
-        </p:txBody>
-      </p:sp>
-      <p:sp>
-        <p:nvSpPr>
-          <p:cNvPr id="3" name="Content Placeholder 2"/>
-          <p:cNvSpPr>
-            <a:spLocks noGrp="1"/>
-          </p:cNvSpPr>
-          <p:nvPr>
-            <p:ph idx="1"/>
-          </p:nvPr>
-        </p:nvSpPr>
-        <p:spPr>
-          <a:xfrm>
-            <a:off x="228600" y="1066800"/>
-            <a:ext cx="8686800" cy="5638800"/>
-          </a:xfrm>
-        </p:spPr>
-        <p:txBody>
-          <a:bodyPr/>
-          <a:lstStyle/>
-          <a:p>
-            <a:pPr>
-              <a:lnSpc>
-                <a:spcPts val="3400"/>
-              </a:lnSpc>
-            </a:pPr>
-            <a:r>
-              <a:rPr lang="en-US" dirty="0"/>
-              <a:t>Web Applications with </a:t>
-            </a:r>
-            <a:r>
-              <a:rPr lang="en-US" dirty="0" smtClean="0"/>
-              <a:t>ASP.NET MVC objectives</a:t>
-            </a:r>
-            <a:endParaRPr lang="en-US" dirty="0" smtClean="0"/>
-          </a:p>
-          <a:p>
-            <a:pPr lvl="1">
-              <a:lnSpc>
-                <a:spcPts val="3400"/>
-              </a:lnSpc>
-            </a:pPr>
-            <a:r>
-              <a:rPr lang="en-US" dirty="0" smtClean="0"/>
-              <a:t>Provides basic skills for development of dynamic ASP.NET MVC Web applications</a:t>
-            </a:r>
-          </a:p>
-          <a:p>
-            <a:pPr lvl="1">
-              <a:lnSpc>
-                <a:spcPts val="3400"/>
-              </a:lnSpc>
-            </a:pPr>
-            <a:r>
-              <a:rPr lang="en-US" dirty="0" smtClean="0"/>
-              <a:t>C</a:t>
-            </a:r>
-            <a:r>
-              <a:rPr lang="en-US" dirty="0" smtClean="0"/>
-              <a:t># language fundamentals</a:t>
-            </a:r>
-          </a:p>
-          <a:p>
-            <a:pPr lvl="1">
-              <a:lnSpc>
-                <a:spcPts val="3400"/>
-              </a:lnSpc>
-            </a:pPr>
-            <a:r>
-              <a:rPr lang="en-US" dirty="0" smtClean="0"/>
-              <a:t>Databases and SQL Server</a:t>
-            </a:r>
-          </a:p>
-          <a:p>
-            <a:pPr lvl="1">
-              <a:lnSpc>
-                <a:spcPts val="3400"/>
-              </a:lnSpc>
-            </a:pPr>
-            <a:r>
-              <a:rPr lang="en-US" dirty="0" smtClean="0"/>
-              <a:t>LINQ and Entity Framework</a:t>
-            </a:r>
-          </a:p>
-          <a:p>
-            <a:pPr lvl="1">
-              <a:lnSpc>
-                <a:spcPts val="3400"/>
-              </a:lnSpc>
-            </a:pPr>
-            <a:r>
-              <a:rPr lang="en-US" dirty="0" smtClean="0"/>
-              <a:t>WWW, HTTP, HTML5, CSS3</a:t>
-            </a:r>
-          </a:p>
-          <a:p>
-            <a:pPr lvl="1">
-              <a:lnSpc>
-                <a:spcPts val="3400"/>
-              </a:lnSpc>
-            </a:pPr>
-            <a:r>
-              <a:rPr lang="en-US" dirty="0" smtClean="0"/>
-              <a:t>JavaScript, </a:t>
-            </a:r>
-            <a:r>
-              <a:rPr lang="en-US" dirty="0" err="1" smtClean="0"/>
-              <a:t>jQuery</a:t>
-            </a:r>
-            <a:endParaRPr lang="en-US" dirty="0"/>
-          </a:p>
-          <a:p>
-            <a:pPr lvl="1">
-              <a:lnSpc>
-                <a:spcPts val="3400"/>
-              </a:lnSpc>
-            </a:pPr>
-            <a:r>
-              <a:rPr lang="en-US" dirty="0" smtClean="0"/>
-              <a:t>ASP.NET MVC</a:t>
-            </a:r>
-            <a:endParaRPr lang="en-US" dirty="0" smtClean="0"/>
-          </a:p>
-        </p:txBody>
-      </p:sp>
-      <p:sp>
-        <p:nvSpPr>
-          <p:cNvPr id="4" name="Slide Number Placeholder 3"/>
-          <p:cNvSpPr>
-            <a:spLocks noGrp="1"/>
-          </p:cNvSpPr>
-          <p:nvPr>
-            <p:ph type="sldNum" sz="quarter" idx="10"/>
-          </p:nvPr>
-        </p:nvSpPr>
-        <p:spPr/>
-        <p:txBody>
-          <a:bodyPr/>
-          <a:lstStyle/>
-          <a:p>
-            <a:pPr>
-              <a:defRPr/>
-            </a:pPr>
-            <a:fld id="{58452FF4-89E3-4D1B-9927-2DBDC00E58D7}" type="slidenum">
-              <a:rPr lang="en-US" smtClean="0"/>
-              <a:pPr>
-                <a:defRPr/>
-              </a:pPr>
-              <a:t>2</a:t>
-            </a:fld>
-            <a:endParaRPr lang="en-US" dirty="0"/>
-          </a:p>
-        </p:txBody>
-      </p:sp>
-      <p:pic>
-        <p:nvPicPr>
-          <p:cNvPr id="25604" name="Picture 4" descr="http://www.artegraficas.com.br/img/web_sites/web_sites.jpg"/>
-          <p:cNvPicPr>
-            <a:picLocks noChangeAspect="1" noChangeArrowheads="1"/>
-          </p:cNvPicPr>
-          <p:nvPr/>
-        </p:nvPicPr>
-        <p:blipFill>
-          <a:blip r:embed="rId2" cstate="screen">
-            <a:extLst>
-              <a:ext uri="{28A0092B-C50C-407E-A947-70E740481C1C}">
-                <a14:useLocalDpi xmlns:a14="http://schemas.microsoft.com/office/drawing/2010/main"/>
-              </a:ext>
-            </a:extLst>
-          </a:blip>
-          <a:srcRect/>
-          <a:stretch>
-            <a:fillRect/>
-          </a:stretch>
-        </p:blipFill>
-        <p:spPr bwMode="auto">
-          <a:xfrm>
-            <a:off x="5736615" y="3581400"/>
-            <a:ext cx="2950185" cy="2362200"/>
-          </a:xfrm>
-          <a:prstGeom prst="roundRect">
-            <a:avLst>
-              <a:gd name="adj" fmla="val 8046"/>
-            </a:avLst>
-          </a:prstGeom>
-          <a:noFill/>
-        </p:spPr>
-      </p:pic>
-    </p:spTree>
-  </p:cSld>
-  <p:clrMapOvr>
-    <a:masterClrMapping/>
-  </p:clrMapOvr>
-  <p:timing>
-    <p:tnLst>
-      <p:par>
-        <p:cTn id="1" dur="indefinite" restart="never" nodeType="tmRoot"/>
-      </p:par>
-    </p:tnLst>
-  </p:timing>
-</p:sld>
-</file>
-
-<file path=ppt/slides/slide20.xml><?xml version="1.0" encoding="utf-8"?>
-<p:sld xmlns:a="http://schemas.openxmlformats.org/drawingml/2006/main" xmlns:r="http://schemas.openxmlformats.org/officeDocument/2006/relationships" xmlns:p="http://schemas.openxmlformats.org/presentationml/2006/main">
-  <p:cSld>
-    <p:spTree>
-      <p:nvGrpSpPr>
-        <p:cNvPr id="1" name=""/>
-        <p:cNvGrpSpPr/>
-        <p:nvPr/>
-      </p:nvGrpSpPr>
-      <p:grpSpPr>
-        <a:xfrm>
-          <a:off x="0" y="0"/>
-          <a:ext cx="0" cy="0"/>
-          <a:chOff x="0" y="0"/>
-          <a:chExt cx="0" cy="0"/>
-        </a:xfrm>
-      </p:grpSpPr>
-      <p:sp>
-        <p:nvSpPr>
-          <p:cNvPr id="2" name="Title 1"/>
-          <p:cNvSpPr>
-            <a:spLocks noGrp="1"/>
-          </p:cNvSpPr>
-          <p:nvPr>
-            <p:ph type="title"/>
-          </p:nvPr>
-        </p:nvSpPr>
-        <p:spPr/>
-        <p:txBody>
-          <a:bodyPr/>
-          <a:lstStyle/>
-          <a:p>
-            <a:r>
-              <a:rPr lang="en-US" dirty="0" smtClean="0"/>
               <a:t>Assessment (2)</a:t>
             </a:r>
             <a:endParaRPr lang="en-US" dirty="0"/>
@@ -9462,7 +10826,7 @@
               <a:pPr>
                 <a:defRPr/>
               </a:pPr>
-              <a:t>20</a:t>
+              <a:t>26</a:t>
             </a:fld>
             <a:endParaRPr lang="en-US" dirty="0"/>
           </a:p>
@@ -9524,7 +10888,7 @@
 </p:sld>
 </file>
 
-<file path=ppt/slides/slide21.xml><?xml version="1.0" encoding="utf-8"?>
+<file path=ppt/slides/slide27.xml><?xml version="1.0" encoding="utf-8"?>
 <p:sld xmlns:a="http://schemas.openxmlformats.org/drawingml/2006/main" xmlns:r="http://schemas.openxmlformats.org/officeDocument/2006/relationships" xmlns:p="http://schemas.openxmlformats.org/presentationml/2006/main">
   <p:cSld>
     <p:spTree>
@@ -9724,7 +11088,7 @@
               <a:pPr>
                 <a:defRPr/>
               </a:pPr>
-              <a:t>21</a:t>
+              <a:t>27</a:t>
             </a:fld>
             <a:endParaRPr lang="en-US" dirty="0"/>
           </a:p>
@@ -11200,7 +12564,7 @@
 </p:sld>
 </file>
 
-<file path=ppt/slides/slide22.xml><?xml version="1.0" encoding="utf-8"?>
+<file path=ppt/slides/slide28.xml><?xml version="1.0" encoding="utf-8"?>
 <p:sld xmlns:a="http://schemas.openxmlformats.org/drawingml/2006/main" xmlns:r="http://schemas.openxmlformats.org/officeDocument/2006/relationships" xmlns:p="http://schemas.openxmlformats.org/presentationml/2006/main">
   <p:cSld>
     <p:spTree>
@@ -11284,19 +12648,9 @@
             </a:pPr>
             <a:r>
               <a:rPr lang="en-US" dirty="0" smtClean="0"/>
-              <a:t>Requires </a:t>
-            </a:r>
-            <a:r>
-              <a:rPr lang="en-US" dirty="0" smtClean="0">
-                <a:latin typeface="Consolas" pitchFamily="49" charset="0"/>
-                <a:cs typeface="Consolas" pitchFamily="49" charset="0"/>
-              </a:rPr>
-              <a:t>51</a:t>
-            </a:r>
-            <a:r>
-              <a:rPr lang="en-US" dirty="0" smtClean="0"/>
-              <a:t> score from the practical projects</a:t>
-            </a:r>
+              <a:t>10% of the students will get certificate</a:t>
+            </a:r>
+            <a:endParaRPr lang="en-US" dirty="0" smtClean="0"/>
           </a:p>
           <a:p>
             <a:pPr lvl="1">
@@ -11400,7 +12754,7 @@
               <a:pPr>
                 <a:defRPr/>
               </a:pPr>
-              <a:t>22</a:t>
+              <a:t>28</a:t>
             </a:fld>
             <a:endParaRPr lang="en-US" dirty="0"/>
           </a:p>
@@ -11562,7 +12916,7 @@
 </p:sld>
 </file>
 
-<file path=ppt/slides/slide23.xml><?xml version="1.0" encoding="utf-8"?>
+<file path=ppt/slides/slide29.xml><?xml version="1.0" encoding="utf-8"?>
 <p:sld xmlns:a="http://schemas.openxmlformats.org/drawingml/2006/main" xmlns:r="http://schemas.openxmlformats.org/officeDocument/2006/relationships" xmlns:p="http://schemas.openxmlformats.org/presentationml/2006/main">
   <p:cSld>
     <p:spTree>
@@ -11662,7 +13016,7 @@
 </p:sld>
 </file>
 
-<file path=ppt/slides/slide24.xml><?xml version="1.0" encoding="utf-8"?>
+<file path=ppt/slides/slide3.xml><?xml version="1.0" encoding="utf-8"?>
 <p:sld xmlns:a="http://schemas.openxmlformats.org/drawingml/2006/main" xmlns:r="http://schemas.openxmlformats.org/officeDocument/2006/relationships" xmlns:p="http://schemas.openxmlformats.org/presentationml/2006/main">
   <p:cSld>
     <p:spTree>
@@ -11696,6 +13050,422 @@
           <a:p>
             <a:r>
               <a:rPr lang="en-US" dirty="0" smtClean="0"/>
+              <a:t>About Telerik</a:t>
+            </a:r>
+            <a:endParaRPr lang="en-US" dirty="0"/>
+          </a:p>
+        </p:txBody>
+      </p:sp>
+      <p:sp>
+        <p:nvSpPr>
+          <p:cNvPr id="3" name="Content Placeholder 2"/>
+          <p:cNvSpPr>
+            <a:spLocks noGrp="1"/>
+          </p:cNvSpPr>
+          <p:nvPr>
+            <p:ph idx="1"/>
+          </p:nvPr>
+        </p:nvSpPr>
+        <p:spPr/>
+        <p:txBody>
+          <a:bodyPr/>
+          <a:lstStyle/>
+          <a:p>
+            <a:pPr>
+              <a:tabLst/>
+            </a:pPr>
+            <a:r>
+              <a:rPr lang="en-US" dirty="0" smtClean="0"/>
+              <a:t>What Telerik does?</a:t>
+            </a:r>
+          </a:p>
+          <a:p>
+            <a:pPr lvl="1"/>
+            <a:r>
+              <a:rPr lang="en-US" dirty="0" smtClean="0"/>
+              <a:t>Leading vendor of ASP.NET AJAX, Silverlight, WPF and </a:t>
+            </a:r>
+            <a:r>
+              <a:rPr lang="en-US" dirty="0" smtClean="0"/>
+              <a:t>ASP.NET MVC components</a:t>
+            </a:r>
+            <a:r>
+              <a:rPr lang="en-US" dirty="0" smtClean="0"/>
+              <a:t>, ORM, Reporting, and CMS solutions and VS Plugins</a:t>
+            </a:r>
+          </a:p>
+          <a:p>
+            <a:r>
+              <a:rPr lang="en-US" dirty="0" smtClean="0"/>
+              <a:t>Headquartered in Bulgaria</a:t>
+            </a:r>
+          </a:p>
+          <a:p>
+            <a:pPr lvl="1"/>
+            <a:r>
+              <a:rPr lang="en-US" dirty="0" smtClean="0"/>
+              <a:t>With offices in USA, Germany, Australia, </a:t>
+            </a:r>
+            <a:r>
+              <a:rPr lang="en-US" dirty="0" smtClean="0"/>
+              <a:t>India</a:t>
+            </a:r>
+            <a:endParaRPr lang="en-US" dirty="0" smtClean="0"/>
+          </a:p>
+          <a:p>
+            <a:pPr lvl="1"/>
+            <a:r>
+              <a:rPr lang="en-US" dirty="0" smtClean="0"/>
+              <a:t>400 employees – mostly developers</a:t>
+            </a:r>
+          </a:p>
+          <a:p>
+            <a:r>
+              <a:rPr lang="en-US" dirty="0" smtClean="0"/>
+              <a:t>Employer #1 in Bulgaria for 2010</a:t>
+            </a:r>
+          </a:p>
+          <a:p>
+            <a:r>
+              <a:rPr lang="en-US" dirty="0" smtClean="0"/>
+              <a:t>Microsoft Gold Certified Partner</a:t>
+            </a:r>
+            <a:endParaRPr lang="en-US" dirty="0"/>
+          </a:p>
+        </p:txBody>
+      </p:sp>
+      <p:sp>
+        <p:nvSpPr>
+          <p:cNvPr id="4" name="Slide Number Placeholder 3"/>
+          <p:cNvSpPr>
+            <a:spLocks noGrp="1"/>
+          </p:cNvSpPr>
+          <p:nvPr>
+            <p:ph type="sldNum" sz="quarter" idx="10"/>
+          </p:nvPr>
+        </p:nvSpPr>
+        <p:spPr/>
+        <p:txBody>
+          <a:bodyPr/>
+          <a:lstStyle/>
+          <a:p>
+            <a:pPr>
+              <a:defRPr/>
+            </a:pPr>
+            <a:fld id="{58452FF4-89E3-4D1B-9927-2DBDC00E58D7}" type="slidenum">
+              <a:rPr lang="en-US" smtClean="0"/>
+              <a:pPr>
+                <a:defRPr/>
+              </a:pPr>
+              <a:t>3</a:t>
+            </a:fld>
+            <a:endParaRPr lang="en-US" dirty="0"/>
+          </a:p>
+        </p:txBody>
+      </p:sp>
+      <p:pic>
+        <p:nvPicPr>
+          <p:cNvPr id="29698" name="Picture 2" descr="http://media.sagabg.net/img/thumbs/2008/11/19/telerik_jpg_606x606_q85.jpg"/>
+          <p:cNvPicPr>
+            <a:picLocks noChangeAspect="1" noChangeArrowheads="1"/>
+          </p:cNvPicPr>
+          <p:nvPr/>
+        </p:nvPicPr>
+        <p:blipFill>
+          <a:blip r:embed="rId2" cstate="screen">
+            <a:extLst>
+              <a:ext uri="{28A0092B-C50C-407E-A947-70E740481C1C}">
+                <a14:useLocalDpi xmlns:a14="http://schemas.microsoft.com/office/drawing/2010/main" val="0"/>
+              </a:ext>
+            </a:extLst>
+          </a:blip>
+          <a:srcRect/>
+          <a:stretch>
+            <a:fillRect/>
+          </a:stretch>
+        </p:blipFill>
+        <p:spPr bwMode="auto">
+          <a:xfrm>
+            <a:off x="6781800" y="5181600"/>
+            <a:ext cx="1981200" cy="1281665"/>
+          </a:xfrm>
+          <a:prstGeom prst="roundRect">
+            <a:avLst>
+              <a:gd name="adj" fmla="val 8594"/>
+            </a:avLst>
+          </a:prstGeom>
+          <a:solidFill>
+            <a:srgbClr val="FFFFFF">
+              <a:shade val="85000"/>
+            </a:srgbClr>
+          </a:solidFill>
+          <a:ln>
+            <a:noFill/>
+          </a:ln>
+          <a:effectLst/>
+        </p:spPr>
+      </p:pic>
+    </p:spTree>
+    <p:extLst>
+      <p:ext uri="{BB962C8B-B14F-4D97-AF65-F5344CB8AC3E}">
+        <p14:creationId xmlns:p14="http://schemas.microsoft.com/office/powerpoint/2010/main" val="1065257488"/>
+      </p:ext>
+    </p:extLst>
+  </p:cSld>
+  <p:clrMapOvr>
+    <a:masterClrMapping/>
+  </p:clrMapOvr>
+  <p:timing>
+    <p:tnLst>
+      <p:par>
+        <p:cTn id="1" dur="indefinite" restart="never" nodeType="tmRoot"/>
+      </p:par>
+    </p:tnLst>
+  </p:timing>
+</p:sld>
+</file>
+
+<file path=ppt/slides/slide30.xml><?xml version="1.0" encoding="utf-8"?>
+<p:sld xmlns:a="http://schemas.openxmlformats.org/drawingml/2006/main" xmlns:r="http://schemas.openxmlformats.org/officeDocument/2006/relationships" xmlns:p="http://schemas.openxmlformats.org/presentationml/2006/main">
+  <p:cSld>
+    <p:spTree>
+      <p:nvGrpSpPr>
+        <p:cNvPr id="1" name=""/>
+        <p:cNvGrpSpPr/>
+        <p:nvPr/>
+      </p:nvGrpSpPr>
+      <p:grpSpPr>
+        <a:xfrm>
+          <a:off x="0" y="0"/>
+          <a:ext cx="0" cy="0"/>
+          <a:chOff x="0" y="0"/>
+          <a:chExt cx="0" cy="0"/>
+        </a:xfrm>
+      </p:grpSpPr>
+      <p:pic>
+        <p:nvPicPr>
+          <p:cNvPr id="6149" name="Picture 5"/>
+          <p:cNvPicPr>
+            <a:picLocks noChangeAspect="1" noChangeArrowheads="1"/>
+          </p:cNvPicPr>
+          <p:nvPr/>
+        </p:nvPicPr>
+        <p:blipFill>
+          <a:blip r:embed="rId2">
+            <a:extLst>
+              <a:ext uri="{28A0092B-C50C-407E-A947-70E740481C1C}">
+                <a14:useLocalDpi xmlns:a14="http://schemas.microsoft.com/office/drawing/2010/main" val="0"/>
+              </a:ext>
+            </a:extLst>
+          </a:blip>
+          <a:srcRect/>
+          <a:stretch>
+            <a:fillRect/>
+          </a:stretch>
+        </p:blipFill>
+        <p:spPr bwMode="auto">
+          <a:xfrm>
+            <a:off x="304800" y="4876801"/>
+            <a:ext cx="1234225" cy="1676400"/>
+          </a:xfrm>
+          <a:prstGeom prst="rect">
+            <a:avLst/>
+          </a:prstGeom>
+          <a:ln>
+            <a:noFill/>
+          </a:ln>
+          <a:effectLst>
+            <a:outerShdw blurRad="190500" algn="tl" rotWithShape="0">
+              <a:srgbClr val="000000">
+                <a:alpha val="70000"/>
+              </a:srgbClr>
+            </a:outerShdw>
+          </a:effectLst>
+          <a:extLst>
+            <a:ext uri="{909E8E84-426E-40DD-AFC4-6F175D3DCCD1}">
+              <a14:hiddenFill xmlns:a14="http://schemas.microsoft.com/office/drawing/2010/main">
+                <a:solidFill>
+                  <a:schemeClr val="accent1"/>
+                </a:solidFill>
+              </a14:hiddenFill>
+            </a:ext>
+            <a:ext uri="{91240B29-F687-4F45-9708-019B960494DF}">
+              <a14:hiddenLine xmlns:a14="http://schemas.microsoft.com/office/drawing/2010/main" w="9525">
+                <a:solidFill>
+                  <a:schemeClr val="tx1"/>
+                </a:solidFill>
+                <a:miter lim="800000"/>
+                <a:headEnd/>
+                <a:tailEnd/>
+              </a14:hiddenLine>
+            </a:ext>
+            <a:ext uri="{AF507438-7753-43E0-B8FC-AC1667EBCBE1}">
+              <a14:hiddenEffects xmlns:a14="http://schemas.microsoft.com/office/drawing/2010/main">
+                <a:effectLst>
+                  <a:outerShdw dist="35921" dir="2700000" algn="ctr" rotWithShape="0">
+                    <a:schemeClr val="bg2"/>
+                  </a:outerShdw>
+                </a:effectLst>
+              </a14:hiddenEffects>
+            </a:ext>
+          </a:extLst>
+        </p:spPr>
+      </p:pic>
+      <p:pic>
+        <p:nvPicPr>
+          <p:cNvPr id="6148" name="Picture 4"/>
+          <p:cNvPicPr>
+            <a:picLocks noChangeAspect="1" noChangeArrowheads="1"/>
+          </p:cNvPicPr>
+          <p:nvPr/>
+        </p:nvPicPr>
+        <p:blipFill>
+          <a:blip r:embed="rId3">
+            <a:extLst>
+              <a:ext uri="{28A0092B-C50C-407E-A947-70E740481C1C}">
+                <a14:useLocalDpi xmlns:a14="http://schemas.microsoft.com/office/drawing/2010/main" val="0"/>
+              </a:ext>
+            </a:extLst>
+          </a:blip>
+          <a:srcRect/>
+          <a:stretch>
+            <a:fillRect/>
+          </a:stretch>
+        </p:blipFill>
+        <p:spPr bwMode="auto">
+          <a:xfrm>
+            <a:off x="304802" y="1066802"/>
+            <a:ext cx="1234223" cy="1676400"/>
+          </a:xfrm>
+          <a:prstGeom prst="rect">
+            <a:avLst/>
+          </a:prstGeom>
+          <a:ln>
+            <a:noFill/>
+          </a:ln>
+          <a:effectLst>
+            <a:outerShdw blurRad="190500" algn="tl" rotWithShape="0">
+              <a:srgbClr val="000000">
+                <a:alpha val="70000"/>
+              </a:srgbClr>
+            </a:outerShdw>
+          </a:effectLst>
+          <a:extLst>
+            <a:ext uri="{909E8E84-426E-40DD-AFC4-6F175D3DCCD1}">
+              <a14:hiddenFill xmlns:a14="http://schemas.microsoft.com/office/drawing/2010/main">
+                <a:solidFill>
+                  <a:schemeClr val="accent1"/>
+                </a:solidFill>
+              </a14:hiddenFill>
+            </a:ext>
+            <a:ext uri="{91240B29-F687-4F45-9708-019B960494DF}">
+              <a14:hiddenLine xmlns:a14="http://schemas.microsoft.com/office/drawing/2010/main" w="9525">
+                <a:solidFill>
+                  <a:schemeClr val="tx1"/>
+                </a:solidFill>
+                <a:miter lim="800000"/>
+                <a:headEnd/>
+                <a:tailEnd/>
+              </a14:hiddenLine>
+            </a:ext>
+            <a:ext uri="{AF507438-7753-43E0-B8FC-AC1667EBCBE1}">
+              <a14:hiddenEffects xmlns:a14="http://schemas.microsoft.com/office/drawing/2010/main">
+                <a:effectLst>
+                  <a:outerShdw dist="35921" dir="2700000" algn="ctr" rotWithShape="0">
+                    <a:schemeClr val="bg2"/>
+                  </a:outerShdw>
+                </a:effectLst>
+              </a14:hiddenEffects>
+            </a:ext>
+          </a:extLst>
+        </p:spPr>
+      </p:pic>
+      <p:pic>
+        <p:nvPicPr>
+          <p:cNvPr id="6146" name="Picture 2"/>
+          <p:cNvPicPr>
+            <a:picLocks noChangeAspect="1" noChangeArrowheads="1"/>
+          </p:cNvPicPr>
+          <p:nvPr/>
+        </p:nvPicPr>
+        <p:blipFill>
+          <a:blip r:embed="rId4">
+            <a:extLst>
+              <a:ext uri="{28A0092B-C50C-407E-A947-70E740481C1C}">
+                <a14:useLocalDpi xmlns:a14="http://schemas.microsoft.com/office/drawing/2010/main" val="0"/>
+              </a:ext>
+            </a:extLst>
+          </a:blip>
+          <a:srcRect/>
+          <a:stretch>
+            <a:fillRect/>
+          </a:stretch>
+        </p:blipFill>
+        <p:spPr bwMode="auto">
+          <a:xfrm>
+            <a:off x="304800" y="3001945"/>
+            <a:ext cx="1234226" cy="1676400"/>
+          </a:xfrm>
+          <a:prstGeom prst="rect">
+            <a:avLst/>
+          </a:prstGeom>
+          <a:ln>
+            <a:noFill/>
+          </a:ln>
+          <a:effectLst>
+            <a:outerShdw blurRad="190500" algn="tl" rotWithShape="0">
+              <a:srgbClr val="000000">
+                <a:alpha val="70000"/>
+              </a:srgbClr>
+            </a:outerShdw>
+          </a:effectLst>
+          <a:extLst>
+            <a:ext uri="{909E8E84-426E-40DD-AFC4-6F175D3DCCD1}">
+              <a14:hiddenFill xmlns:a14="http://schemas.microsoft.com/office/drawing/2010/main">
+                <a:solidFill>
+                  <a:schemeClr val="accent1"/>
+                </a:solidFill>
+              </a14:hiddenFill>
+            </a:ext>
+            <a:ext uri="{91240B29-F687-4F45-9708-019B960494DF}">
+              <a14:hiddenLine xmlns:a14="http://schemas.microsoft.com/office/drawing/2010/main" w="9525">
+                <a:solidFill>
+                  <a:schemeClr val="tx1"/>
+                </a:solidFill>
+                <a:miter lim="800000"/>
+                <a:headEnd/>
+                <a:tailEnd/>
+              </a14:hiddenLine>
+            </a:ext>
+            <a:ext uri="{AF507438-7753-43E0-B8FC-AC1667EBCBE1}">
+              <a14:hiddenEffects xmlns:a14="http://schemas.microsoft.com/office/drawing/2010/main">
+                <a:effectLst>
+                  <a:outerShdw dist="35921" dir="2700000" algn="ctr" rotWithShape="0">
+                    <a:schemeClr val="bg2"/>
+                  </a:outerShdw>
+                </a:effectLst>
+              </a14:hiddenEffects>
+            </a:ext>
+          </a:extLst>
+        </p:spPr>
+      </p:pic>
+      <p:sp>
+        <p:nvSpPr>
+          <p:cNvPr id="2" name="Title 1"/>
+          <p:cNvSpPr>
+            <a:spLocks noGrp="1"/>
+          </p:cNvSpPr>
+          <p:nvPr>
+            <p:ph type="title"/>
+          </p:nvPr>
+        </p:nvSpPr>
+        <p:spPr/>
+        <p:txBody>
+          <a:bodyPr/>
+          <a:lstStyle/>
+          <a:p>
+            <a:r>
+              <a:rPr lang="en-US" dirty="0" smtClean="0"/>
               <a:t>Recommended Books</a:t>
             </a:r>
             <a:endParaRPr lang="en-US" dirty="0"/>
@@ -11723,6 +13493,9 @@
           <a:lstStyle/>
           <a:p>
             <a:pPr marL="0" indent="0">
+              <a:lnSpc>
+                <a:spcPts val="3600"/>
+              </a:lnSpc>
               <a:spcBef>
                 <a:spcPts val="1800"/>
               </a:spcBef>
@@ -11730,24 +13503,65 @@
               <a:tabLst/>
             </a:pPr>
             <a:r>
-              <a:rPr lang="en-US" sz="3000" dirty="0">
+              <a:rPr lang="en-US" sz="2800" dirty="0" smtClean="0">
                 <a:effectLst/>
               </a:rPr>
-              <a:t>MacDonald M., Beginning ASP.NET 4 in C# 2010, 981 pages, Apress, Inc., 2010, ISBN 978-1-4302-2608-6 – </a:t>
+              <a:t>Pro </a:t>
+            </a:r>
+            <a:r>
+              <a:rPr lang="en-US" sz="2800" dirty="0">
+                <a:effectLst/>
+              </a:rPr>
+              <a:t>ASP.NET MVC 3 Framework, Steven Sanderson, Adam Freeman, </a:t>
+            </a:r>
+            <a:r>
+              <a:rPr lang="en-US" sz="2800" dirty="0" err="1">
+                <a:effectLst/>
+              </a:rPr>
+              <a:t>Apress</a:t>
+            </a:r>
+            <a:r>
+              <a:rPr lang="en-US" sz="2800" dirty="0">
+                <a:effectLst/>
+              </a:rPr>
+              <a:t>, 3rd edition, 2011, </a:t>
+            </a:r>
+            <a:r>
+              <a:rPr lang="en-US" sz="2800" dirty="0" smtClean="0">
+                <a:effectLst/>
+              </a:rPr>
+              <a:t>ISBN 1430234040 </a:t>
             </a:r>
             <a:r>
               <a:rPr lang="en-US" sz="3000" u="sng" dirty="0">
                 <a:effectLst/>
-                <a:hlinkClick r:id="rId2"/>
+                <a:hlinkClick r:id="rId5"/>
               </a:rPr>
-              <a:t>http://apress.com/book/view/1430226080</a:t>
-            </a:r>
-            <a:endParaRPr lang="en-US" sz="3000" dirty="0">
+              <a:t>http</a:t>
+            </a:r>
+            <a:r>
+              <a:rPr lang="en-US" sz="3000" u="sng" dirty="0" smtClean="0">
+                <a:effectLst/>
+                <a:hlinkClick r:id="rId5"/>
+              </a:rPr>
+              <a:t>://amazon.com/dp/1430234040</a:t>
+            </a:r>
+            <a:r>
+              <a:rPr lang="en-US" sz="3000" u="sng" dirty="0">
+                <a:effectLst/>
+                <a:hlinkClick r:id="rId5"/>
+              </a:rPr>
+              <a:t>/</a:t>
+            </a:r>
+            <a:endParaRPr lang="en-US" sz="3000" u="sng" dirty="0" smtClean="0">
               <a:effectLst/>
             </a:endParaRPr>
           </a:p>
           <a:p>
-            <a:pPr marL="0" lvl="0" indent="0">
+            <a:pPr marL="0" indent="0">
+              <a:lnSpc>
+                <a:spcPts val="3600"/>
+              </a:lnSpc>
               <a:spcBef>
                 <a:spcPts val="1800"/>
               </a:spcBef>
@@ -11758,42 +13572,39 @@
               <a:rPr lang="en-US" sz="3000" dirty="0" smtClean="0">
                 <a:effectLst/>
               </a:rPr>
-              <a:t>Nakov S. &amp; Co., Programming for .NET Framework, Volume </a:t>
+              <a:t>Professional </a:t>
+            </a:r>
+            <a:r>
+              <a:rPr lang="en-US" sz="3000" dirty="0">
+                <a:effectLst/>
+              </a:rPr>
+              <a:t>ASP.NET MVC 3, Jon Galloway, </a:t>
+            </a:r>
+            <a:r>
+              <a:rPr lang="en-US" sz="3000" dirty="0" err="1">
+                <a:effectLst/>
+              </a:rPr>
+              <a:t>Wrox</a:t>
+            </a:r>
+            <a:r>
+              <a:rPr lang="en-US" sz="3000" dirty="0">
+                <a:effectLst/>
+              </a:rPr>
+              <a:t>, 2011, ISBN 1118076583 </a:t>
+            </a:r>
+            <a:r>
+              <a:rPr lang="en-US" sz="3000" dirty="0">
+                <a:effectLst/>
+                <a:hlinkClick r:id="rId6"/>
+              </a:rPr>
+              <a:t>http</a:t>
             </a:r>
             <a:r>
               <a:rPr lang="en-US" sz="3000" dirty="0" smtClean="0">
                 <a:effectLst/>
-                <a:latin typeface="Consolas" pitchFamily="49" charset="0"/>
-                <a:cs typeface="Consolas" pitchFamily="49" charset="0"/>
+                <a:hlinkClick r:id="rId6"/>
               </a:rPr>
-              <a:t>1</a:t>
-            </a:r>
-            <a:r>
-              <a:rPr lang="en-US" sz="3000" dirty="0" smtClean="0">
-                <a:effectLst/>
-              </a:rPr>
-              <a:t>, ISBN </a:t>
-            </a:r>
-            <a:r>
-              <a:rPr lang="en-US" sz="3000" dirty="0" smtClean="0">
-                <a:effectLst/>
-                <a:latin typeface="Consolas" pitchFamily="49" charset="0"/>
-                <a:cs typeface="Consolas" pitchFamily="49" charset="0"/>
-              </a:rPr>
-              <a:t>954-775-505-6</a:t>
-            </a:r>
-            <a:r>
-              <a:rPr lang="en-US" sz="3000" dirty="0" smtClean="0">
-                <a:effectLst/>
-              </a:rPr>
-              <a:t>, </a:t>
-            </a:r>
-            <a:r>
-              <a:rPr lang="en-US" sz="3000" u="sng" dirty="0" smtClean="0">
-                <a:effectLst/>
-                <a:hlinkClick r:id="rId3"/>
-              </a:rPr>
-              <a:t>www.devbg.org/dotnetbook/</a:t>
+              <a:t>://amazon.com/dp/1118076583/</a:t>
             </a:r>
             <a:endParaRPr lang="en-US" sz="3000" dirty="0" smtClean="0">
               <a:effectLst/>
@@ -11801,6 +13612,9 @@
           </a:p>
           <a:p>
             <a:pPr marL="0" indent="0">
+              <a:lnSpc>
+                <a:spcPts val="3600"/>
+              </a:lnSpc>
               <a:spcBef>
                 <a:spcPts val="1800"/>
               </a:spcBef>
@@ -11811,42 +13625,32 @@
               <a:rPr lang="en-US" sz="3000" dirty="0" smtClean="0">
                 <a:effectLst/>
               </a:rPr>
-              <a:t>Nakov S. &amp; Co., Programming for .NET Framework, Volume </a:t>
+              <a:t>ASP.NET </a:t>
+            </a:r>
+            <a:r>
+              <a:rPr lang="en-US" sz="3000" dirty="0">
+                <a:effectLst/>
+              </a:rPr>
+              <a:t>MVC Framework Unleashed, Stephen Walther, </a:t>
+            </a:r>
+            <a:r>
+              <a:rPr lang="en-US" sz="3000" dirty="0" err="1">
+                <a:effectLst/>
+              </a:rPr>
+              <a:t>Sams</a:t>
+            </a:r>
+            <a:r>
+              <a:rPr lang="en-US" sz="3000" dirty="0">
+                <a:effectLst/>
+              </a:rPr>
+              <a:t>, 2009, ISBN 0672329980 </a:t>
             </a:r>
             <a:r>
               <a:rPr lang="en-US" sz="3000" dirty="0" smtClean="0">
                 <a:effectLst/>
-                <a:latin typeface="Consolas" pitchFamily="49" charset="0"/>
-                <a:cs typeface="Consolas" pitchFamily="49" charset="0"/>
+                <a:hlinkClick r:id="rId7"/>
               </a:rPr>
-              <a:t>2</a:t>
-            </a:r>
-            <a:r>
-              <a:rPr lang="en-US" sz="3000" dirty="0" smtClean="0">
-                <a:effectLst/>
-              </a:rPr>
-              <a:t>, ISBN </a:t>
-            </a:r>
-            <a:r>
-              <a:rPr lang="en-US" sz="3000" dirty="0" smtClean="0">
-                <a:effectLst/>
-                <a:latin typeface="Consolas" pitchFamily="49" charset="0"/>
-                <a:cs typeface="Consolas" pitchFamily="49" charset="0"/>
-              </a:rPr>
-              <a:t>954-775-672-9</a:t>
-            </a:r>
-            <a:r>
-              <a:rPr lang="en-US" sz="3000" dirty="0" smtClean="0">
-                <a:effectLst/>
-              </a:rPr>
-              <a:t>, </a:t>
-            </a:r>
-            <a:r>
-              <a:rPr lang="en-US" sz="3000" u="sng" dirty="0" smtClean="0">
-                <a:effectLst/>
-                <a:hlinkClick r:id="rId3"/>
-              </a:rPr>
-              <a:t>www.devbg.org/dotnetbook/</a:t>
+              <a:t>http://amazon.com/dp/0672329980/</a:t>
             </a:r>
             <a:endParaRPr lang="en-US" sz="3000" dirty="0" smtClean="0">
               <a:effectLst/>
@@ -11877,152 +13681,12 @@
               <a:pPr>
                 <a:defRPr/>
               </a:pPr>
-              <a:t>24</a:t>
+              <a:t>30</a:t>
             </a:fld>
             <a:endParaRPr lang="en-US" dirty="0"/>
           </a:p>
         </p:txBody>
       </p:sp>
-      <p:pic>
-        <p:nvPicPr>
-          <p:cNvPr id="2051" name="Picture 3"/>
-          <p:cNvPicPr>
-            <a:picLocks noChangeAspect="1" noChangeArrowheads="1"/>
-          </p:cNvPicPr>
-          <p:nvPr/>
-        </p:nvPicPr>
-        <p:blipFill>
-          <a:blip r:embed="rId4" cstate="print">
-            <a:lum contrast="10000"/>
-          </a:blip>
-          <a:srcRect/>
-          <a:stretch>
-            <a:fillRect/>
-          </a:stretch>
-        </p:blipFill>
-        <p:spPr bwMode="auto">
-          <a:xfrm>
-            <a:off x="304800" y="3001944"/>
-            <a:ext cx="1234225" cy="1676400"/>
-          </a:xfrm>
-          <a:prstGeom prst="rect">
-            <a:avLst/>
-          </a:prstGeom>
-          <a:noFill/>
-          <a:ln w="3175">
-            <a:solidFill>
-              <a:schemeClr val="accent5">
-                <a:lumMod val="75000"/>
-              </a:schemeClr>
-            </a:solidFill>
-            <a:miter lim="800000"/>
-            <a:headEnd/>
-            <a:tailEnd/>
-          </a:ln>
-          <a:effectLst>
-            <a:outerShdw blurRad="50800" dist="38100" dir="2700000" algn="tl" rotWithShape="0">
-              <a:schemeClr val="bg1">
-                <a:lumMod val="95000"/>
-                <a:lumOff val="5000"/>
-                <a:alpha val="40000"/>
-              </a:schemeClr>
-            </a:outerShdw>
-          </a:effectLst>
-        </p:spPr>
-      </p:pic>
-      <p:pic>
-        <p:nvPicPr>
-          <p:cNvPr id="2052" name="Picture 4"/>
-          <p:cNvPicPr>
-            <a:picLocks noChangeAspect="1" noChangeArrowheads="1"/>
-          </p:cNvPicPr>
-          <p:nvPr/>
-        </p:nvPicPr>
-        <p:blipFill>
-          <a:blip r:embed="rId5" cstate="print">
-            <a:lum contrast="10000"/>
-          </a:blip>
-          <a:srcRect/>
-          <a:stretch>
-            <a:fillRect/>
-          </a:stretch>
-        </p:blipFill>
-        <p:spPr bwMode="auto">
-          <a:xfrm>
-            <a:off x="304800" y="4876800"/>
-            <a:ext cx="1234225" cy="1676400"/>
-          </a:xfrm>
-          <a:prstGeom prst="rect">
-            <a:avLst/>
-          </a:prstGeom>
-          <a:noFill/>
-          <a:ln w="3175">
-            <a:solidFill>
-              <a:schemeClr val="accent5">
-                <a:lumMod val="75000"/>
-              </a:schemeClr>
-            </a:solidFill>
-            <a:miter lim="800000"/>
-            <a:headEnd/>
-            <a:tailEnd/>
-          </a:ln>
-          <a:effectLst>
-            <a:outerShdw blurRad="50800" dist="38100" dir="2700000" algn="tl" rotWithShape="0">
-              <a:schemeClr val="bg1">
-                <a:lumMod val="95000"/>
-                <a:lumOff val="5000"/>
-                <a:alpha val="40000"/>
-              </a:schemeClr>
-            </a:outerShdw>
-          </a:effectLst>
-        </p:spPr>
-      </p:pic>
-      <p:pic>
-        <p:nvPicPr>
-          <p:cNvPr id="7170" name="Picture 2" descr="C:\Users\dminkov\Desktop\untitled.bmp"/>
-          <p:cNvPicPr>
-            <a:picLocks noChangeAspect="1" noChangeArrowheads="1"/>
-          </p:cNvPicPr>
-          <p:nvPr/>
-        </p:nvPicPr>
-        <p:blipFill>
-          <a:blip r:embed="rId6">
-            <a:extLst>
-              <a:ext uri="{28A0092B-C50C-407E-A947-70E740481C1C}">
-                <a14:useLocalDpi xmlns:a14="http://schemas.microsoft.com/office/drawing/2010/main"/>
-              </a:ext>
-            </a:extLst>
-          </a:blip>
-          <a:srcRect/>
-          <a:stretch>
-            <a:fillRect/>
-          </a:stretch>
-        </p:blipFill>
-        <p:spPr bwMode="auto">
-          <a:xfrm>
-            <a:off x="304800" y="1066801"/>
-            <a:ext cx="1234226" cy="1676400"/>
-          </a:xfrm>
-          <a:prstGeom prst="rect">
-            <a:avLst/>
-          </a:prstGeom>
-          <a:noFill/>
-          <a:ln>
-            <a:solidFill>
-              <a:srgbClr val="FFFFFF"/>
-            </a:solidFill>
-          </a:ln>
-          <a:extLst>
-            <a:ext uri="{909E8E84-426E-40DD-AFC4-6F175D3DCCD1}">
-              <a14:hiddenFill xmlns:a14="http://schemas.microsoft.com/office/drawing/2010/main">
-                <a:solidFill>
-                  <a:srgbClr val="FFFFFF"/>
-                </a:solidFill>
-              </a14:hiddenFill>
-            </a:ext>
-          </a:extLst>
-        </p:spPr>
-      </p:pic>
     </p:spTree>
   </p:cSld>
   <p:clrMapOvr>
@@ -12038,7 +13702,7 @@
 </p:sld>
 </file>
 
-<file path=ppt/slides/slide25.xml><?xml version="1.0" encoding="utf-8"?>
+<file path=ppt/slides/slide31.xml><?xml version="1.0" encoding="utf-8"?>
 <p:sld xmlns:a="http://schemas.openxmlformats.org/drawingml/2006/main" xmlns:r="http://schemas.openxmlformats.org/officeDocument/2006/relationships" xmlns:p="http://schemas.openxmlformats.org/presentationml/2006/main">
   <p:cSld>
     <p:spTree>
@@ -12055,6 +13719,75 @@
           <a:chExt cx="0" cy="0"/>
         </a:xfrm>
       </p:grpSpPr>
+      <p:pic>
+        <p:nvPicPr>
+          <p:cNvPr id="5122" name="Picture 2"/>
+          <p:cNvPicPr>
+            <a:picLocks noChangeAspect="1" noChangeArrowheads="1"/>
+          </p:cNvPicPr>
+          <p:nvPr/>
+        </p:nvPicPr>
+        <p:blipFill>
+          <a:blip r:embed="rId2" cstate="print">
+            <a:extLst>
+              <a:ext uri="{28A0092B-C50C-407E-A947-70E740481C1C}">
+                <a14:useLocalDpi xmlns:a14="http://schemas.microsoft.com/office/drawing/2010/main" val="0"/>
+              </a:ext>
+            </a:extLst>
+          </a:blip>
+          <a:srcRect/>
+          <a:stretch>
+            <a:fillRect/>
+          </a:stretch>
+        </p:blipFill>
+        <p:spPr bwMode="auto">
+          <a:xfrm>
+            <a:off x="304800" y="1066800"/>
+            <a:ext cx="1234225" cy="1676402"/>
+          </a:xfrm>
+          <a:prstGeom prst="rect">
+            <a:avLst/>
+          </a:prstGeom>
+          <a:ln>
+            <a:noFill/>
+          </a:ln>
+          <a:effectLst>
+            <a:outerShdw blurRad="190500" algn="tl" rotWithShape="0">
+              <a:srgbClr val="000000">
+                <a:alpha val="70000"/>
+              </a:srgbClr>
+            </a:outerShdw>
+          </a:effectLst>
+          <a:extLst>
+            <a:ext uri="{909E8E84-426E-40DD-AFC4-6F175D3DCCD1}">
+              <a14:hiddenFill xmlns:a14="http://schemas.microsoft.com/office/drawing/2010/main">
+                <a:solidFill>
+                  <a:schemeClr val="accent1"/>
+                </a:solidFill>
+              </a14:hiddenFill>
+            </a:ext>
+            <a:ext uri="{91240B29-F687-4F45-9708-019B960494DF}">
+              <a14:hiddenLine xmlns:a14="http://schemas.microsoft.com/office/drawing/2010/main" w="9525">
+                <a:solidFill>
+                  <a:schemeClr val="tx1"/>
+                </a:solidFill>
+                <a:miter lim="800000"/>
+                <a:headEnd/>
+                <a:tailEnd/>
+              </a14:hiddenLine>
+            </a:ext>
+            <a:ext uri="{AF507438-7753-43E0-B8FC-AC1667EBCBE1}">
+              <a14:hiddenEffects xmlns:a14="http://schemas.microsoft.com/office/drawing/2010/main">
+                <a:effectLst>
+                  <a:outerShdw dist="35921" dir="2700000" algn="ctr" rotWithShape="0">
+                    <a:schemeClr val="bg2"/>
+                  </a:outerShdw>
+                </a:effectLst>
+              </a14:hiddenEffects>
+            </a:ext>
+          </a:extLst>
+        </p:spPr>
+      </p:pic>
       <p:sp>
         <p:nvSpPr>
           <p:cNvPr id="2" name="Title 1"/>
@@ -12072,7 +13805,11 @@
           <a:p>
             <a:r>
               <a:rPr lang="en-US" dirty="0" smtClean="0"/>
-              <a:t>Recommended Books</a:t>
+              <a:t>Recommended </a:t>
+            </a:r>
+            <a:r>
+              <a:rPr lang="en-US" dirty="0" smtClean="0"/>
+              <a:t>Books (2)</a:t>
             </a:r>
             <a:endParaRPr lang="en-US" dirty="0"/>
           </a:p>
@@ -12106,19 +13843,45 @@
               <a:tabLst/>
             </a:pPr>
             <a:r>
+              <a:rPr lang="en-US" sz="3000" dirty="0" smtClean="0">
+                <a:effectLst/>
+              </a:rPr>
+              <a:t>Nakov S., Kolev V. &amp; Co., Introduction to programming with C#, 2011, </a:t>
+            </a:r>
+            <a:r>
               <a:rPr lang="en-US" sz="3000" dirty="0">
                 <a:effectLst/>
               </a:rPr>
-              <a:t>MacDonald M., Beginning ASP.NET 4 in C# 2010, 981 pages, Apress, Inc., 2010, ISBN 978-1-4302-2608-6 – </a:t>
+              <a:t>ISBN  </a:t>
+            </a:r>
+            <a:r>
+              <a:rPr lang="en-US" sz="3000" dirty="0" smtClean="0">
+                <a:effectLst/>
+              </a:rPr>
+              <a:t>978-954-400-527-6 </a:t>
+            </a:r>
+            <a:r>
+              <a:rPr lang="en-US" sz="3000" u="sng" dirty="0" smtClean="0">
+                <a:effectLst/>
+                <a:hlinkClick r:id="rId3"/>
+              </a:rPr>
+              <a:t>http</a:t>
             </a:r>
             <a:r>
               <a:rPr lang="en-US" sz="3000" u="sng" dirty="0">
                 <a:effectLst/>
-                <a:hlinkClick r:id="rId2"/>
+                <a:hlinkClick r:id="rId3"/>
               </a:rPr>
-              <a:t>http://apress.com/book/view/1430226080</a:t>
-            </a:r>
-            <a:endParaRPr lang="en-US" sz="3000" dirty="0">
+              <a:t>://</a:t>
+            </a:r>
+            <a:r>
+              <a:rPr lang="en-US" sz="3000" u="sng" dirty="0">
+                <a:effectLst/>
+                <a:hlinkClick r:id="rId3"/>
+              </a:rPr>
+              <a:t>www.introprogramming.info</a:t>
+            </a:r>
+            <a:endParaRPr lang="en-US" sz="3000" u="sng" dirty="0">
               <a:effectLst/>
             </a:endParaRPr>
           </a:p>
@@ -12167,7 +13930,7 @@
             <a:r>
               <a:rPr lang="en-US" sz="3000" u="sng" dirty="0" smtClean="0">
                 <a:effectLst/>
-                <a:hlinkClick r:id="rId3"/>
+                <a:hlinkClick r:id="rId4"/>
               </a:rPr>
               <a:t>www.devbg.org/dotnetbook/</a:t>
             </a:r>
@@ -12187,7 +13950,13 @@
               <a:rPr lang="en-US" sz="3000" dirty="0" smtClean="0">
                 <a:effectLst/>
               </a:rPr>
-              <a:t>Nakov S. &amp; Co., Programming for .NET Framework, Volume </a:t>
+              <a:t>Nakov </a:t>
+            </a:r>
+            <a:r>
+              <a:rPr lang="en-US" sz="3000" dirty="0" smtClean="0">
+                <a:effectLst/>
+              </a:rPr>
+              <a:t>S. &amp; Co., Programming for .NET Framework, Volume </a:t>
             </a:r>
             <a:r>
               <a:rPr lang="en-US" sz="3000" dirty="0" smtClean="0">
@@ -12220,7 +13989,7 @@
             <a:r>
               <a:rPr lang="en-US" sz="3000" u="sng" dirty="0" smtClean="0">
                 <a:effectLst/>
-                <a:hlinkClick r:id="rId3"/>
+                <a:hlinkClick r:id="rId4"/>
               </a:rPr>
               <a:t>www.devbg.org/dotnetbook/</a:t>
             </a:r>
@@ -12253,7 +14022,7 @@
               <a:pPr>
                 <a:defRPr/>
               </a:pPr>
-              <a:t>25</a:t>
+              <a:t>31</a:t>
             </a:fld>
             <a:endParaRPr lang="en-US" dirty="0"/>
           </a:p>
@@ -12262,53 +14031,6 @@
       <p:pic>
         <p:nvPicPr>
           <p:cNvPr id="2051" name="Picture 3"/>
-          <p:cNvPicPr>
-            <a:picLocks noChangeAspect="1" noChangeArrowheads="1"/>
-          </p:cNvPicPr>
-          <p:nvPr/>
-        </p:nvPicPr>
-        <p:blipFill>
-          <a:blip r:embed="rId4" cstate="print">
-            <a:lum contrast="10000"/>
-          </a:blip>
-          <a:srcRect/>
-          <a:stretch>
-            <a:fillRect/>
-          </a:stretch>
-        </p:blipFill>
-        <p:spPr bwMode="auto">
-          <a:xfrm>
-            <a:off x="304800" y="3001944"/>
-            <a:ext cx="1234225" cy="1676400"/>
-          </a:xfrm>
-          <a:prstGeom prst="rect">
-            <a:avLst/>
-          </a:prstGeom>
-          <a:noFill/>
-          <a:ln w="3175">
-            <a:solidFill>
-              <a:schemeClr val="accent5">
-                <a:lumMod val="75000"/>
-              </a:schemeClr>
-            </a:solidFill>
-            <a:miter lim="800000"/>
-            <a:headEnd/>
-            <a:tailEnd/>
-          </a:ln>
-          <a:effectLst>
-            <a:outerShdw blurRad="50800" dist="38100" dir="2700000" algn="tl" rotWithShape="0">
-              <a:schemeClr val="bg1">
-                <a:lumMod val="95000"/>
-                <a:lumOff val="5000"/>
-                <a:alpha val="40000"/>
-              </a:schemeClr>
-            </a:outerShdw>
-          </a:effectLst>
-        </p:spPr>
-      </p:pic>
-      <p:pic>
-        <p:nvPicPr>
-          <p:cNvPr id="2052" name="Picture 4"/>
           <p:cNvPicPr>
             <a:picLocks noChangeAspect="1" noChangeArrowheads="1"/>
           </p:cNvPicPr>
@@ -12325,49 +14047,35 @@
         </p:blipFill>
         <p:spPr bwMode="auto">
           <a:xfrm>
-            <a:off x="304800" y="4876800"/>
+            <a:off x="304800" y="3001944"/>
             <a:ext cx="1234225" cy="1676400"/>
           </a:xfrm>
           <a:prstGeom prst="rect">
             <a:avLst/>
           </a:prstGeom>
-          <a:noFill/>
-          <a:ln w="3175">
-            <a:solidFill>
-              <a:schemeClr val="accent5">
-                <a:lumMod val="75000"/>
-              </a:schemeClr>
-            </a:solidFill>
-            <a:miter lim="800000"/>
-            <a:headEnd/>
-            <a:tailEnd/>
+          <a:ln>
+            <a:noFill/>
           </a:ln>
           <a:effectLst>
-            <a:outerShdw blurRad="50800" dist="38100" dir="2700000" algn="tl" rotWithShape="0">
-              <a:schemeClr val="bg1">
-                <a:lumMod val="95000"/>
-                <a:lumOff val="5000"/>
-                <a:alpha val="40000"/>
-              </a:schemeClr>
+            <a:outerShdw blurRad="190500" algn="tl" rotWithShape="0">
+              <a:srgbClr val="000000">
+                <a:alpha val="70000"/>
+              </a:srgbClr>
             </a:outerShdw>
           </a:effectLst>
         </p:spPr>
       </p:pic>
       <p:pic>
         <p:nvPicPr>
-          <p:cNvPr id="7170" name="Picture 2" descr="C:\Users\dminkov\Desktop\untitled.bmp"/>
+          <p:cNvPr id="2052" name="Picture 4"/>
           <p:cNvPicPr>
             <a:picLocks noChangeAspect="1" noChangeArrowheads="1"/>
           </p:cNvPicPr>
           <p:nvPr/>
         </p:nvPicPr>
         <p:blipFill>
-          <a:blip r:embed="rId6">
-            <a:extLst>
-              <a:ext uri="{28A0092B-C50C-407E-A947-70E740481C1C}">
-                <a14:useLocalDpi xmlns:a14="http://schemas.microsoft.com/office/drawing/2010/main"/>
-              </a:ext>
-            </a:extLst>
+          <a:blip r:embed="rId6" cstate="print">
+            <a:lum contrast="10000"/>
           </a:blip>
           <a:srcRect/>
           <a:stretch>
@@ -12376,27 +14084,22 @@
         </p:blipFill>
         <p:spPr bwMode="auto">
           <a:xfrm>
-            <a:off x="304800" y="1066801"/>
-            <a:ext cx="1234226" cy="1676400"/>
+            <a:off x="304800" y="4876800"/>
+            <a:ext cx="1234225" cy="1676400"/>
           </a:xfrm>
           <a:prstGeom prst="rect">
             <a:avLst/>
           </a:prstGeom>
-          <a:noFill/>
           <a:ln>
-            <a:solidFill>
-              <a:srgbClr val="FFFFFF"/>
-            </a:solidFill>
+            <a:noFill/>
           </a:ln>
-          <a:extLst>
-            <a:ext uri="{909E8E84-426E-40DD-AFC4-6F175D3DCCD1}">
-              <a14:hiddenFill xmlns:a14="http://schemas.microsoft.com/office/drawing/2010/main">
-                <a:solidFill>
-                  <a:srgbClr val="FFFFFF"/>
-                </a:solidFill>
-              </a14:hiddenFill>
-            </a:ext>
-          </a:extLst>
+          <a:effectLst>
+            <a:outerShdw blurRad="190500" algn="tl" rotWithShape="0">
+              <a:srgbClr val="000000">
+                <a:alpha val="70000"/>
+              </a:srgbClr>
+            </a:outerShdw>
+          </a:effectLst>
         </p:spPr>
       </p:pic>
     </p:spTree>
@@ -12419,7 +14122,7 @@
 </p:sld>
 </file>
 
-<file path=ppt/slides/slide26.xml><?xml version="1.0" encoding="utf-8"?>
+<file path=ppt/slides/slide32.xml><?xml version="1.0" encoding="utf-8"?>
 <p:sld xmlns:a="http://schemas.openxmlformats.org/drawingml/2006/main" xmlns:r="http://schemas.openxmlformats.org/officeDocument/2006/relationships" xmlns:p="http://schemas.openxmlformats.org/presentationml/2006/main">
   <p:cSld>
     <p:spTree>
@@ -12448,8 +14151,8 @@
         </p:nvSpPr>
         <p:spPr>
           <a:xfrm>
-            <a:off x="1828800" y="152400"/>
-            <a:ext cx="7086600" cy="914400"/>
+            <a:off x="1752600" y="76200"/>
+            <a:ext cx="7162800" cy="914400"/>
           </a:xfrm>
         </p:spPr>
         <p:txBody>
@@ -12457,10 +14160,10 @@
           <a:lstStyle/>
           <a:p>
             <a:r>
-              <a:rPr lang="en-US" sz="3500" dirty="0" smtClean="0"/>
-              <a:t>Web Applications Development with .NET Framework and ASP.NET</a:t>
-            </a:r>
-            <a:endParaRPr lang="bg-BG" sz="3500" dirty="0"/>
+              <a:rPr lang="en-US" sz="3200" dirty="0"/>
+              <a:t>Web Applications with ASP.NET MVC</a:t>
+            </a:r>
+            <a:endParaRPr lang="bg-BG" sz="3200" dirty="0"/>
           </a:p>
         </p:txBody>
       </p:sp>
@@ -13133,7 +14836,7 @@
         <p:spPr>
           <a:xfrm>
             <a:off x="4572000" y="6172200"/>
-            <a:ext cx="4496744" cy="461665"/>
+            <a:ext cx="4046621" cy="461665"/>
           </a:xfrm>
           <a:prstGeom prst="rect">
             <a:avLst/>
@@ -13150,7 +14853,13 @@
               <a:rPr lang="en-US" sz="2400" b="1" dirty="0" smtClean="0">
                 <a:hlinkClick r:id="rId2"/>
               </a:rPr>
-              <a:t>http://aspnetcourse.telerik.com</a:t>
+              <a:t>http</a:t>
+            </a:r>
+            <a:r>
+              <a:rPr lang="en-US" sz="2400" b="1" dirty="0" smtClean="0">
+                <a:hlinkClick r:id="rId2"/>
+              </a:rPr>
+              <a:t>://mvccourse.telerik.com</a:t>
             </a:r>
             <a:endParaRPr lang="en-US" sz="2400" b="1" dirty="0"/>
           </a:p>
@@ -13172,7 +14881,7 @@
 </p:sld>
 </file>
 
-<file path=ppt/slides/slide3.xml><?xml version="1.0" encoding="utf-8"?>
+<file path=ppt/slides/slide4.xml><?xml version="1.0" encoding="utf-8"?>
 <p:sld xmlns:a="http://schemas.openxmlformats.org/drawingml/2006/main" xmlns:r="http://schemas.openxmlformats.org/officeDocument/2006/relationships" xmlns:p="http://schemas.openxmlformats.org/presentationml/2006/main">
   <p:cSld>
     <p:spTree>
@@ -13206,6 +14915,3128 @@
           <a:p>
             <a:r>
               <a:rPr lang="en-US" dirty="0" smtClean="0"/>
+              <a:t>About Telerik Academy</a:t>
+            </a:r>
+            <a:endParaRPr lang="en-US" dirty="0"/>
+          </a:p>
+        </p:txBody>
+      </p:sp>
+      <p:sp>
+        <p:nvSpPr>
+          <p:cNvPr id="3" name="Content Placeholder 2"/>
+          <p:cNvSpPr>
+            <a:spLocks noGrp="1"/>
+          </p:cNvSpPr>
+          <p:nvPr>
+            <p:ph idx="1"/>
+          </p:nvPr>
+        </p:nvSpPr>
+        <p:spPr>
+          <a:xfrm>
+            <a:off x="228600" y="838200"/>
+            <a:ext cx="8686800" cy="5791200"/>
+          </a:xfrm>
+        </p:spPr>
+        <p:txBody>
+          <a:bodyPr/>
+          <a:lstStyle/>
+          <a:p>
+            <a:pPr>
+              <a:lnSpc>
+                <a:spcPct val="100000"/>
+              </a:lnSpc>
+            </a:pPr>
+            <a:r>
+              <a:rPr lang="en-US" dirty="0" smtClean="0"/>
+              <a:t>Telerik Academy is an initiative Telerik for training of young software engineers</a:t>
+            </a:r>
+          </a:p>
+          <a:p>
+            <a:pPr>
+              <a:lnSpc>
+                <a:spcPct val="100000"/>
+              </a:lnSpc>
+            </a:pPr>
+            <a:r>
+              <a:rPr lang="en-US" dirty="0" smtClean="0"/>
+              <a:t>Four main streams</a:t>
+            </a:r>
+          </a:p>
+          <a:p>
+            <a:pPr lvl="1">
+              <a:lnSpc>
+                <a:spcPct val="100000"/>
+              </a:lnSpc>
+            </a:pPr>
+            <a:r>
+              <a:rPr lang="en-US" dirty="0" smtClean="0"/>
+              <a:t>Software Academy</a:t>
+            </a:r>
+          </a:p>
+          <a:p>
+            <a:pPr lvl="2">
+              <a:lnSpc>
+                <a:spcPct val="100000"/>
+              </a:lnSpc>
+            </a:pPr>
+            <a:r>
+              <a:rPr lang="en-US" dirty="0" smtClean="0"/>
+              <a:t>.NET Essentials</a:t>
+            </a:r>
+            <a:endParaRPr lang="en-US" dirty="0"/>
+          </a:p>
+          <a:p>
+            <a:pPr lvl="2">
+              <a:lnSpc>
+                <a:spcPct val="100000"/>
+              </a:lnSpc>
+            </a:pPr>
+            <a:r>
+              <a:rPr lang="en-US" dirty="0" smtClean="0"/>
+              <a:t>Developer Support</a:t>
+            </a:r>
+          </a:p>
+          <a:p>
+            <a:pPr lvl="2">
+              <a:lnSpc>
+                <a:spcPct val="100000"/>
+              </a:lnSpc>
+            </a:pPr>
+            <a:r>
+              <a:rPr lang="en-US" dirty="0" smtClean="0"/>
+              <a:t>QA Academy</a:t>
+            </a:r>
+          </a:p>
+          <a:p>
+            <a:pPr lvl="1">
+              <a:lnSpc>
+                <a:spcPct val="100000"/>
+              </a:lnSpc>
+            </a:pPr>
+            <a:r>
+              <a:rPr lang="en-US" dirty="0" smtClean="0"/>
+              <a:t>School Academy</a:t>
+            </a:r>
+          </a:p>
+          <a:p>
+            <a:pPr lvl="1">
+              <a:lnSpc>
+                <a:spcPct val="100000"/>
+              </a:lnSpc>
+            </a:pPr>
+            <a:r>
+              <a:rPr lang="en-US" dirty="0" smtClean="0"/>
+              <a:t>Kids </a:t>
+            </a:r>
+            <a:r>
+              <a:rPr lang="en-US" dirty="0" smtClean="0"/>
+              <a:t>Academy</a:t>
+            </a:r>
+            <a:endParaRPr lang="en-US" dirty="0" smtClean="0"/>
+          </a:p>
+          <a:p>
+            <a:pPr lvl="1">
+              <a:lnSpc>
+                <a:spcPct val="100000"/>
+              </a:lnSpc>
+            </a:pPr>
+            <a:r>
+              <a:rPr lang="en-US" dirty="0" smtClean="0"/>
+              <a:t>Student Courses</a:t>
+            </a:r>
+            <a:endParaRPr lang="en-US" dirty="0"/>
+          </a:p>
+        </p:txBody>
+      </p:sp>
+      <p:sp>
+        <p:nvSpPr>
+          <p:cNvPr id="4" name="Slide Number Placeholder 3"/>
+          <p:cNvSpPr>
+            <a:spLocks noGrp="1"/>
+          </p:cNvSpPr>
+          <p:nvPr>
+            <p:ph type="sldNum" sz="quarter" idx="10"/>
+          </p:nvPr>
+        </p:nvSpPr>
+        <p:spPr/>
+        <p:txBody>
+          <a:bodyPr/>
+          <a:lstStyle/>
+          <a:p>
+            <a:pPr>
+              <a:defRPr/>
+            </a:pPr>
+            <a:fld id="{58452FF4-89E3-4D1B-9927-2DBDC00E58D7}" type="slidenum">
+              <a:rPr lang="en-US" smtClean="0"/>
+              <a:pPr>
+                <a:defRPr/>
+              </a:pPr>
+              <a:t>4</a:t>
+            </a:fld>
+            <a:endParaRPr lang="en-US" dirty="0"/>
+          </a:p>
+        </p:txBody>
+      </p:sp>
+      <p:pic>
+        <p:nvPicPr>
+          <p:cNvPr id="7171" name="Picture 3" descr="C:\Users\nkostov\Desktop\321527_10150403349920070_716995069_10596466_1701940890_n.jpg"/>
+          <p:cNvPicPr>
+            <a:picLocks noChangeAspect="1" noChangeArrowheads="1"/>
+          </p:cNvPicPr>
+          <p:nvPr/>
+        </p:nvPicPr>
+        <p:blipFill>
+          <a:blip r:embed="rId2">
+            <a:extLst>
+              <a:ext uri="{28A0092B-C50C-407E-A947-70E740481C1C}">
+                <a14:useLocalDpi xmlns:a14="http://schemas.microsoft.com/office/drawing/2010/main" val="0"/>
+              </a:ext>
+            </a:extLst>
+          </a:blip>
+          <a:srcRect/>
+          <a:stretch>
+            <a:fillRect/>
+          </a:stretch>
+        </p:blipFill>
+        <p:spPr bwMode="auto">
+          <a:xfrm>
+            <a:off x="4724400" y="3200400"/>
+            <a:ext cx="3795712" cy="2848107"/>
+          </a:xfrm>
+          <a:prstGeom prst="rect">
+            <a:avLst/>
+          </a:prstGeom>
+          <a:ln>
+            <a:noFill/>
+          </a:ln>
+          <a:effectLst>
+            <a:outerShdw blurRad="190500" algn="tl" rotWithShape="0">
+              <a:srgbClr val="000000">
+                <a:alpha val="70000"/>
+              </a:srgbClr>
+            </a:outerShdw>
+          </a:effectLst>
+          <a:extLst>
+            <a:ext uri="{909E8E84-426E-40DD-AFC4-6F175D3DCCD1}">
+              <a14:hiddenFill xmlns:a14="http://schemas.microsoft.com/office/drawing/2010/main">
+                <a:solidFill>
+                  <a:srgbClr val="FFFFFF"/>
+                </a:solidFill>
+              </a14:hiddenFill>
+            </a:ext>
+          </a:extLst>
+        </p:spPr>
+      </p:pic>
+    </p:spTree>
+    <p:extLst>
+      <p:ext uri="{BB962C8B-B14F-4D97-AF65-F5344CB8AC3E}">
+        <p14:creationId xmlns:p14="http://schemas.microsoft.com/office/powerpoint/2010/main" val="66123040"/>
+      </p:ext>
+    </p:extLst>
+  </p:cSld>
+  <p:clrMapOvr>
+    <a:masterClrMapping/>
+  </p:clrMapOvr>
+  <p:timing>
+    <p:tnLst>
+      <p:par>
+        <p:cTn id="1" dur="indefinite" restart="never" nodeType="tmRoot"/>
+      </p:par>
+    </p:tnLst>
+  </p:timing>
+</p:sld>
+</file>
+
+<file path=ppt/slides/slide5.xml><?xml version="1.0" encoding="utf-8"?>
+<p:sld xmlns:a="http://schemas.openxmlformats.org/drawingml/2006/main" xmlns:r="http://schemas.openxmlformats.org/officeDocument/2006/relationships" xmlns:p="http://schemas.openxmlformats.org/presentationml/2006/main">
+  <p:cSld>
+    <p:spTree>
+      <p:nvGrpSpPr>
+        <p:cNvPr id="1" name=""/>
+        <p:cNvGrpSpPr/>
+        <p:nvPr/>
+      </p:nvGrpSpPr>
+      <p:grpSpPr>
+        <a:xfrm>
+          <a:off x="0" y="0"/>
+          <a:ext cx="0" cy="0"/>
+          <a:chOff x="0" y="0"/>
+          <a:chExt cx="0" cy="0"/>
+        </a:xfrm>
+      </p:grpSpPr>
+      <p:sp>
+        <p:nvSpPr>
+          <p:cNvPr id="27" name="Rounded Rectangle 26"/>
+          <p:cNvSpPr/>
+          <p:nvPr/>
+        </p:nvSpPr>
+        <p:spPr>
+          <a:xfrm>
+            <a:off x="666750" y="2798954"/>
+            <a:ext cx="7810500" cy="2514600"/>
+          </a:xfrm>
+          <a:prstGeom prst="roundRect">
+            <a:avLst>
+              <a:gd name="adj" fmla="val 5953"/>
+            </a:avLst>
+          </a:prstGeom>
+          <a:solidFill>
+            <a:schemeClr val="accent5">
+              <a:lumMod val="60000"/>
+              <a:lumOff val="40000"/>
+              <a:alpha val="15000"/>
+            </a:schemeClr>
+          </a:solidFill>
+          <a:ln w="6350" algn="ctr">
+            <a:solidFill>
+              <a:schemeClr val="accent5">
+                <a:lumMod val="60000"/>
+                <a:lumOff val="40000"/>
+                <a:alpha val="70000"/>
+              </a:schemeClr>
+            </a:solidFill>
+            <a:round/>
+            <a:headEnd/>
+            <a:tailEnd/>
+          </a:ln>
+          <a:effectLst/>
+        </p:spPr>
+        <p:txBody>
+          <a:bodyPr wrap="square" lIns="108000" tIns="108000" rIns="108000" bIns="108000" anchor="t">
+            <a:noAutofit/>
+          </a:bodyPr>
+          <a:lstStyle/>
+          <a:p>
+            <a:pPr algn="ctr" fontAlgn="base">
+              <a:spcBef>
+                <a:spcPct val="0"/>
+              </a:spcBef>
+              <a:spcAft>
+                <a:spcPct val="0"/>
+              </a:spcAft>
+            </a:pPr>
+            <a:r>
+              <a:rPr lang="en-US" sz="2800" b="1" dirty="0" smtClean="0">
+                <a:solidFill>
+                  <a:srgbClr val="CCFF66">
+                    <a:lumMod val="40000"/>
+                    <a:lumOff val="60000"/>
+                  </a:srgbClr>
+                </a:solidFill>
+                <a:effectLst>
+                  <a:outerShdw blurRad="38100" dist="38100" dir="2700000" algn="tl">
+                    <a:srgbClr val="000000">
+                      <a:alpha val="43137"/>
+                    </a:srgbClr>
+                  </a:outerShdw>
+                </a:effectLst>
+                <a:latin typeface="+mj-lt"/>
+                <a:cs typeface="Consolas" pitchFamily="49" charset="0"/>
+              </a:rPr>
+              <a:t>Software Academy</a:t>
+            </a:r>
+          </a:p>
+        </p:txBody>
+      </p:sp>
+      <p:sp>
+        <p:nvSpPr>
+          <p:cNvPr id="5" name="Rounded Rectangle 4"/>
+          <p:cNvSpPr/>
+          <p:nvPr/>
+        </p:nvSpPr>
+        <p:spPr>
+          <a:xfrm>
+            <a:off x="3467100" y="3518982"/>
+            <a:ext cx="2209800" cy="541144"/>
+          </a:xfrm>
+          <a:prstGeom prst="roundRect">
+            <a:avLst>
+              <a:gd name="adj" fmla="val 5953"/>
+            </a:avLst>
+          </a:prstGeom>
+          <a:solidFill>
+            <a:schemeClr val="accent5">
+              <a:lumMod val="60000"/>
+              <a:lumOff val="40000"/>
+              <a:alpha val="15000"/>
+            </a:schemeClr>
+          </a:solidFill>
+          <a:ln w="6350" algn="ctr">
+            <a:solidFill>
+              <a:schemeClr val="accent5">
+                <a:lumMod val="60000"/>
+                <a:lumOff val="40000"/>
+                <a:alpha val="70000"/>
+              </a:schemeClr>
+            </a:solidFill>
+            <a:round/>
+            <a:headEnd/>
+            <a:tailEnd/>
+          </a:ln>
+          <a:effectLst/>
+        </p:spPr>
+        <p:txBody>
+          <a:bodyPr wrap="square" lIns="108000" tIns="108000" rIns="108000" bIns="108000" anchor="ctr">
+            <a:spAutoFit/>
+          </a:bodyPr>
+          <a:lstStyle/>
+          <a:p>
+            <a:pPr algn="ctr" fontAlgn="base">
+              <a:spcBef>
+                <a:spcPct val="0"/>
+              </a:spcBef>
+              <a:spcAft>
+                <a:spcPct val="0"/>
+              </a:spcAft>
+            </a:pPr>
+            <a:r>
+              <a:rPr lang="en-US" sz="2000" b="1" dirty="0">
+                <a:solidFill>
+                  <a:srgbClr val="CCFF66">
+                    <a:lumMod val="40000"/>
+                    <a:lumOff val="60000"/>
+                  </a:srgbClr>
+                </a:solidFill>
+                <a:effectLst>
+                  <a:outerShdw blurRad="38100" dist="38100" dir="2700000" algn="tl">
+                    <a:srgbClr val="000000">
+                      <a:alpha val="43137"/>
+                    </a:srgbClr>
+                  </a:outerShdw>
+                </a:effectLst>
+                <a:latin typeface="+mj-lt"/>
+                <a:cs typeface="Consolas" pitchFamily="49" charset="0"/>
+              </a:rPr>
+              <a:t>C# Fundamentals</a:t>
+            </a:r>
+          </a:p>
+        </p:txBody>
+      </p:sp>
+      <p:sp>
+        <p:nvSpPr>
+          <p:cNvPr id="6" name="Rounded Rectangle 5"/>
+          <p:cNvSpPr/>
+          <p:nvPr/>
+        </p:nvSpPr>
+        <p:spPr>
+          <a:xfrm>
+            <a:off x="3695700" y="4467610"/>
+            <a:ext cx="1752600" cy="541144"/>
+          </a:xfrm>
+          <a:prstGeom prst="roundRect">
+            <a:avLst>
+              <a:gd name="adj" fmla="val 5953"/>
+            </a:avLst>
+          </a:prstGeom>
+          <a:solidFill>
+            <a:schemeClr val="accent5">
+              <a:lumMod val="60000"/>
+              <a:lumOff val="40000"/>
+              <a:alpha val="15000"/>
+            </a:schemeClr>
+          </a:solidFill>
+          <a:ln w="6350" algn="ctr">
+            <a:solidFill>
+              <a:schemeClr val="accent5">
+                <a:lumMod val="60000"/>
+                <a:lumOff val="40000"/>
+                <a:alpha val="70000"/>
+              </a:schemeClr>
+            </a:solidFill>
+            <a:round/>
+            <a:headEnd/>
+            <a:tailEnd/>
+          </a:ln>
+          <a:effectLst/>
+        </p:spPr>
+        <p:txBody>
+          <a:bodyPr wrap="square" lIns="108000" tIns="108000" rIns="108000" bIns="108000" anchor="ctr">
+            <a:spAutoFit/>
+          </a:bodyPr>
+          <a:lstStyle/>
+          <a:p>
+            <a:pPr algn="ctr" fontAlgn="base">
+              <a:spcBef>
+                <a:spcPct val="0"/>
+              </a:spcBef>
+              <a:spcAft>
+                <a:spcPct val="0"/>
+              </a:spcAft>
+            </a:pPr>
+            <a:r>
+              <a:rPr lang="en-US" sz="2000" b="1" dirty="0">
+                <a:solidFill>
+                  <a:srgbClr val="CCFF66">
+                    <a:lumMod val="40000"/>
+                    <a:lumOff val="60000"/>
+                  </a:srgbClr>
+                </a:solidFill>
+                <a:effectLst>
+                  <a:outerShdw blurRad="38100" dist="38100" dir="2700000" algn="tl">
+                    <a:srgbClr val="000000">
+                      <a:alpha val="43137"/>
+                    </a:srgbClr>
+                  </a:outerShdw>
+                </a:effectLst>
+                <a:latin typeface="+mj-lt"/>
+                <a:cs typeface="Consolas" pitchFamily="49" charset="0"/>
+              </a:rPr>
+              <a:t>QA Academy</a:t>
+            </a:r>
+          </a:p>
+        </p:txBody>
+      </p:sp>
+      <p:sp>
+        <p:nvSpPr>
+          <p:cNvPr id="7" name="Rounded Rectangle 6"/>
+          <p:cNvSpPr/>
+          <p:nvPr/>
+        </p:nvSpPr>
+        <p:spPr>
+          <a:xfrm>
+            <a:off x="1143000" y="4467610"/>
+            <a:ext cx="2057400" cy="541144"/>
+          </a:xfrm>
+          <a:prstGeom prst="roundRect">
+            <a:avLst>
+              <a:gd name="adj" fmla="val 5953"/>
+            </a:avLst>
+          </a:prstGeom>
+          <a:solidFill>
+            <a:schemeClr val="accent5">
+              <a:lumMod val="60000"/>
+              <a:lumOff val="40000"/>
+              <a:alpha val="15000"/>
+            </a:schemeClr>
+          </a:solidFill>
+          <a:ln w="6350" algn="ctr">
+            <a:solidFill>
+              <a:schemeClr val="accent5">
+                <a:lumMod val="60000"/>
+                <a:lumOff val="40000"/>
+                <a:alpha val="70000"/>
+              </a:schemeClr>
+            </a:solidFill>
+            <a:round/>
+            <a:headEnd/>
+            <a:tailEnd/>
+          </a:ln>
+          <a:effectLst/>
+        </p:spPr>
+        <p:txBody>
+          <a:bodyPr wrap="square" lIns="108000" tIns="108000" rIns="108000" bIns="108000" anchor="ctr">
+            <a:spAutoFit/>
+          </a:bodyPr>
+          <a:lstStyle/>
+          <a:p>
+            <a:pPr algn="ctr" fontAlgn="base">
+              <a:spcBef>
+                <a:spcPct val="0"/>
+              </a:spcBef>
+              <a:spcAft>
+                <a:spcPct val="0"/>
+              </a:spcAft>
+            </a:pPr>
+            <a:r>
+              <a:rPr lang="en-US" sz="2000" b="1" dirty="0" smtClean="0">
+                <a:solidFill>
+                  <a:srgbClr val="CCFF66">
+                    <a:lumMod val="40000"/>
+                    <a:lumOff val="60000"/>
+                  </a:srgbClr>
+                </a:solidFill>
+                <a:effectLst>
+                  <a:outerShdw blurRad="38100" dist="38100" dir="2700000" algn="tl">
+                    <a:srgbClr val="000000">
+                      <a:alpha val="43137"/>
+                    </a:srgbClr>
+                  </a:outerShdw>
+                </a:effectLst>
+                <a:latin typeface="+mj-lt"/>
+                <a:cs typeface="Consolas" pitchFamily="49" charset="0"/>
+              </a:rPr>
+              <a:t>.NET Essentials</a:t>
+            </a:r>
+          </a:p>
+        </p:txBody>
+      </p:sp>
+      <p:sp>
+        <p:nvSpPr>
+          <p:cNvPr id="8" name="Rounded Rectangle 7"/>
+          <p:cNvSpPr/>
+          <p:nvPr/>
+        </p:nvSpPr>
+        <p:spPr>
+          <a:xfrm>
+            <a:off x="5943600" y="4447166"/>
+            <a:ext cx="2362200" cy="541144"/>
+          </a:xfrm>
+          <a:prstGeom prst="roundRect">
+            <a:avLst>
+              <a:gd name="adj" fmla="val 5953"/>
+            </a:avLst>
+          </a:prstGeom>
+          <a:solidFill>
+            <a:schemeClr val="accent5">
+              <a:lumMod val="60000"/>
+              <a:lumOff val="40000"/>
+              <a:alpha val="15000"/>
+            </a:schemeClr>
+          </a:solidFill>
+          <a:ln w="6350" algn="ctr">
+            <a:solidFill>
+              <a:schemeClr val="accent5">
+                <a:lumMod val="60000"/>
+                <a:lumOff val="40000"/>
+                <a:alpha val="70000"/>
+              </a:schemeClr>
+            </a:solidFill>
+            <a:round/>
+            <a:headEnd/>
+            <a:tailEnd/>
+          </a:ln>
+          <a:effectLst/>
+        </p:spPr>
+        <p:txBody>
+          <a:bodyPr wrap="square" lIns="108000" tIns="108000" rIns="108000" bIns="108000" anchor="ctr">
+            <a:spAutoFit/>
+          </a:bodyPr>
+          <a:lstStyle/>
+          <a:p>
+            <a:pPr algn="ctr" fontAlgn="base">
+              <a:spcBef>
+                <a:spcPct val="0"/>
+              </a:spcBef>
+              <a:spcAft>
+                <a:spcPct val="0"/>
+              </a:spcAft>
+            </a:pPr>
+            <a:r>
+              <a:rPr lang="en-US" sz="2000" b="1" dirty="0">
+                <a:solidFill>
+                  <a:srgbClr val="CCFF66">
+                    <a:lumMod val="40000"/>
+                    <a:lumOff val="60000"/>
+                  </a:srgbClr>
+                </a:solidFill>
+                <a:effectLst>
+                  <a:outerShdw blurRad="38100" dist="38100" dir="2700000" algn="tl">
+                    <a:srgbClr val="000000">
+                      <a:alpha val="43137"/>
+                    </a:srgbClr>
+                  </a:outerShdw>
+                </a:effectLst>
+                <a:latin typeface="+mj-lt"/>
+                <a:cs typeface="Consolas" pitchFamily="49" charset="0"/>
+              </a:rPr>
+              <a:t>Developer-Support</a:t>
+            </a:r>
+          </a:p>
+        </p:txBody>
+      </p:sp>
+      <p:cxnSp>
+        <p:nvCxnSpPr>
+          <p:cNvPr id="10" name="Straight Arrow Connector 9"/>
+          <p:cNvCxnSpPr>
+            <a:stCxn id="5" idx="2"/>
+            <a:endCxn id="6" idx="0"/>
+          </p:cNvCxnSpPr>
+          <p:nvPr/>
+        </p:nvCxnSpPr>
+        <p:spPr>
+          <a:xfrm>
+            <a:off x="4572000" y="4060126"/>
+            <a:ext cx="0" cy="407484"/>
+          </a:xfrm>
+          <a:prstGeom prst="straightConnector1">
+            <a:avLst/>
+          </a:prstGeom>
+          <a:solidFill>
+            <a:schemeClr val="accent5">
+              <a:lumMod val="60000"/>
+              <a:lumOff val="40000"/>
+              <a:alpha val="15000"/>
+            </a:schemeClr>
+          </a:solidFill>
+          <a:ln w="19050" algn="ctr">
+            <a:solidFill>
+              <a:schemeClr val="accent5">
+                <a:lumMod val="60000"/>
+                <a:lumOff val="40000"/>
+                <a:alpha val="70000"/>
+              </a:schemeClr>
+            </a:solidFill>
+            <a:round/>
+            <a:headEnd/>
+            <a:tailEnd type="stealth" w="lg" len="lg"/>
+          </a:ln>
+          <a:effectLst/>
+        </p:spPr>
+      </p:cxnSp>
+      <p:sp>
+        <p:nvSpPr>
+          <p:cNvPr id="28" name="Rounded Rectangle 27"/>
+          <p:cNvSpPr/>
+          <p:nvPr/>
+        </p:nvSpPr>
+        <p:spPr>
+          <a:xfrm>
+            <a:off x="3352800" y="5732974"/>
+            <a:ext cx="2438400" cy="667826"/>
+          </a:xfrm>
+          <a:prstGeom prst="roundRect">
+            <a:avLst>
+              <a:gd name="adj" fmla="val 5953"/>
+            </a:avLst>
+          </a:prstGeom>
+          <a:solidFill>
+            <a:schemeClr val="accent5">
+              <a:lumMod val="60000"/>
+              <a:lumOff val="40000"/>
+              <a:alpha val="15000"/>
+            </a:schemeClr>
+          </a:solidFill>
+          <a:ln w="6350" algn="ctr">
+            <a:solidFill>
+              <a:schemeClr val="accent5">
+                <a:lumMod val="60000"/>
+                <a:lumOff val="40000"/>
+                <a:alpha val="70000"/>
+              </a:schemeClr>
+            </a:solidFill>
+            <a:round/>
+            <a:headEnd/>
+            <a:tailEnd/>
+          </a:ln>
+          <a:effectLst/>
+        </p:spPr>
+        <p:txBody>
+          <a:bodyPr wrap="square" lIns="108000" tIns="108000" rIns="108000" bIns="108000" anchor="ctr">
+            <a:spAutoFit/>
+          </a:bodyPr>
+          <a:lstStyle/>
+          <a:p>
+            <a:pPr algn="ctr" fontAlgn="base">
+              <a:spcBef>
+                <a:spcPct val="0"/>
+              </a:spcBef>
+              <a:spcAft>
+                <a:spcPct val="0"/>
+              </a:spcAft>
+            </a:pPr>
+            <a:r>
+              <a:rPr lang="en-US" sz="2800" b="1" dirty="0">
+                <a:solidFill>
+                  <a:srgbClr val="CCFF66">
+                    <a:lumMod val="40000"/>
+                    <a:lumOff val="60000"/>
+                  </a:srgbClr>
+                </a:solidFill>
+                <a:effectLst>
+                  <a:outerShdw blurRad="38100" dist="38100" dir="2700000" algn="tl">
+                    <a:srgbClr val="000000">
+                      <a:alpha val="43137"/>
+                    </a:srgbClr>
+                  </a:outerShdw>
+                </a:effectLst>
+                <a:latin typeface="+mj-lt"/>
+                <a:cs typeface="Consolas" pitchFamily="49" charset="0"/>
+              </a:rPr>
+              <a:t>Job at Telerik</a:t>
+            </a:r>
+          </a:p>
+        </p:txBody>
+      </p:sp>
+      <p:cxnSp>
+        <p:nvCxnSpPr>
+          <p:cNvPr id="29" name="Straight Arrow Connector 28"/>
+          <p:cNvCxnSpPr>
+            <a:stCxn id="27" idx="2"/>
+            <a:endCxn id="28" idx="0"/>
+          </p:cNvCxnSpPr>
+          <p:nvPr/>
+        </p:nvCxnSpPr>
+        <p:spPr>
+          <a:xfrm>
+            <a:off x="4572000" y="5313554"/>
+            <a:ext cx="0" cy="419420"/>
+          </a:xfrm>
+          <a:prstGeom prst="straightConnector1">
+            <a:avLst/>
+          </a:prstGeom>
+          <a:solidFill>
+            <a:schemeClr val="accent5">
+              <a:lumMod val="60000"/>
+              <a:lumOff val="40000"/>
+              <a:alpha val="15000"/>
+            </a:schemeClr>
+          </a:solidFill>
+          <a:ln w="19050" algn="ctr">
+            <a:solidFill>
+              <a:schemeClr val="accent5">
+                <a:lumMod val="60000"/>
+                <a:lumOff val="40000"/>
+                <a:alpha val="70000"/>
+              </a:schemeClr>
+            </a:solidFill>
+            <a:round/>
+            <a:headEnd/>
+            <a:tailEnd type="stealth" w="lg" len="lg"/>
+          </a:ln>
+          <a:effectLst/>
+        </p:spPr>
+      </p:cxnSp>
+      <p:sp>
+        <p:nvSpPr>
+          <p:cNvPr id="33" name="Rounded Rectangle 32"/>
+          <p:cNvSpPr/>
+          <p:nvPr/>
+        </p:nvSpPr>
+        <p:spPr>
+          <a:xfrm>
+            <a:off x="990599" y="817754"/>
+            <a:ext cx="2286000" cy="541144"/>
+          </a:xfrm>
+          <a:prstGeom prst="roundRect">
+            <a:avLst>
+              <a:gd name="adj" fmla="val 5953"/>
+            </a:avLst>
+          </a:prstGeom>
+          <a:solidFill>
+            <a:schemeClr val="accent5">
+              <a:lumMod val="60000"/>
+              <a:lumOff val="40000"/>
+              <a:alpha val="15000"/>
+            </a:schemeClr>
+          </a:solidFill>
+          <a:ln w="6350" algn="ctr">
+            <a:solidFill>
+              <a:schemeClr val="accent5">
+                <a:lumMod val="60000"/>
+                <a:lumOff val="40000"/>
+                <a:alpha val="70000"/>
+              </a:schemeClr>
+            </a:solidFill>
+            <a:round/>
+            <a:headEnd/>
+            <a:tailEnd/>
+          </a:ln>
+          <a:effectLst/>
+        </p:spPr>
+        <p:txBody>
+          <a:bodyPr wrap="square" lIns="108000" tIns="108000" rIns="108000" bIns="108000" anchor="ctr">
+            <a:spAutoFit/>
+          </a:bodyPr>
+          <a:lstStyle/>
+          <a:p>
+            <a:pPr algn="ctr" fontAlgn="base">
+              <a:spcBef>
+                <a:spcPct val="0"/>
+              </a:spcBef>
+              <a:spcAft>
+                <a:spcPct val="0"/>
+              </a:spcAft>
+            </a:pPr>
+            <a:r>
+              <a:rPr lang="en-US" sz="2000" b="1" dirty="0">
+                <a:solidFill>
+                  <a:srgbClr val="CCFF66">
+                    <a:lumMod val="40000"/>
+                    <a:lumOff val="60000"/>
+                  </a:srgbClr>
+                </a:solidFill>
+                <a:effectLst>
+                  <a:outerShdw blurRad="38100" dist="38100" dir="2700000" algn="tl">
+                    <a:srgbClr val="000000">
+                      <a:alpha val="43137"/>
+                    </a:srgbClr>
+                  </a:outerShdw>
+                </a:effectLst>
+                <a:latin typeface="+mj-lt"/>
+                <a:cs typeface="Consolas" pitchFamily="49" charset="0"/>
+              </a:rPr>
+              <a:t>University Courses</a:t>
+            </a:r>
+          </a:p>
+        </p:txBody>
+      </p:sp>
+      <p:sp>
+        <p:nvSpPr>
+          <p:cNvPr id="35" name="Rounded Rectangle 34"/>
+          <p:cNvSpPr/>
+          <p:nvPr/>
+        </p:nvSpPr>
+        <p:spPr>
+          <a:xfrm>
+            <a:off x="3467100" y="1800610"/>
+            <a:ext cx="2209800" cy="541144"/>
+          </a:xfrm>
+          <a:prstGeom prst="roundRect">
+            <a:avLst>
+              <a:gd name="adj" fmla="val 5953"/>
+            </a:avLst>
+          </a:prstGeom>
+          <a:solidFill>
+            <a:schemeClr val="accent5">
+              <a:lumMod val="60000"/>
+              <a:lumOff val="40000"/>
+              <a:alpha val="15000"/>
+            </a:schemeClr>
+          </a:solidFill>
+          <a:ln w="6350" algn="ctr">
+            <a:solidFill>
+              <a:schemeClr val="accent5">
+                <a:lumMod val="60000"/>
+                <a:lumOff val="40000"/>
+                <a:alpha val="70000"/>
+              </a:schemeClr>
+            </a:solidFill>
+            <a:round/>
+            <a:headEnd/>
+            <a:tailEnd/>
+          </a:ln>
+          <a:effectLst/>
+        </p:spPr>
+        <p:txBody>
+          <a:bodyPr wrap="square" lIns="108000" tIns="108000" rIns="108000" bIns="108000" anchor="ctr">
+            <a:spAutoFit/>
+          </a:bodyPr>
+          <a:lstStyle/>
+          <a:p>
+            <a:pPr algn="ctr" fontAlgn="base">
+              <a:spcBef>
+                <a:spcPct val="0"/>
+              </a:spcBef>
+              <a:spcAft>
+                <a:spcPct val="0"/>
+              </a:spcAft>
+            </a:pPr>
+            <a:r>
+              <a:rPr lang="en-US" sz="2000" b="1" dirty="0">
+                <a:solidFill>
+                  <a:srgbClr val="CCFF66">
+                    <a:lumMod val="40000"/>
+                    <a:lumOff val="60000"/>
+                  </a:srgbClr>
+                </a:solidFill>
+                <a:effectLst>
+                  <a:outerShdw blurRad="38100" dist="38100" dir="2700000" algn="tl">
+                    <a:srgbClr val="000000">
+                      <a:alpha val="43137"/>
+                    </a:srgbClr>
+                  </a:outerShdw>
+                </a:effectLst>
+                <a:latin typeface="+mj-lt"/>
+                <a:cs typeface="Consolas" pitchFamily="49" charset="0"/>
+              </a:rPr>
+              <a:t>School Academy</a:t>
+            </a:r>
+          </a:p>
+        </p:txBody>
+      </p:sp>
+      <p:cxnSp>
+        <p:nvCxnSpPr>
+          <p:cNvPr id="39" name="Straight Arrow Connector 38"/>
+          <p:cNvCxnSpPr>
+            <a:stCxn id="35" idx="2"/>
+            <a:endCxn id="27" idx="0"/>
+          </p:cNvCxnSpPr>
+          <p:nvPr/>
+        </p:nvCxnSpPr>
+        <p:spPr>
+          <a:xfrm>
+            <a:off x="4572000" y="2341754"/>
+            <a:ext cx="0" cy="457200"/>
+          </a:xfrm>
+          <a:prstGeom prst="straightConnector1">
+            <a:avLst/>
+          </a:prstGeom>
+          <a:solidFill>
+            <a:schemeClr val="accent5">
+              <a:lumMod val="60000"/>
+              <a:lumOff val="40000"/>
+              <a:alpha val="15000"/>
+            </a:schemeClr>
+          </a:solidFill>
+          <a:ln w="19050" algn="ctr">
+            <a:solidFill>
+              <a:schemeClr val="accent5">
+                <a:lumMod val="60000"/>
+                <a:lumOff val="40000"/>
+                <a:alpha val="70000"/>
+              </a:schemeClr>
+            </a:solidFill>
+            <a:round/>
+            <a:headEnd/>
+            <a:tailEnd type="stealth" w="lg" len="lg"/>
+          </a:ln>
+          <a:effectLst/>
+        </p:spPr>
+      </p:cxnSp>
+      <p:sp>
+        <p:nvSpPr>
+          <p:cNvPr id="52" name="Rounded Rectangle 51"/>
+          <p:cNvSpPr/>
+          <p:nvPr/>
+        </p:nvSpPr>
+        <p:spPr>
+          <a:xfrm>
+            <a:off x="3543300" y="817753"/>
+            <a:ext cx="2057400" cy="541144"/>
+          </a:xfrm>
+          <a:prstGeom prst="roundRect">
+            <a:avLst>
+              <a:gd name="adj" fmla="val 5953"/>
+            </a:avLst>
+          </a:prstGeom>
+          <a:solidFill>
+            <a:schemeClr val="accent5">
+              <a:lumMod val="60000"/>
+              <a:lumOff val="40000"/>
+              <a:alpha val="15000"/>
+            </a:schemeClr>
+          </a:solidFill>
+          <a:ln w="6350" algn="ctr">
+            <a:solidFill>
+              <a:schemeClr val="accent5">
+                <a:lumMod val="60000"/>
+                <a:lumOff val="40000"/>
+                <a:alpha val="70000"/>
+              </a:schemeClr>
+            </a:solidFill>
+            <a:round/>
+            <a:headEnd/>
+            <a:tailEnd/>
+          </a:ln>
+          <a:effectLst/>
+        </p:spPr>
+        <p:txBody>
+          <a:bodyPr wrap="square" lIns="108000" tIns="108000" rIns="108000" bIns="108000" anchor="ctr">
+            <a:spAutoFit/>
+          </a:bodyPr>
+          <a:lstStyle/>
+          <a:p>
+            <a:pPr algn="ctr" fontAlgn="base">
+              <a:spcBef>
+                <a:spcPct val="0"/>
+              </a:spcBef>
+              <a:spcAft>
+                <a:spcPct val="0"/>
+              </a:spcAft>
+            </a:pPr>
+            <a:r>
+              <a:rPr lang="en-US" sz="2000" b="1" dirty="0" smtClean="0">
+                <a:solidFill>
+                  <a:srgbClr val="CCFF66">
+                    <a:lumMod val="40000"/>
+                    <a:lumOff val="60000"/>
+                  </a:srgbClr>
+                </a:solidFill>
+                <a:effectLst>
+                  <a:outerShdw blurRad="38100" dist="38100" dir="2700000" algn="tl">
+                    <a:srgbClr val="000000">
+                      <a:alpha val="43137"/>
+                    </a:srgbClr>
+                  </a:outerShdw>
+                </a:effectLst>
+                <a:latin typeface="Consolas" pitchFamily="49" charset="0"/>
+                <a:cs typeface="Consolas" pitchFamily="49" charset="0"/>
+              </a:rPr>
+              <a:t>Kids Academy</a:t>
+            </a:r>
+            <a:endParaRPr lang="en-US" sz="2000" b="1" dirty="0">
+              <a:solidFill>
+                <a:srgbClr val="CCFF66">
+                  <a:lumMod val="40000"/>
+                  <a:lumOff val="60000"/>
+                </a:srgbClr>
+              </a:solidFill>
+              <a:effectLst>
+                <a:outerShdw blurRad="38100" dist="38100" dir="2700000" algn="tl">
+                  <a:srgbClr val="000000">
+                    <a:alpha val="43137"/>
+                  </a:srgbClr>
+                </a:outerShdw>
+              </a:effectLst>
+              <a:latin typeface="Consolas" pitchFamily="49" charset="0"/>
+              <a:cs typeface="Consolas" pitchFamily="49" charset="0"/>
+            </a:endParaRPr>
+          </a:p>
+        </p:txBody>
+      </p:sp>
+      <p:cxnSp>
+        <p:nvCxnSpPr>
+          <p:cNvPr id="53" name="Straight Arrow Connector 52"/>
+          <p:cNvCxnSpPr>
+            <a:stCxn id="52" idx="2"/>
+            <a:endCxn id="35" idx="0"/>
+          </p:cNvCxnSpPr>
+          <p:nvPr/>
+        </p:nvCxnSpPr>
+        <p:spPr>
+          <a:xfrm>
+            <a:off x="4572000" y="1358897"/>
+            <a:ext cx="0" cy="441713"/>
+          </a:xfrm>
+          <a:prstGeom prst="straightConnector1">
+            <a:avLst/>
+          </a:prstGeom>
+          <a:solidFill>
+            <a:schemeClr val="accent5">
+              <a:lumMod val="60000"/>
+              <a:lumOff val="40000"/>
+              <a:alpha val="15000"/>
+            </a:schemeClr>
+          </a:solidFill>
+          <a:ln w="19050" algn="ctr">
+            <a:solidFill>
+              <a:schemeClr val="accent5">
+                <a:lumMod val="60000"/>
+                <a:lumOff val="40000"/>
+                <a:alpha val="70000"/>
+              </a:schemeClr>
+            </a:solidFill>
+            <a:round/>
+            <a:headEnd/>
+            <a:tailEnd type="stealth" w="lg" len="lg"/>
+          </a:ln>
+          <a:effectLst/>
+        </p:spPr>
+      </p:cxnSp>
+      <p:cxnSp>
+        <p:nvCxnSpPr>
+          <p:cNvPr id="64" name="Elbow Connector 63"/>
+          <p:cNvCxnSpPr>
+            <a:stCxn id="33" idx="1"/>
+            <a:endCxn id="28" idx="1"/>
+          </p:cNvCxnSpPr>
+          <p:nvPr/>
+        </p:nvCxnSpPr>
+        <p:spPr>
+          <a:xfrm rot="10800000" flipH="1" flipV="1">
+            <a:off x="990598" y="1088325"/>
+            <a:ext cx="2362201" cy="4978561"/>
+          </a:xfrm>
+          <a:prstGeom prst="bentConnector3">
+            <a:avLst>
+              <a:gd name="adj1" fmla="val -27359"/>
+            </a:avLst>
+          </a:prstGeom>
+          <a:solidFill>
+            <a:schemeClr val="accent5">
+              <a:lumMod val="60000"/>
+              <a:lumOff val="40000"/>
+              <a:alpha val="15000"/>
+            </a:schemeClr>
+          </a:solidFill>
+          <a:ln w="19050" algn="ctr">
+            <a:solidFill>
+              <a:schemeClr val="accent5">
+                <a:lumMod val="60000"/>
+                <a:lumOff val="40000"/>
+                <a:alpha val="70000"/>
+              </a:schemeClr>
+            </a:solidFill>
+            <a:round/>
+            <a:headEnd/>
+            <a:tailEnd type="stealth" w="lg" len="lg"/>
+          </a:ln>
+          <a:effectLst/>
+        </p:spPr>
+      </p:cxnSp>
+      <p:sp>
+        <p:nvSpPr>
+          <p:cNvPr id="23" name="Down Arrow 22"/>
+          <p:cNvSpPr/>
+          <p:nvPr/>
+        </p:nvSpPr>
+        <p:spPr>
+          <a:xfrm rot="1986200">
+            <a:off x="7955240" y="1704842"/>
+            <a:ext cx="461375" cy="1085723"/>
+          </a:xfrm>
+          <a:prstGeom prst="downArrow">
+            <a:avLst/>
+          </a:prstGeom>
+          <a:solidFill>
+            <a:schemeClr val="accent5">
+              <a:lumMod val="60000"/>
+              <a:lumOff val="40000"/>
+              <a:alpha val="15000"/>
+            </a:schemeClr>
+          </a:solidFill>
+          <a:ln w="6350" algn="ctr">
+            <a:solidFill>
+              <a:schemeClr val="accent5">
+                <a:lumMod val="60000"/>
+                <a:lumOff val="40000"/>
+                <a:alpha val="70000"/>
+              </a:schemeClr>
+            </a:solidFill>
+            <a:round/>
+            <a:headEnd/>
+            <a:tailEnd/>
+          </a:ln>
+          <a:effectLst/>
+        </p:spPr>
+        <p:txBody>
+          <a:bodyPr wrap="square" lIns="108000" tIns="108000" rIns="108000" bIns="108000" anchor="ctr">
+            <a:spAutoFit/>
+          </a:bodyPr>
+          <a:lstStyle/>
+          <a:p>
+            <a:pPr algn="ctr"/>
+            <a:endParaRPr lang="en-US" sz="2000" b="1">
+              <a:solidFill>
+                <a:srgbClr val="CCFF66">
+                  <a:lumMod val="40000"/>
+                  <a:lumOff val="60000"/>
+                </a:srgbClr>
+              </a:solidFill>
+              <a:effectLst>
+                <a:outerShdw blurRad="38100" dist="38100" dir="2700000" algn="tl">
+                  <a:srgbClr val="000000">
+                    <a:alpha val="43137"/>
+                  </a:srgbClr>
+                </a:outerShdw>
+              </a:effectLst>
+              <a:latin typeface="+mj-lt"/>
+              <a:cs typeface="Consolas" pitchFamily="49" charset="0"/>
+            </a:endParaRPr>
+          </a:p>
+        </p:txBody>
+      </p:sp>
+      <p:cxnSp>
+        <p:nvCxnSpPr>
+          <p:cNvPr id="21" name="Elbow Connector 20"/>
+          <p:cNvCxnSpPr>
+            <a:stCxn id="5" idx="1"/>
+            <a:endCxn id="7" idx="0"/>
+          </p:cNvCxnSpPr>
+          <p:nvPr/>
+        </p:nvCxnSpPr>
+        <p:spPr>
+          <a:xfrm rot="10800000" flipV="1">
+            <a:off x="2171700" y="3789554"/>
+            <a:ext cx="1295400" cy="678056"/>
+          </a:xfrm>
+          <a:prstGeom prst="bentConnector2">
+            <a:avLst/>
+          </a:prstGeom>
+          <a:solidFill>
+            <a:schemeClr val="accent5">
+              <a:lumMod val="60000"/>
+              <a:lumOff val="40000"/>
+              <a:alpha val="15000"/>
+            </a:schemeClr>
+          </a:solidFill>
+          <a:ln w="19050" algn="ctr">
+            <a:solidFill>
+              <a:schemeClr val="accent5">
+                <a:lumMod val="60000"/>
+                <a:lumOff val="40000"/>
+                <a:alpha val="70000"/>
+              </a:schemeClr>
+            </a:solidFill>
+            <a:round/>
+            <a:headEnd/>
+            <a:tailEnd type="stealth" w="lg" len="lg"/>
+          </a:ln>
+          <a:effectLst/>
+        </p:spPr>
+      </p:cxnSp>
+      <p:cxnSp>
+        <p:nvCxnSpPr>
+          <p:cNvPr id="24" name="Elbow Connector 23"/>
+          <p:cNvCxnSpPr>
+            <a:stCxn id="5" idx="3"/>
+            <a:endCxn id="8" idx="0"/>
+          </p:cNvCxnSpPr>
+          <p:nvPr/>
+        </p:nvCxnSpPr>
+        <p:spPr>
+          <a:xfrm>
+            <a:off x="5676900" y="3789554"/>
+            <a:ext cx="1447800" cy="657612"/>
+          </a:xfrm>
+          <a:prstGeom prst="bentConnector2">
+            <a:avLst/>
+          </a:prstGeom>
+          <a:solidFill>
+            <a:schemeClr val="accent5">
+              <a:lumMod val="60000"/>
+              <a:lumOff val="40000"/>
+              <a:alpha val="15000"/>
+            </a:schemeClr>
+          </a:solidFill>
+          <a:ln w="19050" algn="ctr">
+            <a:solidFill>
+              <a:schemeClr val="accent5">
+                <a:lumMod val="60000"/>
+                <a:lumOff val="40000"/>
+                <a:alpha val="70000"/>
+              </a:schemeClr>
+            </a:solidFill>
+            <a:round/>
+            <a:headEnd/>
+            <a:tailEnd type="stealth" w="lg" len="lg"/>
+          </a:ln>
+          <a:effectLst/>
+        </p:spPr>
+      </p:cxnSp>
+      <p:cxnSp>
+        <p:nvCxnSpPr>
+          <p:cNvPr id="40" name="Straight Arrow Connector 39"/>
+          <p:cNvCxnSpPr/>
+          <p:nvPr/>
+        </p:nvCxnSpPr>
+        <p:spPr>
+          <a:xfrm>
+            <a:off x="4648200" y="2570354"/>
+            <a:ext cx="0" cy="253135"/>
+          </a:xfrm>
+          <a:prstGeom prst="straightConnector1">
+            <a:avLst/>
+          </a:prstGeom>
+          <a:solidFill>
+            <a:schemeClr val="accent5">
+              <a:lumMod val="60000"/>
+              <a:lumOff val="40000"/>
+              <a:alpha val="15000"/>
+            </a:schemeClr>
+          </a:solidFill>
+          <a:ln w="19050" algn="ctr">
+            <a:solidFill>
+              <a:schemeClr val="accent5">
+                <a:lumMod val="60000"/>
+                <a:lumOff val="40000"/>
+                <a:alpha val="70000"/>
+              </a:schemeClr>
+            </a:solidFill>
+            <a:round/>
+            <a:headEnd/>
+            <a:tailEnd type="stealth" w="lg" len="lg"/>
+          </a:ln>
+          <a:effectLst/>
+        </p:spPr>
+      </p:cxnSp>
+      <p:cxnSp>
+        <p:nvCxnSpPr>
+          <p:cNvPr id="38" name="Straight Connector 37"/>
+          <p:cNvCxnSpPr>
+            <a:stCxn id="33" idx="2"/>
+          </p:cNvCxnSpPr>
+          <p:nvPr/>
+        </p:nvCxnSpPr>
+        <p:spPr>
+          <a:xfrm>
+            <a:off x="2133599" y="1358898"/>
+            <a:ext cx="1" cy="1211456"/>
+          </a:xfrm>
+          <a:prstGeom prst="line">
+            <a:avLst/>
+          </a:prstGeom>
+          <a:solidFill>
+            <a:schemeClr val="accent5">
+              <a:lumMod val="60000"/>
+              <a:lumOff val="40000"/>
+              <a:alpha val="15000"/>
+            </a:schemeClr>
+          </a:solidFill>
+          <a:ln w="19050" algn="ctr">
+            <a:solidFill>
+              <a:schemeClr val="accent5">
+                <a:lumMod val="60000"/>
+                <a:lumOff val="40000"/>
+                <a:alpha val="70000"/>
+              </a:schemeClr>
+            </a:solidFill>
+            <a:round/>
+            <a:headEnd/>
+            <a:tailEnd type="none" w="lg" len="lg"/>
+          </a:ln>
+          <a:effectLst/>
+        </p:spPr>
+      </p:cxnSp>
+      <p:cxnSp>
+        <p:nvCxnSpPr>
+          <p:cNvPr id="46" name="Straight Connector 45"/>
+          <p:cNvCxnSpPr/>
+          <p:nvPr/>
+        </p:nvCxnSpPr>
+        <p:spPr>
+          <a:xfrm>
+            <a:off x="2133600" y="2570354"/>
+            <a:ext cx="2514600" cy="0"/>
+          </a:xfrm>
+          <a:prstGeom prst="line">
+            <a:avLst/>
+          </a:prstGeom>
+          <a:solidFill>
+            <a:schemeClr val="accent5">
+              <a:lumMod val="60000"/>
+              <a:lumOff val="40000"/>
+              <a:alpha val="15000"/>
+            </a:schemeClr>
+          </a:solidFill>
+          <a:ln w="19050" algn="ctr">
+            <a:solidFill>
+              <a:schemeClr val="accent5">
+                <a:lumMod val="60000"/>
+                <a:lumOff val="40000"/>
+                <a:alpha val="70000"/>
+              </a:schemeClr>
+            </a:solidFill>
+            <a:round/>
+            <a:headEnd/>
+            <a:tailEnd type="none" w="lg" len="lg"/>
+          </a:ln>
+          <a:effectLst/>
+        </p:spPr>
+      </p:cxnSp>
+      <p:sp>
+        <p:nvSpPr>
+          <p:cNvPr id="65" name="Down Arrow 64"/>
+          <p:cNvSpPr/>
+          <p:nvPr/>
+        </p:nvSpPr>
+        <p:spPr>
+          <a:xfrm rot="1986200">
+            <a:off x="5859740" y="738152"/>
+            <a:ext cx="461375" cy="1085723"/>
+          </a:xfrm>
+          <a:prstGeom prst="downArrow">
+            <a:avLst/>
+          </a:prstGeom>
+          <a:solidFill>
+            <a:schemeClr val="accent5">
+              <a:lumMod val="60000"/>
+              <a:lumOff val="40000"/>
+              <a:alpha val="15000"/>
+            </a:schemeClr>
+          </a:solidFill>
+          <a:ln w="6350" algn="ctr">
+            <a:solidFill>
+              <a:schemeClr val="accent5">
+                <a:lumMod val="60000"/>
+                <a:lumOff val="40000"/>
+                <a:alpha val="70000"/>
+              </a:schemeClr>
+            </a:solidFill>
+            <a:round/>
+            <a:headEnd/>
+            <a:tailEnd/>
+          </a:ln>
+          <a:effectLst/>
+        </p:spPr>
+        <p:txBody>
+          <a:bodyPr wrap="square" lIns="108000" tIns="108000" rIns="108000" bIns="108000" anchor="ctr">
+            <a:spAutoFit/>
+          </a:bodyPr>
+          <a:lstStyle/>
+          <a:p>
+            <a:pPr algn="ctr"/>
+            <a:endParaRPr lang="en-US" sz="2000" b="1">
+              <a:solidFill>
+                <a:srgbClr val="CCFF66">
+                  <a:lumMod val="40000"/>
+                  <a:lumOff val="60000"/>
+                </a:srgbClr>
+              </a:solidFill>
+              <a:effectLst>
+                <a:outerShdw blurRad="38100" dist="38100" dir="2700000" algn="tl">
+                  <a:srgbClr val="000000">
+                    <a:alpha val="43137"/>
+                  </a:srgbClr>
+                </a:outerShdw>
+              </a:effectLst>
+              <a:latin typeface="+mj-lt"/>
+              <a:cs typeface="Consolas" pitchFamily="49" charset="0"/>
+            </a:endParaRPr>
+          </a:p>
+        </p:txBody>
+      </p:sp>
+    </p:spTree>
+    <p:extLst>
+      <p:ext uri="{BB962C8B-B14F-4D97-AF65-F5344CB8AC3E}">
+        <p14:creationId xmlns:p14="http://schemas.microsoft.com/office/powerpoint/2010/main" val="2755897347"/>
+      </p:ext>
+    </p:extLst>
+  </p:cSld>
+  <p:clrMapOvr>
+    <a:masterClrMapping/>
+  </p:clrMapOvr>
+  <p:timing>
+    <p:tnLst>
+      <p:par>
+        <p:cTn id="1" dur="indefinite" restart="never" nodeType="tmRoot"/>
+      </p:par>
+    </p:tnLst>
+  </p:timing>
+</p:sld>
+</file>
+
+<file path=ppt/slides/slide6.xml><?xml version="1.0" encoding="utf-8"?>
+<p:sld xmlns:a="http://schemas.openxmlformats.org/drawingml/2006/main" xmlns:r="http://schemas.openxmlformats.org/officeDocument/2006/relationships" xmlns:p="http://schemas.openxmlformats.org/presentationml/2006/main">
+  <p:cSld>
+    <p:spTree>
+      <p:nvGrpSpPr>
+        <p:cNvPr id="1" name=""/>
+        <p:cNvGrpSpPr/>
+        <p:nvPr/>
+      </p:nvGrpSpPr>
+      <p:grpSpPr>
+        <a:xfrm>
+          <a:off x="0" y="0"/>
+          <a:ext cx="0" cy="0"/>
+          <a:chOff x="0" y="0"/>
+          <a:chExt cx="0" cy="0"/>
+        </a:xfrm>
+      </p:grpSpPr>
+      <p:sp>
+        <p:nvSpPr>
+          <p:cNvPr id="5" name="Rounded Rectangle 4"/>
+          <p:cNvSpPr/>
+          <p:nvPr/>
+        </p:nvSpPr>
+        <p:spPr>
+          <a:xfrm>
+            <a:off x="404813" y="825500"/>
+            <a:ext cx="8334375" cy="5664200"/>
+          </a:xfrm>
+          <a:prstGeom prst="roundRect">
+            <a:avLst>
+              <a:gd name="adj" fmla="val 5953"/>
+            </a:avLst>
+          </a:prstGeom>
+          <a:solidFill>
+            <a:schemeClr val="accent5">
+              <a:lumMod val="60000"/>
+              <a:lumOff val="40000"/>
+              <a:alpha val="15000"/>
+            </a:schemeClr>
+          </a:solidFill>
+          <a:ln w="6350" algn="ctr">
+            <a:solidFill>
+              <a:schemeClr val="accent5">
+                <a:lumMod val="60000"/>
+                <a:lumOff val="40000"/>
+                <a:alpha val="70000"/>
+              </a:schemeClr>
+            </a:solidFill>
+            <a:round/>
+            <a:headEnd/>
+            <a:tailEnd/>
+          </a:ln>
+          <a:effectLst/>
+        </p:spPr>
+        <p:txBody>
+          <a:bodyPr wrap="square" lIns="108000" tIns="108000" rIns="108000" bIns="108000" anchor="t">
+            <a:noAutofit/>
+          </a:bodyPr>
+          <a:lstStyle/>
+          <a:p>
+            <a:pPr algn="ctr" fontAlgn="base">
+              <a:spcBef>
+                <a:spcPct val="0"/>
+              </a:spcBef>
+              <a:spcAft>
+                <a:spcPct val="0"/>
+              </a:spcAft>
+            </a:pPr>
+            <a:r>
+              <a:rPr lang="en-US" sz="2800" b="1" dirty="0" smtClean="0">
+                <a:solidFill>
+                  <a:srgbClr val="CCFF66">
+                    <a:lumMod val="40000"/>
+                    <a:lumOff val="60000"/>
+                  </a:srgbClr>
+                </a:solidFill>
+                <a:effectLst>
+                  <a:outerShdw blurRad="38100" dist="38100" dir="2700000" algn="tl">
+                    <a:srgbClr val="000000">
+                      <a:alpha val="43137"/>
+                    </a:srgbClr>
+                  </a:outerShdw>
+                </a:effectLst>
+                <a:latin typeface="+mj-lt"/>
+                <a:cs typeface="Consolas" pitchFamily="49" charset="0"/>
+              </a:rPr>
+              <a:t>Student Courses</a:t>
+            </a:r>
+          </a:p>
+        </p:txBody>
+      </p:sp>
+      <p:sp>
+        <p:nvSpPr>
+          <p:cNvPr id="16" name="Rounded Rectangle 15"/>
+          <p:cNvSpPr/>
+          <p:nvPr/>
+        </p:nvSpPr>
+        <p:spPr>
+          <a:xfrm>
+            <a:off x="502380" y="1744131"/>
+            <a:ext cx="3939810" cy="1052517"/>
+          </a:xfrm>
+          <a:prstGeom prst="roundRect">
+            <a:avLst>
+              <a:gd name="adj" fmla="val 5953"/>
+            </a:avLst>
+          </a:prstGeom>
+          <a:solidFill>
+            <a:schemeClr val="accent5">
+              <a:lumMod val="60000"/>
+              <a:lumOff val="40000"/>
+              <a:alpha val="15000"/>
+            </a:schemeClr>
+          </a:solidFill>
+          <a:ln w="6350" algn="ctr">
+            <a:solidFill>
+              <a:schemeClr val="accent5">
+                <a:lumMod val="60000"/>
+                <a:lumOff val="40000"/>
+                <a:alpha val="70000"/>
+              </a:schemeClr>
+            </a:solidFill>
+            <a:round/>
+            <a:headEnd/>
+            <a:tailEnd/>
+          </a:ln>
+          <a:effectLst/>
+        </p:spPr>
+        <p:txBody>
+          <a:bodyPr wrap="square" lIns="108000" tIns="108000" rIns="108000" bIns="108000" anchor="ctr">
+            <a:noAutofit/>
+          </a:bodyPr>
+          <a:lstStyle/>
+          <a:p>
+            <a:pPr algn="ctr"/>
+            <a:r>
+              <a:rPr lang="en-US" sz="2000" b="1" dirty="0" smtClean="0">
+                <a:solidFill>
+                  <a:srgbClr val="CCFF66">
+                    <a:lumMod val="40000"/>
+                    <a:lumOff val="60000"/>
+                  </a:srgbClr>
+                </a:solidFill>
+                <a:effectLst>
+                  <a:outerShdw blurRad="38100" dist="38100" dir="2700000" algn="tl">
+                    <a:srgbClr val="000000">
+                      <a:alpha val="43137"/>
+                    </a:srgbClr>
+                  </a:outerShdw>
+                </a:effectLst>
+                <a:latin typeface="+mj-lt"/>
+                <a:cs typeface="Consolas" pitchFamily="49" charset="0"/>
+              </a:rPr>
+              <a:t>Cross-platform Mobile Applications </a:t>
+            </a:r>
+            <a:br>
+              <a:rPr lang="en-US" sz="2000" b="1" dirty="0" smtClean="0">
+                <a:solidFill>
+                  <a:srgbClr val="CCFF66">
+                    <a:lumMod val="40000"/>
+                    <a:lumOff val="60000"/>
+                  </a:srgbClr>
+                </a:solidFill>
+                <a:effectLst>
+                  <a:outerShdw blurRad="38100" dist="38100" dir="2700000" algn="tl">
+                    <a:srgbClr val="000000">
+                      <a:alpha val="43137"/>
+                    </a:srgbClr>
+                  </a:outerShdw>
+                </a:effectLst>
+                <a:latin typeface="+mj-lt"/>
+                <a:cs typeface="Consolas" pitchFamily="49" charset="0"/>
+              </a:rPr>
+            </a:br>
+            <a:r>
+              <a:rPr lang="en-US" sz="2000" b="1" dirty="0" smtClean="0">
+                <a:solidFill>
+                  <a:srgbClr val="CCFF66">
+                    <a:lumMod val="40000"/>
+                    <a:lumOff val="60000"/>
+                  </a:srgbClr>
+                </a:solidFill>
+                <a:effectLst>
+                  <a:outerShdw blurRad="38100" dist="38100" dir="2700000" algn="tl">
+                    <a:srgbClr val="000000">
+                      <a:alpha val="43137"/>
+                    </a:srgbClr>
+                  </a:outerShdw>
+                </a:effectLst>
+                <a:cs typeface="Consolas" pitchFamily="49" charset="0"/>
+              </a:rPr>
+              <a:t>(</a:t>
+            </a:r>
+            <a:r>
+              <a:rPr lang="en-US" sz="2000" b="1" dirty="0">
+                <a:solidFill>
+                  <a:schemeClr val="accent5">
+                    <a:lumMod val="20000"/>
+                    <a:lumOff val="80000"/>
+                  </a:schemeClr>
+                </a:solidFill>
+                <a:effectLst>
+                  <a:outerShdw blurRad="38100" dist="38100" dir="2700000" algn="tl">
+                    <a:srgbClr val="000000">
+                      <a:alpha val="43137"/>
+                    </a:srgbClr>
+                  </a:outerShdw>
+                </a:effectLst>
+                <a:cs typeface="Consolas" pitchFamily="49" charset="0"/>
+              </a:rPr>
+              <a:t>starting</a:t>
+            </a:r>
+            <a:r>
+              <a:rPr lang="en-US" sz="2000" b="1" dirty="0">
+                <a:solidFill>
+                  <a:srgbClr val="CCFF66">
+                    <a:lumMod val="40000"/>
+                    <a:lumOff val="60000"/>
+                  </a:srgbClr>
+                </a:solidFill>
+                <a:effectLst>
+                  <a:outerShdw blurRad="38100" dist="38100" dir="2700000" algn="tl">
+                    <a:srgbClr val="000000">
+                      <a:alpha val="43137"/>
+                    </a:srgbClr>
+                  </a:outerShdw>
+                </a:effectLst>
+                <a:cs typeface="Consolas" pitchFamily="49" charset="0"/>
+              </a:rPr>
+              <a:t> </a:t>
+            </a:r>
+            <a:r>
+              <a:rPr lang="en-US" sz="2000" b="1" dirty="0" smtClean="0">
+                <a:solidFill>
+                  <a:schemeClr val="accent5">
+                    <a:lumMod val="20000"/>
+                    <a:lumOff val="80000"/>
+                  </a:schemeClr>
+                </a:solidFill>
+                <a:effectLst>
+                  <a:outerShdw blurRad="38100" dist="38100" dir="2700000" algn="tl">
+                    <a:srgbClr val="000000">
+                      <a:alpha val="43137"/>
+                    </a:srgbClr>
+                  </a:outerShdw>
+                </a:effectLst>
+                <a:cs typeface="Consolas" pitchFamily="49" charset="0"/>
+              </a:rPr>
+              <a:t>October, FMI</a:t>
+            </a:r>
+            <a:r>
+              <a:rPr lang="en-US" sz="2000" b="1" dirty="0" smtClean="0">
+                <a:solidFill>
+                  <a:srgbClr val="CCFF66">
+                    <a:lumMod val="40000"/>
+                    <a:lumOff val="60000"/>
+                  </a:srgbClr>
+                </a:solidFill>
+                <a:effectLst>
+                  <a:outerShdw blurRad="38100" dist="38100" dir="2700000" algn="tl">
+                    <a:srgbClr val="000000">
+                      <a:alpha val="43137"/>
+                    </a:srgbClr>
+                  </a:outerShdw>
+                </a:effectLst>
+                <a:cs typeface="Consolas" pitchFamily="49" charset="0"/>
+              </a:rPr>
+              <a:t>)</a:t>
+            </a:r>
+            <a:endParaRPr lang="en-US" sz="2000" b="1" dirty="0" smtClean="0">
+              <a:solidFill>
+                <a:srgbClr val="CCFF66">
+                  <a:lumMod val="40000"/>
+                  <a:lumOff val="60000"/>
+                </a:srgbClr>
+              </a:solidFill>
+              <a:effectLst>
+                <a:outerShdw blurRad="38100" dist="38100" dir="2700000" algn="tl">
+                  <a:srgbClr val="000000">
+                    <a:alpha val="43137"/>
+                  </a:srgbClr>
+                </a:outerShdw>
+              </a:effectLst>
+              <a:latin typeface="+mj-lt"/>
+              <a:cs typeface="Consolas" pitchFamily="49" charset="0"/>
+            </a:endParaRPr>
+          </a:p>
+        </p:txBody>
+      </p:sp>
+      <p:sp>
+        <p:nvSpPr>
+          <p:cNvPr id="4" name="Slide Number Placeholder 3"/>
+          <p:cNvSpPr>
+            <a:spLocks noGrp="1"/>
+          </p:cNvSpPr>
+          <p:nvPr>
+            <p:ph type="sldNum" sz="quarter" idx="10"/>
+          </p:nvPr>
+        </p:nvSpPr>
+        <p:spPr>
+          <a:xfrm>
+            <a:off x="8610600" y="6553200"/>
+            <a:ext cx="457200" cy="228600"/>
+          </a:xfrm>
+        </p:spPr>
+        <p:txBody>
+          <a:bodyPr/>
+          <a:lstStyle/>
+          <a:p>
+            <a:pPr>
+              <a:defRPr/>
+            </a:pPr>
+            <a:fld id="{58452FF4-89E3-4D1B-9927-2DBDC00E58D7}" type="slidenum">
+              <a:rPr lang="en-US" smtClean="0"/>
+              <a:pPr>
+                <a:defRPr/>
+              </a:pPr>
+              <a:t>6</a:t>
+            </a:fld>
+            <a:endParaRPr lang="en-US" dirty="0"/>
+          </a:p>
+        </p:txBody>
+      </p:sp>
+      <p:sp>
+        <p:nvSpPr>
+          <p:cNvPr id="9" name="Rounded Rectangle 8"/>
+          <p:cNvSpPr/>
+          <p:nvPr/>
+        </p:nvSpPr>
+        <p:spPr>
+          <a:xfrm>
+            <a:off x="502381" y="2909884"/>
+            <a:ext cx="3939810" cy="1052516"/>
+          </a:xfrm>
+          <a:prstGeom prst="roundRect">
+            <a:avLst>
+              <a:gd name="adj" fmla="val 5953"/>
+            </a:avLst>
+          </a:prstGeom>
+          <a:solidFill>
+            <a:schemeClr val="accent5">
+              <a:lumMod val="60000"/>
+              <a:lumOff val="40000"/>
+              <a:alpha val="15000"/>
+            </a:schemeClr>
+          </a:solidFill>
+          <a:ln w="6350" algn="ctr">
+            <a:solidFill>
+              <a:schemeClr val="accent5">
+                <a:lumMod val="60000"/>
+                <a:lumOff val="40000"/>
+                <a:alpha val="70000"/>
+              </a:schemeClr>
+            </a:solidFill>
+            <a:round/>
+            <a:headEnd/>
+            <a:tailEnd/>
+          </a:ln>
+          <a:effectLst/>
+        </p:spPr>
+        <p:txBody>
+          <a:bodyPr wrap="square" lIns="108000" tIns="108000" rIns="108000" bIns="108000" anchor="ctr">
+            <a:noAutofit/>
+          </a:bodyPr>
+          <a:lstStyle/>
+          <a:p>
+            <a:pPr algn="ctr"/>
+            <a:r>
+              <a:rPr lang="en-US" sz="2000" b="1" dirty="0" smtClean="0">
+                <a:solidFill>
+                  <a:srgbClr val="CCFF66">
+                    <a:lumMod val="40000"/>
+                    <a:lumOff val="60000"/>
+                  </a:srgbClr>
+                </a:solidFill>
+                <a:effectLst>
+                  <a:outerShdw blurRad="38100" dist="38100" dir="2700000" algn="tl">
+                    <a:srgbClr val="000000">
+                      <a:alpha val="43137"/>
+                    </a:srgbClr>
+                  </a:outerShdw>
+                </a:effectLst>
+                <a:latin typeface="+mj-lt"/>
+                <a:cs typeface="Consolas" pitchFamily="49" charset="0"/>
+              </a:rPr>
+              <a:t>Web Applications Development with </a:t>
+            </a:r>
+            <a:r>
+              <a:rPr lang="en-US" sz="2000" b="1" dirty="0">
+                <a:solidFill>
+                  <a:srgbClr val="CCFF66">
+                    <a:lumMod val="40000"/>
+                    <a:lumOff val="60000"/>
+                  </a:srgbClr>
+                </a:solidFill>
+                <a:effectLst>
+                  <a:outerShdw blurRad="38100" dist="38100" dir="2700000" algn="tl">
+                    <a:srgbClr val="000000">
+                      <a:alpha val="43137"/>
+                    </a:srgbClr>
+                  </a:outerShdw>
+                </a:effectLst>
+                <a:cs typeface="Consolas" pitchFamily="49" charset="0"/>
+              </a:rPr>
+              <a:t>ASP.NET MVC </a:t>
+            </a:r>
+            <a:endParaRPr lang="en-US" sz="2000" b="1" dirty="0" smtClean="0">
+              <a:solidFill>
+                <a:srgbClr val="CCFF66">
+                  <a:lumMod val="40000"/>
+                  <a:lumOff val="60000"/>
+                </a:srgbClr>
+              </a:solidFill>
+              <a:effectLst>
+                <a:outerShdw blurRad="38100" dist="38100" dir="2700000" algn="tl">
+                  <a:srgbClr val="000000">
+                    <a:alpha val="43137"/>
+                  </a:srgbClr>
+                </a:outerShdw>
+              </a:effectLst>
+              <a:latin typeface="+mj-lt"/>
+              <a:cs typeface="Consolas" pitchFamily="49" charset="0"/>
+            </a:endParaRPr>
+          </a:p>
+          <a:p>
+            <a:pPr algn="ctr" fontAlgn="base">
+              <a:spcBef>
+                <a:spcPct val="0"/>
+              </a:spcBef>
+              <a:spcAft>
+                <a:spcPct val="0"/>
+              </a:spcAft>
+            </a:pPr>
+            <a:r>
+              <a:rPr lang="en-US" sz="2000" b="1" dirty="0" smtClean="0">
+                <a:solidFill>
+                  <a:srgbClr val="CCFF66">
+                    <a:lumMod val="40000"/>
+                    <a:lumOff val="60000"/>
+                  </a:srgbClr>
+                </a:solidFill>
+                <a:effectLst>
+                  <a:outerShdw blurRad="38100" dist="38100" dir="2700000" algn="tl">
+                    <a:srgbClr val="000000">
+                      <a:alpha val="43137"/>
+                    </a:srgbClr>
+                  </a:outerShdw>
+                </a:effectLst>
+                <a:latin typeface="+mj-lt"/>
+                <a:cs typeface="Consolas" pitchFamily="49" charset="0"/>
+              </a:rPr>
+              <a:t>(</a:t>
+            </a:r>
+            <a:r>
+              <a:rPr lang="en-US" sz="2000" b="1" dirty="0">
+                <a:solidFill>
+                  <a:schemeClr val="accent5">
+                    <a:lumMod val="20000"/>
+                    <a:lumOff val="80000"/>
+                  </a:schemeClr>
+                </a:solidFill>
+                <a:effectLst>
+                  <a:outerShdw blurRad="38100" dist="38100" dir="2700000" algn="tl">
+                    <a:srgbClr val="000000">
+                      <a:alpha val="43137"/>
+                    </a:srgbClr>
+                  </a:outerShdw>
+                </a:effectLst>
+                <a:cs typeface="Consolas" pitchFamily="49" charset="0"/>
+              </a:rPr>
+              <a:t>starting </a:t>
+            </a:r>
+            <a:r>
+              <a:rPr lang="en-US" sz="2000" b="1" dirty="0" smtClean="0">
+                <a:solidFill>
+                  <a:schemeClr val="accent5">
+                    <a:lumMod val="20000"/>
+                    <a:lumOff val="80000"/>
+                  </a:schemeClr>
+                </a:solidFill>
+                <a:effectLst>
+                  <a:outerShdw blurRad="38100" dist="38100" dir="2700000" algn="tl">
+                    <a:srgbClr val="000000">
+                      <a:alpha val="43137"/>
+                    </a:srgbClr>
+                  </a:outerShdw>
+                </a:effectLst>
+                <a:cs typeface="Consolas" pitchFamily="49" charset="0"/>
+              </a:rPr>
+              <a:t>October, FMI</a:t>
+            </a:r>
+            <a:r>
+              <a:rPr lang="en-US" sz="2000" b="1" dirty="0" smtClean="0">
+                <a:solidFill>
+                  <a:srgbClr val="CCFF66">
+                    <a:lumMod val="40000"/>
+                    <a:lumOff val="60000"/>
+                  </a:srgbClr>
+                </a:solidFill>
+                <a:effectLst>
+                  <a:outerShdw blurRad="38100" dist="38100" dir="2700000" algn="tl">
+                    <a:srgbClr val="000000">
+                      <a:alpha val="43137"/>
+                    </a:srgbClr>
+                  </a:outerShdw>
+                </a:effectLst>
+                <a:latin typeface="+mj-lt"/>
+                <a:cs typeface="Consolas" pitchFamily="49" charset="0"/>
+              </a:rPr>
+              <a:t>)</a:t>
+            </a:r>
+            <a:endParaRPr lang="en-US" sz="2000" b="1" dirty="0" smtClean="0">
+              <a:solidFill>
+                <a:srgbClr val="CCFF66">
+                  <a:lumMod val="40000"/>
+                  <a:lumOff val="60000"/>
+                </a:srgbClr>
+              </a:solidFill>
+              <a:effectLst>
+                <a:outerShdw blurRad="38100" dist="38100" dir="2700000" algn="tl">
+                  <a:srgbClr val="000000">
+                    <a:alpha val="43137"/>
+                  </a:srgbClr>
+                </a:outerShdw>
+              </a:effectLst>
+              <a:latin typeface="+mj-lt"/>
+              <a:cs typeface="Consolas" pitchFamily="49" charset="0"/>
+            </a:endParaRPr>
+          </a:p>
+        </p:txBody>
+      </p:sp>
+      <p:sp>
+        <p:nvSpPr>
+          <p:cNvPr id="10" name="Rounded Rectangle 9"/>
+          <p:cNvSpPr/>
+          <p:nvPr/>
+        </p:nvSpPr>
+        <p:spPr>
+          <a:xfrm>
+            <a:off x="4672012" y="2909884"/>
+            <a:ext cx="3910014" cy="1052516"/>
+          </a:xfrm>
+          <a:prstGeom prst="roundRect">
+            <a:avLst>
+              <a:gd name="adj" fmla="val 5953"/>
+            </a:avLst>
+          </a:prstGeom>
+          <a:solidFill>
+            <a:schemeClr val="accent5">
+              <a:lumMod val="60000"/>
+              <a:lumOff val="40000"/>
+              <a:alpha val="15000"/>
+            </a:schemeClr>
+          </a:solidFill>
+          <a:ln w="6350" algn="ctr">
+            <a:solidFill>
+              <a:schemeClr val="accent5">
+                <a:lumMod val="60000"/>
+                <a:lumOff val="40000"/>
+                <a:alpha val="70000"/>
+              </a:schemeClr>
+            </a:solidFill>
+            <a:round/>
+            <a:headEnd/>
+            <a:tailEnd/>
+          </a:ln>
+          <a:effectLst/>
+        </p:spPr>
+        <p:txBody>
+          <a:bodyPr wrap="square" lIns="108000" tIns="108000" rIns="108000" bIns="108000" anchor="ctr">
+            <a:noAutofit/>
+          </a:bodyPr>
+          <a:lstStyle/>
+          <a:p>
+            <a:pPr algn="ctr"/>
+            <a:r>
+              <a:rPr lang="en-US" sz="2000" b="1" dirty="0" smtClean="0">
+                <a:solidFill>
+                  <a:srgbClr val="CCFF66">
+                    <a:lumMod val="40000"/>
+                    <a:lumOff val="60000"/>
+                  </a:srgbClr>
+                </a:solidFill>
+                <a:effectLst>
+                  <a:outerShdw blurRad="38100" dist="38100" dir="2700000" algn="tl">
+                    <a:srgbClr val="000000">
+                      <a:alpha val="43137"/>
+                    </a:srgbClr>
+                  </a:outerShdw>
+                </a:effectLst>
+                <a:latin typeface="+mj-lt"/>
+                <a:cs typeface="Consolas" pitchFamily="49" charset="0"/>
+              </a:rPr>
+              <a:t>High-quality Programming Code</a:t>
+            </a:r>
+            <a:br>
+              <a:rPr lang="en-US" sz="2000" b="1" dirty="0" smtClean="0">
+                <a:solidFill>
+                  <a:srgbClr val="CCFF66">
+                    <a:lumMod val="40000"/>
+                    <a:lumOff val="60000"/>
+                  </a:srgbClr>
+                </a:solidFill>
+                <a:effectLst>
+                  <a:outerShdw blurRad="38100" dist="38100" dir="2700000" algn="tl">
+                    <a:srgbClr val="000000">
+                      <a:alpha val="43137"/>
+                    </a:srgbClr>
+                  </a:outerShdw>
+                </a:effectLst>
+                <a:latin typeface="+mj-lt"/>
+                <a:cs typeface="Consolas" pitchFamily="49" charset="0"/>
+              </a:rPr>
+            </a:br>
+            <a:r>
+              <a:rPr lang="en-US" sz="2000" b="1" dirty="0" smtClean="0">
+                <a:solidFill>
+                  <a:srgbClr val="CCFF66">
+                    <a:lumMod val="40000"/>
+                    <a:lumOff val="60000"/>
+                  </a:srgbClr>
+                </a:solidFill>
+                <a:effectLst>
+                  <a:outerShdw blurRad="38100" dist="38100" dir="2700000" algn="tl">
+                    <a:srgbClr val="000000">
+                      <a:alpha val="43137"/>
+                    </a:srgbClr>
+                  </a:outerShdw>
+                </a:effectLst>
+                <a:latin typeface="+mj-lt"/>
+                <a:cs typeface="Consolas" pitchFamily="49" charset="0"/>
+              </a:rPr>
+              <a:t> </a:t>
+            </a:r>
+            <a:r>
+              <a:rPr lang="en-US" sz="2000" b="1" dirty="0" smtClean="0">
+                <a:solidFill>
+                  <a:srgbClr val="CCFF66">
+                    <a:lumMod val="40000"/>
+                    <a:lumOff val="60000"/>
+                  </a:srgbClr>
+                </a:solidFill>
+                <a:effectLst>
+                  <a:outerShdw blurRad="38100" dist="38100" dir="2700000" algn="tl">
+                    <a:srgbClr val="000000">
+                      <a:alpha val="43137"/>
+                    </a:srgbClr>
+                  </a:outerShdw>
+                </a:effectLst>
+                <a:cs typeface="Consolas" pitchFamily="49" charset="0"/>
+              </a:rPr>
+              <a:t>(</a:t>
+            </a:r>
+            <a:r>
+              <a:rPr lang="en-US" sz="2000" b="1" dirty="0">
+                <a:solidFill>
+                  <a:schemeClr val="accent5">
+                    <a:lumMod val="20000"/>
+                    <a:lumOff val="80000"/>
+                  </a:schemeClr>
+                </a:solidFill>
+                <a:effectLst>
+                  <a:outerShdw blurRad="38100" dist="38100" dir="2700000" algn="tl">
+                    <a:srgbClr val="000000">
+                      <a:alpha val="43137"/>
+                    </a:srgbClr>
+                  </a:outerShdw>
+                </a:effectLst>
+                <a:cs typeface="Consolas" pitchFamily="49" charset="0"/>
+              </a:rPr>
+              <a:t>starting Marc</a:t>
+            </a:r>
+            <a:r>
+              <a:rPr lang="en-US" sz="2000" b="1" dirty="0" smtClean="0">
+                <a:solidFill>
+                  <a:schemeClr val="accent5">
+                    <a:lumMod val="20000"/>
+                    <a:lumOff val="80000"/>
+                  </a:schemeClr>
+                </a:solidFill>
+                <a:effectLst>
+                  <a:outerShdw blurRad="38100" dist="38100" dir="2700000" algn="tl">
+                    <a:srgbClr val="000000">
+                      <a:alpha val="43137"/>
+                    </a:srgbClr>
+                  </a:outerShdw>
+                </a:effectLst>
+                <a:cs typeface="Consolas" pitchFamily="49" charset="0"/>
+              </a:rPr>
+              <a:t>h</a:t>
+            </a:r>
+            <a:r>
+              <a:rPr lang="en-US" sz="2000" b="1" dirty="0" smtClean="0">
+                <a:solidFill>
+                  <a:srgbClr val="CCFF66">
+                    <a:lumMod val="40000"/>
+                    <a:lumOff val="60000"/>
+                  </a:srgbClr>
+                </a:solidFill>
+                <a:effectLst>
+                  <a:outerShdw blurRad="38100" dist="38100" dir="2700000" algn="tl">
+                    <a:srgbClr val="000000">
+                      <a:alpha val="43137"/>
+                    </a:srgbClr>
+                  </a:outerShdw>
+                </a:effectLst>
+                <a:cs typeface="Consolas" pitchFamily="49" charset="0"/>
+              </a:rPr>
+              <a:t>)</a:t>
+            </a:r>
+            <a:endParaRPr lang="en-US" sz="2000" b="1" dirty="0" smtClean="0">
+              <a:solidFill>
+                <a:srgbClr val="CCFF66">
+                  <a:lumMod val="40000"/>
+                  <a:lumOff val="60000"/>
+                </a:srgbClr>
+              </a:solidFill>
+              <a:effectLst>
+                <a:outerShdw blurRad="38100" dist="38100" dir="2700000" algn="tl">
+                  <a:srgbClr val="000000">
+                    <a:alpha val="43137"/>
+                  </a:srgbClr>
+                </a:outerShdw>
+              </a:effectLst>
+              <a:latin typeface="+mj-lt"/>
+              <a:cs typeface="Consolas" pitchFamily="49" charset="0"/>
+            </a:endParaRPr>
+          </a:p>
+        </p:txBody>
+      </p:sp>
+      <p:sp>
+        <p:nvSpPr>
+          <p:cNvPr id="11" name="Rounded Rectangle 10"/>
+          <p:cNvSpPr/>
+          <p:nvPr/>
+        </p:nvSpPr>
+        <p:spPr>
+          <a:xfrm>
+            <a:off x="4670789" y="4038600"/>
+            <a:ext cx="3911237" cy="1052516"/>
+          </a:xfrm>
+          <a:prstGeom prst="roundRect">
+            <a:avLst>
+              <a:gd name="adj" fmla="val 5953"/>
+            </a:avLst>
+          </a:prstGeom>
+          <a:solidFill>
+            <a:schemeClr val="accent5">
+              <a:lumMod val="60000"/>
+              <a:lumOff val="40000"/>
+              <a:alpha val="15000"/>
+            </a:schemeClr>
+          </a:solidFill>
+          <a:ln w="6350" algn="ctr">
+            <a:solidFill>
+              <a:schemeClr val="accent5">
+                <a:lumMod val="60000"/>
+                <a:lumOff val="40000"/>
+                <a:alpha val="70000"/>
+              </a:schemeClr>
+            </a:solidFill>
+            <a:round/>
+            <a:headEnd/>
+            <a:tailEnd/>
+          </a:ln>
+          <a:effectLst/>
+        </p:spPr>
+        <p:txBody>
+          <a:bodyPr wrap="square" lIns="108000" tIns="108000" rIns="108000" bIns="108000" anchor="ctr">
+            <a:noAutofit/>
+          </a:bodyPr>
+          <a:lstStyle/>
+          <a:p>
+            <a:pPr algn="ctr" fontAlgn="base">
+              <a:spcBef>
+                <a:spcPct val="0"/>
+              </a:spcBef>
+              <a:spcAft>
+                <a:spcPct val="0"/>
+              </a:spcAft>
+            </a:pPr>
+            <a:r>
+              <a:rPr lang="en-US" sz="2000" b="1" dirty="0" smtClean="0">
+                <a:solidFill>
+                  <a:srgbClr val="CCFF66">
+                    <a:lumMod val="40000"/>
+                    <a:lumOff val="60000"/>
+                  </a:srgbClr>
+                </a:solidFill>
+                <a:effectLst>
+                  <a:outerShdw blurRad="38100" dist="38100" dir="2700000" algn="tl">
+                    <a:srgbClr val="000000">
+                      <a:alpha val="43137"/>
+                    </a:srgbClr>
+                  </a:outerShdw>
+                </a:effectLst>
+                <a:latin typeface="+mj-lt"/>
+                <a:cs typeface="Consolas" pitchFamily="49" charset="0"/>
+              </a:rPr>
+              <a:t>XAML Development </a:t>
+            </a:r>
+          </a:p>
+          <a:p>
+            <a:pPr algn="ctr" fontAlgn="base">
+              <a:spcBef>
+                <a:spcPct val="0"/>
+              </a:spcBef>
+              <a:spcAft>
+                <a:spcPct val="0"/>
+              </a:spcAft>
+            </a:pPr>
+            <a:r>
+              <a:rPr lang="en-US" sz="2000" b="1" dirty="0" smtClean="0">
+                <a:solidFill>
+                  <a:srgbClr val="CCFF66">
+                    <a:lumMod val="40000"/>
+                    <a:lumOff val="60000"/>
+                  </a:srgbClr>
+                </a:solidFill>
+                <a:effectLst>
+                  <a:outerShdw blurRad="38100" dist="38100" dir="2700000" algn="tl">
+                    <a:srgbClr val="000000">
+                      <a:alpha val="43137"/>
+                    </a:srgbClr>
+                  </a:outerShdw>
+                </a:effectLst>
+                <a:latin typeface="+mj-lt"/>
+                <a:cs typeface="Consolas" pitchFamily="49" charset="0"/>
+              </a:rPr>
+              <a:t>(</a:t>
+            </a:r>
+            <a:r>
+              <a:rPr lang="en-US" sz="2000" b="1" dirty="0">
+                <a:solidFill>
+                  <a:schemeClr val="accent5">
+                    <a:lumMod val="20000"/>
+                    <a:lumOff val="80000"/>
+                  </a:schemeClr>
+                </a:solidFill>
+                <a:effectLst>
+                  <a:outerShdw blurRad="38100" dist="38100" dir="2700000" algn="tl">
+                    <a:srgbClr val="000000">
+                      <a:alpha val="43137"/>
+                    </a:srgbClr>
+                  </a:outerShdw>
+                </a:effectLst>
+                <a:cs typeface="Consolas" pitchFamily="49" charset="0"/>
+              </a:rPr>
+              <a:t>starting March</a:t>
+            </a:r>
+            <a:r>
+              <a:rPr lang="en-US" sz="2000" b="1" dirty="0" smtClean="0">
+                <a:solidFill>
+                  <a:srgbClr val="CCFF66">
+                    <a:lumMod val="40000"/>
+                    <a:lumOff val="60000"/>
+                  </a:srgbClr>
+                </a:solidFill>
+                <a:effectLst>
+                  <a:outerShdw blurRad="38100" dist="38100" dir="2700000" algn="tl">
+                    <a:srgbClr val="000000">
+                      <a:alpha val="43137"/>
+                    </a:srgbClr>
+                  </a:outerShdw>
+                </a:effectLst>
+                <a:latin typeface="+mj-lt"/>
+                <a:cs typeface="Consolas" pitchFamily="49" charset="0"/>
+              </a:rPr>
+              <a:t>)</a:t>
+            </a:r>
+          </a:p>
+        </p:txBody>
+      </p:sp>
+      <p:sp>
+        <p:nvSpPr>
+          <p:cNvPr id="12" name="Rounded Rectangle 11"/>
+          <p:cNvSpPr/>
+          <p:nvPr/>
+        </p:nvSpPr>
+        <p:spPr>
+          <a:xfrm>
+            <a:off x="4670789" y="5181600"/>
+            <a:ext cx="3911238" cy="1052516"/>
+          </a:xfrm>
+          <a:prstGeom prst="roundRect">
+            <a:avLst>
+              <a:gd name="adj" fmla="val 5953"/>
+            </a:avLst>
+          </a:prstGeom>
+          <a:solidFill>
+            <a:schemeClr val="accent5">
+              <a:lumMod val="60000"/>
+              <a:lumOff val="40000"/>
+              <a:alpha val="15000"/>
+            </a:schemeClr>
+          </a:solidFill>
+          <a:ln w="6350" algn="ctr">
+            <a:solidFill>
+              <a:schemeClr val="accent5">
+                <a:lumMod val="60000"/>
+                <a:lumOff val="40000"/>
+                <a:alpha val="70000"/>
+              </a:schemeClr>
+            </a:solidFill>
+            <a:round/>
+            <a:headEnd/>
+            <a:tailEnd/>
+          </a:ln>
+          <a:effectLst/>
+        </p:spPr>
+        <p:txBody>
+          <a:bodyPr wrap="square" lIns="108000" tIns="108000" rIns="108000" bIns="108000" anchor="ctr">
+            <a:noAutofit/>
+          </a:bodyPr>
+          <a:lstStyle/>
+          <a:p>
+            <a:pPr algn="ctr" fontAlgn="base">
+              <a:spcBef>
+                <a:spcPct val="0"/>
+              </a:spcBef>
+              <a:spcAft>
+                <a:spcPct val="0"/>
+              </a:spcAft>
+            </a:pPr>
+            <a:r>
+              <a:rPr lang="en-US" sz="2000" b="1" dirty="0" smtClean="0">
+                <a:solidFill>
+                  <a:srgbClr val="CCFF66">
+                    <a:lumMod val="40000"/>
+                    <a:lumOff val="60000"/>
+                  </a:srgbClr>
+                </a:solidFill>
+                <a:effectLst>
+                  <a:outerShdw blurRad="38100" dist="38100" dir="2700000" algn="tl">
+                    <a:srgbClr val="000000">
+                      <a:alpha val="43137"/>
+                    </a:srgbClr>
+                  </a:outerShdw>
+                </a:effectLst>
+                <a:latin typeface="+mj-lt"/>
+                <a:cs typeface="Consolas" pitchFamily="49" charset="0"/>
+              </a:rPr>
+              <a:t>Web Front-end Course</a:t>
+            </a:r>
+          </a:p>
+          <a:p>
+            <a:pPr algn="ctr"/>
+            <a:r>
+              <a:rPr lang="en-US" sz="2000" b="1" dirty="0">
+                <a:solidFill>
+                  <a:srgbClr val="CCFF66">
+                    <a:lumMod val="40000"/>
+                    <a:lumOff val="60000"/>
+                  </a:srgbClr>
+                </a:solidFill>
+                <a:effectLst>
+                  <a:outerShdw blurRad="38100" dist="38100" dir="2700000" algn="tl">
+                    <a:srgbClr val="000000">
+                      <a:alpha val="43137"/>
+                    </a:srgbClr>
+                  </a:outerShdw>
+                </a:effectLst>
+                <a:cs typeface="Consolas" pitchFamily="49" charset="0"/>
+              </a:rPr>
+              <a:t>(</a:t>
+            </a:r>
+            <a:r>
+              <a:rPr lang="en-US" sz="2000" b="1" dirty="0">
+                <a:solidFill>
+                  <a:schemeClr val="accent5">
+                    <a:lumMod val="20000"/>
+                    <a:lumOff val="80000"/>
+                  </a:schemeClr>
+                </a:solidFill>
+                <a:effectLst>
+                  <a:outerShdw blurRad="38100" dist="38100" dir="2700000" algn="tl">
+                    <a:srgbClr val="000000">
+                      <a:alpha val="43137"/>
+                    </a:srgbClr>
+                  </a:outerShdw>
+                </a:effectLst>
+                <a:cs typeface="Consolas" pitchFamily="49" charset="0"/>
+              </a:rPr>
+              <a:t>starting March</a:t>
+            </a:r>
+            <a:r>
+              <a:rPr lang="en-US" sz="2000" b="1" dirty="0" smtClean="0">
+                <a:solidFill>
+                  <a:srgbClr val="CCFF66">
+                    <a:lumMod val="40000"/>
+                    <a:lumOff val="60000"/>
+                  </a:srgbClr>
+                </a:solidFill>
+                <a:effectLst>
+                  <a:outerShdw blurRad="38100" dist="38100" dir="2700000" algn="tl">
+                    <a:srgbClr val="000000">
+                      <a:alpha val="43137"/>
+                    </a:srgbClr>
+                  </a:outerShdw>
+                </a:effectLst>
+                <a:cs typeface="Consolas" pitchFamily="49" charset="0"/>
+              </a:rPr>
+              <a:t>)</a:t>
+            </a:r>
+            <a:endParaRPr lang="en-US" sz="2000" b="1" dirty="0">
+              <a:solidFill>
+                <a:srgbClr val="CCFF66">
+                  <a:lumMod val="40000"/>
+                  <a:lumOff val="60000"/>
+                </a:srgbClr>
+              </a:solidFill>
+              <a:effectLst>
+                <a:outerShdw blurRad="38100" dist="38100" dir="2700000" algn="tl">
+                  <a:srgbClr val="000000">
+                    <a:alpha val="43137"/>
+                  </a:srgbClr>
+                </a:outerShdw>
+              </a:effectLst>
+              <a:cs typeface="Consolas" pitchFamily="49" charset="0"/>
+            </a:endParaRPr>
+          </a:p>
+        </p:txBody>
+      </p:sp>
+      <p:sp>
+        <p:nvSpPr>
+          <p:cNvPr id="14" name="Rounded Rectangle 13"/>
+          <p:cNvSpPr/>
+          <p:nvPr/>
+        </p:nvSpPr>
+        <p:spPr>
+          <a:xfrm>
+            <a:off x="4672013" y="1752598"/>
+            <a:ext cx="3910014" cy="1052517"/>
+          </a:xfrm>
+          <a:prstGeom prst="roundRect">
+            <a:avLst>
+              <a:gd name="adj" fmla="val 5953"/>
+            </a:avLst>
+          </a:prstGeom>
+          <a:solidFill>
+            <a:schemeClr val="accent5">
+              <a:lumMod val="60000"/>
+              <a:lumOff val="40000"/>
+              <a:alpha val="15000"/>
+            </a:schemeClr>
+          </a:solidFill>
+          <a:ln w="6350" algn="ctr">
+            <a:solidFill>
+              <a:schemeClr val="accent5">
+                <a:lumMod val="60000"/>
+                <a:lumOff val="40000"/>
+                <a:alpha val="70000"/>
+              </a:schemeClr>
+            </a:solidFill>
+            <a:round/>
+            <a:headEnd/>
+            <a:tailEnd/>
+          </a:ln>
+          <a:effectLst/>
+        </p:spPr>
+        <p:txBody>
+          <a:bodyPr wrap="square" lIns="108000" tIns="108000" rIns="108000" bIns="108000" anchor="ctr">
+            <a:noAutofit/>
+          </a:bodyPr>
+          <a:lstStyle/>
+          <a:p>
+            <a:pPr algn="ctr" fontAlgn="base">
+              <a:spcBef>
+                <a:spcPct val="0"/>
+              </a:spcBef>
+              <a:spcAft>
+                <a:spcPct val="0"/>
+              </a:spcAft>
+            </a:pPr>
+            <a:r>
+              <a:rPr lang="en-US" sz="2000" b="1" dirty="0" smtClean="0">
+                <a:solidFill>
+                  <a:srgbClr val="CCFF66">
+                    <a:lumMod val="40000"/>
+                    <a:lumOff val="60000"/>
+                  </a:srgbClr>
+                </a:solidFill>
+                <a:effectLst>
+                  <a:outerShdw blurRad="38100" dist="38100" dir="2700000" algn="tl">
+                    <a:srgbClr val="000000">
+                      <a:alpha val="43137"/>
+                    </a:srgbClr>
+                  </a:outerShdw>
+                </a:effectLst>
+                <a:latin typeface="+mj-lt"/>
+                <a:cs typeface="Consolas" pitchFamily="49" charset="0"/>
+              </a:rPr>
+              <a:t>Native Mobile Development</a:t>
+            </a:r>
+            <a:br>
+              <a:rPr lang="en-US" sz="2000" b="1" dirty="0" smtClean="0">
+                <a:solidFill>
+                  <a:srgbClr val="CCFF66">
+                    <a:lumMod val="40000"/>
+                    <a:lumOff val="60000"/>
+                  </a:srgbClr>
+                </a:solidFill>
+                <a:effectLst>
+                  <a:outerShdw blurRad="38100" dist="38100" dir="2700000" algn="tl">
+                    <a:srgbClr val="000000">
+                      <a:alpha val="43137"/>
+                    </a:srgbClr>
+                  </a:outerShdw>
+                </a:effectLst>
+                <a:latin typeface="+mj-lt"/>
+                <a:cs typeface="Consolas" pitchFamily="49" charset="0"/>
+              </a:rPr>
+            </a:br>
+            <a:r>
+              <a:rPr lang="en-US" sz="2000" b="1" dirty="0" smtClean="0">
+                <a:solidFill>
+                  <a:srgbClr val="CCFF66">
+                    <a:lumMod val="40000"/>
+                    <a:lumOff val="60000"/>
+                  </a:srgbClr>
+                </a:solidFill>
+                <a:effectLst>
+                  <a:outerShdw blurRad="38100" dist="38100" dir="2700000" algn="tl">
+                    <a:srgbClr val="000000">
+                      <a:alpha val="43137"/>
+                    </a:srgbClr>
+                  </a:outerShdw>
+                </a:effectLst>
+                <a:latin typeface="+mj-lt"/>
+                <a:cs typeface="Consolas" pitchFamily="49" charset="0"/>
+              </a:rPr>
+              <a:t>(iOS, Android, Windows Phone 7)</a:t>
+            </a:r>
+          </a:p>
+          <a:p>
+            <a:pPr algn="ctr" fontAlgn="base">
+              <a:spcBef>
+                <a:spcPct val="0"/>
+              </a:spcBef>
+              <a:spcAft>
+                <a:spcPct val="0"/>
+              </a:spcAft>
+            </a:pPr>
+            <a:r>
+              <a:rPr lang="en-US" sz="2000" b="1" dirty="0" smtClean="0">
+                <a:solidFill>
+                  <a:srgbClr val="CCFF66">
+                    <a:lumMod val="40000"/>
+                    <a:lumOff val="60000"/>
+                  </a:srgbClr>
+                </a:solidFill>
+                <a:effectLst>
+                  <a:outerShdw blurRad="38100" dist="38100" dir="2700000" algn="tl">
+                    <a:srgbClr val="000000">
+                      <a:alpha val="43137"/>
+                    </a:srgbClr>
+                  </a:outerShdw>
+                </a:effectLst>
+                <a:latin typeface="+mj-lt"/>
+                <a:cs typeface="Consolas" pitchFamily="49" charset="0"/>
+              </a:rPr>
+              <a:t>(</a:t>
+            </a:r>
+            <a:r>
+              <a:rPr lang="en-US" sz="2000" b="1" dirty="0">
+                <a:solidFill>
+                  <a:schemeClr val="accent5">
+                    <a:lumMod val="20000"/>
+                    <a:lumOff val="80000"/>
+                  </a:schemeClr>
+                </a:solidFill>
+                <a:effectLst>
+                  <a:outerShdw blurRad="38100" dist="38100" dir="2700000" algn="tl">
+                    <a:srgbClr val="000000">
+                      <a:alpha val="43137"/>
+                    </a:srgbClr>
+                  </a:outerShdw>
+                </a:effectLst>
+                <a:cs typeface="Consolas" pitchFamily="49" charset="0"/>
+              </a:rPr>
+              <a:t>starting March</a:t>
+            </a:r>
+            <a:r>
+              <a:rPr lang="en-US" sz="2000" b="1" dirty="0" smtClean="0">
+                <a:solidFill>
+                  <a:srgbClr val="CCFF66">
+                    <a:lumMod val="40000"/>
+                    <a:lumOff val="60000"/>
+                  </a:srgbClr>
+                </a:solidFill>
+                <a:effectLst>
+                  <a:outerShdw blurRad="38100" dist="38100" dir="2700000" algn="tl">
+                    <a:srgbClr val="000000">
+                      <a:alpha val="43137"/>
+                    </a:srgbClr>
+                  </a:outerShdw>
+                </a:effectLst>
+                <a:latin typeface="+mj-lt"/>
+                <a:cs typeface="Consolas" pitchFamily="49" charset="0"/>
+              </a:rPr>
+              <a:t>)</a:t>
+            </a:r>
+          </a:p>
+        </p:txBody>
+      </p:sp>
+      <p:sp>
+        <p:nvSpPr>
+          <p:cNvPr id="15" name="Rounded Rectangle 14"/>
+          <p:cNvSpPr/>
+          <p:nvPr/>
+        </p:nvSpPr>
+        <p:spPr>
+          <a:xfrm>
+            <a:off x="502380" y="4038600"/>
+            <a:ext cx="3939810" cy="1052516"/>
+          </a:xfrm>
+          <a:prstGeom prst="roundRect">
+            <a:avLst>
+              <a:gd name="adj" fmla="val 5953"/>
+            </a:avLst>
+          </a:prstGeom>
+          <a:solidFill>
+            <a:schemeClr val="accent5">
+              <a:lumMod val="60000"/>
+              <a:lumOff val="40000"/>
+              <a:alpha val="15000"/>
+            </a:schemeClr>
+          </a:solidFill>
+          <a:ln w="6350" algn="ctr">
+            <a:solidFill>
+              <a:schemeClr val="accent5">
+                <a:lumMod val="60000"/>
+                <a:lumOff val="40000"/>
+                <a:alpha val="70000"/>
+              </a:schemeClr>
+            </a:solidFill>
+            <a:round/>
+            <a:headEnd/>
+            <a:tailEnd/>
+          </a:ln>
+          <a:effectLst/>
+        </p:spPr>
+        <p:txBody>
+          <a:bodyPr wrap="square" lIns="108000" tIns="108000" rIns="108000" bIns="108000" anchor="ctr">
+            <a:noAutofit/>
+          </a:bodyPr>
+          <a:lstStyle/>
+          <a:p>
+            <a:pPr algn="ctr"/>
+            <a:r>
+              <a:rPr lang="en-US" sz="2000" b="1" dirty="0" smtClean="0">
+                <a:solidFill>
+                  <a:srgbClr val="CCFF66">
+                    <a:lumMod val="40000"/>
+                    <a:lumOff val="60000"/>
+                  </a:srgbClr>
+                </a:solidFill>
+                <a:effectLst>
+                  <a:outerShdw blurRad="38100" dist="38100" dir="2700000" algn="tl">
+                    <a:srgbClr val="000000">
+                      <a:alpha val="43137"/>
+                    </a:srgbClr>
+                  </a:outerShdw>
+                </a:effectLst>
+                <a:latin typeface="+mj-lt"/>
+                <a:cs typeface="Consolas" pitchFamily="49" charset="0"/>
+              </a:rPr>
+              <a:t>Web Client-side Development </a:t>
+            </a:r>
+            <a:br>
+              <a:rPr lang="en-US" sz="2000" b="1" dirty="0" smtClean="0">
+                <a:solidFill>
+                  <a:srgbClr val="CCFF66">
+                    <a:lumMod val="40000"/>
+                    <a:lumOff val="60000"/>
+                  </a:srgbClr>
+                </a:solidFill>
+                <a:effectLst>
+                  <a:outerShdw blurRad="38100" dist="38100" dir="2700000" algn="tl">
+                    <a:srgbClr val="000000">
+                      <a:alpha val="43137"/>
+                    </a:srgbClr>
+                  </a:outerShdw>
+                </a:effectLst>
+                <a:latin typeface="+mj-lt"/>
+                <a:cs typeface="Consolas" pitchFamily="49" charset="0"/>
+              </a:rPr>
+            </a:br>
+            <a:r>
+              <a:rPr lang="en-US" sz="2000" b="1" dirty="0" smtClean="0">
+                <a:solidFill>
+                  <a:srgbClr val="CCFF66">
+                    <a:lumMod val="40000"/>
+                    <a:lumOff val="60000"/>
+                  </a:srgbClr>
+                </a:solidFill>
+                <a:effectLst>
+                  <a:outerShdw blurRad="38100" dist="38100" dir="2700000" algn="tl">
+                    <a:srgbClr val="000000">
+                      <a:alpha val="43137"/>
+                    </a:srgbClr>
+                  </a:outerShdw>
+                </a:effectLst>
+                <a:cs typeface="Consolas" pitchFamily="49" charset="0"/>
+              </a:rPr>
+              <a:t>(</a:t>
+            </a:r>
+            <a:r>
+              <a:rPr lang="en-US" sz="2000" b="1" dirty="0">
+                <a:solidFill>
+                  <a:schemeClr val="accent5">
+                    <a:lumMod val="20000"/>
+                    <a:lumOff val="80000"/>
+                  </a:schemeClr>
+                </a:solidFill>
+                <a:effectLst>
+                  <a:outerShdw blurRad="38100" dist="38100" dir="2700000" algn="tl">
+                    <a:srgbClr val="000000">
+                      <a:alpha val="43137"/>
+                    </a:srgbClr>
+                  </a:outerShdw>
+                </a:effectLst>
+                <a:cs typeface="Consolas" pitchFamily="49" charset="0"/>
+              </a:rPr>
+              <a:t>starting October</a:t>
+            </a:r>
+            <a:r>
+              <a:rPr lang="en-US" sz="2000" b="1" dirty="0" smtClean="0">
+                <a:solidFill>
+                  <a:srgbClr val="CCFF66">
+                    <a:lumMod val="40000"/>
+                    <a:lumOff val="60000"/>
+                  </a:srgbClr>
+                </a:solidFill>
+                <a:effectLst>
+                  <a:outerShdw blurRad="38100" dist="38100" dir="2700000" algn="tl">
+                    <a:srgbClr val="000000">
+                      <a:alpha val="43137"/>
+                    </a:srgbClr>
+                  </a:outerShdw>
+                </a:effectLst>
+                <a:cs typeface="Consolas" pitchFamily="49" charset="0"/>
+              </a:rPr>
+              <a:t>)</a:t>
+            </a:r>
+            <a:endParaRPr lang="en-US" sz="2000" b="1" dirty="0" smtClean="0">
+              <a:solidFill>
+                <a:srgbClr val="CCFF66">
+                  <a:lumMod val="40000"/>
+                  <a:lumOff val="60000"/>
+                </a:srgbClr>
+              </a:solidFill>
+              <a:effectLst>
+                <a:outerShdw blurRad="38100" dist="38100" dir="2700000" algn="tl">
+                  <a:srgbClr val="000000">
+                    <a:alpha val="43137"/>
+                  </a:srgbClr>
+                </a:outerShdw>
+              </a:effectLst>
+              <a:latin typeface="+mj-lt"/>
+              <a:cs typeface="Consolas" pitchFamily="49" charset="0"/>
+            </a:endParaRPr>
+          </a:p>
+        </p:txBody>
+      </p:sp>
+    </p:spTree>
+    <p:extLst>
+      <p:ext uri="{BB962C8B-B14F-4D97-AF65-F5344CB8AC3E}">
+        <p14:creationId xmlns:p14="http://schemas.microsoft.com/office/powerpoint/2010/main" val="3588941590"/>
+      </p:ext>
+    </p:extLst>
+  </p:cSld>
+  <p:clrMapOvr>
+    <a:masterClrMapping/>
+  </p:clrMapOvr>
+  <p:timing>
+    <p:tnLst>
+      <p:par>
+        <p:cTn id="1" dur="indefinite" restart="never" nodeType="tmRoot"/>
+      </p:par>
+    </p:tnLst>
+  </p:timing>
+</p:sld>
+</file>
+
+<file path=ppt/slides/slide7.xml><?xml version="1.0" encoding="utf-8"?>
+<p:sld xmlns:a="http://schemas.openxmlformats.org/drawingml/2006/main" xmlns:r="http://schemas.openxmlformats.org/officeDocument/2006/relationships" xmlns:p="http://schemas.openxmlformats.org/presentationml/2006/main">
+  <p:cSld>
+    <p:spTree>
+      <p:nvGrpSpPr>
+        <p:cNvPr id="1" name=""/>
+        <p:cNvGrpSpPr/>
+        <p:nvPr/>
+      </p:nvGrpSpPr>
+      <p:grpSpPr>
+        <a:xfrm>
+          <a:off x="0" y="0"/>
+          <a:ext cx="0" cy="0"/>
+          <a:chOff x="0" y="0"/>
+          <a:chExt cx="0" cy="0"/>
+        </a:xfrm>
+      </p:grpSpPr>
+      <p:sp>
+        <p:nvSpPr>
+          <p:cNvPr id="2" name="Title 1"/>
+          <p:cNvSpPr>
+            <a:spLocks noGrp="1"/>
+          </p:cNvSpPr>
+          <p:nvPr>
+            <p:ph type="title"/>
+          </p:nvPr>
+        </p:nvSpPr>
+        <p:spPr/>
+        <p:txBody>
+          <a:bodyPr/>
+          <a:lstStyle/>
+          <a:p>
+            <a:r>
+              <a:rPr lang="en-US" dirty="0" smtClean="0"/>
+              <a:t>About the Course</a:t>
+            </a:r>
+            <a:endParaRPr lang="en-US" dirty="0"/>
+          </a:p>
+        </p:txBody>
+      </p:sp>
+      <p:sp>
+        <p:nvSpPr>
+          <p:cNvPr id="3" name="Content Placeholder 2"/>
+          <p:cNvSpPr>
+            <a:spLocks noGrp="1"/>
+          </p:cNvSpPr>
+          <p:nvPr>
+            <p:ph idx="1"/>
+          </p:nvPr>
+        </p:nvSpPr>
+        <p:spPr>
+          <a:xfrm>
+            <a:off x="228600" y="1066800"/>
+            <a:ext cx="8686800" cy="5638800"/>
+          </a:xfrm>
+        </p:spPr>
+        <p:txBody>
+          <a:bodyPr/>
+          <a:lstStyle/>
+          <a:p>
+            <a:pPr>
+              <a:lnSpc>
+                <a:spcPts val="3400"/>
+              </a:lnSpc>
+            </a:pPr>
+            <a:r>
+              <a:rPr lang="en-US" dirty="0"/>
+              <a:t>Web Applications with </a:t>
+            </a:r>
+            <a:r>
+              <a:rPr lang="en-US" dirty="0" smtClean="0"/>
+              <a:t>ASP.NET MVC objectives</a:t>
+            </a:r>
+            <a:endParaRPr lang="en-US" dirty="0" smtClean="0"/>
+          </a:p>
+          <a:p>
+            <a:pPr lvl="1">
+              <a:lnSpc>
+                <a:spcPts val="3400"/>
+              </a:lnSpc>
+            </a:pPr>
+            <a:r>
+              <a:rPr lang="en-US" dirty="0" smtClean="0"/>
+              <a:t>Provides basic skills for development of dynamic ASP.NET MVC Web applications</a:t>
+            </a:r>
+          </a:p>
+          <a:p>
+            <a:pPr lvl="1">
+              <a:lnSpc>
+                <a:spcPts val="3400"/>
+              </a:lnSpc>
+            </a:pPr>
+            <a:r>
+              <a:rPr lang="en-US" dirty="0" smtClean="0"/>
+              <a:t>C</a:t>
+            </a:r>
+            <a:r>
+              <a:rPr lang="en-US" dirty="0" smtClean="0"/>
+              <a:t># language fundamentals</a:t>
+            </a:r>
+          </a:p>
+          <a:p>
+            <a:pPr lvl="1">
+              <a:lnSpc>
+                <a:spcPts val="3400"/>
+              </a:lnSpc>
+            </a:pPr>
+            <a:r>
+              <a:rPr lang="en-US" dirty="0" smtClean="0"/>
+              <a:t>Databases and SQL Server</a:t>
+            </a:r>
+          </a:p>
+          <a:p>
+            <a:pPr lvl="1">
+              <a:lnSpc>
+                <a:spcPts val="3400"/>
+              </a:lnSpc>
+            </a:pPr>
+            <a:r>
+              <a:rPr lang="en-US" dirty="0" smtClean="0"/>
+              <a:t>LINQ and Entity Framework</a:t>
+            </a:r>
+          </a:p>
+          <a:p>
+            <a:pPr lvl="1">
+              <a:lnSpc>
+                <a:spcPts val="3400"/>
+              </a:lnSpc>
+            </a:pPr>
+            <a:r>
+              <a:rPr lang="en-US" dirty="0" smtClean="0"/>
+              <a:t>WWW, HTTP, HTML5, CSS3</a:t>
+            </a:r>
+          </a:p>
+          <a:p>
+            <a:pPr lvl="1">
+              <a:lnSpc>
+                <a:spcPts val="3400"/>
+              </a:lnSpc>
+            </a:pPr>
+            <a:r>
+              <a:rPr lang="en-US" dirty="0" smtClean="0"/>
+              <a:t>JavaScript, </a:t>
+            </a:r>
+            <a:r>
+              <a:rPr lang="en-US" dirty="0" err="1" smtClean="0"/>
+              <a:t>jQuery</a:t>
+            </a:r>
+            <a:endParaRPr lang="en-US" dirty="0"/>
+          </a:p>
+          <a:p>
+            <a:pPr lvl="1">
+              <a:lnSpc>
+                <a:spcPts val="3400"/>
+              </a:lnSpc>
+            </a:pPr>
+            <a:r>
+              <a:rPr lang="en-US" dirty="0" smtClean="0"/>
+              <a:t>ASP.NET MVC</a:t>
+            </a:r>
+            <a:endParaRPr lang="en-US" dirty="0" smtClean="0"/>
+          </a:p>
+        </p:txBody>
+      </p:sp>
+      <p:sp>
+        <p:nvSpPr>
+          <p:cNvPr id="4" name="Slide Number Placeholder 3"/>
+          <p:cNvSpPr>
+            <a:spLocks noGrp="1"/>
+          </p:cNvSpPr>
+          <p:nvPr>
+            <p:ph type="sldNum" sz="quarter" idx="10"/>
+          </p:nvPr>
+        </p:nvSpPr>
+        <p:spPr/>
+        <p:txBody>
+          <a:bodyPr/>
+          <a:lstStyle/>
+          <a:p>
+            <a:pPr>
+              <a:defRPr/>
+            </a:pPr>
+            <a:fld id="{58452FF4-89E3-4D1B-9927-2DBDC00E58D7}" type="slidenum">
+              <a:rPr lang="en-US" smtClean="0"/>
+              <a:pPr>
+                <a:defRPr/>
+              </a:pPr>
+              <a:t>7</a:t>
+            </a:fld>
+            <a:endParaRPr lang="en-US" dirty="0"/>
+          </a:p>
+        </p:txBody>
+      </p:sp>
+      <p:pic>
+        <p:nvPicPr>
+          <p:cNvPr id="25604" name="Picture 4" descr="http://www.artegraficas.com.br/img/web_sites/web_sites.jpg"/>
+          <p:cNvPicPr>
+            <a:picLocks noChangeAspect="1" noChangeArrowheads="1"/>
+          </p:cNvPicPr>
+          <p:nvPr/>
+        </p:nvPicPr>
+        <p:blipFill>
+          <a:blip r:embed="rId2" cstate="screen">
+            <a:extLst>
+              <a:ext uri="{28A0092B-C50C-407E-A947-70E740481C1C}">
+                <a14:useLocalDpi xmlns:a14="http://schemas.microsoft.com/office/drawing/2010/main"/>
+              </a:ext>
+            </a:extLst>
+          </a:blip>
+          <a:srcRect/>
+          <a:stretch>
+            <a:fillRect/>
+          </a:stretch>
+        </p:blipFill>
+        <p:spPr bwMode="auto">
+          <a:xfrm>
+            <a:off x="5736615" y="3581400"/>
+            <a:ext cx="2950185" cy="2362200"/>
+          </a:xfrm>
+          <a:prstGeom prst="roundRect">
+            <a:avLst>
+              <a:gd name="adj" fmla="val 8046"/>
+            </a:avLst>
+          </a:prstGeom>
+          <a:noFill/>
+        </p:spPr>
+      </p:pic>
+    </p:spTree>
+  </p:cSld>
+  <p:clrMapOvr>
+    <a:masterClrMapping/>
+  </p:clrMapOvr>
+  <p:timing>
+    <p:tnLst>
+      <p:par>
+        <p:cTn id="1" dur="indefinite" restart="never" nodeType="tmRoot"/>
+      </p:par>
+    </p:tnLst>
+  </p:timing>
+</p:sld>
+</file>
+
+<file path=ppt/slides/slide8.xml><?xml version="1.0" encoding="utf-8"?>
+<p:sld xmlns:a="http://schemas.openxmlformats.org/drawingml/2006/main" xmlns:r="http://schemas.openxmlformats.org/officeDocument/2006/relationships" xmlns:p="http://schemas.openxmlformats.org/presentationml/2006/main">
+  <p:cSld>
+    <p:spTree>
+      <p:nvGrpSpPr>
+        <p:cNvPr id="1" name=""/>
+        <p:cNvGrpSpPr/>
+        <p:nvPr/>
+      </p:nvGrpSpPr>
+      <p:grpSpPr>
+        <a:xfrm>
+          <a:off x="0" y="0"/>
+          <a:ext cx="0" cy="0"/>
+          <a:chOff x="0" y="0"/>
+          <a:chExt cx="0" cy="0"/>
+        </a:xfrm>
+      </p:grpSpPr>
+      <p:sp>
+        <p:nvSpPr>
+          <p:cNvPr id="2" name="Title 1"/>
+          <p:cNvSpPr>
+            <a:spLocks noGrp="1"/>
+          </p:cNvSpPr>
+          <p:nvPr>
+            <p:ph type="title"/>
+          </p:nvPr>
+        </p:nvSpPr>
+        <p:spPr/>
+        <p:txBody>
+          <a:bodyPr/>
+          <a:lstStyle/>
+          <a:p>
+            <a:r>
+              <a:rPr lang="en-US" dirty="0" smtClean="0"/>
               <a:t>Requirements to the Students</a:t>
             </a:r>
             <a:endParaRPr lang="en-US" dirty="0"/>
@@ -13329,7 +18160,7 @@
               <a:pPr>
                 <a:defRPr/>
               </a:pPr>
-              <a:t>3</a:t>
+              <a:t>8</a:t>
             </a:fld>
             <a:endParaRPr lang="en-US" dirty="0"/>
           </a:p>
@@ -13457,956 +18288,6 @@
 </p:sld>
 </file>
 
-<file path=ppt/slides/slide4.xml><?xml version="1.0" encoding="utf-8"?>
-<p:sld xmlns:a="http://schemas.openxmlformats.org/drawingml/2006/main" xmlns:r="http://schemas.openxmlformats.org/officeDocument/2006/relationships" xmlns:p="http://schemas.openxmlformats.org/presentationml/2006/main">
-  <p:cSld>
-    <p:spTree>
-      <p:nvGrpSpPr>
-        <p:cNvPr id="1" name=""/>
-        <p:cNvGrpSpPr/>
-        <p:nvPr/>
-      </p:nvGrpSpPr>
-      <p:grpSpPr>
-        <a:xfrm>
-          <a:off x="0" y="0"/>
-          <a:ext cx="0" cy="0"/>
-          <a:chOff x="0" y="0"/>
-          <a:chExt cx="0" cy="0"/>
-        </a:xfrm>
-      </p:grpSpPr>
-      <p:sp>
-        <p:nvSpPr>
-          <p:cNvPr id="2" name="Title 1"/>
-          <p:cNvSpPr>
-            <a:spLocks noGrp="1"/>
-          </p:cNvSpPr>
-          <p:nvPr>
-            <p:ph type="title"/>
-          </p:nvPr>
-        </p:nvSpPr>
-        <p:spPr/>
-        <p:txBody>
-          <a:bodyPr/>
-          <a:lstStyle/>
-          <a:p>
-            <a:r>
-              <a:rPr lang="en-US" dirty="0" smtClean="0"/>
-              <a:t>Registration</a:t>
-            </a:r>
-            <a:endParaRPr lang="en-US" dirty="0"/>
-          </a:p>
-        </p:txBody>
-      </p:sp>
-      <p:sp>
-        <p:nvSpPr>
-          <p:cNvPr id="3" name="Content Placeholder 2"/>
-          <p:cNvSpPr>
-            <a:spLocks noGrp="1"/>
-          </p:cNvSpPr>
-          <p:nvPr>
-            <p:ph idx="1"/>
-          </p:nvPr>
-        </p:nvSpPr>
-        <p:spPr/>
-        <p:txBody>
-          <a:bodyPr/>
-          <a:lstStyle/>
-          <a:p>
-            <a:r>
-              <a:rPr lang="en-US" dirty="0" smtClean="0"/>
-              <a:t>All students should register for the course at:</a:t>
-            </a:r>
-          </a:p>
-          <a:p>
-            <a:endParaRPr lang="en-US" dirty="0"/>
-          </a:p>
-          <a:p>
-            <a:pPr marL="0" indent="0" algn="ctr">
-              <a:buNone/>
-            </a:pPr>
-            <a:r>
-              <a:rPr lang="en-US" sz="4400" dirty="0" smtClean="0">
-                <a:hlinkClick r:id="rId2"/>
-              </a:rPr>
-              <a:t>http</a:t>
-            </a:r>
-            <a:r>
-              <a:rPr lang="en-US" sz="4400" dirty="0" smtClean="0">
-                <a:hlinkClick r:id="rId2"/>
-              </a:rPr>
-              <a:t>://mvccourse.telerik.com</a:t>
-            </a:r>
-            <a:endParaRPr lang="en-US" sz="4400" dirty="0" smtClean="0"/>
-          </a:p>
-          <a:p>
-            <a:pPr marL="0" indent="0" algn="ctr">
-              <a:buNone/>
-            </a:pPr>
-            <a:endParaRPr lang="en-US" sz="4400" dirty="0"/>
-          </a:p>
-          <a:p>
-            <a:pPr lvl="0">
-              <a:buClr>
-                <a:srgbClr val="46A6BD">
-                  <a:lumMod val="40000"/>
-                  <a:lumOff val="60000"/>
-                </a:srgbClr>
-              </a:buClr>
-            </a:pPr>
-            <a:r>
-              <a:rPr lang="en-US" dirty="0" smtClean="0"/>
-              <a:t>Registration is important!</a:t>
-            </a:r>
-          </a:p>
-          <a:p>
-            <a:pPr lvl="1">
-              <a:buClr>
-                <a:srgbClr val="46A6BD">
-                  <a:lumMod val="40000"/>
-                  <a:lumOff val="60000"/>
-                </a:srgbClr>
-              </a:buClr>
-            </a:pPr>
-            <a:r>
-              <a:rPr lang="en-US" dirty="0" smtClean="0"/>
-              <a:t>Registration allows the trainers contact you regarding the course projects, exams, etc.</a:t>
-            </a:r>
-          </a:p>
-          <a:p>
-            <a:pPr lvl="1">
-              <a:buClr>
-                <a:srgbClr val="46A6BD">
-                  <a:lumMod val="40000"/>
-                  <a:lumOff val="60000"/>
-                </a:srgbClr>
-              </a:buClr>
-            </a:pPr>
-            <a:r>
-              <a:rPr lang="en-US" dirty="0" smtClean="0"/>
-              <a:t>Registered students are assigned to work on one of the course projects</a:t>
-            </a:r>
-          </a:p>
-        </p:txBody>
-      </p:sp>
-      <p:sp>
-        <p:nvSpPr>
-          <p:cNvPr id="4" name="Slide Number Placeholder 3"/>
-          <p:cNvSpPr>
-            <a:spLocks noGrp="1"/>
-          </p:cNvSpPr>
-          <p:nvPr>
-            <p:ph type="sldNum" sz="quarter" idx="10"/>
-          </p:nvPr>
-        </p:nvSpPr>
-        <p:spPr/>
-        <p:txBody>
-          <a:bodyPr/>
-          <a:lstStyle/>
-          <a:p>
-            <a:pPr>
-              <a:defRPr/>
-            </a:pPr>
-            <a:fld id="{58452FF4-89E3-4D1B-9927-2DBDC00E58D7}" type="slidenum">
-              <a:rPr lang="en-US" smtClean="0"/>
-              <a:pPr>
-                <a:defRPr/>
-              </a:pPr>
-              <a:t>4</a:t>
-            </a:fld>
-            <a:endParaRPr lang="en-US" dirty="0"/>
-          </a:p>
-        </p:txBody>
-      </p:sp>
-    </p:spTree>
-    <p:extLst>
-      <p:ext uri="{BB962C8B-B14F-4D97-AF65-F5344CB8AC3E}">
-        <p14:creationId xmlns:p14="http://schemas.microsoft.com/office/powerpoint/2010/main" val="652486721"/>
-      </p:ext>
-    </p:extLst>
-  </p:cSld>
-  <p:clrMapOvr>
-    <a:masterClrMapping/>
-  </p:clrMapOvr>
-  <p:timing>
-    <p:tnLst>
-      <p:par>
-        <p:cTn id="1" dur="indefinite" restart="never" nodeType="tmRoot"/>
-      </p:par>
-    </p:tnLst>
-  </p:timing>
-</p:sld>
-</file>
-
-<file path=ppt/slides/slide5.xml><?xml version="1.0" encoding="utf-8"?>
-<p:sld xmlns:a="http://schemas.openxmlformats.org/drawingml/2006/main" xmlns:r="http://schemas.openxmlformats.org/officeDocument/2006/relationships" xmlns:p="http://schemas.openxmlformats.org/presentationml/2006/main">
-  <p:cSld>
-    <p:spTree>
-      <p:nvGrpSpPr>
-        <p:cNvPr id="1" name=""/>
-        <p:cNvGrpSpPr/>
-        <p:nvPr/>
-      </p:nvGrpSpPr>
-      <p:grpSpPr>
-        <a:xfrm>
-          <a:off x="0" y="0"/>
-          <a:ext cx="0" cy="0"/>
-          <a:chOff x="0" y="0"/>
-          <a:chExt cx="0" cy="0"/>
-        </a:xfrm>
-      </p:grpSpPr>
-      <p:sp>
-        <p:nvSpPr>
-          <p:cNvPr id="4" name="Title 3"/>
-          <p:cNvSpPr>
-            <a:spLocks noGrp="1"/>
-          </p:cNvSpPr>
-          <p:nvPr>
-            <p:ph type="title"/>
-          </p:nvPr>
-        </p:nvSpPr>
-        <p:spPr/>
-        <p:txBody>
-          <a:bodyPr/>
-          <a:lstStyle/>
-          <a:p>
-            <a:r>
-              <a:rPr lang="en-US" dirty="0" smtClean="0"/>
-              <a:t>Course Schedule</a:t>
-            </a:r>
-            <a:endParaRPr lang="en-US" dirty="0"/>
-          </a:p>
-        </p:txBody>
-      </p:sp>
-      <p:sp>
-        <p:nvSpPr>
-          <p:cNvPr id="5" name="Content Placeholder 4"/>
-          <p:cNvSpPr>
-            <a:spLocks noGrp="1"/>
-          </p:cNvSpPr>
-          <p:nvPr>
-            <p:ph idx="1"/>
-          </p:nvPr>
-        </p:nvSpPr>
-        <p:spPr/>
-        <p:txBody>
-          <a:bodyPr/>
-          <a:lstStyle/>
-          <a:p>
-            <a:pPr lvl="0">
-              <a:lnSpc>
-                <a:spcPct val="100000"/>
-              </a:lnSpc>
-            </a:pPr>
-            <a:r>
-              <a:rPr lang="en-US" dirty="0" smtClean="0"/>
-              <a:t>Sofia </a:t>
-            </a:r>
-            <a:r>
-              <a:rPr lang="en-US" dirty="0" smtClean="0"/>
-              <a:t>University – FMI</a:t>
-            </a:r>
-          </a:p>
-          <a:p>
-            <a:pPr lvl="1">
-              <a:lnSpc>
-                <a:spcPct val="100000"/>
-              </a:lnSpc>
-            </a:pPr>
-            <a:r>
-              <a:rPr lang="en-US" dirty="0" smtClean="0"/>
-              <a:t>Every </a:t>
-            </a:r>
-            <a:r>
-              <a:rPr lang="en-US" dirty="0" smtClean="0"/>
-              <a:t>Monday, </a:t>
-            </a:r>
-            <a:r>
-              <a:rPr lang="en-US" dirty="0" smtClean="0"/>
-              <a:t>18:00-21:00, lab 229</a:t>
-            </a:r>
-          </a:p>
-          <a:p>
-            <a:pPr lvl="1">
-              <a:lnSpc>
-                <a:spcPct val="100000"/>
-              </a:lnSpc>
-            </a:pPr>
-            <a:r>
-              <a:rPr lang="en-US" dirty="0" smtClean="0"/>
-              <a:t>Start: </a:t>
-            </a:r>
-            <a:r>
-              <a:rPr lang="en-US" dirty="0" smtClean="0"/>
-              <a:t>10</a:t>
-            </a:r>
-            <a:r>
-              <a:rPr lang="en-US" baseline="30000" dirty="0" smtClean="0"/>
-              <a:t>th</a:t>
-            </a:r>
-            <a:r>
-              <a:rPr lang="en-US" dirty="0" smtClean="0"/>
-              <a:t> </a:t>
-            </a:r>
-            <a:r>
-              <a:rPr lang="en-US" dirty="0" smtClean="0"/>
-              <a:t>October </a:t>
-            </a:r>
-            <a:r>
-              <a:rPr lang="en-US" dirty="0" smtClean="0"/>
-              <a:t>2011</a:t>
-            </a:r>
-            <a:endParaRPr lang="en-US" dirty="0" smtClean="0"/>
-          </a:p>
-          <a:p>
-            <a:pPr lvl="0">
-              <a:lnSpc>
-                <a:spcPct val="100000"/>
-              </a:lnSpc>
-            </a:pPr>
-            <a:r>
-              <a:rPr lang="en-US" dirty="0" smtClean="0"/>
-              <a:t>Telerik Academy</a:t>
-            </a:r>
-            <a:endParaRPr lang="en-US" dirty="0" smtClean="0"/>
-          </a:p>
-          <a:p>
-            <a:pPr lvl="1">
-              <a:lnSpc>
-                <a:spcPct val="100000"/>
-              </a:lnSpc>
-            </a:pPr>
-            <a:r>
-              <a:rPr lang="en-US" dirty="0" smtClean="0"/>
-              <a:t>Every </a:t>
-            </a:r>
-            <a:r>
-              <a:rPr lang="en-US" dirty="0" smtClean="0"/>
-              <a:t>Thursday, </a:t>
-            </a:r>
-            <a:r>
-              <a:rPr lang="en-US" dirty="0" smtClean="0"/>
-              <a:t>18:00-21:00, </a:t>
-            </a:r>
-            <a:r>
-              <a:rPr lang="en-US" dirty="0" smtClean="0"/>
-              <a:t>New Training </a:t>
-            </a:r>
-            <a:r>
-              <a:rPr lang="en-US" dirty="0" smtClean="0"/>
-              <a:t>H</a:t>
-            </a:r>
-            <a:r>
-              <a:rPr lang="en-US" dirty="0" smtClean="0"/>
-              <a:t>all</a:t>
-            </a:r>
-            <a:endParaRPr lang="en-US" dirty="0" smtClean="0"/>
-          </a:p>
-          <a:p>
-            <a:pPr lvl="1">
-              <a:lnSpc>
-                <a:spcPct val="100000"/>
-              </a:lnSpc>
-            </a:pPr>
-            <a:r>
-              <a:rPr lang="en-US" dirty="0" smtClean="0"/>
-              <a:t>Start: </a:t>
-            </a:r>
-            <a:r>
-              <a:rPr lang="en-US" dirty="0" smtClean="0"/>
-              <a:t>20</a:t>
-            </a:r>
-            <a:r>
-              <a:rPr lang="en-US" baseline="30000" dirty="0" smtClean="0"/>
-              <a:t>th</a:t>
-            </a:r>
-            <a:r>
-              <a:rPr lang="en-US" dirty="0" smtClean="0"/>
-              <a:t> October 2011</a:t>
-            </a:r>
-            <a:endParaRPr lang="en-US" dirty="0" smtClean="0"/>
-          </a:p>
-        </p:txBody>
-      </p:sp>
-      <p:sp>
-        <p:nvSpPr>
-          <p:cNvPr id="7" name="Slide Number Placeholder 3"/>
-          <p:cNvSpPr>
-            <a:spLocks noGrp="1"/>
-          </p:cNvSpPr>
-          <p:nvPr>
-            <p:ph type="sldNum" sz="quarter" idx="10"/>
-          </p:nvPr>
-        </p:nvSpPr>
-        <p:spPr/>
-        <p:txBody>
-          <a:bodyPr/>
-          <a:lstStyle/>
-          <a:p>
-            <a:pPr>
-              <a:defRPr/>
-            </a:pPr>
-            <a:fld id="{58452FF4-89E3-4D1B-9927-2DBDC00E58D7}" type="slidenum">
-              <a:rPr lang="en-US" smtClean="0"/>
-              <a:pPr>
-                <a:defRPr/>
-              </a:pPr>
-              <a:t>5</a:t>
-            </a:fld>
-            <a:endParaRPr lang="en-US" dirty="0"/>
-          </a:p>
-        </p:txBody>
-      </p:sp>
-      <p:pic>
-        <p:nvPicPr>
-          <p:cNvPr id="6" name="Picture 2" descr="http://www.vivantehoa.com/schedule_book.jpg"/>
-          <p:cNvPicPr>
-            <a:picLocks noChangeAspect="1" noChangeArrowheads="1"/>
-          </p:cNvPicPr>
-          <p:nvPr/>
-        </p:nvPicPr>
-        <p:blipFill>
-          <a:blip r:embed="rId2" cstate="screen">
-            <a:extLst>
-              <a:ext uri="{28A0092B-C50C-407E-A947-70E740481C1C}">
-                <a14:useLocalDpi xmlns:a14="http://schemas.microsoft.com/office/drawing/2010/main"/>
-              </a:ext>
-            </a:extLst>
-          </a:blip>
-          <a:srcRect/>
-          <a:stretch>
-            <a:fillRect/>
-          </a:stretch>
-        </p:blipFill>
-        <p:spPr bwMode="auto">
-          <a:xfrm>
-            <a:off x="5334000" y="4343400"/>
-            <a:ext cx="3124200" cy="1844506"/>
-          </a:xfrm>
-          <a:prstGeom prst="roundRect">
-            <a:avLst>
-              <a:gd name="adj" fmla="val 8594"/>
-            </a:avLst>
-          </a:prstGeom>
-          <a:solidFill>
-            <a:srgbClr val="FFFFFF">
-              <a:shade val="85000"/>
-            </a:srgbClr>
-          </a:solidFill>
-          <a:ln>
-            <a:solidFill>
-              <a:schemeClr val="accent5">
-                <a:lumMod val="60000"/>
-                <a:lumOff val="40000"/>
-              </a:schemeClr>
-            </a:solidFill>
-          </a:ln>
-          <a:effectLst/>
-        </p:spPr>
-      </p:pic>
-    </p:spTree>
-  </p:cSld>
-  <p:clrMapOvr>
-    <a:masterClrMapping/>
-  </p:clrMapOvr>
-  <p:timing>
-    <p:tnLst>
-      <p:par>
-        <p:cTn id="1" dur="indefinite" restart="never" nodeType="tmRoot"/>
-      </p:par>
-    </p:tnLst>
-  </p:timing>
-</p:sld>
-</file>
-
-<file path=ppt/slides/slide6.xml><?xml version="1.0" encoding="utf-8"?>
-<p:sld xmlns:a="http://schemas.openxmlformats.org/drawingml/2006/main" xmlns:r="http://schemas.openxmlformats.org/officeDocument/2006/relationships" xmlns:p="http://schemas.openxmlformats.org/presentationml/2006/main">
-  <p:cSld>
-    <p:spTree>
-      <p:nvGrpSpPr>
-        <p:cNvPr id="1" name=""/>
-        <p:cNvGrpSpPr/>
-        <p:nvPr/>
-      </p:nvGrpSpPr>
-      <p:grpSpPr>
-        <a:xfrm>
-          <a:off x="0" y="0"/>
-          <a:ext cx="0" cy="0"/>
-          <a:chOff x="0" y="0"/>
-          <a:chExt cx="0" cy="0"/>
-        </a:xfrm>
-      </p:grpSpPr>
-      <p:pic>
-        <p:nvPicPr>
-          <p:cNvPr id="18434" name="Picture 2" descr="http://headrush.typepad.com/photos/uncategorized/books.jpg"/>
-          <p:cNvPicPr>
-            <a:picLocks noChangeAspect="1" noChangeArrowheads="1"/>
-          </p:cNvPicPr>
-          <p:nvPr/>
-        </p:nvPicPr>
-        <p:blipFill>
-          <a:blip r:embed="rId2" cstate="print"/>
-          <a:srcRect/>
-          <a:stretch>
-            <a:fillRect/>
-          </a:stretch>
-        </p:blipFill>
-        <p:spPr bwMode="auto">
-          <a:xfrm>
-            <a:off x="2362200" y="1334037"/>
-            <a:ext cx="4391026" cy="2913576"/>
-          </a:xfrm>
-          <a:prstGeom prst="roundRect">
-            <a:avLst>
-              <a:gd name="adj" fmla="val 6046"/>
-            </a:avLst>
-          </a:prstGeom>
-          <a:solidFill>
-            <a:srgbClr val="FFFFFF">
-              <a:shade val="85000"/>
-            </a:srgbClr>
-          </a:solidFill>
-          <a:ln>
-            <a:noFill/>
-          </a:ln>
-          <a:effectLst>
-            <a:reflection blurRad="12700" stA="38000" endPos="28000" dist="5000" dir="5400000" sy="-100000" algn="bl" rotWithShape="0"/>
-            <a:softEdge rad="31750"/>
-          </a:effectLst>
-        </p:spPr>
-      </p:pic>
-      <p:sp>
-        <p:nvSpPr>
-          <p:cNvPr id="5" name="Title 4"/>
-          <p:cNvSpPr>
-            <a:spLocks noGrp="1"/>
-          </p:cNvSpPr>
-          <p:nvPr>
-            <p:ph type="ctrTitle"/>
-          </p:nvPr>
-        </p:nvSpPr>
-        <p:spPr>
-          <a:xfrm>
-            <a:off x="457200" y="5181600"/>
-            <a:ext cx="8229600" cy="685800"/>
-          </a:xfrm>
-        </p:spPr>
-        <p:txBody>
-          <a:bodyPr/>
-          <a:lstStyle/>
-          <a:p>
-            <a:r>
-              <a:rPr lang="en-US" dirty="0" smtClean="0"/>
-              <a:t>Course Curriculum</a:t>
-            </a:r>
-            <a:endParaRPr lang="en-US" dirty="0"/>
-          </a:p>
-        </p:txBody>
-      </p:sp>
-    </p:spTree>
-  </p:cSld>
-  <p:clrMapOvr>
-    <a:masterClrMapping/>
-  </p:clrMapOvr>
-  <p:timing>
-    <p:tnLst>
-      <p:par>
-        <p:cTn id="1" dur="indefinite" restart="never" nodeType="tmRoot"/>
-      </p:par>
-    </p:tnLst>
-  </p:timing>
-</p:sld>
-</file>
-
-<file path=ppt/slides/slide7.xml><?xml version="1.0" encoding="utf-8"?>
-<p:sld xmlns:a="http://schemas.openxmlformats.org/drawingml/2006/main" xmlns:r="http://schemas.openxmlformats.org/officeDocument/2006/relationships" xmlns:p="http://schemas.openxmlformats.org/presentationml/2006/main">
-  <p:cSld>
-    <p:spTree>
-      <p:nvGrpSpPr>
-        <p:cNvPr id="1" name=""/>
-        <p:cNvGrpSpPr/>
-        <p:nvPr/>
-      </p:nvGrpSpPr>
-      <p:grpSpPr>
-        <a:xfrm>
-          <a:off x="0" y="0"/>
-          <a:ext cx="0" cy="0"/>
-          <a:chOff x="0" y="0"/>
-          <a:chExt cx="0" cy="0"/>
-        </a:xfrm>
-      </p:grpSpPr>
-      <p:sp>
-        <p:nvSpPr>
-          <p:cNvPr id="2" name="Title 1"/>
-          <p:cNvSpPr>
-            <a:spLocks noGrp="1"/>
-          </p:cNvSpPr>
-          <p:nvPr>
-            <p:ph type="title"/>
-          </p:nvPr>
-        </p:nvSpPr>
-        <p:spPr/>
-        <p:txBody>
-          <a:bodyPr/>
-          <a:lstStyle/>
-          <a:p>
-            <a:r>
-              <a:rPr lang="en-US" dirty="0" smtClean="0"/>
-              <a:t>Curriculum</a:t>
-            </a:r>
-            <a:endParaRPr lang="en-US" dirty="0"/>
-          </a:p>
-        </p:txBody>
-      </p:sp>
-      <p:sp>
-        <p:nvSpPr>
-          <p:cNvPr id="3" name="Content Placeholder 2"/>
-          <p:cNvSpPr>
-            <a:spLocks noGrp="1"/>
-          </p:cNvSpPr>
-          <p:nvPr>
-            <p:ph idx="1"/>
-          </p:nvPr>
-        </p:nvSpPr>
-        <p:spPr>
-          <a:xfrm>
-            <a:off x="76200" y="838200"/>
-            <a:ext cx="8991600" cy="5791200"/>
-          </a:xfrm>
-        </p:spPr>
-        <p:txBody>
-          <a:bodyPr/>
-          <a:lstStyle/>
-          <a:p>
-            <a:pPr marL="361950" lvl="0" indent="-361950">
-              <a:lnSpc>
-                <a:spcPct val="95000"/>
-              </a:lnSpc>
-              <a:buFont typeface="+mj-lt"/>
-              <a:buAutoNum type="arabicPeriod"/>
-              <a:tabLst/>
-            </a:pPr>
-            <a:r>
-              <a:rPr lang="en-US" sz="3000" dirty="0" smtClean="0"/>
-              <a:t>.NET Framework Overview</a:t>
-            </a:r>
-          </a:p>
-          <a:p>
-            <a:pPr marL="520700" lvl="1" indent="-228600">
-              <a:lnSpc>
-                <a:spcPct val="95000"/>
-              </a:lnSpc>
-            </a:pPr>
-            <a:r>
-              <a:rPr lang="en-US" sz="2800" dirty="0" smtClean="0"/>
-              <a:t>.NET, CLR, MSIL, Assemblies, CTS, .NET languages </a:t>
-            </a:r>
-          </a:p>
-          <a:p>
-            <a:pPr marL="361950" lvl="0" indent="-361950">
-              <a:lnSpc>
-                <a:spcPct val="95000"/>
-              </a:lnSpc>
-              <a:buFont typeface="+mj-lt"/>
-              <a:buAutoNum type="arabicPeriod"/>
-              <a:tabLst/>
-            </a:pPr>
-            <a:r>
-              <a:rPr lang="en-US" sz="3000" dirty="0" smtClean="0"/>
-              <a:t>C# Language Overview – Part I</a:t>
-            </a:r>
-          </a:p>
-          <a:p>
-            <a:pPr marL="520700" lvl="1" indent="-228600">
-              <a:lnSpc>
-                <a:spcPct val="95000"/>
-              </a:lnSpc>
-            </a:pPr>
-            <a:r>
-              <a:rPr lang="en-US" sz="2800" dirty="0" smtClean="0"/>
-              <a:t>Data Types, Operators, Expressions, Statements, Console I/O, if / switch / case, Loops, Arrays, Methods</a:t>
-            </a:r>
-          </a:p>
-          <a:p>
-            <a:pPr marL="361950" lvl="0" indent="-361950">
-              <a:lnSpc>
-                <a:spcPct val="95000"/>
-              </a:lnSpc>
-              <a:buFont typeface="+mj-lt"/>
-              <a:buAutoNum type="arabicPeriod"/>
-              <a:tabLst/>
-            </a:pPr>
-            <a:r>
-              <a:rPr lang="en-US" sz="3000" dirty="0" smtClean="0"/>
-              <a:t>C# Language Overview – Part II</a:t>
-            </a:r>
-          </a:p>
-          <a:p>
-            <a:pPr marL="520700" lvl="1" indent="-228600">
-              <a:lnSpc>
-                <a:spcPct val="95000"/>
-              </a:lnSpc>
-            </a:pPr>
-            <a:r>
-              <a:rPr lang="en-US" sz="2800" dirty="0" smtClean="0"/>
-              <a:t>Creating and Using Objects, Exceptions, Strings, Generics, Collections, Attributes</a:t>
-            </a:r>
-          </a:p>
-          <a:p>
-            <a:pPr marL="361950" lvl="0" indent="-361950">
-              <a:lnSpc>
-                <a:spcPct val="95000"/>
-              </a:lnSpc>
-              <a:buFont typeface="+mj-lt"/>
-              <a:buAutoNum type="arabicPeriod"/>
-              <a:tabLst/>
-            </a:pPr>
-            <a:r>
-              <a:rPr lang="en-US" sz="3000" dirty="0" smtClean="0"/>
-              <a:t>Object-Oriented Programming with C#</a:t>
-            </a:r>
-          </a:p>
-          <a:p>
-            <a:pPr marL="520700" lvl="1" indent="-228600">
-              <a:lnSpc>
-                <a:spcPct val="95000"/>
-              </a:lnSpc>
-            </a:pPr>
-            <a:r>
-              <a:rPr lang="en-US" sz="2800" dirty="0" smtClean="0"/>
-              <a:t>Defining Classes, Constructors, Properties, Methods, Events, Interfaces, Inheritance, Polymorphism</a:t>
-            </a:r>
-          </a:p>
-        </p:txBody>
-      </p:sp>
-      <p:sp>
-        <p:nvSpPr>
-          <p:cNvPr id="4" name="Slide Number Placeholder 3"/>
-          <p:cNvSpPr>
-            <a:spLocks noGrp="1"/>
-          </p:cNvSpPr>
-          <p:nvPr>
-            <p:ph type="sldNum" sz="quarter" idx="10"/>
-          </p:nvPr>
-        </p:nvSpPr>
-        <p:spPr/>
-        <p:txBody>
-          <a:bodyPr/>
-          <a:lstStyle/>
-          <a:p>
-            <a:pPr>
-              <a:defRPr/>
-            </a:pPr>
-            <a:fld id="{58452FF4-89E3-4D1B-9927-2DBDC00E58D7}" type="slidenum">
-              <a:rPr lang="en-US" smtClean="0"/>
-              <a:pPr>
-                <a:defRPr/>
-              </a:pPr>
-              <a:t>7</a:t>
-            </a:fld>
-            <a:endParaRPr lang="en-US" dirty="0"/>
-          </a:p>
-        </p:txBody>
-      </p:sp>
-    </p:spTree>
-  </p:cSld>
-  <p:clrMapOvr>
-    <a:masterClrMapping/>
-  </p:clrMapOvr>
-  <p:timing>
-    <p:tnLst>
-      <p:par>
-        <p:cTn id="1" dur="indefinite" restart="never" nodeType="tmRoot"/>
-      </p:par>
-    </p:tnLst>
-  </p:timing>
-</p:sld>
-</file>
-
-<file path=ppt/slides/slide8.xml><?xml version="1.0" encoding="utf-8"?>
-<p:sld xmlns:a="http://schemas.openxmlformats.org/drawingml/2006/main" xmlns:r="http://schemas.openxmlformats.org/officeDocument/2006/relationships" xmlns:p="http://schemas.openxmlformats.org/presentationml/2006/main">
-  <p:cSld>
-    <p:spTree>
-      <p:nvGrpSpPr>
-        <p:cNvPr id="1" name=""/>
-        <p:cNvGrpSpPr/>
-        <p:nvPr/>
-      </p:nvGrpSpPr>
-      <p:grpSpPr>
-        <a:xfrm>
-          <a:off x="0" y="0"/>
-          <a:ext cx="0" cy="0"/>
-          <a:chOff x="0" y="0"/>
-          <a:chExt cx="0" cy="0"/>
-        </a:xfrm>
-      </p:grpSpPr>
-      <p:sp>
-        <p:nvSpPr>
-          <p:cNvPr id="2" name="Title 1"/>
-          <p:cNvSpPr>
-            <a:spLocks noGrp="1"/>
-          </p:cNvSpPr>
-          <p:nvPr>
-            <p:ph type="title"/>
-          </p:nvPr>
-        </p:nvSpPr>
-        <p:spPr/>
-        <p:txBody>
-          <a:bodyPr/>
-          <a:lstStyle/>
-          <a:p>
-            <a:r>
-              <a:rPr lang="en-US" dirty="0" smtClean="0"/>
-              <a:t>Curriculum (2)</a:t>
-            </a:r>
-            <a:endParaRPr lang="en-US" dirty="0"/>
-          </a:p>
-        </p:txBody>
-      </p:sp>
-      <p:sp>
-        <p:nvSpPr>
-          <p:cNvPr id="3" name="Content Placeholder 2"/>
-          <p:cNvSpPr>
-            <a:spLocks noGrp="1"/>
-          </p:cNvSpPr>
-          <p:nvPr>
-            <p:ph idx="1"/>
-          </p:nvPr>
-        </p:nvSpPr>
-        <p:spPr>
-          <a:xfrm>
-            <a:off x="228600" y="990600"/>
-            <a:ext cx="8686800" cy="5715000"/>
-          </a:xfrm>
-        </p:spPr>
-        <p:txBody>
-          <a:bodyPr/>
-          <a:lstStyle/>
-          <a:p>
-            <a:pPr marL="360363" lvl="0" indent="-360363">
-              <a:lnSpc>
-                <a:spcPct val="95000"/>
-              </a:lnSpc>
-              <a:buFont typeface="+mj-lt"/>
-              <a:buAutoNum type="arabicPeriod" startAt="5"/>
-              <a:tabLst/>
-            </a:pPr>
-            <a:r>
-              <a:rPr lang="en-US" sz="3000" dirty="0" smtClean="0"/>
-              <a:t>Databases, SQL and MS SQL Server</a:t>
-            </a:r>
-          </a:p>
-          <a:p>
-            <a:pPr marL="457200" lvl="1" indent="-228600">
-              <a:lnSpc>
-                <a:spcPct val="95000"/>
-              </a:lnSpc>
-            </a:pPr>
-            <a:r>
-              <a:rPr lang="en-US" sz="2800" dirty="0" smtClean="0"/>
-              <a:t>RDBMS, SQL Language, SQL SELECT, Joins, Grouping, SQL INSERT, SQL UPDATE, SQL DELETE, MS SQL Server, SQL Server Management Studio </a:t>
-            </a:r>
-          </a:p>
-          <a:p>
-            <a:pPr marL="361950" lvl="0" indent="-361950">
-              <a:lnSpc>
-                <a:spcPct val="95000"/>
-              </a:lnSpc>
-              <a:buFont typeface="+mj-lt"/>
-              <a:buAutoNum type="arabicPeriod" startAt="5"/>
-              <a:tabLst/>
-            </a:pPr>
-            <a:r>
-              <a:rPr lang="en-US" sz="3000" dirty="0" smtClean="0"/>
-              <a:t>LINQ and ADO.NET Entity Framework</a:t>
-            </a:r>
-          </a:p>
-          <a:p>
-            <a:pPr marL="457200" lvl="1" indent="-228600">
-              <a:lnSpc>
-                <a:spcPct val="95000"/>
-              </a:lnSpc>
-            </a:pPr>
-            <a:r>
-              <a:rPr lang="en-US" sz="2800" dirty="0" smtClean="0"/>
-              <a:t>LINQ Operators and Expressions, Projections, Conversions, Aggregations, ADO.NET Entity Framework: Read / Create / Update / Delete </a:t>
-            </a:r>
-            <a:r>
-              <a:rPr lang="en-US" sz="2800" dirty="0" smtClean="0"/>
-              <a:t>Data</a:t>
-            </a:r>
-          </a:p>
-          <a:p>
-            <a:pPr marL="361950" lvl="0" indent="-361950">
-              <a:lnSpc>
-                <a:spcPct val="95000"/>
-              </a:lnSpc>
-              <a:buFont typeface="+mj-lt"/>
-              <a:buAutoNum type="arabicPeriod" startAt="5"/>
-              <a:tabLst/>
-            </a:pPr>
-            <a:r>
-              <a:rPr lang="en-US" sz="3000" dirty="0" smtClean="0"/>
-              <a:t>Web Technologies Basics and HTML</a:t>
-            </a:r>
-          </a:p>
-          <a:p>
-            <a:pPr marL="457200" lvl="1" indent="-228600">
-              <a:lnSpc>
-                <a:spcPct val="95000"/>
-              </a:lnSpc>
-            </a:pPr>
-            <a:r>
-              <a:rPr lang="en-US" sz="2800" dirty="0" smtClean="0"/>
-              <a:t>WWW, HTTP, Request-Response, HTML Fundamentals, Tags, Tables, Forms, etc.</a:t>
-            </a:r>
-            <a:endParaRPr lang="en-US" sz="2800" dirty="0" smtClean="0"/>
-          </a:p>
-        </p:txBody>
-      </p:sp>
-      <p:sp>
-        <p:nvSpPr>
-          <p:cNvPr id="4" name="Slide Number Placeholder 3"/>
-          <p:cNvSpPr>
-            <a:spLocks noGrp="1"/>
-          </p:cNvSpPr>
-          <p:nvPr>
-            <p:ph type="sldNum" sz="quarter" idx="10"/>
-          </p:nvPr>
-        </p:nvSpPr>
-        <p:spPr/>
-        <p:txBody>
-          <a:bodyPr/>
-          <a:lstStyle/>
-          <a:p>
-            <a:pPr>
-              <a:defRPr/>
-            </a:pPr>
-            <a:fld id="{58452FF4-89E3-4D1B-9927-2DBDC00E58D7}" type="slidenum">
-              <a:rPr lang="en-US" smtClean="0"/>
-              <a:pPr>
-                <a:defRPr/>
-              </a:pPr>
-              <a:t>8</a:t>
-            </a:fld>
-            <a:endParaRPr lang="en-US" dirty="0"/>
-          </a:p>
-        </p:txBody>
-      </p:sp>
-    </p:spTree>
-  </p:cSld>
-  <p:clrMapOvr>
-    <a:masterClrMapping/>
-  </p:clrMapOvr>
-  <p:timing>
-    <p:tnLst>
-      <p:par>
-        <p:cTn id="1" dur="indefinite" restart="never" nodeType="tmRoot"/>
-      </p:par>
-    </p:tnLst>
-  </p:timing>
-</p:sld>
-</file>
-
 <file path=ppt/slides/slide9.xml><?xml version="1.0" encoding="utf-8"?>
 <p:sld xmlns:a="http://schemas.openxmlformats.org/drawingml/2006/main" xmlns:r="http://schemas.openxmlformats.org/officeDocument/2006/relationships" xmlns:p="http://schemas.openxmlformats.org/presentationml/2006/main">
   <p:cSld>
@@ -14441,7 +18322,7 @@
           <a:p>
             <a:r>
               <a:rPr lang="en-US" dirty="0" smtClean="0"/>
-              <a:t>Curriculum (3)</a:t>
+              <a:t>Registration</a:t>
             </a:r>
             <a:endParaRPr lang="en-US" dirty="0"/>
           </a:p>
@@ -14457,188 +18338,84 @@
             <p:ph idx="1"/>
           </p:nvPr>
         </p:nvSpPr>
-        <p:spPr>
-          <a:xfrm>
-            <a:off x="152400" y="838200"/>
-            <a:ext cx="8839200" cy="5715000"/>
-          </a:xfrm>
-        </p:spPr>
+        <p:spPr/>
         <p:txBody>
           <a:bodyPr/>
           <a:lstStyle/>
           <a:p>
-            <a:pPr marL="514350" indent="-514350">
-              <a:lnSpc>
-                <a:spcPct val="95000"/>
-              </a:lnSpc>
-              <a:buFont typeface="+mj-lt"/>
-              <a:buAutoNum type="arabicPeriod" startAt="8"/>
-              <a:tabLst/>
-            </a:pPr>
-            <a:r>
-              <a:rPr lang="en-US" sz="3000" dirty="0" smtClean="0"/>
-              <a:t>CSS and CSS3</a:t>
-            </a:r>
-            <a:endParaRPr lang="en-US" sz="3000" dirty="0"/>
-          </a:p>
-          <a:p>
-            <a:pPr marL="457200" lvl="1" indent="-228600">
-              <a:lnSpc>
-                <a:spcPct val="95000"/>
-              </a:lnSpc>
-            </a:pPr>
-            <a:r>
-              <a:rPr lang="en-US" sz="2800" dirty="0" smtClean="0">
-                <a:solidFill>
-                  <a:srgbClr val="FAF7C8"/>
-                </a:solidFill>
+            <a:r>
+              <a:rPr lang="en-US" dirty="0" smtClean="0"/>
+              <a:t>All students should register for the course at:</a:t>
+            </a:r>
+          </a:p>
+          <a:p>
+            <a:endParaRPr lang="en-US" dirty="0"/>
+          </a:p>
+          <a:p>
+            <a:pPr marL="0" indent="0" algn="ctr">
+              <a:buNone/>
+            </a:pPr>
+            <a:r>
+              <a:rPr lang="en-US" sz="4400" dirty="0" smtClean="0">
+                <a:hlinkClick r:id="rId2"/>
               </a:rPr>
-              <a:t>Selectors and style definitions, Fonts, Backgrounds, Borders, The Box Model, </a:t>
-            </a:r>
-            <a:r>
-              <a:rPr lang="en-US" sz="2800" dirty="0"/>
-              <a:t>Alignment, Margin, Padding, Visibility, Display, </a:t>
-            </a:r>
-            <a:r>
-              <a:rPr lang="en-US" sz="2800" dirty="0" smtClean="0"/>
-              <a:t>Overflow, etc.</a:t>
-            </a:r>
-            <a:endParaRPr lang="en-US" sz="2800" dirty="0" smtClean="0"/>
-          </a:p>
-          <a:p>
-            <a:pPr marL="514350" indent="-514350">
-              <a:lnSpc>
-                <a:spcPct val="95000"/>
-              </a:lnSpc>
-              <a:buFont typeface="+mj-lt"/>
-              <a:buAutoNum type="arabicPeriod" startAt="8"/>
-              <a:tabLst/>
-            </a:pPr>
-            <a:r>
-              <a:rPr lang="en-US" sz="3000" dirty="0" smtClean="0"/>
-              <a:t>JavaScript</a:t>
-            </a:r>
-            <a:endParaRPr lang="en-US" sz="3000" dirty="0"/>
-          </a:p>
-          <a:p>
-            <a:pPr marL="457200" lvl="1" indent="-228600">
-              <a:lnSpc>
-                <a:spcPct val="95000"/>
-              </a:lnSpc>
-            </a:pPr>
-            <a:r>
-              <a:rPr lang="en-US" sz="2800" dirty="0" smtClean="0">
-                <a:cs typeface="Times New Roman" pitchFamily="18" charset="0"/>
+              <a:t>http</a:t>
+            </a:r>
+            <a:r>
+              <a:rPr lang="en-US" sz="4400" dirty="0" smtClean="0">
+                <a:hlinkClick r:id="rId2"/>
               </a:rPr>
-              <a:t>Operators, </a:t>
-            </a:r>
-            <a:r>
-              <a:rPr lang="en-US" sz="2800" dirty="0">
-                <a:cs typeface="Times New Roman" pitchFamily="18" charset="0"/>
-              </a:rPr>
-              <a:t>Data </a:t>
-            </a:r>
-            <a:r>
-              <a:rPr lang="en-US" sz="2800" dirty="0" smtClean="0">
-                <a:cs typeface="Times New Roman" pitchFamily="18" charset="0"/>
-              </a:rPr>
-              <a:t>Types, </a:t>
-            </a:r>
-            <a:r>
-              <a:rPr lang="en-US" sz="2800" dirty="0" smtClean="0"/>
-              <a:t>Statements, Loops, etc.</a:t>
-            </a:r>
-            <a:endParaRPr lang="en-US" sz="2800" noProof="1"/>
-          </a:p>
-          <a:p>
-            <a:pPr marL="514350" indent="-514350">
-              <a:lnSpc>
-                <a:spcPct val="95000"/>
-              </a:lnSpc>
-              <a:buFont typeface="+mj-lt"/>
-              <a:buAutoNum type="arabicPeriod" startAt="8"/>
-              <a:tabLst/>
-            </a:pPr>
-            <a:r>
-              <a:rPr lang="en-US" sz="3000" dirty="0" err="1" smtClean="0"/>
-              <a:t>jQuery</a:t>
-            </a:r>
-            <a:r>
-              <a:rPr lang="en-US" sz="3000" dirty="0"/>
-              <a:t> </a:t>
-            </a:r>
-            <a:r>
-              <a:rPr lang="en-US" sz="3000" dirty="0" smtClean="0"/>
-              <a:t>and HTML5</a:t>
-            </a:r>
-            <a:endParaRPr lang="en-US" sz="3000" dirty="0"/>
-          </a:p>
-          <a:p>
-            <a:pPr marL="457200" lvl="1" indent="-228600">
-              <a:lnSpc>
-                <a:spcPct val="95000"/>
-              </a:lnSpc>
-            </a:pPr>
-            <a:r>
-              <a:rPr lang="en-US" sz="2800" dirty="0" err="1"/>
-              <a:t>jQuery</a:t>
-            </a:r>
-            <a:r>
-              <a:rPr lang="en-US" sz="2800" dirty="0"/>
-              <a:t> </a:t>
-            </a:r>
-            <a:r>
-              <a:rPr lang="en-US" sz="2800" dirty="0" smtClean="0"/>
-              <a:t>Fundamentals, AJAX, </a:t>
-            </a:r>
-            <a:r>
-              <a:rPr lang="en-US" sz="2800" dirty="0" err="1"/>
-              <a:t>jQuery</a:t>
-            </a:r>
-            <a:r>
-              <a:rPr lang="en-US" sz="2800" dirty="0"/>
-              <a:t> </a:t>
-            </a:r>
-            <a:r>
-              <a:rPr lang="en-US" sz="2800" dirty="0" smtClean="0"/>
-              <a:t>UI, HTML5</a:t>
-            </a:r>
-            <a:endParaRPr lang="en-US" sz="2800" dirty="0"/>
-          </a:p>
-          <a:p>
-            <a:pPr marL="514350" indent="-514350">
-              <a:lnSpc>
-                <a:spcPct val="95000"/>
-              </a:lnSpc>
-              <a:buFont typeface="+mj-lt"/>
-              <a:buAutoNum type="arabicPeriod" startAt="8"/>
-              <a:tabLst/>
-            </a:pPr>
-            <a:r>
-              <a:rPr lang="en-US" sz="3000" dirty="0" smtClean="0"/>
-              <a:t>ASP.NET MVC part 1</a:t>
-            </a:r>
-            <a:endParaRPr lang="en-US" sz="3000" dirty="0"/>
-          </a:p>
-          <a:p>
-            <a:pPr marL="457200" lvl="1" indent="-228600">
-              <a:lnSpc>
-                <a:spcPct val="95000"/>
-              </a:lnSpc>
-            </a:pPr>
-            <a:r>
-              <a:rPr lang="en-US" sz="2800" dirty="0" smtClean="0"/>
-              <a:t>MVC, Simple Project, Conventions, Routes, Controllers, Models, Views, </a:t>
-            </a:r>
-            <a:r>
-              <a:rPr lang="en-US" sz="2800" dirty="0" err="1" smtClean="0"/>
-              <a:t>elpers</a:t>
-            </a:r>
-            <a:r>
-              <a:rPr lang="en-US" sz="2800" dirty="0" smtClean="0"/>
-              <a:t>, Typed views</a:t>
-            </a:r>
-            <a:endParaRPr lang="en-US" sz="2800" dirty="0"/>
+              <a:t>://mvccourse.telerik.com</a:t>
+            </a:r>
+            <a:endParaRPr lang="en-US" sz="4400" dirty="0" smtClean="0"/>
+          </a:p>
+          <a:p>
+            <a:pPr marL="0" indent="0" algn="ctr">
+              <a:buNone/>
+            </a:pPr>
+            <a:endParaRPr lang="en-US" sz="4400" dirty="0"/>
+          </a:p>
+          <a:p>
+            <a:pPr lvl="0">
+              <a:buClr>
+                <a:srgbClr val="46A6BD">
+                  <a:lumMod val="40000"/>
+                  <a:lumOff val="60000"/>
+                </a:srgbClr>
+              </a:buClr>
+            </a:pPr>
+            <a:r>
+              <a:rPr lang="en-US" dirty="0" smtClean="0"/>
+              <a:t>Registration is important!</a:t>
+            </a:r>
+          </a:p>
+          <a:p>
+            <a:pPr lvl="1">
+              <a:buClr>
+                <a:srgbClr val="46A6BD">
+                  <a:lumMod val="40000"/>
+                  <a:lumOff val="60000"/>
+                </a:srgbClr>
+              </a:buClr>
+            </a:pPr>
+            <a:r>
+              <a:rPr lang="en-US" dirty="0" smtClean="0"/>
+              <a:t>Registration allows the trainers contact you regarding the course projects, exams, etc.</a:t>
+            </a:r>
+          </a:p>
+          <a:p>
+            <a:pPr lvl="1">
+              <a:buClr>
+                <a:srgbClr val="46A6BD">
+                  <a:lumMod val="40000"/>
+                  <a:lumOff val="60000"/>
+                </a:srgbClr>
+              </a:buClr>
+            </a:pPr>
+            <a:r>
+              <a:rPr lang="en-US" dirty="0" smtClean="0"/>
+              <a:t>Registered students are assigned to work on one of the course projects</a:t>
+            </a:r>
           </a:p>
         </p:txBody>
       </p:sp>
@@ -14672,6 +18449,11 @@
         </p:txBody>
       </p:sp>
     </p:spTree>
+    <p:extLst>
+      <p:ext uri="{BB962C8B-B14F-4D97-AF65-F5344CB8AC3E}">
+        <p14:creationId xmlns:p14="http://schemas.microsoft.com/office/powerpoint/2010/main" val="652486721"/>
+      </p:ext>
+    </p:extLst>
   </p:cSld>
   <p:clrMapOvr>
     <a:masterClrMapping/>
